--- a/4일차/4일 2강 반복문 while (Lesson6).pptx
+++ b/4일차/4일 2강 반복문 while (Lesson6).pptx
@@ -1,6 +1,6 @@
 
 <file path=ppt/presentation.xml><?xml version="1.0" encoding="utf-8"?>
-<p:presentation xmlns:r="http://schemas.openxmlformats.org/officeDocument/2006/relationships" xmlns:c="http://schemas.openxmlformats.org/drawingml/2006/chart" xmlns:a="http://schemas.openxmlformats.org/drawingml/2006/main" xmlns:dgm="http://schemas.openxmlformats.org/drawingml/2006/diagram" xmlns:dsp="http://schemas.microsoft.com/office/drawing/2008/diagram" xmlns:p="http://schemas.openxmlformats.org/presentationml/2006/main" saveSubsetFonts="1">
+<p:presentation xmlns:a="http://schemas.openxmlformats.org/drawingml/2006/main" xmlns:r="http://schemas.openxmlformats.org/officeDocument/2006/relationships" xmlns:p="http://schemas.openxmlformats.org/presentationml/2006/main" saveSubsetFonts="1">
   <p:sldMasterIdLst>
     <p:sldMasterId id="2147483677" r:id="rId1"/>
   </p:sldMasterIdLst>
@@ -18,17 +18,8 @@
     <p:sldId id="266" r:id="rId12"/>
     <p:sldId id="267" r:id="rId13"/>
     <p:sldId id="268" r:id="rId14"/>
-    <p:sldId id="269" r:id="rId15"/>
-    <p:sldId id="270" r:id="rId16"/>
-    <p:sldId id="271" r:id="rId17"/>
-    <p:sldId id="272" r:id="rId18"/>
-    <p:sldId id="273" r:id="rId19"/>
-    <p:sldId id="274" r:id="rId20"/>
-    <p:sldId id="275" r:id="rId21"/>
-    <p:sldId id="276" r:id="rId22"/>
-    <p:sldId id="277" r:id="rId23"/>
-    <p:sldId id="278" r:id="rId24"/>
-    <p:sldId id="279" r:id="rId25"/>
+    <p:sldId id="278" r:id="rId15"/>
+    <p:sldId id="279" r:id="rId16"/>
   </p:sldIdLst>
   <p:sldSz cx="9144000" cy="6858000" type="screen4x3"/>
   <p:notesSz cx="6858000" cy="9144000"/>
@@ -157,11 +148,27 @@
       </a:defRPr>
     </a:lvl9pPr>
   </p:defaultTextStyle>
+  <p:extLst>
+    <p:ext uri="{EFAFB233-063F-42B5-8137-9DF3F51BA10A}">
+      <p15:sldGuideLst xmlns:p15="http://schemas.microsoft.com/office/powerpoint/2012/main">
+        <p15:guide id="1" orient="horz" pos="2158">
+          <p15:clr>
+            <a:srgbClr val="A4A3A4"/>
+          </p15:clr>
+        </p15:guide>
+        <p15:guide id="2" pos="2878">
+          <p15:clr>
+            <a:srgbClr val="A4A3A4"/>
+          </p15:clr>
+        </p15:guide>
+      </p15:sldGuideLst>
+    </p:ext>
+  </p:extLst>
 </p:presentation>
 </file>
 
 <file path=ppt/slideLayouts/slideLayout1.xml><?xml version="1.0" encoding="utf-8"?>
-<p:sldLayout xmlns:r="http://schemas.openxmlformats.org/officeDocument/2006/relationships" xmlns:c="http://schemas.openxmlformats.org/drawingml/2006/chart" xmlns:a="http://schemas.openxmlformats.org/drawingml/2006/main" xmlns:dgm="http://schemas.openxmlformats.org/drawingml/2006/diagram" xmlns:dsp="http://schemas.microsoft.com/office/drawing/2008/diagram" xmlns:p="http://schemas.openxmlformats.org/presentationml/2006/main" showMasterPhAnim="1" matchingName="제목 슬라이드" type="title" preserve="1">
+<p:sldLayout xmlns:a="http://schemas.openxmlformats.org/drawingml/2006/main" xmlns:r="http://schemas.openxmlformats.org/officeDocument/2006/relationships" xmlns:p="http://schemas.openxmlformats.org/presentationml/2006/main" matchingName="제목 슬라이드" type="title" preserve="1">
   <p:cSld name="제목 슬라이드">
     <p:spTree>
       <p:nvGrpSpPr>
@@ -179,7 +186,7 @@
       </p:grpSpPr>
       <p:sp>
         <p:nvSpPr>
-          <p:cNvPr id="3" name=""/>
+          <p:cNvPr id="3" name="부제목 2"/>
           <p:cNvSpPr>
             <a:spLocks noGrp="1"/>
           </p:cNvSpPr>
@@ -293,13 +300,12 @@
               <a:rPr lang="ko-KR" altLang="en-US"/>
               <a:t>마스터 부제목 스타일 편집</a:t>
             </a:r>
-            <a:endParaRPr lang="ko-KR" altLang="en-US"/>
           </a:p>
         </p:txBody>
       </p:sp>
       <p:sp>
         <p:nvSpPr>
-          <p:cNvPr id="4" name=""/>
+          <p:cNvPr id="4" name="날짜 개체 틀 3"/>
           <p:cNvSpPr>
             <a:spLocks noGrp="1"/>
           </p:cNvSpPr>
@@ -320,7 +326,7 @@
               <a:pPr>
                 <a:defRPr lang="ko-KR" altLang="en-US"/>
               </a:pPr>
-              <a:t>2017-01-29</a:t>
+              <a:t>2018-08-21</a:t>
             </a:fld>
             <a:endParaRPr lang="ko-KR" altLang="en-US"/>
           </a:p>
@@ -328,7 +334,7 @@
       </p:sp>
       <p:sp>
         <p:nvSpPr>
-          <p:cNvPr id="5" name=""/>
+          <p:cNvPr id="5" name="바닥글 개체 틀 4"/>
           <p:cNvSpPr>
             <a:spLocks noGrp="1"/>
           </p:cNvSpPr>
@@ -344,17 +350,13 @@
             <a:pPr>
               <a:defRPr lang="ko-KR" altLang="en-US"/>
             </a:pPr>
-            <a:r>
-              <a:rPr lang="ko-KR" altLang="en-US"/>
-              <a:t/>
-            </a:r>
             <a:endParaRPr lang="ko-KR" altLang="en-US"/>
           </a:p>
         </p:txBody>
       </p:sp>
       <p:sp>
         <p:nvSpPr>
-          <p:cNvPr id="6" name=""/>
+          <p:cNvPr id="6" name="슬라이드 번호 개체 틀 5"/>
           <p:cNvSpPr>
             <a:spLocks noGrp="1"/>
           </p:cNvSpPr>
@@ -383,12 +385,12 @@
       </p:sp>
       <p:sp>
         <p:nvSpPr>
-          <p:cNvPr id="10" name=""/>
+          <p:cNvPr id="10" name="제목 9"/>
           <p:cNvSpPr>
             <a:spLocks noGrp="1"/>
           </p:cNvSpPr>
           <p:nvPr>
-            <p:ph type="ctrTitle" idx="0"/>
+            <p:ph type="ctrTitle"/>
           </p:nvPr>
         </p:nvSpPr>
         <p:spPr>
@@ -414,7 +416,6 @@
               <a:rPr lang="ko-KR" altLang="en-US"/>
               <a:t>마스터 제목 스타일 편집</a:t>
             </a:r>
-            <a:endParaRPr lang="ko-KR" altLang="en-US"/>
           </a:p>
         </p:txBody>
       </p:sp>
@@ -423,12 +424,12 @@
   <p:clrMapOvr>
     <a:masterClrMapping/>
   </p:clrMapOvr>
-  <p:transition xmlns:mc="http://schemas.openxmlformats.org/markup-compatibility/2006" xmlns:hp="http://schemas.haansoft.com/office/presentation/8.0" mc:Ignorable="hp" hp:hslDur="500"/>
+  <p:transition/>
 </p:sldLayout>
 </file>
 
 <file path=ppt/slideLayouts/slideLayout10.xml><?xml version="1.0" encoding="utf-8"?>
-<p:sldLayout xmlns:r="http://schemas.openxmlformats.org/officeDocument/2006/relationships" xmlns:c="http://schemas.openxmlformats.org/drawingml/2006/chart" xmlns:a="http://schemas.openxmlformats.org/drawingml/2006/main" xmlns:dgm="http://schemas.openxmlformats.org/drawingml/2006/diagram" xmlns:dsp="http://schemas.microsoft.com/office/drawing/2008/diagram" xmlns:p="http://schemas.openxmlformats.org/presentationml/2006/main" showMasterPhAnim="1" matchingName="간지" type="objOnly" preserve="1">
+<p:sldLayout xmlns:a="http://schemas.openxmlformats.org/drawingml/2006/main" xmlns:r="http://schemas.openxmlformats.org/officeDocument/2006/relationships" xmlns:p="http://schemas.openxmlformats.org/presentationml/2006/main" matchingName="간지" type="objOnly" preserve="1">
   <p:cSld name="간지">
     <p:spTree>
       <p:nvGrpSpPr>
@@ -446,7 +447,7 @@
       </p:grpSpPr>
       <p:sp>
         <p:nvSpPr>
-          <p:cNvPr id="3" name=""/>
+          <p:cNvPr id="3" name="날짜 개체 틀 2"/>
           <p:cNvSpPr>
             <a:spLocks noGrp="1"/>
           </p:cNvSpPr>
@@ -472,7 +473,7 @@
               <a:pPr>
                 <a:defRPr lang="ko-KR" altLang="en-US"/>
               </a:pPr>
-              <a:t>2017-01-29</a:t>
+              <a:t>2018-08-21</a:t>
             </a:fld>
             <a:endParaRPr lang="ko-KR" altLang="en-US"/>
           </a:p>
@@ -480,7 +481,7 @@
       </p:sp>
       <p:sp>
         <p:nvSpPr>
-          <p:cNvPr id="4" name=""/>
+          <p:cNvPr id="4" name="바닥글 개체 틀 3"/>
           <p:cNvSpPr>
             <a:spLocks noGrp="1"/>
           </p:cNvSpPr>
@@ -501,17 +502,13 @@
             <a:pPr>
               <a:defRPr lang="ko-KR" altLang="en-US"/>
             </a:pPr>
-            <a:r>
-              <a:rPr lang="ko-KR" altLang="en-US"/>
-              <a:t/>
-            </a:r>
             <a:endParaRPr lang="ko-KR" altLang="en-US"/>
           </a:p>
         </p:txBody>
       </p:sp>
       <p:sp>
         <p:nvSpPr>
-          <p:cNvPr id="5" name=""/>
+          <p:cNvPr id="5" name="슬라이드 번호 개체 틀 4"/>
           <p:cNvSpPr>
             <a:spLocks noGrp="1"/>
           </p:cNvSpPr>
@@ -545,12 +542,12 @@
       </p:sp>
       <p:sp>
         <p:nvSpPr>
-          <p:cNvPr id="6" name=""/>
+          <p:cNvPr id="6" name="제목 5"/>
           <p:cNvSpPr>
             <a:spLocks noGrp="1"/>
           </p:cNvSpPr>
           <p:nvPr>
-            <p:ph type="ctrTitle" idx="0"/>
+            <p:ph type="ctrTitle"/>
           </p:nvPr>
         </p:nvSpPr>
         <p:spPr>
@@ -574,7 +571,6 @@
               <a:rPr lang="ko-KR" altLang="en-US"/>
               <a:t>마스터 제목 스타일 편집</a:t>
             </a:r>
-            <a:endParaRPr lang="ko-KR" altLang="en-US"/>
           </a:p>
         </p:txBody>
       </p:sp>
@@ -583,12 +579,12 @@
   <p:clrMapOvr>
     <a:masterClrMapping/>
   </p:clrMapOvr>
-  <p:transition xmlns:mc="http://schemas.openxmlformats.org/markup-compatibility/2006" xmlns:hp="http://schemas.haansoft.com/office/presentation/8.0" mc:Ignorable="hp" hp:hslDur="500"/>
+  <p:transition/>
 </p:sldLayout>
 </file>
 
 <file path=ppt/slideLayouts/slideLayout11.xml><?xml version="1.0" encoding="utf-8"?>
-<p:sldLayout xmlns:r="http://schemas.openxmlformats.org/officeDocument/2006/relationships" xmlns:c="http://schemas.openxmlformats.org/drawingml/2006/chart" xmlns:a="http://schemas.openxmlformats.org/drawingml/2006/main" xmlns:dgm="http://schemas.openxmlformats.org/drawingml/2006/diagram" xmlns:dsp="http://schemas.microsoft.com/office/drawing/2008/diagram" xmlns:p="http://schemas.openxmlformats.org/presentationml/2006/main" showMasterPhAnim="1" matchingName="목차" type="clipArtAndTx" preserve="1">
+<p:sldLayout xmlns:a="http://schemas.openxmlformats.org/drawingml/2006/main" xmlns:r="http://schemas.openxmlformats.org/officeDocument/2006/relationships" xmlns:p="http://schemas.openxmlformats.org/presentationml/2006/main" matchingName="목차" type="clipArtAndTx" preserve="1">
   <p:cSld name="목차">
     <p:spTree>
       <p:nvGrpSpPr>
@@ -606,12 +602,12 @@
       </p:grpSpPr>
       <p:sp>
         <p:nvSpPr>
-          <p:cNvPr id="11" name=""/>
+          <p:cNvPr id="11" name="제목 10"/>
           <p:cNvSpPr>
             <a:spLocks noGrp="1"/>
           </p:cNvSpPr>
           <p:nvPr>
-            <p:ph type="title" idx="0"/>
+            <p:ph type="title"/>
           </p:nvPr>
         </p:nvSpPr>
         <p:spPr>
@@ -635,13 +631,12 @@
               <a:rPr lang="ko-KR" altLang="en-US"/>
               <a:t>마스터 제목 스타일 편집</a:t>
             </a:r>
-            <a:endParaRPr lang="ko-KR" altLang="en-US"/>
           </a:p>
         </p:txBody>
       </p:sp>
       <p:sp>
         <p:nvSpPr>
-          <p:cNvPr id="15" name=""/>
+          <p:cNvPr id="15" name="텍스트 개체 틀 14"/>
           <p:cNvSpPr>
             <a:spLocks noGrp="1"/>
           </p:cNvSpPr>
@@ -673,7 +668,6 @@
               <a:rPr lang="ko-KR" altLang="en-US"/>
               <a:t>첫째 목차</a:t>
             </a:r>
-            <a:endParaRPr lang="ko-KR" altLang="en-US"/>
           </a:p>
           <a:p>
             <a:pPr lvl="0">
@@ -683,7 +677,6 @@
               <a:rPr lang="ko-KR" altLang="en-US"/>
               <a:t>둘째 목차</a:t>
             </a:r>
-            <a:endParaRPr lang="ko-KR" altLang="en-US"/>
           </a:p>
           <a:p>
             <a:pPr lvl="0">
@@ -693,7 +686,6 @@
               <a:rPr lang="ko-KR" altLang="en-US"/>
               <a:t>셋째 목차</a:t>
             </a:r>
-            <a:endParaRPr lang="ko-KR" altLang="en-US"/>
           </a:p>
           <a:p>
             <a:pPr lvl="0">
@@ -703,7 +695,6 @@
               <a:rPr lang="ko-KR" altLang="en-US"/>
               <a:t>넷째 목차</a:t>
             </a:r>
-            <a:endParaRPr lang="ko-KR" altLang="en-US"/>
           </a:p>
           <a:p>
             <a:pPr lvl="0">
@@ -713,13 +704,12 @@
               <a:rPr lang="ko-KR" altLang="en-US"/>
               <a:t>다섯째 목차</a:t>
             </a:r>
-            <a:endParaRPr lang="ko-KR" altLang="en-US"/>
           </a:p>
         </p:txBody>
       </p:sp>
       <p:sp>
         <p:nvSpPr>
-          <p:cNvPr id="4" name=""/>
+          <p:cNvPr id="4" name="날짜 개체 틀 3"/>
           <p:cNvSpPr>
             <a:spLocks noGrp="1"/>
           </p:cNvSpPr>
@@ -740,7 +730,7 @@
               <a:pPr>
                 <a:defRPr lang="ko-KR" altLang="en-US"/>
               </a:pPr>
-              <a:t>2017-01-29</a:t>
+              <a:t>2018-08-21</a:t>
             </a:fld>
             <a:endParaRPr lang="ko-KR" altLang="en-US"/>
           </a:p>
@@ -748,7 +738,7 @@
       </p:sp>
       <p:sp>
         <p:nvSpPr>
-          <p:cNvPr id="5" name=""/>
+          <p:cNvPr id="5" name="바닥글 개체 틀 4"/>
           <p:cNvSpPr>
             <a:spLocks noGrp="1"/>
           </p:cNvSpPr>
@@ -764,17 +754,13 @@
             <a:pPr>
               <a:defRPr lang="ko-KR" altLang="en-US"/>
             </a:pPr>
-            <a:r>
-              <a:rPr lang="ko-KR" altLang="en-US"/>
-              <a:t/>
-            </a:r>
             <a:endParaRPr lang="ko-KR" altLang="en-US"/>
           </a:p>
         </p:txBody>
       </p:sp>
       <p:sp>
         <p:nvSpPr>
-          <p:cNvPr id="6" name=""/>
+          <p:cNvPr id="6" name="슬라이드 번호 개체 틀 5"/>
           <p:cNvSpPr>
             <a:spLocks noGrp="1"/>
           </p:cNvSpPr>
@@ -803,7 +789,7 @@
       </p:sp>
       <p:sp>
         <p:nvSpPr>
-          <p:cNvPr id="8" name=""/>
+          <p:cNvPr id="8" name="직사각형 7"/>
           <p:cNvSpPr/>
           <p:nvPr/>
         </p:nvSpPr>
@@ -840,6 +826,7 @@
         </p:style>
         <p:txBody>
           <a:bodyPr anchor="ctr"/>
+          <a:lstStyle/>
           <a:p>
             <a:pPr algn="ctr">
               <a:defRPr lang="ko-KR" altLang="en-US"/>
@@ -850,7 +837,7 @@
       </p:sp>
       <p:cxnSp>
         <p:nvCxnSpPr>
-          <p:cNvPr id="14" name=""/>
+          <p:cNvPr id="14" name="직선 연결선 13"/>
           <p:cNvCxnSpPr/>
           <p:nvPr/>
         </p:nvCxnSpPr>
@@ -894,7 +881,7 @@
       </p:cxnSp>
       <p:sp>
         <p:nvSpPr>
-          <p:cNvPr id="10" name=""/>
+          <p:cNvPr id="10" name="직사각형 9"/>
           <p:cNvSpPr/>
           <p:nvPr/>
         </p:nvSpPr>
@@ -931,6 +918,7 @@
         </p:style>
         <p:txBody>
           <a:bodyPr anchor="ctr"/>
+          <a:lstStyle/>
           <a:p>
             <a:pPr algn="ctr">
               <a:defRPr lang="ko-KR" altLang="en-US"/>
@@ -944,12 +932,12 @@
   <p:clrMapOvr>
     <a:masterClrMapping/>
   </p:clrMapOvr>
-  <p:transition xmlns:mc="http://schemas.openxmlformats.org/markup-compatibility/2006" xmlns:hp="http://schemas.haansoft.com/office/presentation/8.0" mc:Ignorable="hp" hp:hslDur="500"/>
+  <p:transition/>
 </p:sldLayout>
 </file>
 
 <file path=ppt/slideLayouts/slideLayout12.xml><?xml version="1.0" encoding="utf-8"?>
-<p:sldLayout xmlns:r="http://schemas.openxmlformats.org/officeDocument/2006/relationships" xmlns:c="http://schemas.openxmlformats.org/drawingml/2006/chart" xmlns:a="http://schemas.openxmlformats.org/drawingml/2006/main" xmlns:dgm="http://schemas.openxmlformats.org/drawingml/2006/diagram" xmlns:dsp="http://schemas.microsoft.com/office/drawing/2008/diagram" xmlns:p="http://schemas.openxmlformats.org/presentationml/2006/main" showMasterPhAnim="1" matchingName="세로 제목 및 본문" type="vertTitleAndTx" preserve="1">
+<p:sldLayout xmlns:a="http://schemas.openxmlformats.org/drawingml/2006/main" xmlns:r="http://schemas.openxmlformats.org/officeDocument/2006/relationships" xmlns:p="http://schemas.openxmlformats.org/presentationml/2006/main" matchingName="세로 제목 및 본문" type="vertTitleAndTx" preserve="1">
   <p:cSld name="세로 제목 및 본문">
     <p:spTree>
       <p:nvGrpSpPr>
@@ -967,12 +955,12 @@
       </p:grpSpPr>
       <p:sp>
         <p:nvSpPr>
-          <p:cNvPr id="2" name=""/>
+          <p:cNvPr id="2" name="세로 제목 1"/>
           <p:cNvSpPr>
             <a:spLocks noGrp="1"/>
           </p:cNvSpPr>
           <p:nvPr>
-            <p:ph type="title" orient="vert" idx="0"/>
+            <p:ph type="title" orient="vert"/>
           </p:nvPr>
         </p:nvSpPr>
         <p:spPr>
@@ -996,13 +984,12 @@
               <a:rPr lang="ko-KR" altLang="en-US"/>
               <a:t>마스터 제목 스타일 편집</a:t>
             </a:r>
-            <a:endParaRPr lang="ko-KR" altLang="en-US"/>
           </a:p>
         </p:txBody>
       </p:sp>
       <p:sp>
         <p:nvSpPr>
-          <p:cNvPr id="3" name=""/>
+          <p:cNvPr id="3" name="세로 텍스트 개체 틀 2"/>
           <p:cNvSpPr>
             <a:spLocks noGrp="1"/>
           </p:cNvSpPr>
@@ -1039,7 +1026,6 @@
               <a:rPr lang="ko-KR" altLang="en-US"/>
               <a:t>마스터 텍스트 스타일을 편집합니다</a:t>
             </a:r>
-            <a:endParaRPr lang="ko-KR" altLang="en-US"/>
           </a:p>
           <a:p>
             <a:pPr lvl="1">
@@ -1049,7 +1035,6 @@
               <a:rPr lang="ko-KR" altLang="en-US"/>
               <a:t>둘째 수준</a:t>
             </a:r>
-            <a:endParaRPr lang="ko-KR" altLang="en-US"/>
           </a:p>
           <a:p>
             <a:pPr lvl="2">
@@ -1059,7 +1044,6 @@
               <a:rPr lang="ko-KR" altLang="en-US"/>
               <a:t>셋째 수준</a:t>
             </a:r>
-            <a:endParaRPr lang="ko-KR" altLang="en-US"/>
           </a:p>
           <a:p>
             <a:pPr lvl="3">
@@ -1069,7 +1053,6 @@
               <a:rPr lang="ko-KR" altLang="en-US"/>
               <a:t>넷째 수준</a:t>
             </a:r>
-            <a:endParaRPr lang="ko-KR" altLang="en-US"/>
           </a:p>
           <a:p>
             <a:pPr lvl="4">
@@ -1079,13 +1062,12 @@
               <a:rPr lang="ko-KR" altLang="en-US"/>
               <a:t>다섯째 수준</a:t>
             </a:r>
-            <a:endParaRPr lang="ko-KR" altLang="en-US"/>
           </a:p>
         </p:txBody>
       </p:sp>
       <p:sp>
         <p:nvSpPr>
-          <p:cNvPr id="4" name=""/>
+          <p:cNvPr id="4" name="날짜 개체 틀 3"/>
           <p:cNvSpPr>
             <a:spLocks noGrp="1"/>
           </p:cNvSpPr>
@@ -1106,7 +1088,7 @@
               <a:pPr>
                 <a:defRPr lang="ko-KR" altLang="en-US"/>
               </a:pPr>
-              <a:t>2017-01-29</a:t>
+              <a:t>2018-08-21</a:t>
             </a:fld>
             <a:endParaRPr lang="ko-KR" altLang="en-US"/>
           </a:p>
@@ -1114,7 +1096,7 @@
       </p:sp>
       <p:sp>
         <p:nvSpPr>
-          <p:cNvPr id="5" name=""/>
+          <p:cNvPr id="5" name="바닥글 개체 틀 4"/>
           <p:cNvSpPr>
             <a:spLocks noGrp="1"/>
           </p:cNvSpPr>
@@ -1130,17 +1112,13 @@
             <a:pPr>
               <a:defRPr lang="ko-KR" altLang="en-US"/>
             </a:pPr>
-            <a:r>
-              <a:rPr lang="ko-KR" altLang="en-US"/>
-              <a:t/>
-            </a:r>
             <a:endParaRPr lang="ko-KR" altLang="en-US"/>
           </a:p>
         </p:txBody>
       </p:sp>
       <p:sp>
         <p:nvSpPr>
-          <p:cNvPr id="6" name=""/>
+          <p:cNvPr id="6" name="슬라이드 번호 개체 틀 5"/>
           <p:cNvSpPr>
             <a:spLocks noGrp="1"/>
           </p:cNvSpPr>
@@ -1172,12 +1150,12 @@
   <p:clrMapOvr>
     <a:masterClrMapping/>
   </p:clrMapOvr>
-  <p:transition xmlns:mc="http://schemas.openxmlformats.org/markup-compatibility/2006" xmlns:hp="http://schemas.haansoft.com/office/presentation/8.0" mc:Ignorable="hp" hp:hslDur="500"/>
+  <p:transition/>
 </p:sldLayout>
 </file>
 
 <file path=ppt/slideLayouts/slideLayout13.xml><?xml version="1.0" encoding="utf-8"?>
-<p:sldLayout xmlns:r="http://schemas.openxmlformats.org/officeDocument/2006/relationships" xmlns:c="http://schemas.openxmlformats.org/drawingml/2006/chart" xmlns:a="http://schemas.openxmlformats.org/drawingml/2006/main" xmlns:dgm="http://schemas.openxmlformats.org/drawingml/2006/diagram" xmlns:dsp="http://schemas.microsoft.com/office/drawing/2008/diagram" xmlns:p="http://schemas.openxmlformats.org/presentationml/2006/main" showMasterPhAnim="1" matchingName="1_구역 머리글" preserve="1" userDrawn="1">
+<p:sldLayout xmlns:a="http://schemas.openxmlformats.org/drawingml/2006/main" xmlns:r="http://schemas.openxmlformats.org/officeDocument/2006/relationships" xmlns:p="http://schemas.openxmlformats.org/presentationml/2006/main" matchingName="1_구역 머리글" preserve="1" userDrawn="1">
   <p:cSld name="1_구역 머리글">
     <p:spTree>
       <p:nvGrpSpPr>
@@ -1200,7 +1178,7 @@
             <a:spLocks noGrp="1"/>
           </p:cNvSpPr>
           <p:nvPr>
-            <p:ph type="title" idx="0"/>
+            <p:ph type="title"/>
           </p:nvPr>
         </p:nvSpPr>
         <p:spPr>
@@ -1224,7 +1202,6 @@
               <a:rPr lang="ko-KR" altLang="en-US"/>
               <a:t>마스터 제목 스타일 편집</a:t>
             </a:r>
-            <a:endParaRPr lang="ko-KR" altLang="en-US"/>
           </a:p>
         </p:txBody>
       </p:sp>
@@ -1250,10 +1227,6 @@
             <a:pPr lvl="0">
               <a:defRPr lang="ko-KR" altLang="en-US"/>
             </a:pPr>
-            <a:r>
-              <a:rPr lang="ko-KR" altLang="en-US"/>
-              <a:t/>
-            </a:r>
             <a:endParaRPr lang="ko-KR" altLang="en-US"/>
           </a:p>
         </p:txBody>
@@ -1280,10 +1253,6 @@
             <a:pPr lvl="0">
               <a:defRPr lang="ko-KR" altLang="en-US"/>
             </a:pPr>
-            <a:r>
-              <a:rPr lang="ko-KR" altLang="en-US"/>
-              <a:t/>
-            </a:r>
             <a:endParaRPr lang="ko-KR" altLang="en-US"/>
           </a:p>
         </p:txBody>
@@ -1326,7 +1295,7 @@
   <p:clrMapOvr>
     <a:masterClrMapping/>
   </p:clrMapOvr>
-  <p:transition xmlns:mc="http://schemas.openxmlformats.org/markup-compatibility/2006" xmlns:hp="http://schemas.haansoft.com/office/presentation/8.0" mc:Ignorable="hp" hp:hslDur="500"/>
+  <p:transition/>
   <p:timing>
     <p:tnLst>
       <p:par>
@@ -1338,7 +1307,7 @@
 </file>
 
 <file path=ppt/slideLayouts/slideLayout2.xml><?xml version="1.0" encoding="utf-8"?>
-<p:sldLayout xmlns:r="http://schemas.openxmlformats.org/officeDocument/2006/relationships" xmlns:c="http://schemas.openxmlformats.org/drawingml/2006/chart" xmlns:a="http://schemas.openxmlformats.org/drawingml/2006/main" xmlns:dgm="http://schemas.openxmlformats.org/drawingml/2006/diagram" xmlns:dsp="http://schemas.microsoft.com/office/drawing/2008/diagram" xmlns:p="http://schemas.openxmlformats.org/presentationml/2006/main" showMasterPhAnim="1" matchingName="제목 및 내용" type="obj" preserve="1">
+<p:sldLayout xmlns:a="http://schemas.openxmlformats.org/drawingml/2006/main" xmlns:r="http://schemas.openxmlformats.org/officeDocument/2006/relationships" xmlns:p="http://schemas.openxmlformats.org/presentationml/2006/main" matchingName="제목 및 내용" type="obj" preserve="1">
   <p:cSld name="제목 및 내용">
     <p:spTree>
       <p:nvGrpSpPr>
@@ -1356,12 +1325,12 @@
       </p:grpSpPr>
       <p:sp>
         <p:nvSpPr>
-          <p:cNvPr id="2" name=""/>
+          <p:cNvPr id="2" name="제목 1"/>
           <p:cNvSpPr>
             <a:spLocks noGrp="1"/>
           </p:cNvSpPr>
           <p:nvPr>
-            <p:ph type="title" idx="0"/>
+            <p:ph type="title"/>
           </p:nvPr>
         </p:nvSpPr>
         <p:spPr/>
@@ -1376,13 +1345,12 @@
               <a:rPr lang="ko-KR" altLang="en-US"/>
               <a:t>마스터 제목 스타일 편집</a:t>
             </a:r>
-            <a:endParaRPr lang="ko-KR" altLang="en-US"/>
           </a:p>
         </p:txBody>
       </p:sp>
       <p:sp>
         <p:nvSpPr>
-          <p:cNvPr id="3" name=""/>
+          <p:cNvPr id="3" name="내용 개체 틀 2"/>
           <p:cNvSpPr>
             <a:spLocks noGrp="1"/>
           </p:cNvSpPr>
@@ -1402,7 +1370,6 @@
               <a:rPr lang="ko-KR" altLang="en-US"/>
               <a:t>마스터 텍스트 스타일을 편집합니다</a:t>
             </a:r>
-            <a:endParaRPr lang="ko-KR" altLang="en-US"/>
           </a:p>
           <a:p>
             <a:pPr lvl="1">
@@ -1412,7 +1379,6 @@
               <a:rPr lang="ko-KR" altLang="en-US"/>
               <a:t>둘째 수준</a:t>
             </a:r>
-            <a:endParaRPr lang="ko-KR" altLang="en-US"/>
           </a:p>
           <a:p>
             <a:pPr lvl="2">
@@ -1422,7 +1388,6 @@
               <a:rPr lang="ko-KR" altLang="en-US"/>
               <a:t>셋째 수준</a:t>
             </a:r>
-            <a:endParaRPr lang="ko-KR" altLang="en-US"/>
           </a:p>
           <a:p>
             <a:pPr lvl="3">
@@ -1432,7 +1397,6 @@
               <a:rPr lang="ko-KR" altLang="en-US"/>
               <a:t>넷째 수준</a:t>
             </a:r>
-            <a:endParaRPr lang="ko-KR" altLang="en-US"/>
           </a:p>
           <a:p>
             <a:pPr lvl="4">
@@ -1442,13 +1406,12 @@
               <a:rPr lang="ko-KR" altLang="en-US"/>
               <a:t>다섯째 수준</a:t>
             </a:r>
-            <a:endParaRPr lang="ko-KR" altLang="en-US"/>
           </a:p>
         </p:txBody>
       </p:sp>
       <p:sp>
         <p:nvSpPr>
-          <p:cNvPr id="4" name=""/>
+          <p:cNvPr id="4" name="날짜 개체 틀 3"/>
           <p:cNvSpPr>
             <a:spLocks noGrp="1"/>
           </p:cNvSpPr>
@@ -1473,7 +1436,7 @@
               <a:pPr>
                 <a:defRPr lang="ko-KR" altLang="en-US"/>
               </a:pPr>
-              <a:t>2017-01-29</a:t>
+              <a:t>2018-08-21</a:t>
             </a:fld>
             <a:endParaRPr lang="ko-KR" altLang="en-US"/>
           </a:p>
@@ -1481,7 +1444,7 @@
       </p:sp>
       <p:sp>
         <p:nvSpPr>
-          <p:cNvPr id="5" name=""/>
+          <p:cNvPr id="5" name="바닥글 개체 틀 4"/>
           <p:cNvSpPr>
             <a:spLocks noGrp="1"/>
           </p:cNvSpPr>
@@ -1501,19 +1464,9 @@
             <a:pPr>
               <a:defRPr lang="ko-KR" altLang="en-US"/>
             </a:pPr>
-            <a:r>
-              <a:rPr lang="ko-KR" altLang="en-US">
-                <a:solidFill>
-                  <a:srgbClr val="5f5f5f">
-                    <a:lumMod val="50000"/>
-                  </a:srgbClr>
-                </a:solidFill>
-              </a:rPr>
-              <a:t/>
-            </a:r>
             <a:endParaRPr lang="ko-KR" altLang="en-US">
               <a:solidFill>
-                <a:srgbClr val="5f5f5f">
+                <a:srgbClr val="5F5F5F">
                   <a:lumMod val="50000"/>
                 </a:srgbClr>
               </a:solidFill>
@@ -1523,7 +1476,7 @@
       </p:sp>
       <p:sp>
         <p:nvSpPr>
-          <p:cNvPr id="6" name=""/>
+          <p:cNvPr id="6" name="슬라이드 번호 개체 틀 5"/>
           <p:cNvSpPr>
             <a:spLocks noGrp="1"/>
           </p:cNvSpPr>
@@ -1546,7 +1499,7 @@
             <a:fld id="{DF28FB93-0A08-4E7D-8E63-9EFA29F1E093}" type="slidenum">
               <a:rPr lang="ko-KR" altLang="en-US">
                 <a:solidFill>
-                  <a:srgbClr val="5f5f5f">
+                  <a:srgbClr val="5F5F5F">
                     <a:lumMod val="50000"/>
                   </a:srgbClr>
                 </a:solidFill>
@@ -1558,7 +1511,7 @@
             </a:fld>
             <a:endParaRPr lang="ko-KR" altLang="en-US">
               <a:solidFill>
-                <a:srgbClr val="5f5f5f">
+                <a:srgbClr val="5F5F5F">
                   <a:lumMod val="50000"/>
                 </a:srgbClr>
               </a:solidFill>
@@ -1571,12 +1524,12 @@
   <p:clrMapOvr>
     <a:masterClrMapping/>
   </p:clrMapOvr>
-  <p:transition xmlns:mc="http://schemas.openxmlformats.org/markup-compatibility/2006" xmlns:hp="http://schemas.haansoft.com/office/presentation/8.0" mc:Ignorable="hp" hp:hslDur="500"/>
+  <p:transition/>
 </p:sldLayout>
 </file>
 
 <file path=ppt/slideLayouts/slideLayout3.xml><?xml version="1.0" encoding="utf-8"?>
-<p:sldLayout xmlns:r="http://schemas.openxmlformats.org/officeDocument/2006/relationships" xmlns:c="http://schemas.openxmlformats.org/drawingml/2006/chart" xmlns:a="http://schemas.openxmlformats.org/drawingml/2006/main" xmlns:dgm="http://schemas.openxmlformats.org/drawingml/2006/diagram" xmlns:dsp="http://schemas.microsoft.com/office/drawing/2008/diagram" xmlns:p="http://schemas.openxmlformats.org/presentationml/2006/main" showMasterPhAnim="1" matchingName="빈 화면" type="blank" preserve="1">
+<p:sldLayout xmlns:a="http://schemas.openxmlformats.org/drawingml/2006/main" xmlns:r="http://schemas.openxmlformats.org/officeDocument/2006/relationships" xmlns:p="http://schemas.openxmlformats.org/presentationml/2006/main" matchingName="빈 화면" type="blank" preserve="1">
   <p:cSld name="빈 화면">
     <p:spTree>
       <p:nvGrpSpPr>
@@ -1594,7 +1547,7 @@
       </p:grpSpPr>
       <p:sp>
         <p:nvSpPr>
-          <p:cNvPr id="2" name=""/>
+          <p:cNvPr id="2" name="날짜 개체 틀 1"/>
           <p:cNvSpPr>
             <a:spLocks noGrp="1"/>
           </p:cNvSpPr>
@@ -1615,7 +1568,7 @@
               <a:pPr>
                 <a:defRPr lang="ko-KR" altLang="en-US"/>
               </a:pPr>
-              <a:t>2017-01-29</a:t>
+              <a:t>2018-08-21</a:t>
             </a:fld>
             <a:endParaRPr lang="ko-KR" altLang="en-US"/>
           </a:p>
@@ -1623,7 +1576,7 @@
       </p:sp>
       <p:sp>
         <p:nvSpPr>
-          <p:cNvPr id="3" name=""/>
+          <p:cNvPr id="3" name="바닥글 개체 틀 2"/>
           <p:cNvSpPr>
             <a:spLocks noGrp="1"/>
           </p:cNvSpPr>
@@ -1639,17 +1592,13 @@
             <a:pPr>
               <a:defRPr lang="ko-KR" altLang="en-US"/>
             </a:pPr>
-            <a:r>
-              <a:rPr lang="ko-KR" altLang="en-US"/>
-              <a:t/>
-            </a:r>
             <a:endParaRPr lang="ko-KR" altLang="en-US"/>
           </a:p>
         </p:txBody>
       </p:sp>
       <p:sp>
         <p:nvSpPr>
-          <p:cNvPr id="4" name=""/>
+          <p:cNvPr id="4" name="슬라이드 번호 개체 틀 3"/>
           <p:cNvSpPr>
             <a:spLocks noGrp="1"/>
           </p:cNvSpPr>
@@ -1681,12 +1630,12 @@
   <p:clrMapOvr>
     <a:masterClrMapping/>
   </p:clrMapOvr>
-  <p:transition xmlns:mc="http://schemas.openxmlformats.org/markup-compatibility/2006" xmlns:hp="http://schemas.haansoft.com/office/presentation/8.0" mc:Ignorable="hp" hp:hslDur="500"/>
+  <p:transition/>
 </p:sldLayout>
 </file>
 
 <file path=ppt/slideLayouts/slideLayout4.xml><?xml version="1.0" encoding="utf-8"?>
-<p:sldLayout xmlns:r="http://schemas.openxmlformats.org/officeDocument/2006/relationships" xmlns:c="http://schemas.openxmlformats.org/drawingml/2006/chart" xmlns:a="http://schemas.openxmlformats.org/drawingml/2006/main" xmlns:dgm="http://schemas.openxmlformats.org/drawingml/2006/diagram" xmlns:dsp="http://schemas.microsoft.com/office/drawing/2008/diagram" xmlns:p="http://schemas.openxmlformats.org/presentationml/2006/main" showMasterPhAnim="1" matchingName="구역 머리글" type="secHead" preserve="1">
+<p:sldLayout xmlns:a="http://schemas.openxmlformats.org/drawingml/2006/main" xmlns:r="http://schemas.openxmlformats.org/officeDocument/2006/relationships" xmlns:p="http://schemas.openxmlformats.org/presentationml/2006/main" matchingName="구역 머리글" type="secHead" preserve="1">
   <p:cSld name="구역 머리글">
     <p:spTree>
       <p:nvGrpSpPr>
@@ -1704,7 +1653,7 @@
       </p:grpSpPr>
       <p:sp>
         <p:nvSpPr>
-          <p:cNvPr id="4" name=""/>
+          <p:cNvPr id="4" name="날짜 개체 틀 3"/>
           <p:cNvSpPr>
             <a:spLocks noGrp="1"/>
           </p:cNvSpPr>
@@ -1725,7 +1674,7 @@
               <a:pPr>
                 <a:defRPr lang="ko-KR" altLang="en-US"/>
               </a:pPr>
-              <a:t>2017-01-29</a:t>
+              <a:t>2018-08-21</a:t>
             </a:fld>
             <a:endParaRPr lang="ko-KR" altLang="en-US"/>
           </a:p>
@@ -1733,7 +1682,7 @@
       </p:sp>
       <p:sp>
         <p:nvSpPr>
-          <p:cNvPr id="5" name=""/>
+          <p:cNvPr id="5" name="바닥글 개체 틀 4"/>
           <p:cNvSpPr>
             <a:spLocks noGrp="1"/>
           </p:cNvSpPr>
@@ -1749,17 +1698,13 @@
             <a:pPr>
               <a:defRPr lang="ko-KR" altLang="en-US"/>
             </a:pPr>
-            <a:r>
-              <a:rPr lang="ko-KR" altLang="en-US"/>
-              <a:t/>
-            </a:r>
             <a:endParaRPr lang="ko-KR" altLang="en-US"/>
           </a:p>
         </p:txBody>
       </p:sp>
       <p:sp>
         <p:nvSpPr>
-          <p:cNvPr id="6" name=""/>
+          <p:cNvPr id="6" name="슬라이드 번호 개체 틀 5"/>
           <p:cNvSpPr>
             <a:spLocks noGrp="1"/>
           </p:cNvSpPr>
@@ -1788,12 +1733,12 @@
       </p:sp>
       <p:sp>
         <p:nvSpPr>
-          <p:cNvPr id="8" name=""/>
+          <p:cNvPr id="8" name="제목 7"/>
           <p:cNvSpPr>
             <a:spLocks noGrp="1"/>
           </p:cNvSpPr>
           <p:nvPr>
-            <p:ph type="title" idx="0"/>
+            <p:ph type="title"/>
           </p:nvPr>
         </p:nvSpPr>
         <p:spPr>
@@ -1817,13 +1762,12 @@
               <a:rPr lang="ko-KR" altLang="en-US"/>
               <a:t>마스터 제목 스타일 편집</a:t>
             </a:r>
-            <a:endParaRPr lang="ko-KR" altLang="en-US"/>
           </a:p>
         </p:txBody>
       </p:sp>
       <p:sp>
         <p:nvSpPr>
-          <p:cNvPr id="9" name=""/>
+          <p:cNvPr id="9" name="텍스트 개체 틀 8"/>
           <p:cNvSpPr>
             <a:spLocks noGrp="1"/>
           </p:cNvSpPr>
@@ -1937,7 +1881,6 @@
               <a:rPr lang="ko-KR" altLang="en-US"/>
               <a:t>마스터 텍스트 스타일을 편집합니다</a:t>
             </a:r>
-            <a:endParaRPr lang="ko-KR" altLang="en-US"/>
           </a:p>
         </p:txBody>
       </p:sp>
@@ -1946,12 +1889,12 @@
   <p:clrMapOvr>
     <a:masterClrMapping/>
   </p:clrMapOvr>
-  <p:transition xmlns:mc="http://schemas.openxmlformats.org/markup-compatibility/2006" xmlns:hp="http://schemas.haansoft.com/office/presentation/8.0" mc:Ignorable="hp" hp:hslDur="500"/>
+  <p:transition/>
 </p:sldLayout>
 </file>
 
 <file path=ppt/slideLayouts/slideLayout5.xml><?xml version="1.0" encoding="utf-8"?>
-<p:sldLayout xmlns:r="http://schemas.openxmlformats.org/officeDocument/2006/relationships" xmlns:c="http://schemas.openxmlformats.org/drawingml/2006/chart" xmlns:a="http://schemas.openxmlformats.org/drawingml/2006/main" xmlns:dgm="http://schemas.openxmlformats.org/drawingml/2006/diagram" xmlns:dsp="http://schemas.microsoft.com/office/drawing/2008/diagram" xmlns:p="http://schemas.openxmlformats.org/presentationml/2006/main" showMasterPhAnim="1" matchingName="내용 2개" type="twoObj" preserve="1">
+<p:sldLayout xmlns:a="http://schemas.openxmlformats.org/drawingml/2006/main" xmlns:r="http://schemas.openxmlformats.org/officeDocument/2006/relationships" xmlns:p="http://schemas.openxmlformats.org/presentationml/2006/main" matchingName="내용 2개" type="twoObj" preserve="1">
   <p:cSld name="내용 2개">
     <p:spTree>
       <p:nvGrpSpPr>
@@ -1969,12 +1912,12 @@
       </p:grpSpPr>
       <p:sp>
         <p:nvSpPr>
-          <p:cNvPr id="2" name=""/>
+          <p:cNvPr id="2" name="제목 1"/>
           <p:cNvSpPr>
             <a:spLocks noGrp="1"/>
           </p:cNvSpPr>
           <p:nvPr>
-            <p:ph type="title" idx="0"/>
+            <p:ph type="title"/>
           </p:nvPr>
         </p:nvSpPr>
         <p:spPr>
@@ -1998,13 +1941,12 @@
               <a:rPr lang="ko-KR" altLang="en-US"/>
               <a:t>마스터 제목 스타일 편집</a:t>
             </a:r>
-            <a:endParaRPr lang="ko-KR" altLang="en-US"/>
           </a:p>
         </p:txBody>
       </p:sp>
       <p:sp>
         <p:nvSpPr>
-          <p:cNvPr id="3" name=""/>
+          <p:cNvPr id="3" name="내용 개체 틀 2"/>
           <p:cNvSpPr>
             <a:spLocks noGrp="1"/>
           </p:cNvSpPr>
@@ -2057,7 +1999,6 @@
               <a:rPr lang="ko-KR" altLang="en-US"/>
               <a:t>마스터 텍스트 스타일을 편집합니다</a:t>
             </a:r>
-            <a:endParaRPr lang="ko-KR" altLang="en-US"/>
           </a:p>
           <a:p>
             <a:pPr lvl="1">
@@ -2067,7 +2008,6 @@
               <a:rPr lang="ko-KR" altLang="en-US"/>
               <a:t>둘째 수준</a:t>
             </a:r>
-            <a:endParaRPr lang="ko-KR" altLang="en-US"/>
           </a:p>
           <a:p>
             <a:pPr lvl="2">
@@ -2077,7 +2017,6 @@
               <a:rPr lang="ko-KR" altLang="en-US"/>
               <a:t>셋째 수준</a:t>
             </a:r>
-            <a:endParaRPr lang="ko-KR" altLang="en-US"/>
           </a:p>
           <a:p>
             <a:pPr lvl="3">
@@ -2087,7 +2026,6 @@
               <a:rPr lang="ko-KR" altLang="en-US"/>
               <a:t>넷째 수준</a:t>
             </a:r>
-            <a:endParaRPr lang="ko-KR" altLang="en-US"/>
           </a:p>
           <a:p>
             <a:pPr lvl="4">
@@ -2097,13 +2035,12 @@
               <a:rPr lang="ko-KR" altLang="en-US"/>
               <a:t>다섯째 수준</a:t>
             </a:r>
-            <a:endParaRPr lang="ko-KR" altLang="en-US"/>
           </a:p>
         </p:txBody>
       </p:sp>
       <p:sp>
         <p:nvSpPr>
-          <p:cNvPr id="4" name=""/>
+          <p:cNvPr id="4" name="내용 개체 틀 3"/>
           <p:cNvSpPr>
             <a:spLocks noGrp="1"/>
           </p:cNvSpPr>
@@ -2156,7 +2093,6 @@
               <a:rPr lang="ko-KR" altLang="en-US"/>
               <a:t>마스터 텍스트 스타일을 편집합니다</a:t>
             </a:r>
-            <a:endParaRPr lang="ko-KR" altLang="en-US"/>
           </a:p>
           <a:p>
             <a:pPr lvl="1">
@@ -2166,7 +2102,6 @@
               <a:rPr lang="ko-KR" altLang="en-US"/>
               <a:t>둘째 수준</a:t>
             </a:r>
-            <a:endParaRPr lang="ko-KR" altLang="en-US"/>
           </a:p>
           <a:p>
             <a:pPr lvl="2">
@@ -2176,7 +2111,6 @@
               <a:rPr lang="ko-KR" altLang="en-US"/>
               <a:t>셋째 수준</a:t>
             </a:r>
-            <a:endParaRPr lang="ko-KR" altLang="en-US"/>
           </a:p>
           <a:p>
             <a:pPr lvl="3">
@@ -2186,7 +2120,6 @@
               <a:rPr lang="ko-KR" altLang="en-US"/>
               <a:t>넷째 수준</a:t>
             </a:r>
-            <a:endParaRPr lang="ko-KR" altLang="en-US"/>
           </a:p>
           <a:p>
             <a:pPr lvl="4">
@@ -2196,13 +2129,12 @@
               <a:rPr lang="ko-KR" altLang="en-US"/>
               <a:t>다섯째 수준</a:t>
             </a:r>
-            <a:endParaRPr lang="ko-KR" altLang="en-US"/>
           </a:p>
         </p:txBody>
       </p:sp>
       <p:sp>
         <p:nvSpPr>
-          <p:cNvPr id="5" name=""/>
+          <p:cNvPr id="5" name="날짜 개체 틀 4"/>
           <p:cNvSpPr>
             <a:spLocks noGrp="1"/>
           </p:cNvSpPr>
@@ -2223,7 +2155,7 @@
               <a:pPr>
                 <a:defRPr lang="ko-KR" altLang="en-US"/>
               </a:pPr>
-              <a:t>2017-01-29</a:t>
+              <a:t>2018-08-21</a:t>
             </a:fld>
             <a:endParaRPr lang="ko-KR" altLang="en-US"/>
           </a:p>
@@ -2231,7 +2163,7 @@
       </p:sp>
       <p:sp>
         <p:nvSpPr>
-          <p:cNvPr id="6" name=""/>
+          <p:cNvPr id="6" name="바닥글 개체 틀 5"/>
           <p:cNvSpPr>
             <a:spLocks noGrp="1"/>
           </p:cNvSpPr>
@@ -2247,17 +2179,13 @@
             <a:pPr>
               <a:defRPr lang="ko-KR" altLang="en-US"/>
             </a:pPr>
-            <a:r>
-              <a:rPr lang="ko-KR" altLang="en-US"/>
-              <a:t/>
-            </a:r>
             <a:endParaRPr lang="ko-KR" altLang="en-US"/>
           </a:p>
         </p:txBody>
       </p:sp>
       <p:sp>
         <p:nvSpPr>
-          <p:cNvPr id="7" name=""/>
+          <p:cNvPr id="7" name="슬라이드 번호 개체 틀 6"/>
           <p:cNvSpPr>
             <a:spLocks noGrp="1"/>
           </p:cNvSpPr>
@@ -2289,12 +2217,12 @@
   <p:clrMapOvr>
     <a:masterClrMapping/>
   </p:clrMapOvr>
-  <p:transition xmlns:mc="http://schemas.openxmlformats.org/markup-compatibility/2006" xmlns:hp="http://schemas.haansoft.com/office/presentation/8.0" mc:Ignorable="hp" hp:hslDur="500"/>
+  <p:transition/>
 </p:sldLayout>
 </file>
 
 <file path=ppt/slideLayouts/slideLayout6.xml><?xml version="1.0" encoding="utf-8"?>
-<p:sldLayout xmlns:r="http://schemas.openxmlformats.org/officeDocument/2006/relationships" xmlns:c="http://schemas.openxmlformats.org/drawingml/2006/chart" xmlns:a="http://schemas.openxmlformats.org/drawingml/2006/main" xmlns:dgm="http://schemas.openxmlformats.org/drawingml/2006/diagram" xmlns:dsp="http://schemas.microsoft.com/office/drawing/2008/diagram" xmlns:p="http://schemas.openxmlformats.org/presentationml/2006/main" showMasterSp="0" showMasterPhAnim="1" matchingName="제목만" type="titleOnly" preserve="1">
+<p:sldLayout xmlns:a="http://schemas.openxmlformats.org/drawingml/2006/main" xmlns:r="http://schemas.openxmlformats.org/officeDocument/2006/relationships" xmlns:p="http://schemas.openxmlformats.org/presentationml/2006/main" showMasterSp="0" matchingName="제목만" type="titleOnly" preserve="1">
   <p:cSld name="제목만">
     <p:spTree>
       <p:nvGrpSpPr>
@@ -2312,7 +2240,7 @@
       </p:grpSpPr>
       <p:sp>
         <p:nvSpPr>
-          <p:cNvPr id="6" name=""/>
+          <p:cNvPr id="6" name="직사각형 5"/>
           <p:cNvSpPr/>
           <p:nvPr/>
         </p:nvSpPr>
@@ -2362,6 +2290,7 @@
         </p:style>
         <p:txBody>
           <a:bodyPr anchor="ctr"/>
+          <a:lstStyle/>
           <a:p>
             <a:pPr algn="ctr">
               <a:defRPr lang="ko-KR" altLang="en-US"/>
@@ -2372,7 +2301,7 @@
       </p:sp>
       <p:sp>
         <p:nvSpPr>
-          <p:cNvPr id="9" name=""/>
+          <p:cNvPr id="9" name="직사각형 8"/>
           <p:cNvSpPr/>
           <p:nvPr/>
         </p:nvSpPr>
@@ -2416,6 +2345,7 @@
         </p:style>
         <p:txBody>
           <a:bodyPr anchor="ctr"/>
+          <a:lstStyle/>
           <a:p>
             <a:pPr algn="ctr">
               <a:defRPr lang="ko-KR" altLang="en-US"/>
@@ -2426,12 +2356,12 @@
       </p:sp>
       <p:sp>
         <p:nvSpPr>
-          <p:cNvPr id="2" name=""/>
+          <p:cNvPr id="2" name="제목 1"/>
           <p:cNvSpPr>
             <a:spLocks noGrp="1"/>
           </p:cNvSpPr>
           <p:nvPr>
-            <p:ph type="title" idx="0"/>
+            <p:ph type="title"/>
           </p:nvPr>
         </p:nvSpPr>
         <p:spPr>
@@ -2459,13 +2389,12 @@
               <a:rPr lang="ko-KR" altLang="en-US"/>
               <a:t>마스터 제목 스타일 편집</a:t>
             </a:r>
-            <a:endParaRPr lang="ko-KR" altLang="en-US"/>
           </a:p>
         </p:txBody>
       </p:sp>
       <p:sp>
         <p:nvSpPr>
-          <p:cNvPr id="3" name=""/>
+          <p:cNvPr id="3" name="날짜 개체 틀 2"/>
           <p:cNvSpPr>
             <a:spLocks noGrp="1"/>
           </p:cNvSpPr>
@@ -2486,7 +2415,7 @@
               <a:pPr>
                 <a:defRPr lang="ko-KR" altLang="en-US"/>
               </a:pPr>
-              <a:t>2017-01-29</a:t>
+              <a:t>2018-08-21</a:t>
             </a:fld>
             <a:endParaRPr lang="ko-KR" altLang="en-US"/>
           </a:p>
@@ -2494,7 +2423,7 @@
       </p:sp>
       <p:sp>
         <p:nvSpPr>
-          <p:cNvPr id="4" name=""/>
+          <p:cNvPr id="4" name="바닥글 개체 틀 3"/>
           <p:cNvSpPr>
             <a:spLocks noGrp="1"/>
           </p:cNvSpPr>
@@ -2510,17 +2439,13 @@
             <a:pPr>
               <a:defRPr lang="ko-KR" altLang="en-US"/>
             </a:pPr>
-            <a:r>
-              <a:rPr lang="ko-KR" altLang="en-US"/>
-              <a:t/>
-            </a:r>
             <a:endParaRPr lang="ko-KR" altLang="en-US"/>
           </a:p>
         </p:txBody>
       </p:sp>
       <p:sp>
         <p:nvSpPr>
-          <p:cNvPr id="5" name=""/>
+          <p:cNvPr id="5" name="슬라이드 번호 개체 틀 4"/>
           <p:cNvSpPr>
             <a:spLocks noGrp="1"/>
           </p:cNvSpPr>
@@ -2549,7 +2474,7 @@
       </p:sp>
       <p:sp>
         <p:nvSpPr>
-          <p:cNvPr id="7" name=""/>
+          <p:cNvPr id="7" name="직사각형 6"/>
           <p:cNvSpPr/>
           <p:nvPr/>
         </p:nvSpPr>
@@ -2586,6 +2511,7 @@
         </p:style>
         <p:txBody>
           <a:bodyPr anchor="ctr"/>
+          <a:lstStyle/>
           <a:p>
             <a:pPr algn="ctr">
               <a:defRPr lang="ko-KR" altLang="en-US"/>
@@ -2596,7 +2522,7 @@
       </p:sp>
       <p:sp>
         <p:nvSpPr>
-          <p:cNvPr id="10" name=""/>
+          <p:cNvPr id="10" name="직사각형 9"/>
           <p:cNvSpPr/>
           <p:nvPr/>
         </p:nvSpPr>
@@ -2633,6 +2559,7 @@
         </p:style>
         <p:txBody>
           <a:bodyPr anchor="ctr"/>
+          <a:lstStyle/>
           <a:p>
             <a:pPr algn="ctr">
               <a:defRPr lang="ko-KR" altLang="en-US"/>
@@ -2646,12 +2573,12 @@
   <p:clrMapOvr>
     <a:masterClrMapping/>
   </p:clrMapOvr>
-  <p:transition xmlns:mc="http://schemas.openxmlformats.org/markup-compatibility/2006" xmlns:hp="http://schemas.haansoft.com/office/presentation/8.0" mc:Ignorable="hp" hp:hslDur="500"/>
+  <p:transition/>
 </p:sldLayout>
 </file>
 
 <file path=ppt/slideLayouts/slideLayout7.xml><?xml version="1.0" encoding="utf-8"?>
-<p:sldLayout xmlns:r="http://schemas.openxmlformats.org/officeDocument/2006/relationships" xmlns:c="http://schemas.openxmlformats.org/drawingml/2006/chart" xmlns:a="http://schemas.openxmlformats.org/drawingml/2006/main" xmlns:dgm="http://schemas.openxmlformats.org/drawingml/2006/diagram" xmlns:dsp="http://schemas.microsoft.com/office/drawing/2008/diagram" xmlns:p="http://schemas.openxmlformats.org/presentationml/2006/main" showMasterPhAnim="1" matchingName="구역 머리글" type="secHead" preserve="1">
+<p:sldLayout xmlns:a="http://schemas.openxmlformats.org/drawingml/2006/main" xmlns:r="http://schemas.openxmlformats.org/officeDocument/2006/relationships" xmlns:p="http://schemas.openxmlformats.org/presentationml/2006/main" matchingName="구역 머리글" type="secHead" preserve="1">
   <p:cSld name="구역 머리글">
     <p:spTree>
       <p:nvGrpSpPr>
@@ -2669,12 +2596,12 @@
       </p:grpSpPr>
       <p:sp>
         <p:nvSpPr>
-          <p:cNvPr id="2" name=""/>
+          <p:cNvPr id="2" name="제목 1"/>
           <p:cNvSpPr>
             <a:spLocks noGrp="1"/>
           </p:cNvSpPr>
           <p:nvPr>
-            <p:ph type="title" idx="0"/>
+            <p:ph type="title"/>
           </p:nvPr>
         </p:nvSpPr>
         <p:spPr>
@@ -2698,13 +2625,12 @@
               <a:rPr lang="ko-KR" altLang="en-US"/>
               <a:t>마스터 제목 스타일 편집</a:t>
             </a:r>
-            <a:endParaRPr lang="ko-KR" altLang="en-US"/>
           </a:p>
         </p:txBody>
       </p:sp>
       <p:sp>
         <p:nvSpPr>
-          <p:cNvPr id="3" name=""/>
+          <p:cNvPr id="3" name="표 개체 틀 2"/>
           <p:cNvSpPr>
             <a:spLocks noGrp="1" noTextEdit="1"/>
           </p:cNvSpPr>
@@ -2734,13 +2660,12 @@
               <a:rPr lang="ko-KR" altLang="en-US"/>
               <a:t>표를 추가하려면 아이콘을 클릭하십시오</a:t>
             </a:r>
-            <a:endParaRPr lang="ko-KR" altLang="en-US"/>
           </a:p>
         </p:txBody>
       </p:sp>
       <p:sp>
         <p:nvSpPr>
-          <p:cNvPr id="4" name=""/>
+          <p:cNvPr id="4" name="날짜 개체 틀 3"/>
           <p:cNvSpPr>
             <a:spLocks noGrp="1"/>
           </p:cNvSpPr>
@@ -2766,7 +2691,7 @@
               <a:pPr>
                 <a:defRPr lang="ko-KR" altLang="en-US"/>
               </a:pPr>
-              <a:t>2017-01-29</a:t>
+              <a:t>2018-08-21</a:t>
             </a:fld>
             <a:endParaRPr lang="ko-KR" altLang="en-US"/>
           </a:p>
@@ -2774,7 +2699,7 @@
       </p:sp>
       <p:sp>
         <p:nvSpPr>
-          <p:cNvPr id="5" name=""/>
+          <p:cNvPr id="5" name="바닥글 개체 틀 4"/>
           <p:cNvSpPr>
             <a:spLocks noGrp="1"/>
           </p:cNvSpPr>
@@ -2795,17 +2720,13 @@
             <a:pPr>
               <a:defRPr lang="ko-KR" altLang="en-US"/>
             </a:pPr>
-            <a:r>
-              <a:rPr lang="ko-KR" altLang="en-US"/>
-              <a:t/>
-            </a:r>
             <a:endParaRPr lang="ko-KR" altLang="en-US"/>
           </a:p>
         </p:txBody>
       </p:sp>
       <p:sp>
         <p:nvSpPr>
-          <p:cNvPr id="6" name=""/>
+          <p:cNvPr id="6" name="슬라이드 번호 개체 틀 5"/>
           <p:cNvSpPr>
             <a:spLocks noGrp="1"/>
           </p:cNvSpPr>
@@ -2842,12 +2763,12 @@
   <p:clrMapOvr>
     <a:masterClrMapping/>
   </p:clrMapOvr>
-  <p:transition xmlns:mc="http://schemas.openxmlformats.org/markup-compatibility/2006" xmlns:hp="http://schemas.haansoft.com/office/presentation/8.0" mc:Ignorable="hp" hp:hslDur="500"/>
+  <p:transition/>
 </p:sldLayout>
 </file>
 
 <file path=ppt/slideLayouts/slideLayout8.xml><?xml version="1.0" encoding="utf-8"?>
-<p:sldLayout xmlns:r="http://schemas.openxmlformats.org/officeDocument/2006/relationships" xmlns:c="http://schemas.openxmlformats.org/drawingml/2006/chart" xmlns:a="http://schemas.openxmlformats.org/drawingml/2006/main" xmlns:dgm="http://schemas.openxmlformats.org/drawingml/2006/diagram" xmlns:dsp="http://schemas.microsoft.com/office/drawing/2008/diagram" xmlns:p="http://schemas.openxmlformats.org/presentationml/2006/main" showMasterPhAnim="1" matchingName="내용 4개" type="fourObj" preserve="1">
+<p:sldLayout xmlns:a="http://schemas.openxmlformats.org/drawingml/2006/main" xmlns:r="http://schemas.openxmlformats.org/officeDocument/2006/relationships" xmlns:p="http://schemas.openxmlformats.org/presentationml/2006/main" matchingName="내용 4개" type="fourObj" preserve="1">
   <p:cSld name="내용 4개">
     <p:spTree>
       <p:nvGrpSpPr>
@@ -2865,12 +2786,12 @@
       </p:grpSpPr>
       <p:sp>
         <p:nvSpPr>
-          <p:cNvPr id="2" name=""/>
+          <p:cNvPr id="2" name="제목 1"/>
           <p:cNvSpPr>
             <a:spLocks noGrp="1"/>
           </p:cNvSpPr>
           <p:nvPr>
-            <p:ph type="title" idx="0"/>
+            <p:ph type="title"/>
           </p:nvPr>
         </p:nvSpPr>
         <p:spPr>
@@ -2894,13 +2815,12 @@
               <a:rPr lang="ko-KR" altLang="en-US"/>
               <a:t>마스터 제목 스타일 편집</a:t>
             </a:r>
-            <a:endParaRPr lang="ko-KR" altLang="en-US"/>
           </a:p>
         </p:txBody>
       </p:sp>
       <p:sp>
         <p:nvSpPr>
-          <p:cNvPr id="3" name=""/>
+          <p:cNvPr id="3" name="내용 개체 틀 2"/>
           <p:cNvSpPr>
             <a:spLocks noGrp="1"/>
           </p:cNvSpPr>
@@ -2953,7 +2873,6 @@
               <a:rPr lang="ko-KR" altLang="en-US"/>
               <a:t>마스터 텍스트 스타일을 편집합니다</a:t>
             </a:r>
-            <a:endParaRPr lang="ko-KR" altLang="en-US"/>
           </a:p>
           <a:p>
             <a:pPr lvl="1">
@@ -2963,7 +2882,6 @@
               <a:rPr lang="ko-KR" altLang="en-US"/>
               <a:t>둘째 수준</a:t>
             </a:r>
-            <a:endParaRPr lang="ko-KR" altLang="en-US"/>
           </a:p>
           <a:p>
             <a:pPr lvl="2">
@@ -2973,7 +2891,6 @@
               <a:rPr lang="ko-KR" altLang="en-US"/>
               <a:t>셋째 수준</a:t>
             </a:r>
-            <a:endParaRPr lang="ko-KR" altLang="en-US"/>
           </a:p>
           <a:p>
             <a:pPr lvl="3">
@@ -2983,7 +2900,6 @@
               <a:rPr lang="ko-KR" altLang="en-US"/>
               <a:t>넷째 수준</a:t>
             </a:r>
-            <a:endParaRPr lang="ko-KR" altLang="en-US"/>
           </a:p>
           <a:p>
             <a:pPr lvl="4">
@@ -2993,13 +2909,12 @@
               <a:rPr lang="ko-KR" altLang="en-US"/>
               <a:t>다섯째 수준</a:t>
             </a:r>
-            <a:endParaRPr lang="ko-KR" altLang="en-US"/>
           </a:p>
         </p:txBody>
       </p:sp>
       <p:sp>
         <p:nvSpPr>
-          <p:cNvPr id="4" name=""/>
+          <p:cNvPr id="4" name="내용 개체 틀 3"/>
           <p:cNvSpPr>
             <a:spLocks noGrp="1"/>
           </p:cNvSpPr>
@@ -3052,7 +2967,6 @@
               <a:rPr lang="ko-KR" altLang="en-US"/>
               <a:t>마스터 텍스트 스타일을 편집합니다</a:t>
             </a:r>
-            <a:endParaRPr lang="ko-KR" altLang="en-US"/>
           </a:p>
           <a:p>
             <a:pPr lvl="1">
@@ -3062,7 +2976,6 @@
               <a:rPr lang="ko-KR" altLang="en-US"/>
               <a:t>둘째 수준</a:t>
             </a:r>
-            <a:endParaRPr lang="ko-KR" altLang="en-US"/>
           </a:p>
           <a:p>
             <a:pPr lvl="2">
@@ -3072,7 +2985,6 @@
               <a:rPr lang="ko-KR" altLang="en-US"/>
               <a:t>셋째 수준</a:t>
             </a:r>
-            <a:endParaRPr lang="ko-KR" altLang="en-US"/>
           </a:p>
           <a:p>
             <a:pPr lvl="3">
@@ -3082,7 +2994,6 @@
               <a:rPr lang="ko-KR" altLang="en-US"/>
               <a:t>넷째 수준</a:t>
             </a:r>
-            <a:endParaRPr lang="ko-KR" altLang="en-US"/>
           </a:p>
           <a:p>
             <a:pPr lvl="4">
@@ -3092,13 +3003,12 @@
               <a:rPr lang="ko-KR" altLang="en-US"/>
               <a:t>다섯째 수준</a:t>
             </a:r>
-            <a:endParaRPr lang="ko-KR" altLang="en-US"/>
           </a:p>
         </p:txBody>
       </p:sp>
       <p:sp>
         <p:nvSpPr>
-          <p:cNvPr id="5" name=""/>
+          <p:cNvPr id="5" name="내용 개체 틀 4"/>
           <p:cNvSpPr>
             <a:spLocks noGrp="1"/>
           </p:cNvSpPr>
@@ -3151,7 +3061,6 @@
               <a:rPr lang="ko-KR" altLang="en-US"/>
               <a:t>마스터 텍스트 스타일을 편집합니다</a:t>
             </a:r>
-            <a:endParaRPr lang="ko-KR" altLang="en-US"/>
           </a:p>
           <a:p>
             <a:pPr lvl="1">
@@ -3161,7 +3070,6 @@
               <a:rPr lang="ko-KR" altLang="en-US"/>
               <a:t>둘째 수준</a:t>
             </a:r>
-            <a:endParaRPr lang="ko-KR" altLang="en-US"/>
           </a:p>
           <a:p>
             <a:pPr lvl="2">
@@ -3171,7 +3079,6 @@
               <a:rPr lang="ko-KR" altLang="en-US"/>
               <a:t>셋째 수준</a:t>
             </a:r>
-            <a:endParaRPr lang="ko-KR" altLang="en-US"/>
           </a:p>
           <a:p>
             <a:pPr lvl="3">
@@ -3181,7 +3088,6 @@
               <a:rPr lang="ko-KR" altLang="en-US"/>
               <a:t>넷째 수준</a:t>
             </a:r>
-            <a:endParaRPr lang="ko-KR" altLang="en-US"/>
           </a:p>
           <a:p>
             <a:pPr lvl="4">
@@ -3191,13 +3097,12 @@
               <a:rPr lang="ko-KR" altLang="en-US"/>
               <a:t>다섯째 수준</a:t>
             </a:r>
-            <a:endParaRPr lang="ko-KR" altLang="en-US"/>
           </a:p>
         </p:txBody>
       </p:sp>
       <p:sp>
         <p:nvSpPr>
-          <p:cNvPr id="6" name=""/>
+          <p:cNvPr id="6" name="내용 개체 틀 5"/>
           <p:cNvSpPr>
             <a:spLocks noGrp="1"/>
           </p:cNvSpPr>
@@ -3250,7 +3155,6 @@
               <a:rPr lang="ko-KR" altLang="en-US"/>
               <a:t>마스터 텍스트 스타일을 편집합니다</a:t>
             </a:r>
-            <a:endParaRPr lang="ko-KR" altLang="en-US"/>
           </a:p>
           <a:p>
             <a:pPr lvl="1">
@@ -3260,7 +3164,6 @@
               <a:rPr lang="ko-KR" altLang="en-US"/>
               <a:t>둘째 수준</a:t>
             </a:r>
-            <a:endParaRPr lang="ko-KR" altLang="en-US"/>
           </a:p>
           <a:p>
             <a:pPr lvl="2">
@@ -3270,7 +3173,6 @@
               <a:rPr lang="ko-KR" altLang="en-US"/>
               <a:t>셋째 수준</a:t>
             </a:r>
-            <a:endParaRPr lang="ko-KR" altLang="en-US"/>
           </a:p>
           <a:p>
             <a:pPr lvl="3">
@@ -3280,7 +3182,6 @@
               <a:rPr lang="ko-KR" altLang="en-US"/>
               <a:t>넷째 수준</a:t>
             </a:r>
-            <a:endParaRPr lang="ko-KR" altLang="en-US"/>
           </a:p>
           <a:p>
             <a:pPr lvl="4">
@@ -3290,13 +3191,12 @@
               <a:rPr lang="ko-KR" altLang="en-US"/>
               <a:t>다섯째 수준</a:t>
             </a:r>
-            <a:endParaRPr lang="ko-KR" altLang="en-US"/>
           </a:p>
         </p:txBody>
       </p:sp>
       <p:sp>
         <p:nvSpPr>
-          <p:cNvPr id="7" name=""/>
+          <p:cNvPr id="7" name="날짜 개체 틀 6"/>
           <p:cNvSpPr>
             <a:spLocks noGrp="1"/>
           </p:cNvSpPr>
@@ -3322,7 +3222,7 @@
               <a:pPr>
                 <a:defRPr lang="ko-KR" altLang="en-US"/>
               </a:pPr>
-              <a:t>2017-01-29</a:t>
+              <a:t>2018-08-21</a:t>
             </a:fld>
             <a:endParaRPr lang="ko-KR" altLang="en-US"/>
           </a:p>
@@ -3330,7 +3230,7 @@
       </p:sp>
       <p:sp>
         <p:nvSpPr>
-          <p:cNvPr id="8" name=""/>
+          <p:cNvPr id="8" name="바닥글 개체 틀 7"/>
           <p:cNvSpPr>
             <a:spLocks noGrp="1"/>
           </p:cNvSpPr>
@@ -3351,17 +3251,13 @@
             <a:pPr>
               <a:defRPr lang="ko-KR" altLang="en-US"/>
             </a:pPr>
-            <a:r>
-              <a:rPr lang="ko-KR" altLang="en-US"/>
-              <a:t/>
-            </a:r>
             <a:endParaRPr lang="ko-KR" altLang="en-US"/>
           </a:p>
         </p:txBody>
       </p:sp>
       <p:sp>
         <p:nvSpPr>
-          <p:cNvPr id="9" name=""/>
+          <p:cNvPr id="9" name="슬라이드 번호 개체 틀 8"/>
           <p:cNvSpPr>
             <a:spLocks noGrp="1"/>
           </p:cNvSpPr>
@@ -3398,12 +3294,12 @@
   <p:clrMapOvr>
     <a:masterClrMapping/>
   </p:clrMapOvr>
-  <p:transition xmlns:mc="http://schemas.openxmlformats.org/markup-compatibility/2006" xmlns:hp="http://schemas.haansoft.com/office/presentation/8.0" mc:Ignorable="hp" hp:hslDur="500"/>
+  <p:transition/>
 </p:sldLayout>
 </file>
 
 <file path=ppt/slideLayouts/slideLayout9.xml><?xml version="1.0" encoding="utf-8"?>
-<p:sldLayout xmlns:r="http://schemas.openxmlformats.org/officeDocument/2006/relationships" xmlns:c="http://schemas.openxmlformats.org/drawingml/2006/chart" xmlns:a="http://schemas.openxmlformats.org/drawingml/2006/main" xmlns:dgm="http://schemas.openxmlformats.org/drawingml/2006/diagram" xmlns:dsp="http://schemas.microsoft.com/office/drawing/2008/diagram" xmlns:p="http://schemas.openxmlformats.org/presentationml/2006/main" showMasterSp="0" showMasterPhAnim="1" matchingName="그림 및 설명" type="picTx" preserve="1">
+<p:sldLayout xmlns:a="http://schemas.openxmlformats.org/drawingml/2006/main" xmlns:r="http://schemas.openxmlformats.org/officeDocument/2006/relationships" xmlns:p="http://schemas.openxmlformats.org/presentationml/2006/main" showMasterSp="0" matchingName="그림 및 설명" type="picTx" preserve="1">
   <p:cSld name="그림 및 설명">
     <p:spTree>
       <p:nvGrpSpPr>
@@ -3421,7 +3317,7 @@
       </p:grpSpPr>
       <p:sp>
         <p:nvSpPr>
-          <p:cNvPr id="11" name=""/>
+          <p:cNvPr id="11" name="직사각형 10"/>
           <p:cNvSpPr/>
           <p:nvPr/>
         </p:nvSpPr>
@@ -3469,6 +3365,7 @@
         </p:style>
         <p:txBody>
           <a:bodyPr anchor="ctr"/>
+          <a:lstStyle/>
           <a:p>
             <a:pPr algn="ctr">
               <a:defRPr lang="ko-KR" altLang="en-US"/>
@@ -3479,7 +3376,7 @@
       </p:sp>
       <p:sp>
         <p:nvSpPr>
-          <p:cNvPr id="8" name=""/>
+          <p:cNvPr id="8" name="직사각형 7"/>
           <p:cNvSpPr/>
           <p:nvPr/>
         </p:nvSpPr>
@@ -3518,6 +3415,7 @@
         </p:style>
         <p:txBody>
           <a:bodyPr anchor="ctr"/>
+          <a:lstStyle/>
           <a:p>
             <a:pPr algn="ctr">
               <a:defRPr lang="ko-KR" altLang="en-US"/>
@@ -3528,12 +3426,12 @@
       </p:sp>
       <p:sp>
         <p:nvSpPr>
-          <p:cNvPr id="2" name=""/>
+          <p:cNvPr id="2" name="제목 1"/>
           <p:cNvSpPr>
             <a:spLocks noGrp="1"/>
           </p:cNvSpPr>
           <p:nvPr>
-            <p:ph type="title" idx="0"/>
+            <p:ph type="title"/>
           </p:nvPr>
         </p:nvSpPr>
         <p:spPr>
@@ -3561,13 +3459,12 @@
               <a:rPr lang="ko-KR" altLang="en-US"/>
               <a:t>마스터 제목 스타일 편집</a:t>
             </a:r>
-            <a:endParaRPr lang="ko-KR" altLang="en-US"/>
           </a:p>
         </p:txBody>
       </p:sp>
       <p:sp>
         <p:nvSpPr>
-          <p:cNvPr id="3" name=""/>
+          <p:cNvPr id="3" name="그림 개체 틀 2"/>
           <p:cNvSpPr>
             <a:spLocks noGrp="1" noTextEdit="1"/>
           </p:cNvSpPr>
@@ -3665,13 +3562,12 @@
               <a:rPr lang="ko-KR" altLang="en-US"/>
               <a:t>그림을 추가하려면 아이콘을 클릭하십시오</a:t>
             </a:r>
-            <a:endParaRPr lang="ko-KR" altLang="en-US"/>
           </a:p>
         </p:txBody>
       </p:sp>
       <p:sp>
         <p:nvSpPr>
-          <p:cNvPr id="4" name=""/>
+          <p:cNvPr id="4" name="텍스트 개체 틀 3"/>
           <p:cNvSpPr>
             <a:spLocks noGrp="1"/>
           </p:cNvSpPr>
@@ -3737,13 +3633,12 @@
               <a:rPr lang="ko-KR" altLang="en-US"/>
               <a:t>마스터 텍스트 스타일을 편집합니다</a:t>
             </a:r>
-            <a:endParaRPr lang="ko-KR" altLang="en-US"/>
           </a:p>
         </p:txBody>
       </p:sp>
       <p:sp>
         <p:nvSpPr>
-          <p:cNvPr id="5" name=""/>
+          <p:cNvPr id="5" name="날짜 개체 틀 4"/>
           <p:cNvSpPr>
             <a:spLocks noGrp="1"/>
           </p:cNvSpPr>
@@ -3772,7 +3667,7 @@
               <a:pPr>
                 <a:defRPr lang="ko-KR" altLang="en-US"/>
               </a:pPr>
-              <a:t>2017-01-29</a:t>
+              <a:t>2018-08-21</a:t>
             </a:fld>
             <a:endParaRPr lang="ko-KR" altLang="en-US"/>
           </a:p>
@@ -3780,7 +3675,7 @@
       </p:sp>
       <p:sp>
         <p:nvSpPr>
-          <p:cNvPr id="6" name=""/>
+          <p:cNvPr id="6" name="바닥글 개체 틀 5"/>
           <p:cNvSpPr>
             <a:spLocks noGrp="1"/>
           </p:cNvSpPr>
@@ -3804,17 +3699,13 @@
             <a:pPr>
               <a:defRPr lang="ko-KR" altLang="en-US"/>
             </a:pPr>
-            <a:r>
-              <a:rPr lang="ko-KR" altLang="en-US"/>
-              <a:t/>
-            </a:r>
             <a:endParaRPr lang="ko-KR" altLang="en-US"/>
           </a:p>
         </p:txBody>
       </p:sp>
       <p:sp>
         <p:nvSpPr>
-          <p:cNvPr id="7" name=""/>
+          <p:cNvPr id="7" name="슬라이드 번호 개체 틀 6"/>
           <p:cNvSpPr>
             <a:spLocks noGrp="1"/>
           </p:cNvSpPr>
@@ -3851,7 +3742,7 @@
       </p:sp>
       <p:sp>
         <p:nvSpPr>
-          <p:cNvPr id="9" name=""/>
+          <p:cNvPr id="9" name="직사각형 8"/>
           <p:cNvSpPr/>
           <p:nvPr/>
         </p:nvSpPr>
@@ -3888,6 +3779,7 @@
         </p:style>
         <p:txBody>
           <a:bodyPr anchor="ctr"/>
+          <a:lstStyle/>
           <a:p>
             <a:pPr algn="ctr">
               <a:defRPr lang="ko-KR" altLang="en-US"/>
@@ -3898,7 +3790,7 @@
       </p:sp>
       <p:sp>
         <p:nvSpPr>
-          <p:cNvPr id="12" name=""/>
+          <p:cNvPr id="12" name="직사각형 11"/>
           <p:cNvSpPr/>
           <p:nvPr/>
         </p:nvSpPr>
@@ -3935,6 +3827,7 @@
         </p:style>
         <p:txBody>
           <a:bodyPr anchor="ctr"/>
+          <a:lstStyle/>
           <a:p>
             <a:pPr algn="ctr">
               <a:defRPr lang="ko-KR" altLang="en-US"/>
@@ -3948,12 +3841,12 @@
   <p:clrMapOvr>
     <a:masterClrMapping/>
   </p:clrMapOvr>
-  <p:transition xmlns:mc="http://schemas.openxmlformats.org/markup-compatibility/2006" xmlns:hp="http://schemas.haansoft.com/office/presentation/8.0" mc:Ignorable="hp" hp:hslDur="500"/>
+  <p:transition/>
 </p:sldLayout>
 </file>
 
 <file path=ppt/slideMasters/slideMaster1.xml><?xml version="1.0" encoding="utf-8"?>
-<p:sldMaster xmlns:r="http://schemas.openxmlformats.org/officeDocument/2006/relationships" xmlns:c="http://schemas.openxmlformats.org/drawingml/2006/chart" xmlns:a="http://schemas.openxmlformats.org/drawingml/2006/main" xmlns:dgm="http://schemas.openxmlformats.org/drawingml/2006/diagram" xmlns:dsp="http://schemas.microsoft.com/office/drawing/2008/diagram" xmlns:p="http://schemas.openxmlformats.org/presentationml/2006/main">
+<p:sldMaster xmlns:a="http://schemas.openxmlformats.org/drawingml/2006/main" xmlns:r="http://schemas.openxmlformats.org/officeDocument/2006/relationships" xmlns:p="http://schemas.openxmlformats.org/presentationml/2006/main">
   <p:cSld name="미래">
     <p:bg>
       <p:bgRef idx="1002">
@@ -3976,12 +3869,12 @@
       </p:grpSpPr>
       <p:sp>
         <p:nvSpPr>
-          <p:cNvPr id="2" name=""/>
+          <p:cNvPr id="2" name="제목 개체 틀 1"/>
           <p:cNvSpPr>
             <a:spLocks noGrp="1"/>
           </p:cNvSpPr>
           <p:nvPr>
-            <p:ph type="title" idx="0"/>
+            <p:ph type="title"/>
           </p:nvPr>
         </p:nvSpPr>
         <p:spPr>
@@ -4004,13 +3897,12 @@
               <a:rPr lang="ko-KR" altLang="en-US"/>
               <a:t>마스터 제목 스타일 편집</a:t>
             </a:r>
-            <a:endParaRPr lang="ko-KR" altLang="en-US"/>
           </a:p>
         </p:txBody>
       </p:sp>
       <p:sp>
         <p:nvSpPr>
-          <p:cNvPr id="3" name=""/>
+          <p:cNvPr id="3" name="텍스트 개체 틀 2"/>
           <p:cNvSpPr>
             <a:spLocks noGrp="1"/>
           </p:cNvSpPr>
@@ -4038,7 +3930,6 @@
               <a:rPr lang="ko-KR" altLang="en-US"/>
               <a:t>마스터 텍스트 스타일을 편집합니다</a:t>
             </a:r>
-            <a:endParaRPr lang="ko-KR" altLang="en-US"/>
           </a:p>
           <a:p>
             <a:pPr lvl="1">
@@ -4048,7 +3939,6 @@
               <a:rPr lang="ko-KR" altLang="en-US"/>
               <a:t>둘째 수준</a:t>
             </a:r>
-            <a:endParaRPr lang="ko-KR" altLang="en-US"/>
           </a:p>
           <a:p>
             <a:pPr lvl="2">
@@ -4058,7 +3948,6 @@
               <a:rPr lang="ko-KR" altLang="en-US"/>
               <a:t>셋째 수준</a:t>
             </a:r>
-            <a:endParaRPr lang="ko-KR" altLang="en-US"/>
           </a:p>
           <a:p>
             <a:pPr lvl="3">
@@ -4068,7 +3957,6 @@
               <a:rPr lang="ko-KR" altLang="en-US"/>
               <a:t>넷째 수준</a:t>
             </a:r>
-            <a:endParaRPr lang="ko-KR" altLang="en-US"/>
           </a:p>
           <a:p>
             <a:pPr lvl="4">
@@ -4078,7 +3966,6 @@
               <a:rPr lang="ko-KR" altLang="en-US"/>
               <a:t>다섯째 수준</a:t>
             </a:r>
-            <a:endParaRPr lang="ko-KR" altLang="en-US"/>
           </a:p>
           <a:p>
             <a:pPr lvl="8">
@@ -4090,7 +3977,7 @@
       </p:sp>
       <p:sp>
         <p:nvSpPr>
-          <p:cNvPr id="4" name=""/>
+          <p:cNvPr id="4" name="날짜 개체 틀 3"/>
           <p:cNvSpPr>
             <a:spLocks noGrp="1"/>
           </p:cNvSpPr>
@@ -4131,7 +4018,7 @@
               <a:pPr>
                 <a:defRPr lang="ko-KR" altLang="en-US"/>
               </a:pPr>
-              <a:t>2017-01-29</a:t>
+              <a:t>2018-08-21</a:t>
             </a:fld>
             <a:endParaRPr lang="ko-KR" altLang="en-US"/>
           </a:p>
@@ -4139,7 +4026,7 @@
       </p:sp>
       <p:sp>
         <p:nvSpPr>
-          <p:cNvPr id="5" name=""/>
+          <p:cNvPr id="5" name="바닥글 개체 틀 4"/>
           <p:cNvSpPr>
             <a:spLocks noGrp="1"/>
           </p:cNvSpPr>
@@ -4175,17 +4062,13 @@
             <a:pPr>
               <a:defRPr lang="ko-KR" altLang="en-US"/>
             </a:pPr>
-            <a:r>
-              <a:rPr lang="ko-KR" altLang="en-US"/>
-              <a:t/>
-            </a:r>
             <a:endParaRPr lang="ko-KR" altLang="en-US"/>
           </a:p>
         </p:txBody>
       </p:sp>
       <p:sp>
         <p:nvSpPr>
-          <p:cNvPr id="6" name=""/>
+          <p:cNvPr id="6" name="슬라이드 번호 개체 틀 5"/>
           <p:cNvSpPr>
             <a:spLocks noGrp="1"/>
           </p:cNvSpPr>
@@ -4234,7 +4117,7 @@
       </p:sp>
       <p:sp>
         <p:nvSpPr>
-          <p:cNvPr id="8" name=""/>
+          <p:cNvPr id="8" name="직사각형 7"/>
           <p:cNvSpPr/>
           <p:nvPr/>
         </p:nvSpPr>
@@ -4271,6 +4154,7 @@
         </p:style>
         <p:txBody>
           <a:bodyPr anchor="ctr"/>
+          <a:lstStyle/>
           <a:p>
             <a:pPr algn="ctr">
               <a:defRPr lang="ko-KR" altLang="en-US"/>
@@ -4281,7 +4165,7 @@
       </p:sp>
       <p:sp>
         <p:nvSpPr>
-          <p:cNvPr id="10" name=""/>
+          <p:cNvPr id="10" name="직사각형 9"/>
           <p:cNvSpPr/>
           <p:nvPr/>
         </p:nvSpPr>
@@ -4318,6 +4202,7 @@
         </p:style>
         <p:txBody>
           <a:bodyPr anchor="ctr"/>
+          <a:lstStyle/>
           <a:p>
             <a:pPr algn="ctr">
               <a:defRPr lang="ko-KR" altLang="en-US"/>
@@ -4344,7 +4229,7 @@
     <p:sldLayoutId id="2147483675" r:id="rId12"/>
     <p:sldLayoutId id="2147483676" r:id="rId13"/>
   </p:sldLayoutIdLst>
-  <p:transition xmlns:mc="http://schemas.openxmlformats.org/markup-compatibility/2006" xmlns:hp="http://schemas.haansoft.com/office/presentation/8.0" mc:Ignorable="hp" hp:hslDur="500"/>
+  <p:transition/>
   <p:hf sldNum="0" hdr="0" ftr="0" dt="0"/>
   <p:txStyles>
     <p:titleStyle>
@@ -4627,7 +4512,7 @@
 </file>
 
 <file path=ppt/slides/slide1.xml><?xml version="1.0" encoding="utf-8"?>
-<p:sld xmlns:r="http://schemas.openxmlformats.org/officeDocument/2006/relationships" xmlns:c="http://schemas.openxmlformats.org/drawingml/2006/chart" xmlns:a="http://schemas.openxmlformats.org/drawingml/2006/main" xmlns:dgm="http://schemas.openxmlformats.org/drawingml/2006/diagram" xmlns:dsp="http://schemas.microsoft.com/office/drawing/2008/diagram" xmlns:p="http://schemas.openxmlformats.org/presentationml/2006/main">
+<p:sld xmlns:a="http://schemas.openxmlformats.org/drawingml/2006/main" xmlns:r="http://schemas.openxmlformats.org/officeDocument/2006/relationships" xmlns:p="http://schemas.openxmlformats.org/presentationml/2006/main">
   <p:cSld>
     <p:spTree>
       <p:nvGrpSpPr>
@@ -4650,7 +4535,7 @@
             <a:spLocks noGrp="1" noChangeArrowheads="1"/>
           </p:cNvSpPr>
           <p:nvPr>
-            <p:ph type="ctrTitle" idx="0"/>
+            <p:ph type="ctrTitle"/>
           </p:nvPr>
         </p:nvSpPr>
         <p:spPr>
@@ -4682,7 +4567,7 @@
       </p:sp>
       <p:sp>
         <p:nvSpPr>
-          <p:cNvPr id="67588" name=""/>
+          <p:cNvPr id="67588" name="부제목 67587"/>
           <p:cNvSpPr>
             <a:spLocks noGrp="1"/>
           </p:cNvSpPr>
@@ -4698,10 +4583,6 @@
             <a:pPr>
               <a:defRPr lang="ko-KR" altLang="en-US"/>
             </a:pPr>
-            <a:r>
-              <a:rPr lang="ko-KR" altLang="en-US"/>
-              <a:t/>
-            </a:r>
             <a:endParaRPr lang="ko-KR" altLang="en-US"/>
           </a:p>
         </p:txBody>
@@ -4711,11 +4592,11 @@
   <p:clrMapOvr>
     <a:masterClrMapping/>
   </p:clrMapOvr>
-  <mc:AlternateContent xmlns:mc="http://schemas.openxmlformats.org/markup-compatibility/2006">
-    <mc:Choice xmlns:p14="http://schemas.microsoft.com/office/powerpoint/2010/main" Requires="p14">
-      <p:transition xmlns:mc="http://schemas.openxmlformats.org/markup-compatibility/2006" xmlns:p14="http://schemas.microsoft.com/office/powerpoint/2010/main" mc:Ignorable="p14" p14:dur="500"/>
+  <mc:AlternateContent xmlns:mc="http://schemas.openxmlformats.org/markup-compatibility/2006" xmlns:p14="http://schemas.microsoft.com/office/powerpoint/2010/main">
+    <mc:Choice Requires="p14">
+      <p:transition/>
     </mc:Choice>
-    <mc:Fallback>
+    <mc:Fallback xmlns:dsp="http://schemas.microsoft.com/office/drawing/2008/diagram" xmlns:dgm="http://schemas.openxmlformats.org/drawingml/2006/diagram" xmlns:c="http://schemas.openxmlformats.org/drawingml/2006/chart" xmlns="">
       <p:transition/>
     </mc:Fallback>
   </mc:AlternateContent>
@@ -4812,7 +4693,7 @@
 </file>
 
 <file path=ppt/slides/slide10.xml><?xml version="1.0" encoding="utf-8"?>
-<p:sld xmlns:r="http://schemas.openxmlformats.org/officeDocument/2006/relationships" xmlns:c="http://schemas.openxmlformats.org/drawingml/2006/chart" xmlns:a="http://schemas.openxmlformats.org/drawingml/2006/main" xmlns:dgm="http://schemas.openxmlformats.org/drawingml/2006/diagram" xmlns:dsp="http://schemas.microsoft.com/office/drawing/2008/diagram" xmlns:p="http://schemas.openxmlformats.org/presentationml/2006/main">
+<p:sld xmlns:a="http://schemas.openxmlformats.org/drawingml/2006/main" xmlns:r="http://schemas.openxmlformats.org/officeDocument/2006/relationships" xmlns:p="http://schemas.openxmlformats.org/presentationml/2006/main">
   <p:cSld>
     <p:spTree>
       <p:nvGrpSpPr>
@@ -4876,19 +4757,19 @@
           <a:gradFill flip="none" rotWithShape="1">
             <a:gsLst>
               <a:gs pos="0">
-                <a:srgbClr val="ff00ff">
+                <a:srgbClr val="FF00FF">
                   <a:tint val="66000"/>
                   <a:satMod val="160000"/>
                 </a:srgbClr>
               </a:gs>
               <a:gs pos="50000">
-                <a:srgbClr val="ff00ff">
+                <a:srgbClr val="FF00FF">
                   <a:tint val="44500"/>
                   <a:satMod val="160000"/>
                 </a:srgbClr>
               </a:gs>
               <a:gs pos="100000">
-                <a:srgbClr val="ff00ff">
+                <a:srgbClr val="FF00FF">
                   <a:tint val="23500"/>
                   <a:satMod val="160000"/>
                 </a:srgbClr>
@@ -4970,19 +4851,19 @@
           <a:gradFill flip="none" rotWithShape="1">
             <a:gsLst>
               <a:gs pos="0">
-                <a:srgbClr val="ff00ff">
+                <a:srgbClr val="FF00FF">
                   <a:tint val="66000"/>
                   <a:satMod val="160000"/>
                 </a:srgbClr>
               </a:gs>
               <a:gs pos="50000">
-                <a:srgbClr val="ff00ff">
+                <a:srgbClr val="FF00FF">
                   <a:tint val="44500"/>
                   <a:satMod val="160000"/>
                 </a:srgbClr>
               </a:gs>
               <a:gs pos="100000">
-                <a:srgbClr val="ff00ff">
+                <a:srgbClr val="FF00FF">
                   <a:tint val="23500"/>
                   <a:satMod val="160000"/>
                 </a:srgbClr>
@@ -5072,19 +4953,19 @@
           <a:gradFill flip="none" rotWithShape="1">
             <a:gsLst>
               <a:gs pos="0">
-                <a:srgbClr val="ff00ff">
+                <a:srgbClr val="FF00FF">
                   <a:tint val="66000"/>
                   <a:satMod val="160000"/>
                 </a:srgbClr>
               </a:gs>
               <a:gs pos="50000">
-                <a:srgbClr val="ff00ff">
+                <a:srgbClr val="FF00FF">
                   <a:tint val="44500"/>
                   <a:satMod val="160000"/>
                 </a:srgbClr>
               </a:gs>
               <a:gs pos="100000">
-                <a:srgbClr val="ff00ff">
+                <a:srgbClr val="FF00FF">
                   <a:tint val="23500"/>
                   <a:satMod val="160000"/>
                 </a:srgbClr>
@@ -5196,19 +5077,19 @@
           <a:gradFill flip="none" rotWithShape="1">
             <a:gsLst>
               <a:gs pos="0">
-                <a:srgbClr val="ff00ff">
+                <a:srgbClr val="FF00FF">
                   <a:tint val="66000"/>
                   <a:satMod val="160000"/>
                 </a:srgbClr>
               </a:gs>
               <a:gs pos="50000">
-                <a:srgbClr val="ff00ff">
+                <a:srgbClr val="FF00FF">
                   <a:tint val="44500"/>
                   <a:satMod val="160000"/>
                 </a:srgbClr>
               </a:gs>
               <a:gs pos="100000">
-                <a:srgbClr val="ff00ff">
+                <a:srgbClr val="FF00FF">
                   <a:tint val="23500"/>
                   <a:satMod val="160000"/>
                 </a:srgbClr>
@@ -5310,14 +5191,6 @@
               </a:rPr>
               <a:t>.</a:t>
             </a:r>
-            <a:endParaRPr kumimoji="0" lang="en-US" altLang="ko-KR" sz="1600" b="0" i="0" u="none" strike="noStrike" cap="none" normalizeH="0">
-              <a:solidFill>
-                <a:schemeClr val="tx1"/>
-              </a:solidFill>
-              <a:effectLst/>
-              <a:latin typeface="HY강B"/>
-              <a:ea typeface="HY강B"/>
-            </a:endParaRPr>
           </a:p>
           <a:p>
             <a:pPr lvl="0">
@@ -5367,7 +5240,7 @@
           <a:noFill/>
           <a:ln w="28575" cap="flat" cmpd="sng" algn="ctr">
             <a:solidFill>
-              <a:srgbClr val="ff0000"/>
+              <a:srgbClr val="FF0000"/>
             </a:solidFill>
             <a:prstDash val="solid"/>
             <a:round/>
@@ -5426,7 +5299,7 @@
           <a:noFill/>
           <a:ln w="28575" cap="flat" cmpd="sng" algn="ctr">
             <a:solidFill>
-              <a:srgbClr val="ff0000"/>
+              <a:srgbClr val="FF0000"/>
             </a:solidFill>
             <a:prstDash val="solid"/>
             <a:round/>
@@ -5485,7 +5358,7 @@
           <a:noFill/>
           <a:ln w="28575" cap="flat" cmpd="sng" algn="ctr">
             <a:solidFill>
-              <a:srgbClr val="ff0000"/>
+              <a:srgbClr val="FF0000"/>
             </a:solidFill>
             <a:prstDash val="solid"/>
             <a:round/>
@@ -5544,7 +5417,7 @@
           <a:noFill/>
           <a:ln w="28575" cap="flat" cmpd="sng" algn="ctr">
             <a:solidFill>
-              <a:srgbClr val="ff0000"/>
+              <a:srgbClr val="FF0000"/>
             </a:solidFill>
             <a:prstDash val="solid"/>
             <a:round/>
@@ -5603,7 +5476,7 @@
           <a:noFill/>
           <a:ln w="28575" cap="flat" cmpd="sng" algn="ctr">
             <a:solidFill>
-              <a:srgbClr val="ff0000"/>
+              <a:srgbClr val="FF0000"/>
             </a:solidFill>
             <a:prstDash val="solid"/>
             <a:round/>
@@ -5660,19 +5533,19 @@
           <a:gradFill flip="none" rotWithShape="1">
             <a:gsLst>
               <a:gs pos="0">
-                <a:srgbClr val="ff00ff">
+                <a:srgbClr val="FF00FF">
                   <a:tint val="66000"/>
                   <a:satMod val="160000"/>
                 </a:srgbClr>
               </a:gs>
               <a:gs pos="50000">
-                <a:srgbClr val="ff00ff">
+                <a:srgbClr val="FF00FF">
                   <a:tint val="44500"/>
                   <a:satMod val="160000"/>
                 </a:srgbClr>
               </a:gs>
               <a:gs pos="100000">
-                <a:srgbClr val="ff00ff">
+                <a:srgbClr val="FF00FF">
                   <a:tint val="23500"/>
                   <a:satMod val="160000"/>
                 </a:srgbClr>
@@ -5750,11 +5623,11 @@
   <p:clrMapOvr>
     <a:masterClrMapping/>
   </p:clrMapOvr>
-  <mc:AlternateContent xmlns:mc="http://schemas.openxmlformats.org/markup-compatibility/2006">
-    <mc:Choice xmlns:p14="http://schemas.microsoft.com/office/powerpoint/2010/main" Requires="p14">
-      <p:transition xmlns:mc="http://schemas.openxmlformats.org/markup-compatibility/2006" xmlns:p14="http://schemas.microsoft.com/office/powerpoint/2010/main" mc:Ignorable="p14" p14:dur="500"/>
+  <mc:AlternateContent xmlns:mc="http://schemas.openxmlformats.org/markup-compatibility/2006" xmlns:p14="http://schemas.microsoft.com/office/powerpoint/2010/main">
+    <mc:Choice Requires="p14">
+      <p:transition/>
     </mc:Choice>
-    <mc:Fallback>
+    <mc:Fallback xmlns:dsp="http://schemas.microsoft.com/office/drawing/2008/diagram" xmlns:dgm="http://schemas.openxmlformats.org/drawingml/2006/diagram" xmlns:c="http://schemas.openxmlformats.org/drawingml/2006/chart" xmlns="">
       <p:transition/>
     </mc:Fallback>
   </mc:AlternateContent>
@@ -5769,7 +5642,7 @@
 </file>
 
 <file path=ppt/slides/slide11.xml><?xml version="1.0" encoding="utf-8"?>
-<p:sld xmlns:r="http://schemas.openxmlformats.org/officeDocument/2006/relationships" xmlns:c="http://schemas.openxmlformats.org/drawingml/2006/chart" xmlns:a="http://schemas.openxmlformats.org/drawingml/2006/main" xmlns:dgm="http://schemas.openxmlformats.org/drawingml/2006/diagram" xmlns:dsp="http://schemas.microsoft.com/office/drawing/2008/diagram" xmlns:p="http://schemas.openxmlformats.org/presentationml/2006/main">
+<p:sld xmlns:a="http://schemas.openxmlformats.org/drawingml/2006/main" xmlns:r="http://schemas.openxmlformats.org/officeDocument/2006/relationships" xmlns:p="http://schemas.openxmlformats.org/presentationml/2006/main">
   <p:cSld>
     <p:spTree>
       <p:nvGrpSpPr>
@@ -5802,19 +5675,19 @@
           <a:gradFill flip="none" rotWithShape="1">
             <a:gsLst>
               <a:gs pos="0">
-                <a:srgbClr val="ff00ff">
+                <a:srgbClr val="FF00FF">
                   <a:tint val="66000"/>
                   <a:satMod val="160000"/>
                 </a:srgbClr>
               </a:gs>
               <a:gs pos="50000">
-                <a:srgbClr val="ff00ff">
+                <a:srgbClr val="FF00FF">
                   <a:tint val="44500"/>
                   <a:satMod val="160000"/>
                 </a:srgbClr>
               </a:gs>
               <a:gs pos="100000">
-                <a:srgbClr val="ff00ff">
+                <a:srgbClr val="FF00FF">
                   <a:tint val="23500"/>
                   <a:satMod val="160000"/>
                 </a:srgbClr>
@@ -5913,11 +5786,11 @@
   <p:clrMapOvr>
     <a:masterClrMapping/>
   </p:clrMapOvr>
-  <mc:AlternateContent xmlns:mc="http://schemas.openxmlformats.org/markup-compatibility/2006">
-    <mc:Choice xmlns:p14="http://schemas.microsoft.com/office/powerpoint/2010/main" Requires="p14">
-      <p:transition xmlns:mc="http://schemas.openxmlformats.org/markup-compatibility/2006" xmlns:p14="http://schemas.microsoft.com/office/powerpoint/2010/main" mc:Ignorable="p14" p14:dur="500"/>
+  <mc:AlternateContent xmlns:mc="http://schemas.openxmlformats.org/markup-compatibility/2006" xmlns:p14="http://schemas.microsoft.com/office/powerpoint/2010/main">
+    <mc:Choice Requires="p14">
+      <p:transition/>
     </mc:Choice>
-    <mc:Fallback>
+    <mc:Fallback xmlns:dsp="http://schemas.microsoft.com/office/drawing/2008/diagram" xmlns:dgm="http://schemas.openxmlformats.org/drawingml/2006/diagram" xmlns:c="http://schemas.openxmlformats.org/drawingml/2006/chart" xmlns="">
       <p:transition/>
     </mc:Fallback>
   </mc:AlternateContent>
@@ -5932,7 +5805,7 @@
 </file>
 
 <file path=ppt/slides/slide12.xml><?xml version="1.0" encoding="utf-8"?>
-<p:sld xmlns:r="http://schemas.openxmlformats.org/officeDocument/2006/relationships" xmlns:c="http://schemas.openxmlformats.org/drawingml/2006/chart" xmlns:a="http://schemas.openxmlformats.org/drawingml/2006/main" xmlns:dgm="http://schemas.openxmlformats.org/drawingml/2006/diagram" xmlns:dsp="http://schemas.microsoft.com/office/drawing/2008/diagram" xmlns:p="http://schemas.openxmlformats.org/presentationml/2006/main">
+<p:sld xmlns:a="http://schemas.openxmlformats.org/drawingml/2006/main" xmlns:r="http://schemas.openxmlformats.org/officeDocument/2006/relationships" xmlns:p="http://schemas.openxmlformats.org/presentationml/2006/main">
   <p:cSld>
     <p:spTree>
       <p:nvGrpSpPr>
@@ -5998,19 +5871,19 @@
           <a:gradFill flip="none" rotWithShape="1">
             <a:gsLst>
               <a:gs pos="0">
-                <a:srgbClr val="ff00ff">
+                <a:srgbClr val="FF00FF">
                   <a:tint val="66000"/>
                   <a:satMod val="160000"/>
                 </a:srgbClr>
               </a:gs>
               <a:gs pos="50000">
-                <a:srgbClr val="ff00ff">
+                <a:srgbClr val="FF00FF">
                   <a:tint val="44500"/>
                   <a:satMod val="160000"/>
                 </a:srgbClr>
               </a:gs>
               <a:gs pos="100000">
-                <a:srgbClr val="ff00ff">
+                <a:srgbClr val="FF00FF">
                   <a:tint val="23500"/>
                   <a:satMod val="160000"/>
                 </a:srgbClr>
@@ -6091,7 +5964,7 @@
           <a:noFill/>
           <a:ln w="28575" cap="flat" cmpd="sng" algn="ctr">
             <a:solidFill>
-              <a:srgbClr val="ff0000"/>
+              <a:srgbClr val="FF0000"/>
             </a:solidFill>
             <a:prstDash val="solid"/>
             <a:round/>
@@ -6150,7 +6023,7 @@
           <a:noFill/>
           <a:ln w="28575" cap="flat" cmpd="sng" algn="ctr">
             <a:solidFill>
-              <a:srgbClr val="ff0000"/>
+              <a:srgbClr val="FF0000"/>
             </a:solidFill>
             <a:prstDash val="solid"/>
             <a:round/>
@@ -6209,7 +6082,7 @@
           <a:noFill/>
           <a:ln w="28575" cap="flat" cmpd="sng" algn="ctr">
             <a:solidFill>
-              <a:srgbClr val="ff0000"/>
+              <a:srgbClr val="FF0000"/>
             </a:solidFill>
             <a:prstDash val="solid"/>
             <a:round/>
@@ -6254,11 +6127,11 @@
   <p:clrMapOvr>
     <a:masterClrMapping/>
   </p:clrMapOvr>
-  <mc:AlternateContent xmlns:mc="http://schemas.openxmlformats.org/markup-compatibility/2006">
-    <mc:Choice xmlns:p14="http://schemas.microsoft.com/office/powerpoint/2010/main" Requires="p14">
-      <p:transition xmlns:mc="http://schemas.openxmlformats.org/markup-compatibility/2006" xmlns:p14="http://schemas.microsoft.com/office/powerpoint/2010/main" mc:Ignorable="p14" p14:dur="500"/>
+  <mc:AlternateContent xmlns:mc="http://schemas.openxmlformats.org/markup-compatibility/2006" xmlns:p14="http://schemas.microsoft.com/office/powerpoint/2010/main">
+    <mc:Choice Requires="p14">
+      <p:transition/>
     </mc:Choice>
-    <mc:Fallback>
+    <mc:Fallback xmlns:dsp="http://schemas.microsoft.com/office/drawing/2008/diagram" xmlns:dgm="http://schemas.openxmlformats.org/drawingml/2006/diagram" xmlns:c="http://schemas.openxmlformats.org/drawingml/2006/chart" xmlns="">
       <p:transition/>
     </mc:Fallback>
   </mc:AlternateContent>
@@ -6273,7 +6146,7 @@
 </file>
 
 <file path=ppt/slides/slide13.xml><?xml version="1.0" encoding="utf-8"?>
-<p:sld xmlns:r="http://schemas.openxmlformats.org/officeDocument/2006/relationships" xmlns:c="http://schemas.openxmlformats.org/drawingml/2006/chart" xmlns:a="http://schemas.openxmlformats.org/drawingml/2006/main" xmlns:dgm="http://schemas.openxmlformats.org/drawingml/2006/diagram" xmlns:dsp="http://schemas.microsoft.com/office/drawing/2008/diagram" xmlns:p="http://schemas.openxmlformats.org/presentationml/2006/main">
+<p:sld xmlns:a="http://schemas.openxmlformats.org/drawingml/2006/main" xmlns:r="http://schemas.openxmlformats.org/officeDocument/2006/relationships" xmlns:p="http://schemas.openxmlformats.org/presentationml/2006/main">
   <p:cSld>
     <p:spTree>
       <p:nvGrpSpPr>
@@ -6339,19 +6212,19 @@
           <a:gradFill flip="none" rotWithShape="1">
             <a:gsLst>
               <a:gs pos="0">
-                <a:srgbClr val="ff00ff">
+                <a:srgbClr val="FF00FF">
                   <a:tint val="66000"/>
                   <a:satMod val="160000"/>
                 </a:srgbClr>
               </a:gs>
               <a:gs pos="50000">
-                <a:srgbClr val="ff00ff">
+                <a:srgbClr val="FF00FF">
                   <a:tint val="44500"/>
                   <a:satMod val="160000"/>
                 </a:srgbClr>
               </a:gs>
               <a:gs pos="100000">
-                <a:srgbClr val="ff00ff">
+                <a:srgbClr val="FF00FF">
                   <a:tint val="23500"/>
                   <a:satMod val="160000"/>
                 </a:srgbClr>
@@ -6432,7 +6305,7 @@
           <a:noFill/>
           <a:ln w="38100" cap="flat" cmpd="sng" algn="ctr">
             <a:solidFill>
-              <a:srgbClr val="ff0000"/>
+              <a:srgbClr val="FF0000"/>
             </a:solidFill>
             <a:prstDash val="solid"/>
             <a:round/>
@@ -6477,11 +6350,11 @@
   <p:clrMapOvr>
     <a:masterClrMapping/>
   </p:clrMapOvr>
-  <mc:AlternateContent xmlns:mc="http://schemas.openxmlformats.org/markup-compatibility/2006">
-    <mc:Choice xmlns:p14="http://schemas.microsoft.com/office/powerpoint/2010/main" Requires="p14">
-      <p:transition xmlns:mc="http://schemas.openxmlformats.org/markup-compatibility/2006" xmlns:p14="http://schemas.microsoft.com/office/powerpoint/2010/main" mc:Ignorable="p14" p14:dur="500"/>
+  <mc:AlternateContent xmlns:mc="http://schemas.openxmlformats.org/markup-compatibility/2006" xmlns:p14="http://schemas.microsoft.com/office/powerpoint/2010/main">
+    <mc:Choice Requires="p14">
+      <p:transition/>
     </mc:Choice>
-    <mc:Fallback>
+    <mc:Fallback xmlns:dsp="http://schemas.microsoft.com/office/drawing/2008/diagram" xmlns:dgm="http://schemas.openxmlformats.org/drawingml/2006/diagram" xmlns:c="http://schemas.openxmlformats.org/drawingml/2006/chart" xmlns="">
       <p:transition/>
     </mc:Fallback>
   </mc:AlternateContent>
@@ -6496,3224 +6369,7 @@
 </file>
 
 <file path=ppt/slides/slide14.xml><?xml version="1.0" encoding="utf-8"?>
-<p:sld xmlns:r="http://schemas.openxmlformats.org/officeDocument/2006/relationships" xmlns:c="http://schemas.openxmlformats.org/drawingml/2006/chart" xmlns:a="http://schemas.openxmlformats.org/drawingml/2006/main" xmlns:dgm="http://schemas.openxmlformats.org/drawingml/2006/diagram" xmlns:dsp="http://schemas.microsoft.com/office/drawing/2008/diagram" xmlns:p="http://schemas.openxmlformats.org/presentationml/2006/main">
-  <p:cSld>
-    <p:spTree>
-      <p:nvGrpSpPr>
-        <p:cNvPr id="1" name=""/>
-        <p:cNvGrpSpPr/>
-        <p:nvPr/>
-      </p:nvGrpSpPr>
-      <p:grpSpPr>
-        <a:xfrm>
-          <a:off x="0" y="0"/>
-          <a:ext cx="0" cy="0"/>
-          <a:chOff x="0" y="0"/>
-          <a:chExt cx="0" cy="0"/>
-        </a:xfrm>
-      </p:grpSpPr>
-      <p:sp>
-        <p:nvSpPr>
-          <p:cNvPr id="2" name="제목 1"/>
-          <p:cNvSpPr>
-            <a:spLocks noGrp="1"/>
-          </p:cNvSpPr>
-          <p:nvPr>
-            <p:ph type="title" idx="0"/>
-          </p:nvPr>
-        </p:nvSpPr>
-        <p:spPr/>
-        <p:txBody>
-          <a:bodyPr/>
-          <a:lstStyle/>
-          <a:p>
-            <a:pPr lvl="0">
-              <a:defRPr lang="ko-KR" altLang="en-US"/>
-            </a:pPr>
-            <a:r>
-              <a:rPr lang="en-US" altLang="ko-KR"/>
-              <a:t>2. do~while Loop</a:t>
-            </a:r>
-            <a:endParaRPr lang="ko-KR" altLang="en-US"/>
-          </a:p>
-        </p:txBody>
-      </p:sp>
-      <p:sp>
-        <p:nvSpPr>
-          <p:cNvPr id="3" name="내용 개체 틀 2"/>
-          <p:cNvSpPr>
-            <a:spLocks noGrp="1"/>
-          </p:cNvSpPr>
-          <p:nvPr>
-            <p:ph idx="1"/>
-          </p:nvPr>
-        </p:nvSpPr>
-        <p:spPr/>
-        <p:txBody>
-          <a:bodyPr/>
-          <a:lstStyle/>
-          <a:p>
-            <a:pPr lvl="0">
-              <a:defRPr lang="ko-KR" altLang="en-US"/>
-            </a:pPr>
-            <a:r>
-              <a:rPr lang="en-US" altLang="ko-KR"/>
-              <a:t>do ~ while</a:t>
-            </a:r>
-            <a:r>
-              <a:rPr lang="ko-KR" altLang="en-US"/>
-              <a:t>문은 또 하나의 반복 구조로 </a:t>
-            </a:r>
-            <a:r>
-              <a:rPr lang="en-US" altLang="ko-KR"/>
-              <a:t>while</a:t>
-            </a:r>
-            <a:r>
-              <a:rPr lang="ko-KR" altLang="en-US"/>
-              <a:t>문과 비슷하면서 약간 다르다</a:t>
-            </a:r>
-            <a:r>
-              <a:rPr lang="en-US" altLang="ko-KR"/>
-              <a:t>. </a:t>
-            </a:r>
-            <a:endParaRPr lang="en-US" altLang="ko-KR"/>
-          </a:p>
-          <a:p>
-            <a:pPr lvl="0">
-              <a:defRPr lang="ko-KR" altLang="en-US"/>
-            </a:pPr>
-            <a:r>
-              <a:rPr lang="en-US" altLang="ko-KR"/>
-              <a:t>while</a:t>
-            </a:r>
-            <a:r>
-              <a:rPr lang="ko-KR" altLang="en-US"/>
-              <a:t>문은 반복구조 처음부터 조건을 비교하지만</a:t>
-            </a:r>
-            <a:r>
-              <a:rPr lang="en-US" altLang="ko-KR"/>
-              <a:t>, do ~ while</a:t>
-            </a:r>
-            <a:r>
-              <a:rPr lang="ko-KR" altLang="en-US"/>
-              <a:t>문은 처음에 한번 수행하고 나서 조건을 비교하므로 처음부터 거짓인 조건이 들어왔다고 가정한다면</a:t>
-            </a:r>
-            <a:r>
-              <a:rPr lang="en-US" altLang="ko-KR"/>
-              <a:t>, while</a:t>
-            </a:r>
-            <a:r>
-              <a:rPr lang="ko-KR" altLang="en-US"/>
-              <a:t>문은 한번도 수행되지 않으나 </a:t>
-            </a:r>
-            <a:r>
-              <a:rPr lang="en-US" altLang="ko-KR"/>
-              <a:t>do ~ while</a:t>
-            </a:r>
-            <a:r>
-              <a:rPr lang="ko-KR" altLang="en-US"/>
-              <a:t>문은 최소한 한번은 수행되는 것이 </a:t>
-            </a:r>
-            <a:r>
-              <a:rPr lang="en-US" altLang="ko-KR"/>
-              <a:t>while</a:t>
-            </a:r>
-            <a:r>
-              <a:rPr lang="ko-KR" altLang="en-US"/>
-              <a:t>문과 다르다</a:t>
-            </a:r>
-            <a:r>
-              <a:rPr lang="en-US" altLang="ko-KR"/>
-              <a:t>. </a:t>
-            </a:r>
-            <a:endParaRPr lang="en-US" altLang="ko-KR"/>
-          </a:p>
-          <a:p>
-            <a:pPr lvl="0">
-              <a:defRPr lang="ko-KR" altLang="en-US"/>
-            </a:pPr>
-            <a:endParaRPr lang="ko-KR" altLang="en-US"/>
-          </a:p>
-        </p:txBody>
-      </p:sp>
-    </p:spTree>
-  </p:cSld>
-  <p:clrMapOvr>
-    <a:masterClrMapping/>
-  </p:clrMapOvr>
-  <mc:AlternateContent xmlns:mc="http://schemas.openxmlformats.org/markup-compatibility/2006">
-    <mc:Choice xmlns:p14="http://schemas.microsoft.com/office/powerpoint/2010/main" Requires="p14">
-      <p:transition xmlns:mc="http://schemas.openxmlformats.org/markup-compatibility/2006" xmlns:p14="http://schemas.microsoft.com/office/powerpoint/2010/main" mc:Ignorable="p14" p14:dur="500"/>
-    </mc:Choice>
-    <mc:Fallback>
-      <p:transition/>
-    </mc:Fallback>
-  </mc:AlternateContent>
-  <p:timing>
-    <p:tnLst>
-      <p:par>
-        <p:cTn id="1" dur="indefinite" restart="never" nodeType="tmRoot">
-          <p:childTnLst>
-            <p:seq concurrent="1" nextAc="seek">
-              <p:cTn id="2" dur="indefinite" nodeType="mainSeq">
-                <p:childTnLst>
-                  <p:par>
-                    <p:cTn id="3" fill="hold">
-                      <p:stCondLst>
-                        <p:cond delay="indefinite"/>
-                        <p:cond evt="onBegin" delay="0">
-                          <p:tn val="2"/>
-                        </p:cond>
-                      </p:stCondLst>
-                      <p:childTnLst>
-                        <p:par>
-                          <p:cTn id="4" fill="hold">
-                            <p:stCondLst>
-                              <p:cond delay="0"/>
-                            </p:stCondLst>
-                            <p:childTnLst>
-                              <p:par>
-                                <p:cTn id="5" presetID="3" presetClass="entr" presetSubtype="10" fill="hold" grpId="0" nodeType="afterEffect">
-                                  <p:stCondLst>
-                                    <p:cond delay="0"/>
-                                  </p:stCondLst>
-                                  <p:childTnLst>
-                                    <p:set>
-                                      <p:cBhvr>
-                                        <p:cTn id="6" dur="1" fill="hold">
-                                          <p:stCondLst>
-                                            <p:cond delay="0"/>
-                                          </p:stCondLst>
-                                        </p:cTn>
-                                        <p:tgtEl>
-                                          <p:spTgt spid="2"/>
-                                        </p:tgtEl>
-                                        <p:attrNameLst>
-                                          <p:attrName>style.visibility</p:attrName>
-                                        </p:attrNameLst>
-                                      </p:cBhvr>
-                                      <p:to>
-                                        <p:strVal val="visible"/>
-                                      </p:to>
-                                    </p:set>
-                                    <p:animEffect transition="in" filter="blinds(horizontal)">
-                                      <p:cBhvr>
-                                        <p:cTn id="7" dur="500"/>
-                                        <p:tgtEl>
-                                          <p:spTgt spid="2"/>
-                                        </p:tgtEl>
-                                      </p:cBhvr>
-                                    </p:animEffect>
-                                  </p:childTnLst>
-                                </p:cTn>
-                              </p:par>
-                            </p:childTnLst>
-                          </p:cTn>
-                        </p:par>
-                      </p:childTnLst>
-                    </p:cTn>
-                  </p:par>
-                </p:childTnLst>
-              </p:cTn>
-              <p:prevCondLst>
-                <p:cond evt="onPrev" delay="0">
-                  <p:tgtEl>
-                    <p:sldTgt/>
-                  </p:tgtEl>
-                </p:cond>
-              </p:prevCondLst>
-              <p:nextCondLst>
-                <p:cond evt="onNext" delay="0">
-                  <p:tgtEl>
-                    <p:sldTgt/>
-                  </p:tgtEl>
-                </p:cond>
-              </p:nextCondLst>
-            </p:seq>
-          </p:childTnLst>
-        </p:cTn>
-      </p:par>
-    </p:tnLst>
-    <p:bldLst>
-      <p:bldP spid="2" grpId="0"/>
-    </p:bldLst>
-  </p:timing>
-</p:sld>
-</file>
-
-<file path=ppt/slides/slide15.xml><?xml version="1.0" encoding="utf-8"?>
-<p:sld xmlns:r="http://schemas.openxmlformats.org/officeDocument/2006/relationships" xmlns:c="http://schemas.openxmlformats.org/drawingml/2006/chart" xmlns:a="http://schemas.openxmlformats.org/drawingml/2006/main" xmlns:dgm="http://schemas.openxmlformats.org/drawingml/2006/diagram" xmlns:dsp="http://schemas.microsoft.com/office/drawing/2008/diagram" xmlns:p="http://schemas.openxmlformats.org/presentationml/2006/main">
-  <p:cSld>
-    <p:spTree>
-      <p:nvGrpSpPr>
-        <p:cNvPr id="1" name=""/>
-        <p:cNvGrpSpPr/>
-        <p:nvPr/>
-      </p:nvGrpSpPr>
-      <p:grpSpPr>
-        <a:xfrm>
-          <a:off x="0" y="0"/>
-          <a:ext cx="0" cy="0"/>
-          <a:chOff x="0" y="0"/>
-          <a:chExt cx="0" cy="0"/>
-        </a:xfrm>
-      </p:grpSpPr>
-      <p:sp>
-        <p:nvSpPr>
-          <p:cNvPr id="43010" name="Rectangle 2"/>
-          <p:cNvSpPr>
-            <a:spLocks noChangeArrowheads="1"/>
-          </p:cNvSpPr>
-          <p:nvPr/>
-        </p:nvSpPr>
-        <p:spPr>
-          <a:xfrm>
-            <a:off x="0" y="0"/>
-            <a:ext cx="9144000" cy="457200"/>
-          </a:xfrm>
-          <a:prstGeom prst="rect">
-            <a:avLst/>
-          </a:prstGeom>
-          <a:noFill/>
-          <a:ln w="9525">
-            <a:noFill/>
-            <a:miter/>
-          </a:ln>
-          <a:effectLst/>
-        </p:spPr>
-        <p:txBody>
-          <a:bodyPr vert="horz" wrap="none" lIns="91440" tIns="45720" rIns="91440" bIns="45720" anchor="ctr" anchorCtr="0">
-            <a:prstTxWarp prst="textNoShape">
-              <a:avLst/>
-            </a:prstTxWarp>
-            <a:spAutoFit/>
-          </a:bodyPr>
-          <a:lstStyle/>
-          <a:p>
-            <a:pPr lvl="0">
-              <a:defRPr lang="ko-KR" altLang="en-US"/>
-            </a:pPr>
-            <a:endParaRPr lang="ko-KR" altLang="en-US"/>
-          </a:p>
-        </p:txBody>
-      </p:sp>
-      <p:pic>
-        <p:nvPicPr>
-          <p:cNvPr id="43009" name="_x103512920" descr="EMB00000d6825f0"/>
-          <p:cNvPicPr>
-            <a:picLocks noChangeAspect="1" noChangeArrowheads="1"/>
-          </p:cNvPicPr>
-          <p:nvPr/>
-        </p:nvPicPr>
-        <p:blipFill rotWithShape="1">
-          <a:blip r:embed="rId2"/>
-          <a:srcRect/>
-          <a:stretch>
-            <a:fillRect/>
-          </a:stretch>
-        </p:blipFill>
-        <p:spPr>
-          <a:xfrm>
-            <a:off x="1428728" y="2071678"/>
-            <a:ext cx="5568402" cy="3970345"/>
-          </a:xfrm>
-          <a:prstGeom prst="rect">
-            <a:avLst/>
-          </a:prstGeom>
-          <a:noFill/>
-          <a:ln>
-            <a:solidFill>
-              <a:srgbClr val="002060"/>
-            </a:solidFill>
-          </a:ln>
-        </p:spPr>
-      </p:pic>
-      <p:sp>
-        <p:nvSpPr>
-          <p:cNvPr id="6" name="TextBox 5"/>
-          <p:cNvSpPr txBox="1"/>
-          <p:nvPr/>
-        </p:nvSpPr>
-        <p:spPr>
-          <a:xfrm>
-            <a:off x="1214414" y="714356"/>
-            <a:ext cx="6182700" cy="512464"/>
-          </a:xfrm>
-          <a:prstGeom prst="rect">
-            <a:avLst/>
-          </a:prstGeom>
-          <a:noFill/>
-        </p:spPr>
-        <p:txBody>
-          <a:bodyPr wrap="none">
-            <a:spAutoFit/>
-          </a:bodyPr>
-          <a:lstStyle/>
-          <a:p>
-            <a:pPr lvl="0">
-              <a:defRPr lang="ko-KR" altLang="en-US"/>
-            </a:pPr>
-            <a:r>
-              <a:rPr lang="ko-KR" altLang="en-US" sz="2800">
-                <a:latin typeface="HY강B"/>
-                <a:ea typeface="HY강B"/>
-              </a:rPr>
-              <a:t>다음은 </a:t>
-            </a:r>
-            <a:r>
-              <a:rPr lang="en-US" altLang="ko-KR" sz="2800">
-                <a:latin typeface="HY강B"/>
-                <a:ea typeface="HY강B"/>
-              </a:rPr>
-              <a:t>do ~ while</a:t>
-            </a:r>
-            <a:r>
-              <a:rPr lang="ko-KR" altLang="en-US" sz="2800">
-                <a:latin typeface="HY강B"/>
-                <a:ea typeface="HY강B"/>
-              </a:rPr>
-              <a:t>문의 수행 구조이다</a:t>
-            </a:r>
-            <a:r>
-              <a:rPr lang="en-US" altLang="ko-KR" sz="2800">
-                <a:latin typeface="HY강B"/>
-                <a:ea typeface="HY강B"/>
-              </a:rPr>
-              <a:t>.</a:t>
-            </a:r>
-            <a:endParaRPr lang="en-US" altLang="ko-KR" sz="2800">
-              <a:latin typeface="HY강B"/>
-              <a:ea typeface="HY강B"/>
-            </a:endParaRPr>
-          </a:p>
-        </p:txBody>
-      </p:sp>
-    </p:spTree>
-  </p:cSld>
-  <p:clrMapOvr>
-    <a:masterClrMapping/>
-  </p:clrMapOvr>
-  <mc:AlternateContent xmlns:mc="http://schemas.openxmlformats.org/markup-compatibility/2006">
-    <mc:Choice xmlns:p14="http://schemas.microsoft.com/office/powerpoint/2010/main" Requires="p14">
-      <p:transition xmlns:mc="http://schemas.openxmlformats.org/markup-compatibility/2006" xmlns:p14="http://schemas.microsoft.com/office/powerpoint/2010/main" mc:Ignorable="p14" p14:dur="500"/>
-    </mc:Choice>
-    <mc:Fallback>
-      <p:transition/>
-    </mc:Fallback>
-  </mc:AlternateContent>
-  <p:timing>
-    <p:tnLst>
-      <p:par>
-        <p:cTn id="1" dur="indefinite" restart="never" nodeType="tmRoot"/>
-      </p:par>
-    </p:tnLst>
-  </p:timing>
-</p:sld>
-</file>
-
-<file path=ppt/slides/slide16.xml><?xml version="1.0" encoding="utf-8"?>
-<p:sld xmlns:r="http://schemas.openxmlformats.org/officeDocument/2006/relationships" xmlns:c="http://schemas.openxmlformats.org/drawingml/2006/chart" xmlns:a="http://schemas.openxmlformats.org/drawingml/2006/main" xmlns:dgm="http://schemas.openxmlformats.org/drawingml/2006/diagram" xmlns:dsp="http://schemas.microsoft.com/office/drawing/2008/diagram" xmlns:p="http://schemas.openxmlformats.org/presentationml/2006/main">
-  <p:cSld>
-    <p:spTree>
-      <p:nvGrpSpPr>
-        <p:cNvPr id="1" name=""/>
-        <p:cNvGrpSpPr/>
-        <p:nvPr/>
-      </p:nvGrpSpPr>
-      <p:grpSpPr>
-        <a:xfrm>
-          <a:off x="0" y="0"/>
-          <a:ext cx="0" cy="0"/>
-          <a:chOff x="0" y="0"/>
-          <a:chExt cx="0" cy="0"/>
-        </a:xfrm>
-      </p:grpSpPr>
-      <p:sp>
-        <p:nvSpPr>
-          <p:cNvPr id="2" name="TextBox 1"/>
-          <p:cNvSpPr txBox="1"/>
-          <p:nvPr/>
-        </p:nvSpPr>
-        <p:spPr>
-          <a:xfrm>
-            <a:off x="571472" y="642918"/>
-            <a:ext cx="4286280" cy="450552"/>
-          </a:xfrm>
-          <a:prstGeom prst="rect">
-            <a:avLst/>
-          </a:prstGeom>
-          <a:noFill/>
-        </p:spPr>
-        <p:txBody>
-          <a:bodyPr wrap="square">
-            <a:spAutoFit/>
-          </a:bodyPr>
-          <a:lstStyle/>
-          <a:p>
-            <a:pPr lvl="0">
-              <a:defRPr lang="ko-KR" altLang="en-US"/>
-            </a:pPr>
-            <a:r>
-              <a:rPr lang="en-US" altLang="ko-KR" sz="2400" b="1">
-                <a:latin typeface="HY강B"/>
-                <a:ea typeface="HY강B"/>
-              </a:rPr>
-              <a:t>while</a:t>
-            </a:r>
-            <a:r>
-              <a:rPr lang="ko-KR" altLang="en-US" sz="2400" b="1">
-                <a:latin typeface="HY강B"/>
-                <a:ea typeface="HY강B"/>
-              </a:rPr>
-              <a:t>문과 </a:t>
-            </a:r>
-            <a:r>
-              <a:rPr lang="en-US" altLang="ko-KR" sz="2400" b="1">
-                <a:latin typeface="HY강B"/>
-                <a:ea typeface="HY강B"/>
-              </a:rPr>
-              <a:t>do~while</a:t>
-            </a:r>
-            <a:r>
-              <a:rPr lang="ko-KR" altLang="en-US" sz="2400" b="1">
-                <a:latin typeface="HY강B"/>
-                <a:ea typeface="HY강B"/>
-              </a:rPr>
-              <a:t>문의 비교</a:t>
-            </a:r>
-            <a:endParaRPr lang="ko-KR" altLang="en-US" sz="2400">
-              <a:latin typeface="HY강B"/>
-              <a:ea typeface="HY강B"/>
-            </a:endParaRPr>
-          </a:p>
-        </p:txBody>
-      </p:sp>
-      <p:sp>
-        <p:nvSpPr>
-          <p:cNvPr id="45058" name="Rectangle 2"/>
-          <p:cNvSpPr>
-            <a:spLocks noChangeArrowheads="1"/>
-          </p:cNvSpPr>
-          <p:nvPr/>
-        </p:nvSpPr>
-        <p:spPr>
-          <a:xfrm>
-            <a:off x="0" y="0"/>
-            <a:ext cx="9144000" cy="457200"/>
-          </a:xfrm>
-          <a:prstGeom prst="rect">
-            <a:avLst/>
-          </a:prstGeom>
-          <a:noFill/>
-          <a:ln w="9525">
-            <a:noFill/>
-            <a:miter/>
-          </a:ln>
-          <a:effectLst/>
-        </p:spPr>
-        <p:txBody>
-          <a:bodyPr vert="horz" wrap="none" lIns="91440" tIns="45720" rIns="91440" bIns="45720" anchor="ctr" anchorCtr="0">
-            <a:prstTxWarp prst="textNoShape">
-              <a:avLst/>
-            </a:prstTxWarp>
-            <a:spAutoFit/>
-          </a:bodyPr>
-          <a:lstStyle/>
-          <a:p>
-            <a:pPr lvl="0">
-              <a:defRPr lang="ko-KR" altLang="en-US"/>
-            </a:pPr>
-            <a:endParaRPr lang="ko-KR" altLang="en-US"/>
-          </a:p>
-        </p:txBody>
-      </p:sp>
-      <p:pic>
-        <p:nvPicPr>
-          <p:cNvPr id="45057" name="_x103512920" descr="EMB00000d6825f1"/>
-          <p:cNvPicPr>
-            <a:picLocks noChangeAspect="1" noChangeArrowheads="1"/>
-          </p:cNvPicPr>
-          <p:nvPr/>
-        </p:nvPicPr>
-        <p:blipFill rotWithShape="1">
-          <a:blip r:embed="rId2"/>
-          <a:srcRect/>
-          <a:stretch>
-            <a:fillRect/>
-          </a:stretch>
-        </p:blipFill>
-        <p:spPr>
-          <a:xfrm>
-            <a:off x="928662" y="1785926"/>
-            <a:ext cx="6429420" cy="3957520"/>
-          </a:xfrm>
-          <a:prstGeom prst="rect">
-            <a:avLst/>
-          </a:prstGeom>
-          <a:noFill/>
-          <a:ln>
-            <a:solidFill>
-              <a:srgbClr val="002060"/>
-            </a:solidFill>
-          </a:ln>
-        </p:spPr>
-      </p:pic>
-    </p:spTree>
-  </p:cSld>
-  <p:clrMapOvr>
-    <a:masterClrMapping/>
-  </p:clrMapOvr>
-  <mc:AlternateContent xmlns:mc="http://schemas.openxmlformats.org/markup-compatibility/2006">
-    <mc:Choice xmlns:p14="http://schemas.microsoft.com/office/powerpoint/2010/main" Requires="p14">
-      <p:transition xmlns:mc="http://schemas.openxmlformats.org/markup-compatibility/2006" xmlns:p14="http://schemas.microsoft.com/office/powerpoint/2010/main" mc:Ignorable="p14" p14:dur="500"/>
-    </mc:Choice>
-    <mc:Fallback>
-      <p:transition/>
-    </mc:Fallback>
-  </mc:AlternateContent>
-  <p:timing>
-    <p:tnLst>
-      <p:par>
-        <p:cTn id="1" dur="indefinite" restart="never" nodeType="tmRoot"/>
-      </p:par>
-    </p:tnLst>
-  </p:timing>
-</p:sld>
-</file>
-
-<file path=ppt/slides/slide17.xml><?xml version="1.0" encoding="utf-8"?>
-<p:sld xmlns:r="http://schemas.openxmlformats.org/officeDocument/2006/relationships" xmlns:c="http://schemas.openxmlformats.org/drawingml/2006/chart" xmlns:a="http://schemas.openxmlformats.org/drawingml/2006/main" xmlns:dgm="http://schemas.openxmlformats.org/drawingml/2006/diagram" xmlns:dsp="http://schemas.microsoft.com/office/drawing/2008/diagram" xmlns:p="http://schemas.openxmlformats.org/presentationml/2006/main">
-  <p:cSld>
-    <p:spTree>
-      <p:nvGrpSpPr>
-        <p:cNvPr id="1" name=""/>
-        <p:cNvGrpSpPr/>
-        <p:nvPr/>
-      </p:nvGrpSpPr>
-      <p:grpSpPr>
-        <a:xfrm>
-          <a:off x="0" y="0"/>
-          <a:ext cx="0" cy="0"/>
-          <a:chOff x="0" y="0"/>
-          <a:chExt cx="0" cy="0"/>
-        </a:xfrm>
-      </p:grpSpPr>
-      <p:sp>
-        <p:nvSpPr>
-          <p:cNvPr id="4" name="직사각형 3"/>
-          <p:cNvSpPr/>
-          <p:nvPr/>
-        </p:nvSpPr>
-        <p:spPr>
-          <a:xfrm>
-            <a:off x="285720" y="1500174"/>
-            <a:ext cx="8501122" cy="4929222"/>
-          </a:xfrm>
-          <a:prstGeom prst="rect">
-            <a:avLst/>
-          </a:prstGeom>
-          <a:gradFill flip="none" rotWithShape="1">
-            <a:gsLst>
-              <a:gs pos="0">
-                <a:srgbClr val="ffff00">
-                  <a:tint val="66000"/>
-                  <a:satMod val="160000"/>
-                </a:srgbClr>
-              </a:gs>
-              <a:gs pos="50000">
-                <a:srgbClr val="ffff00">
-                  <a:tint val="44500"/>
-                  <a:satMod val="160000"/>
-                </a:srgbClr>
-              </a:gs>
-              <a:gs pos="100000">
-                <a:srgbClr val="ffff00">
-                  <a:tint val="23500"/>
-                  <a:satMod val="160000"/>
-                </a:srgbClr>
-              </a:gs>
-            </a:gsLst>
-            <a:path path="circle">
-              <a:fillToRect l="50000" t="50000" r="50000" b="50000"/>
-            </a:path>
-            <a:tileRect/>
-          </a:gradFill>
-          <a:ln w="9525" cap="flat" cmpd="sng" algn="ctr">
-            <a:noFill/>
-            <a:prstDash val="solid"/>
-            <a:round/>
-          </a:ln>
-          <a:effectLst/>
-        </p:spPr>
-        <p:txBody>
-          <a:bodyPr vert="horz" wrap="square" lIns="91440" tIns="45720" rIns="91440" bIns="45720" anchor="t" anchorCtr="0">
-            <a:prstTxWarp prst="textNoShape">
-              <a:avLst/>
-            </a:prstTxWarp>
-          </a:bodyPr>
-          <a:lstStyle/>
-          <a:p>
-            <a:pPr lvl="0">
-              <a:defRPr lang="ko-KR" altLang="en-US"/>
-            </a:pPr>
-            <a:r>
-              <a:rPr lang="en-US" altLang="ko-KR" sz="1600" b="1"/>
-              <a:t>package pk11;</a:t>
-            </a:r>
-            <a:endParaRPr lang="en-US" altLang="ko-KR" sz="1600" b="1"/>
-          </a:p>
-          <a:p>
-            <a:pPr lvl="0">
-              <a:defRPr lang="ko-KR" altLang="en-US"/>
-            </a:pPr>
-            <a:endParaRPr lang="en-US" altLang="ko-KR" sz="1600" b="1"/>
-          </a:p>
-          <a:p>
-            <a:pPr lvl="0">
-              <a:defRPr lang="ko-KR" altLang="en-US"/>
-            </a:pPr>
-            <a:r>
-              <a:rPr lang="en-US" altLang="ko-KR" sz="1600" b="1"/>
-              <a:t>public class DoWhileTest {</a:t>
-            </a:r>
-            <a:endParaRPr lang="en-US" altLang="ko-KR" sz="1600" b="1"/>
-          </a:p>
-          <a:p>
-            <a:pPr lvl="0">
-              <a:defRPr lang="ko-KR" altLang="en-US"/>
-            </a:pPr>
-            <a:endParaRPr lang="en-US" altLang="ko-KR" sz="1600" b="1"/>
-          </a:p>
-          <a:p>
-            <a:pPr lvl="0">
-              <a:defRPr lang="ko-KR" altLang="en-US"/>
-            </a:pPr>
-            <a:r>
-              <a:rPr lang="en-US" altLang="ko-KR" sz="1600" b="1"/>
-              <a:t>	public static void main(String[] args) {</a:t>
-            </a:r>
-            <a:endParaRPr lang="en-US" altLang="ko-KR" sz="1600" b="1"/>
-          </a:p>
-          <a:p>
-            <a:pPr lvl="0">
-              <a:defRPr lang="ko-KR" altLang="en-US"/>
-            </a:pPr>
-            <a:r>
-              <a:rPr lang="en-US" altLang="ko-KR" sz="1600" b="1"/>
-              <a:t>		// TODO Auto-generated method stub</a:t>
-            </a:r>
-            <a:endParaRPr lang="en-US" altLang="ko-KR" sz="1600" b="1"/>
-          </a:p>
-          <a:p>
-            <a:pPr lvl="0">
-              <a:defRPr lang="ko-KR" altLang="en-US"/>
-            </a:pPr>
-            <a:endParaRPr lang="en-US" altLang="ko-KR" sz="1600" b="1"/>
-          </a:p>
-          <a:p>
-            <a:pPr lvl="0">
-              <a:defRPr lang="ko-KR" altLang="en-US"/>
-            </a:pPr>
-            <a:r>
-              <a:rPr lang="en-US" altLang="ko-KR" sz="1600" b="1"/>
-              <a:t>	    int n = 1;            /*</a:t>
-            </a:r>
-            <a:r>
-              <a:rPr lang="ko-KR" altLang="en-US" sz="1600" b="1"/>
-              <a:t>인덱스 변수를 초기회*</a:t>
-            </a:r>
-            <a:r>
-              <a:rPr lang="en-US" altLang="ko-KR" sz="1600" b="1"/>
-              <a:t>/</a:t>
-            </a:r>
-            <a:endParaRPr lang="en-US" altLang="ko-KR" sz="1600" b="1"/>
-          </a:p>
-          <a:p>
-            <a:pPr lvl="0">
-              <a:defRPr lang="ko-KR" altLang="en-US"/>
-            </a:pPr>
-            <a:r>
-              <a:rPr lang="en-US" altLang="ko-KR" sz="1600" b="1"/>
-              <a:t>	    do{                   /* do~while</a:t>
-            </a:r>
-            <a:r>
-              <a:rPr lang="ko-KR" altLang="en-US" sz="1600" b="1"/>
-              <a:t>의 헤더 *</a:t>
-            </a:r>
-            <a:r>
-              <a:rPr lang="en-US" altLang="ko-KR" sz="1600" b="1"/>
-              <a:t>/</a:t>
-            </a:r>
-            <a:endParaRPr lang="en-US" altLang="ko-KR" sz="1600" b="1"/>
-          </a:p>
-          <a:p>
-            <a:pPr lvl="0">
-              <a:defRPr lang="ko-KR" altLang="en-US"/>
-            </a:pPr>
-            <a:r>
-              <a:rPr lang="en-US" altLang="ko-KR" sz="1600" b="1"/>
-              <a:t>	        System.out.println(n); /*n</a:t>
-            </a:r>
-            <a:r>
-              <a:rPr lang="ko-KR" altLang="en-US" sz="1600" b="1"/>
-              <a:t>값을 출력*</a:t>
-            </a:r>
-            <a:r>
-              <a:rPr lang="en-US" altLang="ko-KR" sz="1600" b="1"/>
-              <a:t>/</a:t>
-            </a:r>
-            <a:endParaRPr lang="en-US" altLang="ko-KR" sz="1600" b="1"/>
-          </a:p>
-          <a:p>
-            <a:pPr lvl="0">
-              <a:defRPr lang="ko-KR" altLang="en-US"/>
-            </a:pPr>
-            <a:r>
-              <a:rPr lang="en-US" altLang="ko-KR" sz="1600" b="1"/>
-              <a:t>	        n++;              /* </a:t>
-            </a:r>
-            <a:r>
-              <a:rPr lang="ko-KR" altLang="en-US" sz="1600" b="1"/>
-              <a:t>인덱스 변수 </a:t>
-            </a:r>
-            <a:r>
-              <a:rPr lang="en-US" altLang="ko-KR" sz="1600" b="1"/>
-              <a:t>n</a:t>
-            </a:r>
-            <a:r>
-              <a:rPr lang="ko-KR" altLang="en-US" sz="1600" b="1"/>
-              <a:t>을 증가 *</a:t>
-            </a:r>
-            <a:r>
-              <a:rPr lang="en-US" altLang="ko-KR" sz="1600" b="1"/>
-              <a:t>/</a:t>
-            </a:r>
-            <a:endParaRPr lang="en-US" altLang="ko-KR" sz="1600" b="1"/>
-          </a:p>
-          <a:p>
-            <a:pPr lvl="0">
-              <a:defRPr lang="ko-KR" altLang="en-US"/>
-            </a:pPr>
-            <a:r>
-              <a:rPr lang="en-US" altLang="ko-KR" sz="1600" b="1"/>
-              <a:t>	    }while(n &lt;= 5); /* do~while</a:t>
-            </a:r>
-            <a:r>
-              <a:rPr lang="ko-KR" altLang="en-US" sz="1600" b="1"/>
-              <a:t>문을 닫아줌</a:t>
-            </a:r>
-            <a:r>
-              <a:rPr lang="en-US" altLang="ko-KR" sz="1600" b="1"/>
-              <a:t>,</a:t>
-            </a:r>
-            <a:r>
-              <a:rPr lang="ko-KR" altLang="en-US" sz="1600" b="1"/>
-              <a:t>조건비교 *</a:t>
-            </a:r>
-            <a:r>
-              <a:rPr lang="en-US" altLang="ko-KR" sz="1600" b="1"/>
-              <a:t>/</a:t>
-            </a:r>
-            <a:endParaRPr lang="en-US" altLang="ko-KR" sz="1600" b="1"/>
-          </a:p>
-          <a:p>
-            <a:pPr lvl="0">
-              <a:defRPr lang="ko-KR" altLang="en-US"/>
-            </a:pPr>
-            <a:r>
-              <a:rPr lang="en-US" altLang="ko-KR" sz="1600" b="1"/>
-              <a:t>	    System.out.println("</a:t>
-            </a:r>
-            <a:r>
-              <a:rPr lang="ko-KR" altLang="en-US" sz="1600" b="1"/>
-              <a:t>수행 끝</a:t>
-            </a:r>
-            <a:r>
-              <a:rPr lang="en-US" altLang="ko-KR" sz="1600" b="1"/>
-              <a:t>");   /* do~while</a:t>
-            </a:r>
-            <a:r>
-              <a:rPr lang="ko-KR" altLang="en-US" sz="1600" b="1"/>
-              <a:t>문 다음 수행문 *</a:t>
-            </a:r>
-            <a:r>
-              <a:rPr lang="en-US" altLang="ko-KR" sz="1600" b="1"/>
-              <a:t>/</a:t>
-            </a:r>
-            <a:endParaRPr lang="en-US" altLang="ko-KR" sz="1600" b="1"/>
-          </a:p>
-          <a:p>
-            <a:pPr lvl="0">
-              <a:defRPr lang="ko-KR" altLang="en-US"/>
-            </a:pPr>
-            <a:r>
-              <a:rPr lang="en-US" altLang="ko-KR" sz="1600" b="1"/>
-              <a:t>	 }                        /* main()</a:t>
-            </a:r>
-            <a:r>
-              <a:rPr lang="ko-KR" altLang="en-US" sz="1600" b="1"/>
-              <a:t>을 닫아줌 *</a:t>
-            </a:r>
-            <a:r>
-              <a:rPr lang="en-US" altLang="ko-KR" sz="1600" b="1"/>
-              <a:t>/ </a:t>
-            </a:r>
-            <a:endParaRPr lang="en-US" altLang="ko-KR" sz="1600" b="1"/>
-          </a:p>
-          <a:p>
-            <a:pPr lvl="0">
-              <a:defRPr lang="ko-KR" altLang="en-US"/>
-            </a:pPr>
-            <a:endParaRPr lang="en-US" altLang="ko-KR" sz="1600" b="1"/>
-          </a:p>
-          <a:p>
-            <a:pPr lvl="0">
-              <a:defRPr lang="ko-KR" altLang="en-US"/>
-            </a:pPr>
-            <a:r>
-              <a:rPr lang="en-US" altLang="ko-KR" sz="1600" b="1"/>
-              <a:t>}//of class</a:t>
-            </a:r>
-            <a:endParaRPr lang="en-US" altLang="ko-KR" sz="1600" b="1"/>
-          </a:p>
-        </p:txBody>
-      </p:sp>
-      <p:sp>
-        <p:nvSpPr>
-          <p:cNvPr id="6" name="모서리가 둥근 직사각형 5"/>
-          <p:cNvSpPr/>
-          <p:nvPr/>
-        </p:nvSpPr>
-        <p:spPr>
-          <a:xfrm>
-            <a:off x="285720" y="714356"/>
-            <a:ext cx="1643074" cy="500066"/>
-          </a:xfrm>
-          <a:prstGeom prst="roundRect">
-            <a:avLst>
-              <a:gd name="adj" fmla="val 16667"/>
-            </a:avLst>
-          </a:prstGeom>
-          <a:ln/>
-        </p:spPr>
-        <p:style>
-          <a:lnRef idx="1">
-            <a:schemeClr val="accent1"/>
-          </a:lnRef>
-          <a:fillRef idx="2">
-            <a:schemeClr val="accent1"/>
-          </a:fillRef>
-          <a:effectRef idx="1">
-            <a:schemeClr val="accent1"/>
-          </a:effectRef>
-          <a:fontRef idx="minor">
-            <a:schemeClr val="dk1"/>
-          </a:fontRef>
-        </p:style>
-        <p:txBody>
-          <a:bodyPr vert="horz" wrap="square" lIns="91440" tIns="45720" rIns="91440" bIns="45720" anchor="ctr" anchorCtr="1">
-            <a:prstTxWarp prst="textNoShape">
-              <a:avLst/>
-            </a:prstTxWarp>
-          </a:bodyPr>
-          <a:lstStyle/>
-          <a:p>
-            <a:pPr marL="0" indent="0" algn="l" defTabSz="900000" rtl="0" eaLnBrk="1" latinLnBrk="0" hangingPunct="1">
-              <a:lnSpc>
-                <a:spcPct val="100000"/>
-              </a:lnSpc>
-              <a:spcBef>
-                <a:spcPct val="0"/>
-              </a:spcBef>
-              <a:spcAft>
-                <a:spcPct val="0"/>
-              </a:spcAft>
-              <a:buClrTx/>
-              <a:buFontTx/>
-              <a:buNone/>
-              <a:defRPr lang="ko-KR" altLang="en-US"/>
-            </a:pPr>
-            <a:r>
-              <a:rPr kumimoji="0" lang="ko-KR" altLang="en-US" sz="1800" b="0" i="0" u="none" strike="noStrike" cap="none" normalizeH="0">
-                <a:solidFill>
-                  <a:schemeClr val="tx1"/>
-                </a:solidFill>
-                <a:effectLst/>
-                <a:latin typeface="HY강B"/>
-                <a:ea typeface="HY강B"/>
-              </a:rPr>
-              <a:t>예제 </a:t>
-            </a:r>
-            <a:r>
-              <a:rPr lang="en-US" altLang="ko-KR">
-                <a:solidFill>
-                  <a:schemeClr val="tx1"/>
-                </a:solidFill>
-                <a:latin typeface="HY강B"/>
-                <a:ea typeface="HY강B"/>
-              </a:rPr>
-              <a:t>11</a:t>
-            </a:r>
-            <a:r>
-              <a:rPr kumimoji="0" lang="en-US" altLang="ko-KR" sz="1800" b="0" i="0" u="none" strike="noStrike" cap="none" normalizeH="0">
-                <a:solidFill>
-                  <a:schemeClr val="tx1"/>
-                </a:solidFill>
-                <a:effectLst/>
-                <a:latin typeface="HY강B"/>
-                <a:ea typeface="HY강B"/>
-              </a:rPr>
-              <a:t>-2</a:t>
-            </a:r>
-            <a:endParaRPr kumimoji="0" lang="ko-KR" altLang="en-US" sz="1800" b="0" i="0" u="none" strike="noStrike" cap="none" normalizeH="0">
-              <a:solidFill>
-                <a:schemeClr val="tx1"/>
-              </a:solidFill>
-              <a:effectLst/>
-              <a:latin typeface="HY강B"/>
-              <a:ea typeface="HY강B"/>
-            </a:endParaRPr>
-          </a:p>
-        </p:txBody>
-      </p:sp>
-    </p:spTree>
-  </p:cSld>
-  <p:clrMapOvr>
-    <a:masterClrMapping/>
-  </p:clrMapOvr>
-  <mc:AlternateContent xmlns:mc="http://schemas.openxmlformats.org/markup-compatibility/2006">
-    <mc:Choice xmlns:p14="http://schemas.microsoft.com/office/powerpoint/2010/main" Requires="p14">
-      <p:transition xmlns:mc="http://schemas.openxmlformats.org/markup-compatibility/2006" xmlns:p14="http://schemas.microsoft.com/office/powerpoint/2010/main" mc:Ignorable="p14" p14:dur="500"/>
-    </mc:Choice>
-    <mc:Fallback>
-      <p:transition/>
-    </mc:Fallback>
-  </mc:AlternateContent>
-  <p:timing>
-    <p:tnLst>
-      <p:par>
-        <p:cTn id="1" dur="indefinite" restart="never" nodeType="tmRoot"/>
-      </p:par>
-    </p:tnLst>
-  </p:timing>
-</p:sld>
-</file>
-
-<file path=ppt/slides/slide18.xml><?xml version="1.0" encoding="utf-8"?>
-<p:sld xmlns:r="http://schemas.openxmlformats.org/officeDocument/2006/relationships" xmlns:c="http://schemas.openxmlformats.org/drawingml/2006/chart" xmlns:a="http://schemas.openxmlformats.org/drawingml/2006/main" xmlns:dgm="http://schemas.openxmlformats.org/drawingml/2006/diagram" xmlns:dsp="http://schemas.microsoft.com/office/drawing/2008/diagram" xmlns:p="http://schemas.openxmlformats.org/presentationml/2006/main">
-  <p:cSld>
-    <p:spTree>
-      <p:nvGrpSpPr>
-        <p:cNvPr id="1" name=""/>
-        <p:cNvGrpSpPr/>
-        <p:nvPr/>
-      </p:nvGrpSpPr>
-      <p:grpSpPr>
-        <a:xfrm>
-          <a:off x="0" y="0"/>
-          <a:ext cx="0" cy="0"/>
-          <a:chOff x="0" y="0"/>
-          <a:chExt cx="0" cy="0"/>
-        </a:xfrm>
-      </p:grpSpPr>
-      <p:sp>
-        <p:nvSpPr>
-          <p:cNvPr id="5" name="직사각형 4"/>
-          <p:cNvSpPr/>
-          <p:nvPr/>
-        </p:nvSpPr>
-        <p:spPr>
-          <a:xfrm>
-            <a:off x="1428728" y="714356"/>
-            <a:ext cx="6286544" cy="714380"/>
-          </a:xfrm>
-          <a:prstGeom prst="rect">
-            <a:avLst/>
-          </a:prstGeom>
-          <a:gradFill flip="none" rotWithShape="1">
-            <a:gsLst>
-              <a:gs pos="0">
-                <a:srgbClr val="ff00ff">
-                  <a:tint val="66000"/>
-                  <a:satMod val="160000"/>
-                </a:srgbClr>
-              </a:gs>
-              <a:gs pos="50000">
-                <a:srgbClr val="ff00ff">
-                  <a:tint val="44500"/>
-                  <a:satMod val="160000"/>
-                </a:srgbClr>
-              </a:gs>
-              <a:gs pos="100000">
-                <a:srgbClr val="ff00ff">
-                  <a:tint val="23500"/>
-                  <a:satMod val="160000"/>
-                </a:srgbClr>
-              </a:gs>
-            </a:gsLst>
-            <a:path path="circle">
-              <a:fillToRect l="50000" t="50000" r="50000" b="50000"/>
-            </a:path>
-            <a:tileRect/>
-          </a:gradFill>
-          <a:ln w="9525" cap="flat" cmpd="sng" algn="ctr">
-            <a:noFill/>
-            <a:prstDash val="solid"/>
-            <a:round/>
-          </a:ln>
-          <a:effectLst/>
-        </p:spPr>
-        <p:txBody>
-          <a:bodyPr vert="horz" wrap="square" lIns="91440" tIns="45720" rIns="91440" bIns="45720" anchor="ctr" anchorCtr="0">
-            <a:prstTxWarp prst="textNoShape">
-              <a:avLst/>
-            </a:prstTxWarp>
-          </a:bodyPr>
-          <a:lstStyle/>
-          <a:p>
-            <a:pPr lvl="0">
-              <a:defRPr lang="ko-KR" altLang="en-US"/>
-            </a:pPr>
-            <a:r>
-              <a:rPr lang="en-US" altLang="ko-KR">
-                <a:latin typeface="HY강B"/>
-                <a:ea typeface="HY강B"/>
-              </a:rPr>
-              <a:t>[ExJava11]</a:t>
-            </a:r>
-            <a:r>
-              <a:rPr lang="ko-KR" altLang="en-US">
-                <a:latin typeface="HY강B"/>
-                <a:ea typeface="HY강B"/>
-              </a:rPr>
-              <a:t>프로젝트 패키지 내에 자바클래스를 작성하기위해 마우스 오른쪽버튼을 누르고 </a:t>
-            </a:r>
-            <a:r>
-              <a:rPr lang="en-US" altLang="ko-KR">
-                <a:latin typeface="HY강B"/>
-                <a:ea typeface="HY강B"/>
-              </a:rPr>
-              <a:t>[New]-[Class]</a:t>
-            </a:r>
-            <a:r>
-              <a:rPr lang="ko-KR" altLang="en-US">
-                <a:latin typeface="HY강B"/>
-                <a:ea typeface="HY강B"/>
-              </a:rPr>
-              <a:t>를 누른다</a:t>
-            </a:r>
-            <a:r>
-              <a:rPr lang="en-US" altLang="ko-KR">
-                <a:latin typeface="HY강B"/>
-                <a:ea typeface="HY강B"/>
-              </a:rPr>
-              <a:t>.</a:t>
-            </a:r>
-            <a:endParaRPr lang="ko-KR" altLang="en-US">
-              <a:latin typeface="HY강B"/>
-              <a:ea typeface="HY강B"/>
-            </a:endParaRPr>
-          </a:p>
-        </p:txBody>
-      </p:sp>
-      <p:grpSp>
-        <p:nvGrpSpPr>
-          <p:cNvPr id="13" name="그룹 12"/>
-          <p:cNvGrpSpPr/>
-          <p:nvPr/>
-        </p:nvGrpSpPr>
-        <p:grpSpPr>
-          <a:xfrm rot="0">
-            <a:off x="500034" y="1714488"/>
-            <a:ext cx="8240713" cy="4673600"/>
-            <a:chOff x="500034" y="1714488"/>
-            <a:chExt cx="8240713" cy="4673600"/>
-          </a:xfrm>
-        </p:grpSpPr>
-        <p:pic>
-          <p:nvPicPr>
-            <p:cNvPr id="5122" name="Picture 2"/>
-            <p:cNvPicPr>
-              <a:picLocks noChangeAspect="1" noChangeArrowheads="1"/>
-            </p:cNvPicPr>
-            <p:nvPr/>
-          </p:nvPicPr>
-          <p:blipFill rotWithShape="1">
-            <a:blip r:embed="rId2"/>
-            <a:srcRect/>
-            <a:stretch>
-              <a:fillRect/>
-            </a:stretch>
-          </p:blipFill>
-          <p:spPr>
-            <a:xfrm>
-              <a:off x="500034" y="1714488"/>
-              <a:ext cx="8240713" cy="4673600"/>
-            </a:xfrm>
-            <a:prstGeom prst="rect">
-              <a:avLst/>
-            </a:prstGeom>
-            <a:noFill/>
-            <a:ln w="9525">
-              <a:solidFill>
-                <a:srgbClr val="002060"/>
-              </a:solidFill>
-              <a:miter/>
-            </a:ln>
-            <a:effectLst/>
-          </p:spPr>
-        </p:pic>
-        <p:sp>
-          <p:nvSpPr>
-            <p:cNvPr id="10" name="모서리가 둥근 직사각형 9"/>
-            <p:cNvSpPr/>
-            <p:nvPr/>
-          </p:nvSpPr>
-          <p:spPr>
-            <a:xfrm>
-              <a:off x="1214414" y="1928802"/>
-              <a:ext cx="714380" cy="285752"/>
-            </a:xfrm>
-            <a:prstGeom prst="roundRect">
-              <a:avLst>
-                <a:gd name="adj" fmla="val 16667"/>
-              </a:avLst>
-            </a:prstGeom>
-            <a:noFill/>
-            <a:ln w="28575" cap="flat" cmpd="sng" algn="ctr">
-              <a:solidFill>
-                <a:srgbClr val="ff0000"/>
-              </a:solidFill>
-              <a:prstDash val="solid"/>
-              <a:round/>
-            </a:ln>
-            <a:effectLst/>
-          </p:spPr>
-          <p:txBody>
-            <a:bodyPr vert="horz" wrap="square" lIns="91440" tIns="45720" rIns="91440" bIns="45720" anchor="t" anchorCtr="0">
-              <a:prstTxWarp prst="textNoShape">
-                <a:avLst/>
-              </a:prstTxWarp>
-            </a:bodyPr>
-            <a:lstStyle/>
-            <a:p>
-              <a:pPr marL="0" indent="0" algn="l" defTabSz="900000" rtl="0" eaLnBrk="1" latinLnBrk="0" hangingPunct="1">
-                <a:lnSpc>
-                  <a:spcPct val="100000"/>
-                </a:lnSpc>
-                <a:spcBef>
-                  <a:spcPct val="0"/>
-                </a:spcBef>
-                <a:spcAft>
-                  <a:spcPct val="0"/>
-                </a:spcAft>
-                <a:buClrTx/>
-                <a:buFontTx/>
-                <a:buNone/>
-                <a:defRPr lang="ko-KR" altLang="en-US"/>
-              </a:pPr>
-              <a:endParaRPr kumimoji="0" lang="ko-KR" altLang="en-US" sz="1800" b="0" i="0" u="none" strike="noStrike" cap="none" normalizeH="0">
-                <a:solidFill>
-                  <a:schemeClr val="tx1"/>
-                </a:solidFill>
-                <a:effectLst/>
-                <a:latin typeface="Arial"/>
-              </a:endParaRPr>
-            </a:p>
-          </p:txBody>
-        </p:sp>
-        <p:sp>
-          <p:nvSpPr>
-            <p:cNvPr id="11" name="모서리가 둥근 직사각형 10"/>
-            <p:cNvSpPr/>
-            <p:nvPr/>
-          </p:nvSpPr>
-          <p:spPr>
-            <a:xfrm>
-              <a:off x="2071670" y="2071678"/>
-              <a:ext cx="857256" cy="285752"/>
-            </a:xfrm>
-            <a:prstGeom prst="roundRect">
-              <a:avLst>
-                <a:gd name="adj" fmla="val 16667"/>
-              </a:avLst>
-            </a:prstGeom>
-            <a:noFill/>
-            <a:ln w="28575" cap="flat" cmpd="sng" algn="ctr">
-              <a:solidFill>
-                <a:srgbClr val="ff0000"/>
-              </a:solidFill>
-              <a:prstDash val="solid"/>
-              <a:round/>
-            </a:ln>
-            <a:effectLst/>
-          </p:spPr>
-          <p:txBody>
-            <a:bodyPr vert="horz" wrap="square" lIns="91440" tIns="45720" rIns="91440" bIns="45720" anchor="t" anchorCtr="0">
-              <a:prstTxWarp prst="textNoShape">
-                <a:avLst/>
-              </a:prstTxWarp>
-            </a:bodyPr>
-            <a:lstStyle/>
-            <a:p>
-              <a:pPr marL="0" indent="0" algn="l" defTabSz="900000" rtl="0" eaLnBrk="1" latinLnBrk="0" hangingPunct="1">
-                <a:lnSpc>
-                  <a:spcPct val="100000"/>
-                </a:lnSpc>
-                <a:spcBef>
-                  <a:spcPct val="0"/>
-                </a:spcBef>
-                <a:spcAft>
-                  <a:spcPct val="0"/>
-                </a:spcAft>
-                <a:buClrTx/>
-                <a:buFontTx/>
-                <a:buNone/>
-                <a:defRPr lang="ko-KR" altLang="en-US"/>
-              </a:pPr>
-              <a:endParaRPr kumimoji="0" lang="ko-KR" altLang="en-US" sz="1800" b="0" i="0" u="none" strike="noStrike" cap="none" normalizeH="0">
-                <a:solidFill>
-                  <a:schemeClr val="tx1"/>
-                </a:solidFill>
-                <a:effectLst/>
-                <a:latin typeface="Arial"/>
-              </a:endParaRPr>
-            </a:p>
-          </p:txBody>
-        </p:sp>
-        <p:sp>
-          <p:nvSpPr>
-            <p:cNvPr id="12" name="모서리가 둥근 직사각형 11"/>
-            <p:cNvSpPr/>
-            <p:nvPr/>
-          </p:nvSpPr>
-          <p:spPr>
-            <a:xfrm>
-              <a:off x="5643570" y="3000372"/>
-              <a:ext cx="857256" cy="285752"/>
-            </a:xfrm>
-            <a:prstGeom prst="roundRect">
-              <a:avLst>
-                <a:gd name="adj" fmla="val 16667"/>
-              </a:avLst>
-            </a:prstGeom>
-            <a:noFill/>
-            <a:ln w="28575" cap="flat" cmpd="sng" algn="ctr">
-              <a:solidFill>
-                <a:srgbClr val="ff0000"/>
-              </a:solidFill>
-              <a:prstDash val="solid"/>
-              <a:round/>
-            </a:ln>
-            <a:effectLst/>
-          </p:spPr>
-          <p:txBody>
-            <a:bodyPr vert="horz" wrap="square" lIns="91440" tIns="45720" rIns="91440" bIns="45720" anchor="t" anchorCtr="0">
-              <a:prstTxWarp prst="textNoShape">
-                <a:avLst/>
-              </a:prstTxWarp>
-            </a:bodyPr>
-            <a:lstStyle/>
-            <a:p>
-              <a:pPr marL="0" indent="0" algn="l" defTabSz="900000" rtl="0" eaLnBrk="1" latinLnBrk="0" hangingPunct="1">
-                <a:lnSpc>
-                  <a:spcPct val="100000"/>
-                </a:lnSpc>
-                <a:spcBef>
-                  <a:spcPct val="0"/>
-                </a:spcBef>
-                <a:spcAft>
-                  <a:spcPct val="0"/>
-                </a:spcAft>
-                <a:buClrTx/>
-                <a:buFontTx/>
-                <a:buNone/>
-                <a:defRPr lang="ko-KR" altLang="en-US"/>
-              </a:pPr>
-              <a:endParaRPr kumimoji="0" lang="ko-KR" altLang="en-US" sz="1800" b="0" i="0" u="none" strike="noStrike" cap="none" normalizeH="0">
-                <a:solidFill>
-                  <a:schemeClr val="tx1"/>
-                </a:solidFill>
-                <a:effectLst/>
-                <a:latin typeface="Arial"/>
-              </a:endParaRPr>
-            </a:p>
-          </p:txBody>
-        </p:sp>
-      </p:grpSp>
-    </p:spTree>
-  </p:cSld>
-  <p:clrMapOvr>
-    <a:masterClrMapping/>
-  </p:clrMapOvr>
-  <mc:AlternateContent xmlns:mc="http://schemas.openxmlformats.org/markup-compatibility/2006">
-    <mc:Choice xmlns:p14="http://schemas.microsoft.com/office/powerpoint/2010/main" Requires="p14">
-      <p:transition xmlns:mc="http://schemas.openxmlformats.org/markup-compatibility/2006" xmlns:p14="http://schemas.microsoft.com/office/powerpoint/2010/main" mc:Ignorable="p14" p14:dur="500"/>
-    </mc:Choice>
-    <mc:Fallback>
-      <p:transition/>
-    </mc:Fallback>
-  </mc:AlternateContent>
-  <p:timing>
-    <p:tnLst>
-      <p:par>
-        <p:cTn id="1" dur="indefinite" restart="never" nodeType="tmRoot"/>
-      </p:par>
-    </p:tnLst>
-  </p:timing>
-</p:sld>
-</file>
-
-<file path=ppt/slides/slide19.xml><?xml version="1.0" encoding="utf-8"?>
-<p:sld xmlns:r="http://schemas.openxmlformats.org/officeDocument/2006/relationships" xmlns:c="http://schemas.openxmlformats.org/drawingml/2006/chart" xmlns:a="http://schemas.openxmlformats.org/drawingml/2006/main" xmlns:dgm="http://schemas.openxmlformats.org/drawingml/2006/diagram" xmlns:dsp="http://schemas.microsoft.com/office/drawing/2008/diagram" xmlns:p="http://schemas.openxmlformats.org/presentationml/2006/main">
-  <p:cSld>
-    <p:spTree>
-      <p:nvGrpSpPr>
-        <p:cNvPr id="1" name=""/>
-        <p:cNvGrpSpPr/>
-        <p:nvPr/>
-      </p:nvGrpSpPr>
-      <p:grpSpPr>
-        <a:xfrm>
-          <a:off x="0" y="0"/>
-          <a:ext cx="0" cy="0"/>
-          <a:chOff x="0" y="0"/>
-          <a:chExt cx="0" cy="0"/>
-        </a:xfrm>
-      </p:grpSpPr>
-      <p:pic>
-        <p:nvPicPr>
-          <p:cNvPr id="11265" name="Picture 1"/>
-          <p:cNvPicPr>
-            <a:picLocks noChangeAspect="1" noChangeArrowheads="1"/>
-          </p:cNvPicPr>
-          <p:nvPr/>
-        </p:nvPicPr>
-        <p:blipFill rotWithShape="1">
-          <a:blip r:embed="rId2"/>
-          <a:srcRect/>
-          <a:stretch>
-            <a:fillRect/>
-          </a:stretch>
-        </p:blipFill>
-        <p:spPr>
-          <a:xfrm>
-            <a:off x="128576" y="500042"/>
-            <a:ext cx="5300680" cy="6075950"/>
-          </a:xfrm>
-          <a:prstGeom prst="rect">
-            <a:avLst/>
-          </a:prstGeom>
-          <a:noFill/>
-          <a:ln w="9525">
-            <a:noFill/>
-            <a:miter/>
-          </a:ln>
-          <a:effectLst/>
-        </p:spPr>
-      </p:pic>
-      <p:sp>
-        <p:nvSpPr>
-          <p:cNvPr id="4" name="직사각형 3"/>
-          <p:cNvSpPr/>
-          <p:nvPr/>
-        </p:nvSpPr>
-        <p:spPr>
-          <a:xfrm>
-            <a:off x="5357818" y="642918"/>
-            <a:ext cx="3571900" cy="857256"/>
-          </a:xfrm>
-          <a:prstGeom prst="rect">
-            <a:avLst/>
-          </a:prstGeom>
-          <a:gradFill flip="none" rotWithShape="1">
-            <a:gsLst>
-              <a:gs pos="0">
-                <a:srgbClr val="ff00ff">
-                  <a:tint val="66000"/>
-                  <a:satMod val="160000"/>
-                </a:srgbClr>
-              </a:gs>
-              <a:gs pos="50000">
-                <a:srgbClr val="ff00ff">
-                  <a:tint val="44500"/>
-                  <a:satMod val="160000"/>
-                </a:srgbClr>
-              </a:gs>
-              <a:gs pos="100000">
-                <a:srgbClr val="ff00ff">
-                  <a:tint val="23500"/>
-                  <a:satMod val="160000"/>
-                </a:srgbClr>
-              </a:gs>
-            </a:gsLst>
-            <a:path path="circle">
-              <a:fillToRect l="50000" t="50000" r="50000" b="50000"/>
-            </a:path>
-            <a:tileRect/>
-          </a:gradFill>
-          <a:ln w="9525" cap="flat" cmpd="sng" algn="ctr">
-            <a:noFill/>
-            <a:prstDash val="solid"/>
-            <a:round/>
-          </a:ln>
-          <a:effectLst/>
-        </p:spPr>
-        <p:txBody>
-          <a:bodyPr vert="horz" wrap="square" lIns="91440" tIns="45720" rIns="91440" bIns="45720" anchor="ctr" anchorCtr="0">
-            <a:prstTxWarp prst="textNoShape">
-              <a:avLst/>
-            </a:prstTxWarp>
-          </a:bodyPr>
-          <a:lstStyle/>
-          <a:p>
-            <a:pPr lvl="0">
-              <a:defRPr lang="ko-KR" altLang="en-US"/>
-            </a:pPr>
-            <a:r>
-              <a:rPr kumimoji="0" lang="en-US" altLang="ko-KR" sz="1600" b="0" i="0" u="none" strike="noStrike" cap="none" normalizeH="0">
-                <a:solidFill>
-                  <a:schemeClr val="tx1"/>
-                </a:solidFill>
-                <a:effectLst/>
-                <a:latin typeface="HY강B"/>
-                <a:ea typeface="HY강B"/>
-              </a:rPr>
-              <a:t>[</a:t>
-            </a:r>
-            <a:r>
-              <a:rPr lang="en-US" altLang="ko-KR" sz="1600">
-                <a:latin typeface="HY강B"/>
-                <a:ea typeface="HY강B"/>
-              </a:rPr>
-              <a:t>package]</a:t>
-            </a:r>
-            <a:r>
-              <a:rPr lang="ko-KR" altLang="en-US" sz="1600">
-                <a:latin typeface="HY강B"/>
-                <a:ea typeface="HY강B"/>
-              </a:rPr>
-              <a:t>에 패키지명을 입력한다</a:t>
-            </a:r>
-            <a:endParaRPr kumimoji="0" lang="ko-KR" altLang="en-US" sz="1600" b="0" i="0" u="none" strike="noStrike" cap="none" normalizeH="0">
-              <a:solidFill>
-                <a:schemeClr val="tx1"/>
-              </a:solidFill>
-              <a:effectLst/>
-              <a:latin typeface="HY강B"/>
-              <a:ea typeface="HY강B"/>
-            </a:endParaRPr>
-          </a:p>
-        </p:txBody>
-      </p:sp>
-      <p:sp>
-        <p:nvSpPr>
-          <p:cNvPr id="5" name="직사각형 4"/>
-          <p:cNvSpPr/>
-          <p:nvPr/>
-        </p:nvSpPr>
-        <p:spPr>
-          <a:xfrm>
-            <a:off x="5357818" y="1643050"/>
-            <a:ext cx="3571900" cy="857256"/>
-          </a:xfrm>
-          <a:prstGeom prst="rect">
-            <a:avLst/>
-          </a:prstGeom>
-          <a:gradFill flip="none" rotWithShape="1">
-            <a:gsLst>
-              <a:gs pos="0">
-                <a:srgbClr val="ff00ff">
-                  <a:tint val="66000"/>
-                  <a:satMod val="160000"/>
-                </a:srgbClr>
-              </a:gs>
-              <a:gs pos="50000">
-                <a:srgbClr val="ff00ff">
-                  <a:tint val="44500"/>
-                  <a:satMod val="160000"/>
-                </a:srgbClr>
-              </a:gs>
-              <a:gs pos="100000">
-                <a:srgbClr val="ff00ff">
-                  <a:tint val="23500"/>
-                  <a:satMod val="160000"/>
-                </a:srgbClr>
-              </a:gs>
-            </a:gsLst>
-            <a:path path="circle">
-              <a:fillToRect l="50000" t="50000" r="50000" b="50000"/>
-            </a:path>
-            <a:tileRect/>
-          </a:gradFill>
-          <a:ln w="9525" cap="flat" cmpd="sng" algn="ctr">
-            <a:noFill/>
-            <a:prstDash val="solid"/>
-            <a:round/>
-          </a:ln>
-          <a:effectLst/>
-        </p:spPr>
-        <p:txBody>
-          <a:bodyPr vert="horz" wrap="square" lIns="91440" tIns="45720" rIns="91440" bIns="45720" anchor="ctr" anchorCtr="0">
-            <a:prstTxWarp prst="textNoShape">
-              <a:avLst/>
-            </a:prstTxWarp>
-          </a:bodyPr>
-          <a:lstStyle/>
-          <a:p>
-            <a:pPr lvl="0">
-              <a:defRPr lang="ko-KR" altLang="en-US"/>
-            </a:pPr>
-            <a:r>
-              <a:rPr kumimoji="0" lang="en-US" altLang="ko-KR" sz="1600" b="0" i="0" u="none" strike="noStrike" cap="none" normalizeH="0">
-                <a:solidFill>
-                  <a:schemeClr val="tx1"/>
-                </a:solidFill>
-                <a:effectLst/>
-                <a:latin typeface="HY강B"/>
-                <a:ea typeface="HY강B"/>
-              </a:rPr>
-              <a:t>[Name]</a:t>
-            </a:r>
-            <a:r>
-              <a:rPr kumimoji="0" lang="ko-KR" altLang="en-US" sz="1600" b="0" i="0" u="none" strike="noStrike" cap="none" normalizeH="0">
-                <a:solidFill>
-                  <a:schemeClr val="tx1"/>
-                </a:solidFill>
-                <a:effectLst/>
-                <a:latin typeface="HY강B"/>
-                <a:ea typeface="HY강B"/>
-              </a:rPr>
-              <a:t>에 클래스명을 입력한다</a:t>
-            </a:r>
-            <a:r>
-              <a:rPr kumimoji="0" lang="en-US" altLang="ko-KR" sz="1600" b="0" i="0" u="none" strike="noStrike" cap="none" normalizeH="0">
-                <a:solidFill>
-                  <a:schemeClr val="tx1"/>
-                </a:solidFill>
-                <a:effectLst/>
-                <a:latin typeface="HY강B"/>
-                <a:ea typeface="HY강B"/>
-              </a:rPr>
-              <a:t>.</a:t>
-            </a:r>
-            <a:endParaRPr kumimoji="0" lang="ko-KR" altLang="en-US" sz="1600" b="0" i="0" u="none" strike="noStrike" cap="none" normalizeH="0">
-              <a:solidFill>
-                <a:schemeClr val="tx1"/>
-              </a:solidFill>
-              <a:effectLst/>
-              <a:latin typeface="HY강B"/>
-              <a:ea typeface="HY강B"/>
-            </a:endParaRPr>
-          </a:p>
-        </p:txBody>
-      </p:sp>
-      <p:sp>
-        <p:nvSpPr>
-          <p:cNvPr id="6" name="직사각형 5"/>
-          <p:cNvSpPr/>
-          <p:nvPr/>
-        </p:nvSpPr>
-        <p:spPr>
-          <a:xfrm>
-            <a:off x="5357818" y="3857628"/>
-            <a:ext cx="3571900" cy="857256"/>
-          </a:xfrm>
-          <a:prstGeom prst="rect">
-            <a:avLst/>
-          </a:prstGeom>
-          <a:gradFill flip="none" rotWithShape="1">
-            <a:gsLst>
-              <a:gs pos="0">
-                <a:srgbClr val="ff00ff">
-                  <a:tint val="66000"/>
-                  <a:satMod val="160000"/>
-                </a:srgbClr>
-              </a:gs>
-              <a:gs pos="50000">
-                <a:srgbClr val="ff00ff">
-                  <a:tint val="44500"/>
-                  <a:satMod val="160000"/>
-                </a:srgbClr>
-              </a:gs>
-              <a:gs pos="100000">
-                <a:srgbClr val="ff00ff">
-                  <a:tint val="23500"/>
-                  <a:satMod val="160000"/>
-                </a:srgbClr>
-              </a:gs>
-            </a:gsLst>
-            <a:path path="circle">
-              <a:fillToRect l="50000" t="50000" r="50000" b="50000"/>
-            </a:path>
-            <a:tileRect/>
-          </a:gradFill>
-          <a:ln w="9525" cap="flat" cmpd="sng" algn="ctr">
-            <a:noFill/>
-            <a:prstDash val="solid"/>
-            <a:round/>
-          </a:ln>
-          <a:effectLst/>
-        </p:spPr>
-        <p:txBody>
-          <a:bodyPr vert="horz" wrap="square" lIns="91440" tIns="45720" rIns="91440" bIns="45720" anchor="ctr" anchorCtr="0">
-            <a:prstTxWarp prst="textNoShape">
-              <a:avLst/>
-            </a:prstTxWarp>
-          </a:bodyPr>
-          <a:lstStyle/>
-          <a:p>
-            <a:pPr lvl="0">
-              <a:defRPr lang="ko-KR" altLang="en-US"/>
-            </a:pPr>
-            <a:r>
-              <a:rPr kumimoji="0" lang="en-US" altLang="ko-KR" sz="1600" b="0" i="0" u="none" strike="noStrike" cap="none" normalizeH="0">
-                <a:solidFill>
-                  <a:schemeClr val="tx1"/>
-                </a:solidFill>
-                <a:effectLst/>
-                <a:latin typeface="HY강B"/>
-                <a:ea typeface="HY강B"/>
-              </a:rPr>
-              <a:t>[public static void main(String[] args)]</a:t>
-            </a:r>
-            <a:r>
-              <a:rPr kumimoji="0" lang="ko-KR" altLang="en-US" sz="1600" b="0" i="0" u="none" strike="noStrike" cap="none" normalizeH="0">
-                <a:solidFill>
-                  <a:schemeClr val="tx1"/>
-                </a:solidFill>
-                <a:effectLst/>
-                <a:latin typeface="HY강B"/>
-                <a:ea typeface="HY강B"/>
-              </a:rPr>
-              <a:t>항목은 </a:t>
-            </a:r>
-            <a:r>
-              <a:rPr kumimoji="0" lang="en-US" altLang="ko-KR" sz="1600" b="0" i="0" u="none" strike="noStrike" cap="none" normalizeH="0">
-                <a:solidFill>
-                  <a:schemeClr val="tx1"/>
-                </a:solidFill>
-                <a:effectLst/>
-                <a:latin typeface="HY강B"/>
-                <a:ea typeface="HY강B"/>
-              </a:rPr>
-              <a:t>main()</a:t>
-            </a:r>
-            <a:r>
-              <a:rPr kumimoji="0" lang="ko-KR" altLang="en-US" sz="1600" b="0" i="0" u="none" strike="noStrike" cap="none" normalizeH="0">
-                <a:solidFill>
-                  <a:schemeClr val="tx1"/>
-                </a:solidFill>
-                <a:effectLst/>
-                <a:latin typeface="HY강B"/>
-                <a:ea typeface="HY강B"/>
-              </a:rPr>
-              <a:t>메소드가 있는 클래스의 경우 반드시 체크해야한다</a:t>
-            </a:r>
-            <a:r>
-              <a:rPr kumimoji="0" lang="en-US" altLang="ko-KR" sz="1600" b="0" i="0" u="none" strike="noStrike" cap="none" normalizeH="0">
-                <a:solidFill>
-                  <a:schemeClr val="tx1"/>
-                </a:solidFill>
-                <a:effectLst/>
-                <a:latin typeface="HY강B"/>
-                <a:ea typeface="HY강B"/>
-              </a:rPr>
-              <a:t>.</a:t>
-            </a:r>
-            <a:endParaRPr kumimoji="0" lang="ko-KR" altLang="en-US" sz="1600" b="0" i="0" u="none" strike="noStrike" cap="none" normalizeH="0">
-              <a:solidFill>
-                <a:schemeClr val="tx1"/>
-              </a:solidFill>
-              <a:effectLst/>
-              <a:latin typeface="HY강B"/>
-              <a:ea typeface="HY강B"/>
-            </a:endParaRPr>
-          </a:p>
-        </p:txBody>
-      </p:sp>
-      <p:sp>
-        <p:nvSpPr>
-          <p:cNvPr id="7" name="직사각형 6"/>
-          <p:cNvSpPr/>
-          <p:nvPr/>
-        </p:nvSpPr>
-        <p:spPr>
-          <a:xfrm>
-            <a:off x="5357818" y="4857760"/>
-            <a:ext cx="3571900" cy="857256"/>
-          </a:xfrm>
-          <a:prstGeom prst="rect">
-            <a:avLst/>
-          </a:prstGeom>
-          <a:gradFill flip="none" rotWithShape="1">
-            <a:gsLst>
-              <a:gs pos="0">
-                <a:srgbClr val="ff00ff">
-                  <a:tint val="66000"/>
-                  <a:satMod val="160000"/>
-                </a:srgbClr>
-              </a:gs>
-              <a:gs pos="50000">
-                <a:srgbClr val="ff00ff">
-                  <a:tint val="44500"/>
-                  <a:satMod val="160000"/>
-                </a:srgbClr>
-              </a:gs>
-              <a:gs pos="100000">
-                <a:srgbClr val="ff00ff">
-                  <a:tint val="23500"/>
-                  <a:satMod val="160000"/>
-                </a:srgbClr>
-              </a:gs>
-            </a:gsLst>
-            <a:path path="circle">
-              <a:fillToRect l="50000" t="50000" r="50000" b="50000"/>
-            </a:path>
-            <a:tileRect/>
-          </a:gradFill>
-          <a:ln w="9525" cap="flat" cmpd="sng" algn="ctr">
-            <a:noFill/>
-            <a:prstDash val="solid"/>
-            <a:round/>
-          </a:ln>
-          <a:effectLst/>
-        </p:spPr>
-        <p:txBody>
-          <a:bodyPr vert="horz" wrap="square" lIns="91440" tIns="45720" rIns="91440" bIns="45720" anchor="ctr" anchorCtr="0">
-            <a:prstTxWarp prst="textNoShape">
-              <a:avLst/>
-            </a:prstTxWarp>
-          </a:bodyPr>
-          <a:lstStyle/>
-          <a:p>
-            <a:pPr lvl="0">
-              <a:defRPr lang="ko-KR" altLang="en-US"/>
-            </a:pPr>
-            <a:r>
-              <a:rPr kumimoji="0" lang="en-US" altLang="ko-KR" sz="1600" b="0" i="0" u="none" strike="noStrike" cap="none" normalizeH="0">
-                <a:solidFill>
-                  <a:schemeClr val="tx1"/>
-                </a:solidFill>
-                <a:effectLst/>
-                <a:latin typeface="HY강B"/>
-                <a:ea typeface="HY강B"/>
-              </a:rPr>
-              <a:t>[inherited abstract methods]</a:t>
-            </a:r>
-            <a:r>
-              <a:rPr kumimoji="0" lang="ko-KR" altLang="en-US" sz="1600" b="0" i="0" u="none" strike="noStrike" cap="none" normalizeH="0">
-                <a:solidFill>
-                  <a:schemeClr val="tx1"/>
-                </a:solidFill>
-                <a:effectLst/>
-                <a:latin typeface="HY강B"/>
-                <a:ea typeface="HY강B"/>
-              </a:rPr>
-              <a:t>는</a:t>
-            </a:r>
-            <a:r>
-              <a:rPr kumimoji="0" lang="en-US" altLang="ko-KR" sz="1600" b="0" i="0" u="none" strike="noStrike" cap="none" normalizeH="0">
-                <a:solidFill>
-                  <a:schemeClr val="tx1"/>
-                </a:solidFill>
-                <a:effectLst/>
-                <a:latin typeface="HY강B"/>
-                <a:ea typeface="HY강B"/>
-              </a:rPr>
-              <a:t> </a:t>
-            </a:r>
-            <a:r>
-              <a:rPr kumimoji="0" lang="ko-KR" altLang="en-US" sz="1600" b="0" i="0" u="none" strike="noStrike" cap="none" normalizeH="0">
-                <a:solidFill>
-                  <a:schemeClr val="tx1"/>
-                </a:solidFill>
-                <a:effectLst/>
-                <a:latin typeface="HY강B"/>
-                <a:ea typeface="HY강B"/>
-              </a:rPr>
-              <a:t>상속의 관계</a:t>
-            </a:r>
-            <a:r>
-              <a:rPr lang="ko-KR" altLang="en-US" sz="1600">
-                <a:latin typeface="HY강B"/>
-                <a:ea typeface="HY강B"/>
-              </a:rPr>
-              <a:t>가</a:t>
-            </a:r>
-            <a:r>
-              <a:rPr kumimoji="0" lang="ko-KR" altLang="en-US" sz="1600" b="0" i="0" u="none" strike="noStrike" cap="none" normalizeH="0">
-                <a:solidFill>
-                  <a:schemeClr val="tx1"/>
-                </a:solidFill>
-                <a:effectLst/>
-                <a:latin typeface="HY강B"/>
-                <a:ea typeface="HY강B"/>
-              </a:rPr>
-              <a:t> 존재할 때 체크하는 곳이다</a:t>
-            </a:r>
-            <a:r>
-              <a:rPr kumimoji="0" lang="en-US" altLang="ko-KR" sz="1600" b="0" i="0" u="none" strike="noStrike" cap="none" normalizeH="0">
-                <a:solidFill>
-                  <a:schemeClr val="tx1"/>
-                </a:solidFill>
-                <a:effectLst/>
-                <a:latin typeface="HY강B"/>
-                <a:ea typeface="HY강B"/>
-              </a:rPr>
-              <a:t>.</a:t>
-            </a:r>
-            <a:endParaRPr kumimoji="0" lang="en-US" altLang="ko-KR" sz="1600" b="0" i="0" u="none" strike="noStrike" cap="none" normalizeH="0">
-              <a:solidFill>
-                <a:schemeClr val="tx1"/>
-              </a:solidFill>
-              <a:effectLst/>
-              <a:latin typeface="HY강B"/>
-              <a:ea typeface="HY강B"/>
-            </a:endParaRPr>
-          </a:p>
-          <a:p>
-            <a:pPr lvl="0">
-              <a:defRPr lang="ko-KR" altLang="en-US"/>
-            </a:pPr>
-            <a:r>
-              <a:rPr lang="ko-KR" altLang="en-US" sz="1600">
-                <a:latin typeface="HY강B"/>
-                <a:ea typeface="HY강B"/>
-              </a:rPr>
-              <a:t>기본적으로 체크되어 있다</a:t>
-            </a:r>
-            <a:r>
-              <a:rPr lang="en-US" altLang="ko-KR" sz="1600">
-                <a:latin typeface="HY강B"/>
-                <a:ea typeface="HY강B"/>
-              </a:rPr>
-              <a:t>.</a:t>
-            </a:r>
-            <a:endParaRPr kumimoji="0" lang="ko-KR" altLang="en-US" sz="1600" b="0" i="0" u="none" strike="noStrike" cap="none" normalizeH="0">
-              <a:solidFill>
-                <a:schemeClr val="tx1"/>
-              </a:solidFill>
-              <a:effectLst/>
-              <a:latin typeface="HY강B"/>
-              <a:ea typeface="HY강B"/>
-            </a:endParaRPr>
-          </a:p>
-        </p:txBody>
-      </p:sp>
-      <p:sp>
-        <p:nvSpPr>
-          <p:cNvPr id="8" name="모서리가 둥근 직사각형 7"/>
-          <p:cNvSpPr/>
-          <p:nvPr/>
-        </p:nvSpPr>
-        <p:spPr>
-          <a:xfrm>
-            <a:off x="1285852" y="1785926"/>
-            <a:ext cx="857256" cy="285752"/>
-          </a:xfrm>
-          <a:prstGeom prst="roundRect">
-            <a:avLst>
-              <a:gd name="adj" fmla="val 16667"/>
-            </a:avLst>
-          </a:prstGeom>
-          <a:noFill/>
-          <a:ln w="28575" cap="flat" cmpd="sng" algn="ctr">
-            <a:solidFill>
-              <a:srgbClr val="ff0000"/>
-            </a:solidFill>
-            <a:prstDash val="solid"/>
-            <a:round/>
-          </a:ln>
-          <a:effectLst/>
-        </p:spPr>
-        <p:txBody>
-          <a:bodyPr vert="horz" wrap="square" lIns="91440" tIns="45720" rIns="91440" bIns="45720" anchor="t" anchorCtr="0">
-            <a:prstTxWarp prst="textNoShape">
-              <a:avLst/>
-            </a:prstTxWarp>
-          </a:bodyPr>
-          <a:lstStyle/>
-          <a:p>
-            <a:pPr marL="0" indent="0" algn="l" defTabSz="900000" rtl="0" eaLnBrk="1" latinLnBrk="0" hangingPunct="1">
-              <a:lnSpc>
-                <a:spcPct val="100000"/>
-              </a:lnSpc>
-              <a:spcBef>
-                <a:spcPct val="0"/>
-              </a:spcBef>
-              <a:spcAft>
-                <a:spcPct val="0"/>
-              </a:spcAft>
-              <a:buClrTx/>
-              <a:buFontTx/>
-              <a:buNone/>
-              <a:defRPr lang="ko-KR" altLang="en-US"/>
-            </a:pPr>
-            <a:endParaRPr kumimoji="0" lang="ko-KR" altLang="en-US" sz="1800" b="0" i="0" u="none" strike="noStrike" cap="none" normalizeH="0">
-              <a:solidFill>
-                <a:schemeClr val="tx1"/>
-              </a:solidFill>
-              <a:effectLst/>
-              <a:latin typeface="Arial"/>
-            </a:endParaRPr>
-          </a:p>
-        </p:txBody>
-      </p:sp>
-      <p:sp>
-        <p:nvSpPr>
-          <p:cNvPr id="9" name="모서리가 둥근 직사각형 8"/>
-          <p:cNvSpPr/>
-          <p:nvPr/>
-        </p:nvSpPr>
-        <p:spPr>
-          <a:xfrm>
-            <a:off x="1285852" y="2500306"/>
-            <a:ext cx="857256" cy="285752"/>
-          </a:xfrm>
-          <a:prstGeom prst="roundRect">
-            <a:avLst>
-              <a:gd name="adj" fmla="val 16667"/>
-            </a:avLst>
-          </a:prstGeom>
-          <a:noFill/>
-          <a:ln w="28575" cap="flat" cmpd="sng" algn="ctr">
-            <a:solidFill>
-              <a:srgbClr val="ff0000"/>
-            </a:solidFill>
-            <a:prstDash val="solid"/>
-            <a:round/>
-          </a:ln>
-          <a:effectLst/>
-        </p:spPr>
-        <p:txBody>
-          <a:bodyPr vert="horz" wrap="square" lIns="91440" tIns="45720" rIns="91440" bIns="45720" anchor="t" anchorCtr="0">
-            <a:prstTxWarp prst="textNoShape">
-              <a:avLst/>
-            </a:prstTxWarp>
-          </a:bodyPr>
-          <a:lstStyle/>
-          <a:p>
-            <a:pPr marL="0" indent="0" algn="l" defTabSz="900000" rtl="0" eaLnBrk="1" latinLnBrk="0" hangingPunct="1">
-              <a:lnSpc>
-                <a:spcPct val="100000"/>
-              </a:lnSpc>
-              <a:spcBef>
-                <a:spcPct val="0"/>
-              </a:spcBef>
-              <a:spcAft>
-                <a:spcPct val="0"/>
-              </a:spcAft>
-              <a:buClrTx/>
-              <a:buFontTx/>
-              <a:buNone/>
-              <a:defRPr lang="ko-KR" altLang="en-US"/>
-            </a:pPr>
-            <a:endParaRPr kumimoji="0" lang="ko-KR" altLang="en-US" sz="1800" b="0" i="0" u="none" strike="noStrike" cap="none" normalizeH="0">
-              <a:solidFill>
-                <a:schemeClr val="tx1"/>
-              </a:solidFill>
-              <a:effectLst/>
-              <a:latin typeface="Arial"/>
-            </a:endParaRPr>
-          </a:p>
-        </p:txBody>
-      </p:sp>
-      <p:sp>
-        <p:nvSpPr>
-          <p:cNvPr id="10" name="모서리가 둥근 직사각형 9"/>
-          <p:cNvSpPr/>
-          <p:nvPr/>
-        </p:nvSpPr>
-        <p:spPr>
-          <a:xfrm>
-            <a:off x="1357290" y="4429132"/>
-            <a:ext cx="2286016" cy="214314"/>
-          </a:xfrm>
-          <a:prstGeom prst="roundRect">
-            <a:avLst>
-              <a:gd name="adj" fmla="val 16667"/>
-            </a:avLst>
-          </a:prstGeom>
-          <a:noFill/>
-          <a:ln w="28575" cap="flat" cmpd="sng" algn="ctr">
-            <a:solidFill>
-              <a:srgbClr val="ff0000"/>
-            </a:solidFill>
-            <a:prstDash val="solid"/>
-            <a:round/>
-          </a:ln>
-          <a:effectLst/>
-        </p:spPr>
-        <p:txBody>
-          <a:bodyPr vert="horz" wrap="square" lIns="91440" tIns="45720" rIns="91440" bIns="45720" anchor="t" anchorCtr="0">
-            <a:prstTxWarp prst="textNoShape">
-              <a:avLst/>
-            </a:prstTxWarp>
-          </a:bodyPr>
-          <a:lstStyle/>
-          <a:p>
-            <a:pPr marL="0" indent="0" algn="l" defTabSz="900000" rtl="0" eaLnBrk="1" latinLnBrk="0" hangingPunct="1">
-              <a:lnSpc>
-                <a:spcPct val="100000"/>
-              </a:lnSpc>
-              <a:spcBef>
-                <a:spcPct val="0"/>
-              </a:spcBef>
-              <a:spcAft>
-                <a:spcPct val="0"/>
-              </a:spcAft>
-              <a:buClrTx/>
-              <a:buFontTx/>
-              <a:buNone/>
-              <a:defRPr lang="ko-KR" altLang="en-US"/>
-            </a:pPr>
-            <a:endParaRPr kumimoji="0" lang="ko-KR" altLang="en-US" sz="1800" b="0" i="0" u="none" strike="noStrike" cap="none" normalizeH="0">
-              <a:solidFill>
-                <a:schemeClr val="tx1"/>
-              </a:solidFill>
-              <a:effectLst/>
-              <a:latin typeface="Arial"/>
-            </a:endParaRPr>
-          </a:p>
-        </p:txBody>
-      </p:sp>
-      <p:sp>
-        <p:nvSpPr>
-          <p:cNvPr id="11" name="모서리가 둥근 직사각형 10"/>
-          <p:cNvSpPr/>
-          <p:nvPr/>
-        </p:nvSpPr>
-        <p:spPr>
-          <a:xfrm>
-            <a:off x="1357290" y="4857760"/>
-            <a:ext cx="2286016" cy="214314"/>
-          </a:xfrm>
-          <a:prstGeom prst="roundRect">
-            <a:avLst>
-              <a:gd name="adj" fmla="val 16667"/>
-            </a:avLst>
-          </a:prstGeom>
-          <a:noFill/>
-          <a:ln w="28575" cap="flat" cmpd="sng" algn="ctr">
-            <a:solidFill>
-              <a:srgbClr val="ff0000"/>
-            </a:solidFill>
-            <a:prstDash val="solid"/>
-            <a:round/>
-          </a:ln>
-          <a:effectLst/>
-        </p:spPr>
-        <p:txBody>
-          <a:bodyPr vert="horz" wrap="square" lIns="91440" tIns="45720" rIns="91440" bIns="45720" anchor="t" anchorCtr="0">
-            <a:prstTxWarp prst="textNoShape">
-              <a:avLst/>
-            </a:prstTxWarp>
-          </a:bodyPr>
-          <a:lstStyle/>
-          <a:p>
-            <a:pPr marL="0" indent="0" algn="l" defTabSz="900000" rtl="0" eaLnBrk="1" latinLnBrk="0" hangingPunct="1">
-              <a:lnSpc>
-                <a:spcPct val="100000"/>
-              </a:lnSpc>
-              <a:spcBef>
-                <a:spcPct val="0"/>
-              </a:spcBef>
-              <a:spcAft>
-                <a:spcPct val="0"/>
-              </a:spcAft>
-              <a:buClrTx/>
-              <a:buFontTx/>
-              <a:buNone/>
-              <a:defRPr lang="ko-KR" altLang="en-US"/>
-            </a:pPr>
-            <a:endParaRPr kumimoji="0" lang="ko-KR" altLang="en-US" sz="1800" b="0" i="0" u="none" strike="noStrike" cap="none" normalizeH="0">
-              <a:solidFill>
-                <a:schemeClr val="tx1"/>
-              </a:solidFill>
-              <a:effectLst/>
-              <a:latin typeface="Arial"/>
-            </a:endParaRPr>
-          </a:p>
-        </p:txBody>
-      </p:sp>
-      <p:sp>
-        <p:nvSpPr>
-          <p:cNvPr id="12" name="모서리가 둥근 직사각형 11"/>
-          <p:cNvSpPr/>
-          <p:nvPr/>
-        </p:nvSpPr>
-        <p:spPr>
-          <a:xfrm>
-            <a:off x="3500430" y="6143644"/>
-            <a:ext cx="857256" cy="214314"/>
-          </a:xfrm>
-          <a:prstGeom prst="roundRect">
-            <a:avLst>
-              <a:gd name="adj" fmla="val 16667"/>
-            </a:avLst>
-          </a:prstGeom>
-          <a:noFill/>
-          <a:ln w="28575" cap="flat" cmpd="sng" algn="ctr">
-            <a:solidFill>
-              <a:srgbClr val="ff0000"/>
-            </a:solidFill>
-            <a:prstDash val="solid"/>
-            <a:round/>
-          </a:ln>
-          <a:effectLst/>
-        </p:spPr>
-        <p:txBody>
-          <a:bodyPr vert="horz" wrap="square" lIns="91440" tIns="45720" rIns="91440" bIns="45720" anchor="t" anchorCtr="0">
-            <a:prstTxWarp prst="textNoShape">
-              <a:avLst/>
-            </a:prstTxWarp>
-          </a:bodyPr>
-          <a:lstStyle/>
-          <a:p>
-            <a:pPr marL="0" indent="0" algn="l" defTabSz="900000" rtl="0" eaLnBrk="1" latinLnBrk="0" hangingPunct="1">
-              <a:lnSpc>
-                <a:spcPct val="100000"/>
-              </a:lnSpc>
-              <a:spcBef>
-                <a:spcPct val="0"/>
-              </a:spcBef>
-              <a:spcAft>
-                <a:spcPct val="0"/>
-              </a:spcAft>
-              <a:buClrTx/>
-              <a:buFontTx/>
-              <a:buNone/>
-              <a:defRPr lang="ko-KR" altLang="en-US"/>
-            </a:pPr>
-            <a:endParaRPr kumimoji="0" lang="ko-KR" altLang="en-US" sz="1800" b="0" i="0" u="none" strike="noStrike" cap="none" normalizeH="0">
-              <a:solidFill>
-                <a:schemeClr val="tx1"/>
-              </a:solidFill>
-              <a:effectLst/>
-              <a:latin typeface="Arial"/>
-            </a:endParaRPr>
-          </a:p>
-        </p:txBody>
-      </p:sp>
-      <p:sp>
-        <p:nvSpPr>
-          <p:cNvPr id="13" name="직사각형 12"/>
-          <p:cNvSpPr/>
-          <p:nvPr/>
-        </p:nvSpPr>
-        <p:spPr>
-          <a:xfrm>
-            <a:off x="5357818" y="6072206"/>
-            <a:ext cx="3571900" cy="500066"/>
-          </a:xfrm>
-          <a:prstGeom prst="rect">
-            <a:avLst/>
-          </a:prstGeom>
-          <a:gradFill flip="none" rotWithShape="1">
-            <a:gsLst>
-              <a:gs pos="0">
-                <a:srgbClr val="ff00ff">
-                  <a:tint val="66000"/>
-                  <a:satMod val="160000"/>
-                </a:srgbClr>
-              </a:gs>
-              <a:gs pos="50000">
-                <a:srgbClr val="ff00ff">
-                  <a:tint val="44500"/>
-                  <a:satMod val="160000"/>
-                </a:srgbClr>
-              </a:gs>
-              <a:gs pos="100000">
-                <a:srgbClr val="ff00ff">
-                  <a:tint val="23500"/>
-                  <a:satMod val="160000"/>
-                </a:srgbClr>
-              </a:gs>
-            </a:gsLst>
-            <a:path path="circle">
-              <a:fillToRect l="50000" t="50000" r="50000" b="50000"/>
-            </a:path>
-            <a:tileRect/>
-          </a:gradFill>
-          <a:ln w="9525" cap="flat" cmpd="sng" algn="ctr">
-            <a:noFill/>
-            <a:prstDash val="solid"/>
-            <a:round/>
-          </a:ln>
-          <a:effectLst/>
-        </p:spPr>
-        <p:txBody>
-          <a:bodyPr vert="horz" wrap="square" lIns="91440" tIns="45720" rIns="91440" bIns="45720" anchor="ctr" anchorCtr="0">
-            <a:prstTxWarp prst="textNoShape">
-              <a:avLst/>
-            </a:prstTxWarp>
-          </a:bodyPr>
-          <a:lstStyle/>
-          <a:p>
-            <a:pPr lvl="0">
-              <a:defRPr lang="ko-KR" altLang="en-US"/>
-            </a:pPr>
-            <a:r>
-              <a:rPr kumimoji="0" lang="en-US" altLang="ko-KR" sz="1600" b="0" i="0" u="none" strike="noStrike" cap="none" normalizeH="0">
-                <a:solidFill>
-                  <a:schemeClr val="tx1"/>
-                </a:solidFill>
-                <a:effectLst/>
-                <a:latin typeface="HY강B"/>
-                <a:ea typeface="HY강B"/>
-              </a:rPr>
-              <a:t>[Finish]</a:t>
-            </a:r>
-            <a:r>
-              <a:rPr kumimoji="0" lang="ko-KR" altLang="en-US" sz="1600" b="0" i="0" u="none" strike="noStrike" cap="none" normalizeH="0">
-                <a:solidFill>
-                  <a:schemeClr val="tx1"/>
-                </a:solidFill>
-                <a:effectLst/>
-                <a:latin typeface="HY강B"/>
-                <a:ea typeface="HY강B"/>
-              </a:rPr>
-              <a:t>버튼을 누른다</a:t>
-            </a:r>
-            <a:r>
-              <a:rPr kumimoji="0" lang="en-US" altLang="ko-KR" sz="1600" b="0" i="0" u="none" strike="noStrike" cap="none" normalizeH="0">
-                <a:solidFill>
-                  <a:schemeClr val="tx1"/>
-                </a:solidFill>
-                <a:effectLst/>
-                <a:latin typeface="HY강B"/>
-                <a:ea typeface="HY강B"/>
-              </a:rPr>
-              <a:t>.</a:t>
-            </a:r>
-            <a:endParaRPr kumimoji="0" lang="ko-KR" altLang="en-US" sz="1600" b="0" i="0" u="none" strike="noStrike" cap="none" normalizeH="0">
-              <a:solidFill>
-                <a:schemeClr val="tx1"/>
-              </a:solidFill>
-              <a:effectLst/>
-              <a:latin typeface="HY강B"/>
-              <a:ea typeface="HY강B"/>
-            </a:endParaRPr>
-          </a:p>
-        </p:txBody>
-      </p:sp>
-    </p:spTree>
-  </p:cSld>
-  <p:clrMapOvr>
-    <a:masterClrMapping/>
-  </p:clrMapOvr>
-  <mc:AlternateContent xmlns:mc="http://schemas.openxmlformats.org/markup-compatibility/2006">
-    <mc:Choice xmlns:p14="http://schemas.microsoft.com/office/powerpoint/2010/main" Requires="p14">
-      <p:transition xmlns:mc="http://schemas.openxmlformats.org/markup-compatibility/2006" xmlns:p14="http://schemas.microsoft.com/office/powerpoint/2010/main" mc:Ignorable="p14" p14:dur="500"/>
-    </mc:Choice>
-    <mc:Fallback>
-      <p:transition/>
-    </mc:Fallback>
-  </mc:AlternateContent>
-  <p:timing>
-    <p:tnLst>
-      <p:par>
-        <p:cTn id="1" dur="indefinite" restart="never" nodeType="tmRoot"/>
-      </p:par>
-    </p:tnLst>
-  </p:timing>
-</p:sld>
-</file>
-
-<file path=ppt/slides/slide2.xml><?xml version="1.0" encoding="utf-8"?>
-<p:sld xmlns:r="http://schemas.openxmlformats.org/officeDocument/2006/relationships" xmlns:c="http://schemas.openxmlformats.org/drawingml/2006/chart" xmlns:a="http://schemas.openxmlformats.org/drawingml/2006/main" xmlns:dgm="http://schemas.openxmlformats.org/drawingml/2006/diagram" xmlns:dsp="http://schemas.microsoft.com/office/drawing/2008/diagram" xmlns:p="http://schemas.openxmlformats.org/presentationml/2006/main">
-  <p:cSld>
-    <p:spTree>
-      <p:nvGrpSpPr>
-        <p:cNvPr id="1" name=""/>
-        <p:cNvGrpSpPr/>
-        <p:nvPr/>
-      </p:nvGrpSpPr>
-      <p:grpSpPr>
-        <a:xfrm>
-          <a:off x="0" y="0"/>
-          <a:ext cx="0" cy="0"/>
-          <a:chOff x="0" y="0"/>
-          <a:chExt cx="0" cy="0"/>
-        </a:xfrm>
-      </p:grpSpPr>
-      <p:sp>
-        <p:nvSpPr>
-          <p:cNvPr id="4" name="제목 3"/>
-          <p:cNvSpPr>
-            <a:spLocks noGrp="1"/>
-          </p:cNvSpPr>
-          <p:nvPr>
-            <p:ph type="title" idx="0"/>
-          </p:nvPr>
-        </p:nvSpPr>
-        <p:spPr/>
-        <p:txBody>
-          <a:bodyPr/>
-          <a:lstStyle/>
-          <a:p>
-            <a:pPr lvl="0">
-              <a:defRPr lang="ko-KR" altLang="en-US"/>
-            </a:pPr>
-            <a:r>
-              <a:rPr lang="en-US" altLang="ko-KR" sz="4400"/>
-              <a:t>11</a:t>
-            </a:r>
-            <a:r>
-              <a:rPr lang="ko-KR" altLang="en-US" sz="4400"/>
-              <a:t>장</a:t>
-            </a:r>
-            <a:r>
-              <a:rPr lang="en-US" altLang="ko-KR" sz="4400"/>
-              <a:t>. </a:t>
-            </a:r>
-            <a:r>
-              <a:rPr lang="ko-KR" altLang="en-US" sz="4400"/>
-              <a:t>자바의 순환문</a:t>
-            </a:r>
-            <a:r>
-              <a:rPr lang="en-US" altLang="ko-KR" sz="4400"/>
-              <a:t>2</a:t>
-            </a:r>
-            <a:endParaRPr lang="en-US" altLang="ko-KR" sz="4400"/>
-          </a:p>
-        </p:txBody>
-      </p:sp>
-    </p:spTree>
-  </p:cSld>
-  <p:clrMapOvr>
-    <a:masterClrMapping/>
-  </p:clrMapOvr>
-  <mc:AlternateContent xmlns:mc="http://schemas.openxmlformats.org/markup-compatibility/2006">
-    <mc:Choice xmlns:p14="http://schemas.microsoft.com/office/powerpoint/2010/main" Requires="p14">
-      <p:transition xmlns:mc="http://schemas.openxmlformats.org/markup-compatibility/2006" xmlns:p14="http://schemas.microsoft.com/office/powerpoint/2010/main" mc:Ignorable="p14" p14:dur="500"/>
-    </mc:Choice>
-    <mc:Fallback>
-      <p:transition/>
-    </mc:Fallback>
-  </mc:AlternateContent>
-  <p:timing>
-    <p:tnLst>
-      <p:par>
-        <p:cTn id="1" dur="indefinite" restart="never" nodeType="tmRoot">
-          <p:childTnLst>
-            <p:seq concurrent="1" nextAc="seek">
-              <p:cTn id="2" dur="indefinite" nodeType="mainSeq">
-                <p:childTnLst>
-                  <p:par>
-                    <p:cTn id="3" fill="hold">
-                      <p:stCondLst>
-                        <p:cond delay="indefinite"/>
-                        <p:cond evt="onBegin" delay="0">
-                          <p:tn val="2"/>
-                        </p:cond>
-                      </p:stCondLst>
-                      <p:childTnLst>
-                        <p:par>
-                          <p:cTn id="4" fill="hold">
-                            <p:stCondLst>
-                              <p:cond delay="0"/>
-                            </p:stCondLst>
-                            <p:childTnLst>
-                              <p:par>
-                                <p:cTn id="5" presetID="5" presetClass="entr" presetSubtype="10" fill="hold" grpId="0" nodeType="afterEffect">
-                                  <p:stCondLst>
-                                    <p:cond delay="0"/>
-                                  </p:stCondLst>
-                                  <p:childTnLst>
-                                    <p:set>
-                                      <p:cBhvr>
-                                        <p:cTn id="6" dur="1" fill="hold">
-                                          <p:stCondLst>
-                                            <p:cond delay="0"/>
-                                          </p:stCondLst>
-                                        </p:cTn>
-                                        <p:tgtEl>
-                                          <p:spTgt spid="4"/>
-                                        </p:tgtEl>
-                                        <p:attrNameLst>
-                                          <p:attrName>style.visibility</p:attrName>
-                                        </p:attrNameLst>
-                                      </p:cBhvr>
-                                      <p:to>
-                                        <p:strVal val="visible"/>
-                                      </p:to>
-                                    </p:set>
-                                    <p:animEffect transition="in" filter="checkerboard(across)">
-                                      <p:cBhvr>
-                                        <p:cTn id="7" dur="500"/>
-                                        <p:tgtEl>
-                                          <p:spTgt spid="4"/>
-                                        </p:tgtEl>
-                                      </p:cBhvr>
-                                    </p:animEffect>
-                                  </p:childTnLst>
-                                </p:cTn>
-                              </p:par>
-                            </p:childTnLst>
-                          </p:cTn>
-                        </p:par>
-                      </p:childTnLst>
-                    </p:cTn>
-                  </p:par>
-                </p:childTnLst>
-              </p:cTn>
-              <p:prevCondLst>
-                <p:cond evt="onPrev" delay="0">
-                  <p:tgtEl>
-                    <p:sldTgt/>
-                  </p:tgtEl>
-                </p:cond>
-              </p:prevCondLst>
-              <p:nextCondLst>
-                <p:cond evt="onNext" delay="0">
-                  <p:tgtEl>
-                    <p:sldTgt/>
-                  </p:tgtEl>
-                </p:cond>
-              </p:nextCondLst>
-            </p:seq>
-          </p:childTnLst>
-        </p:cTn>
-      </p:par>
-    </p:tnLst>
-    <p:bldLst>
-      <p:bldP spid="4" grpId="0"/>
-    </p:bldLst>
-  </p:timing>
-</p:sld>
-</file>
-
-<file path=ppt/slides/slide20.xml><?xml version="1.0" encoding="utf-8"?>
-<p:sld xmlns:r="http://schemas.openxmlformats.org/officeDocument/2006/relationships" xmlns:c="http://schemas.openxmlformats.org/drawingml/2006/chart" xmlns:a="http://schemas.openxmlformats.org/drawingml/2006/main" xmlns:dgm="http://schemas.openxmlformats.org/drawingml/2006/diagram" xmlns:dsp="http://schemas.microsoft.com/office/drawing/2008/diagram" xmlns:p="http://schemas.openxmlformats.org/presentationml/2006/main">
-  <p:cSld>
-    <p:spTree>
-      <p:nvGrpSpPr>
-        <p:cNvPr id="1" name=""/>
-        <p:cNvGrpSpPr/>
-        <p:nvPr/>
-      </p:nvGrpSpPr>
-      <p:grpSpPr>
-        <a:xfrm>
-          <a:off x="0" y="0"/>
-          <a:ext cx="0" cy="0"/>
-          <a:chOff x="0" y="0"/>
-          <a:chExt cx="0" cy="0"/>
-        </a:xfrm>
-      </p:grpSpPr>
-      <p:sp>
-        <p:nvSpPr>
-          <p:cNvPr id="3" name="직사각형 2"/>
-          <p:cNvSpPr/>
-          <p:nvPr/>
-        </p:nvSpPr>
-        <p:spPr>
-          <a:xfrm>
-            <a:off x="500034" y="571480"/>
-            <a:ext cx="4429156" cy="714380"/>
-          </a:xfrm>
-          <a:prstGeom prst="rect">
-            <a:avLst/>
-          </a:prstGeom>
-          <a:gradFill flip="none" rotWithShape="1">
-            <a:gsLst>
-              <a:gs pos="0">
-                <a:srgbClr val="ff00ff">
-                  <a:tint val="66000"/>
-                  <a:satMod val="160000"/>
-                </a:srgbClr>
-              </a:gs>
-              <a:gs pos="50000">
-                <a:srgbClr val="ff00ff">
-                  <a:tint val="44500"/>
-                  <a:satMod val="160000"/>
-                </a:srgbClr>
-              </a:gs>
-              <a:gs pos="100000">
-                <a:srgbClr val="ff00ff">
-                  <a:tint val="23500"/>
-                  <a:satMod val="160000"/>
-                </a:srgbClr>
-              </a:gs>
-            </a:gsLst>
-            <a:path path="circle">
-              <a:fillToRect l="50000" t="50000" r="50000" b="50000"/>
-            </a:path>
-            <a:tileRect/>
-          </a:gradFill>
-          <a:ln w="9525" cap="flat" cmpd="sng" algn="ctr">
-            <a:noFill/>
-            <a:prstDash val="solid"/>
-            <a:round/>
-          </a:ln>
-          <a:effectLst/>
-        </p:spPr>
-        <p:txBody>
-          <a:bodyPr vert="horz" wrap="square" lIns="91440" tIns="45720" rIns="91440" bIns="45720" anchor="ctr" anchorCtr="0">
-            <a:prstTxWarp prst="textNoShape">
-              <a:avLst/>
-            </a:prstTxWarp>
-          </a:bodyPr>
-          <a:lstStyle/>
-          <a:p>
-            <a:pPr algn="ctr">
-              <a:defRPr lang="ko-KR" altLang="en-US"/>
-            </a:pPr>
-            <a:r>
-              <a:rPr lang="en-US" altLang="ko-KR">
-                <a:latin typeface="HY강B"/>
-                <a:ea typeface="HY강B"/>
-              </a:rPr>
-              <a:t>Eclipse </a:t>
-            </a:r>
-            <a:r>
-              <a:rPr lang="ko-KR" altLang="en-US">
-                <a:latin typeface="HY강B"/>
-                <a:ea typeface="HY강B"/>
-              </a:rPr>
-              <a:t>창에서 다음과 같이 입력한다</a:t>
-            </a:r>
-            <a:r>
-              <a:rPr lang="en-US" altLang="ko-KR">
-                <a:latin typeface="HY강B"/>
-                <a:ea typeface="HY강B"/>
-              </a:rPr>
-              <a:t>.</a:t>
-            </a:r>
-            <a:endParaRPr kumimoji="0" lang="ko-KR" altLang="en-US" b="0" i="0" u="none" strike="noStrike" cap="none" normalizeH="0">
-              <a:solidFill>
-                <a:schemeClr val="tx1"/>
-              </a:solidFill>
-              <a:effectLst/>
-              <a:latin typeface="HY강B"/>
-              <a:ea typeface="HY강B"/>
-            </a:endParaRPr>
-          </a:p>
-        </p:txBody>
-      </p:sp>
-      <p:pic>
-        <p:nvPicPr>
-          <p:cNvPr id="10241" name="Picture 1"/>
-          <p:cNvPicPr>
-            <a:picLocks noChangeAspect="1" noChangeArrowheads="1"/>
-          </p:cNvPicPr>
-          <p:nvPr/>
-        </p:nvPicPr>
-        <p:blipFill rotWithShape="1">
-          <a:blip r:embed="rId2"/>
-          <a:srcRect/>
-          <a:stretch>
-            <a:fillRect/>
-          </a:stretch>
-        </p:blipFill>
-        <p:spPr>
-          <a:xfrm>
-            <a:off x="428596" y="1571612"/>
-            <a:ext cx="7754961" cy="4186660"/>
-          </a:xfrm>
-          <a:prstGeom prst="rect">
-            <a:avLst/>
-          </a:prstGeom>
-          <a:noFill/>
-          <a:ln w="9525">
-            <a:solidFill>
-              <a:srgbClr val="002060"/>
-            </a:solidFill>
-            <a:miter/>
-          </a:ln>
-          <a:effectLst/>
-        </p:spPr>
-      </p:pic>
-    </p:spTree>
-  </p:cSld>
-  <p:clrMapOvr>
-    <a:masterClrMapping/>
-  </p:clrMapOvr>
-  <mc:AlternateContent xmlns:mc="http://schemas.openxmlformats.org/markup-compatibility/2006">
-    <mc:Choice xmlns:p14="http://schemas.microsoft.com/office/powerpoint/2010/main" Requires="p14">
-      <p:transition xmlns:mc="http://schemas.openxmlformats.org/markup-compatibility/2006" xmlns:p14="http://schemas.microsoft.com/office/powerpoint/2010/main" mc:Ignorable="p14" p14:dur="500"/>
-    </mc:Choice>
-    <mc:Fallback>
-      <p:transition/>
-    </mc:Fallback>
-  </mc:AlternateContent>
-  <p:timing>
-    <p:tnLst>
-      <p:par>
-        <p:cTn id="1" dur="indefinite" restart="never" nodeType="tmRoot"/>
-      </p:par>
-    </p:tnLst>
-  </p:timing>
-</p:sld>
-</file>
-
-<file path=ppt/slides/slide21.xml><?xml version="1.0" encoding="utf-8"?>
-<p:sld xmlns:r="http://schemas.openxmlformats.org/officeDocument/2006/relationships" xmlns:c="http://schemas.openxmlformats.org/drawingml/2006/chart" xmlns:a="http://schemas.openxmlformats.org/drawingml/2006/main" xmlns:dgm="http://schemas.openxmlformats.org/drawingml/2006/diagram" xmlns:dsp="http://schemas.microsoft.com/office/drawing/2008/diagram" xmlns:p="http://schemas.openxmlformats.org/presentationml/2006/main">
-  <p:cSld>
-    <p:spTree>
-      <p:nvGrpSpPr>
-        <p:cNvPr id="1" name=""/>
-        <p:cNvGrpSpPr/>
-        <p:nvPr/>
-      </p:nvGrpSpPr>
-      <p:grpSpPr>
-        <a:xfrm>
-          <a:off x="0" y="0"/>
-          <a:ext cx="0" cy="0"/>
-          <a:chOff x="0" y="0"/>
-          <a:chExt cx="0" cy="0"/>
-        </a:xfrm>
-      </p:grpSpPr>
-      <p:pic>
-        <p:nvPicPr>
-          <p:cNvPr id="7" name="Picture 2"/>
-          <p:cNvPicPr>
-            <a:picLocks noChangeAspect="1" noChangeArrowheads="1"/>
-          </p:cNvPicPr>
-          <p:nvPr/>
-        </p:nvPicPr>
-        <p:blipFill rotWithShape="1">
-          <a:blip r:embed="rId2"/>
-          <a:srcRect/>
-          <a:stretch>
-            <a:fillRect/>
-          </a:stretch>
-        </p:blipFill>
-        <p:spPr>
-          <a:xfrm>
-            <a:off x="428596" y="2357430"/>
-            <a:ext cx="8520113" cy="3302000"/>
-          </a:xfrm>
-          <a:prstGeom prst="rect">
-            <a:avLst/>
-          </a:prstGeom>
-          <a:noFill/>
-          <a:ln w="9525">
-            <a:solidFill>
-              <a:srgbClr val="002060"/>
-            </a:solidFill>
-            <a:miter/>
-          </a:ln>
-          <a:effectLst/>
-        </p:spPr>
-      </p:pic>
-      <p:sp>
-        <p:nvSpPr>
-          <p:cNvPr id="3" name="직사각형 2"/>
-          <p:cNvSpPr/>
-          <p:nvPr/>
-        </p:nvSpPr>
-        <p:spPr>
-          <a:xfrm>
-            <a:off x="857224" y="928670"/>
-            <a:ext cx="4500594" cy="642942"/>
-          </a:xfrm>
-          <a:prstGeom prst="rect">
-            <a:avLst/>
-          </a:prstGeom>
-          <a:gradFill flip="none" rotWithShape="1">
-            <a:gsLst>
-              <a:gs pos="0">
-                <a:srgbClr val="ff00ff">
-                  <a:tint val="66000"/>
-                  <a:satMod val="160000"/>
-                </a:srgbClr>
-              </a:gs>
-              <a:gs pos="50000">
-                <a:srgbClr val="ff00ff">
-                  <a:tint val="44500"/>
-                  <a:satMod val="160000"/>
-                </a:srgbClr>
-              </a:gs>
-              <a:gs pos="100000">
-                <a:srgbClr val="ff00ff">
-                  <a:tint val="23500"/>
-                  <a:satMod val="160000"/>
-                </a:srgbClr>
-              </a:gs>
-            </a:gsLst>
-            <a:path path="circle">
-              <a:fillToRect l="50000" t="50000" r="50000" b="50000"/>
-            </a:path>
-            <a:tileRect/>
-          </a:gradFill>
-          <a:ln w="9525" cap="flat" cmpd="sng" algn="ctr">
-            <a:noFill/>
-            <a:prstDash val="solid"/>
-            <a:round/>
-          </a:ln>
-          <a:effectLst/>
-        </p:spPr>
-        <p:txBody>
-          <a:bodyPr vert="horz" wrap="square" lIns="91440" tIns="45720" rIns="91440" bIns="45720" anchor="ctr" anchorCtr="0">
-            <a:prstTxWarp prst="textNoShape">
-              <a:avLst/>
-            </a:prstTxWarp>
-          </a:bodyPr>
-          <a:lstStyle/>
-          <a:p>
-            <a:pPr algn="ctr">
-              <a:defRPr lang="ko-KR" altLang="en-US"/>
-            </a:pPr>
-            <a:r>
-              <a:rPr kumimoji="0" lang="ko-KR" altLang="en-US" b="0" i="0" u="none" strike="noStrike" cap="none" normalizeH="0">
-                <a:solidFill>
-                  <a:schemeClr val="tx1"/>
-                </a:solidFill>
-                <a:effectLst/>
-                <a:latin typeface="HY강B"/>
-                <a:ea typeface="HY강B"/>
-              </a:rPr>
-              <a:t>아래 그림과 같이 차례대로 누른다</a:t>
-            </a:r>
-            <a:r>
-              <a:rPr kumimoji="0" lang="en-US" altLang="ko-KR" b="0" i="0" u="none" strike="noStrike" cap="none" normalizeH="0">
-                <a:solidFill>
-                  <a:schemeClr val="tx1"/>
-                </a:solidFill>
-                <a:effectLst/>
-                <a:latin typeface="HY강B"/>
-                <a:ea typeface="HY강B"/>
-              </a:rPr>
-              <a:t>.</a:t>
-            </a:r>
-            <a:endParaRPr kumimoji="0" lang="ko-KR" altLang="en-US" b="0" i="0" u="none" strike="noStrike" cap="none" normalizeH="0">
-              <a:solidFill>
-                <a:schemeClr val="tx1"/>
-              </a:solidFill>
-              <a:effectLst/>
-              <a:latin typeface="HY강B"/>
-              <a:ea typeface="HY강B"/>
-            </a:endParaRPr>
-          </a:p>
-        </p:txBody>
-      </p:sp>
-      <p:sp>
-        <p:nvSpPr>
-          <p:cNvPr id="4" name="모서리가 둥근 직사각형 3"/>
-          <p:cNvSpPr/>
-          <p:nvPr/>
-        </p:nvSpPr>
-        <p:spPr>
-          <a:xfrm>
-            <a:off x="1500166" y="2571744"/>
-            <a:ext cx="714380" cy="357190"/>
-          </a:xfrm>
-          <a:prstGeom prst="roundRect">
-            <a:avLst>
-              <a:gd name="adj" fmla="val 16667"/>
-            </a:avLst>
-          </a:prstGeom>
-          <a:noFill/>
-          <a:ln w="28575" cap="flat" cmpd="sng" algn="ctr">
-            <a:solidFill>
-              <a:srgbClr val="ff0000"/>
-            </a:solidFill>
-            <a:prstDash val="solid"/>
-            <a:round/>
-          </a:ln>
-          <a:effectLst/>
-        </p:spPr>
-        <p:txBody>
-          <a:bodyPr vert="horz" wrap="square" lIns="91440" tIns="45720" rIns="91440" bIns="45720" anchor="t" anchorCtr="0">
-            <a:prstTxWarp prst="textNoShape">
-              <a:avLst/>
-            </a:prstTxWarp>
-          </a:bodyPr>
-          <a:lstStyle/>
-          <a:p>
-            <a:pPr marL="0" indent="0" algn="l" defTabSz="900000" rtl="0" eaLnBrk="1" latinLnBrk="0" hangingPunct="1">
-              <a:lnSpc>
-                <a:spcPct val="100000"/>
-              </a:lnSpc>
-              <a:spcBef>
-                <a:spcPct val="0"/>
-              </a:spcBef>
-              <a:spcAft>
-                <a:spcPct val="0"/>
-              </a:spcAft>
-              <a:buClrTx/>
-              <a:buFontTx/>
-              <a:buNone/>
-              <a:defRPr lang="ko-KR" altLang="en-US"/>
-            </a:pPr>
-            <a:endParaRPr kumimoji="0" lang="ko-KR" altLang="en-US" sz="1800" b="0" i="0" u="none" strike="noStrike" cap="none" normalizeH="0">
-              <a:solidFill>
-                <a:schemeClr val="tx1"/>
-              </a:solidFill>
-              <a:effectLst/>
-              <a:latin typeface="Arial"/>
-            </a:endParaRPr>
-          </a:p>
-        </p:txBody>
-      </p:sp>
-      <p:sp>
-        <p:nvSpPr>
-          <p:cNvPr id="5" name="모서리가 둥근 직사각형 4"/>
-          <p:cNvSpPr/>
-          <p:nvPr/>
-        </p:nvSpPr>
-        <p:spPr>
-          <a:xfrm>
-            <a:off x="1928794" y="3857628"/>
-            <a:ext cx="857256" cy="285752"/>
-          </a:xfrm>
-          <a:prstGeom prst="roundRect">
-            <a:avLst>
-              <a:gd name="adj" fmla="val 16667"/>
-            </a:avLst>
-          </a:prstGeom>
-          <a:noFill/>
-          <a:ln w="28575" cap="flat" cmpd="sng" algn="ctr">
-            <a:solidFill>
-              <a:srgbClr val="ff0000"/>
-            </a:solidFill>
-            <a:prstDash val="solid"/>
-            <a:round/>
-          </a:ln>
-          <a:effectLst/>
-        </p:spPr>
-        <p:txBody>
-          <a:bodyPr vert="horz" wrap="square" lIns="91440" tIns="45720" rIns="91440" bIns="45720" anchor="t" anchorCtr="0">
-            <a:prstTxWarp prst="textNoShape">
-              <a:avLst/>
-            </a:prstTxWarp>
-          </a:bodyPr>
-          <a:lstStyle/>
-          <a:p>
-            <a:pPr marL="0" indent="0" algn="l" defTabSz="900000" rtl="0" eaLnBrk="1" latinLnBrk="0" hangingPunct="1">
-              <a:lnSpc>
-                <a:spcPct val="100000"/>
-              </a:lnSpc>
-              <a:spcBef>
-                <a:spcPct val="0"/>
-              </a:spcBef>
-              <a:spcAft>
-                <a:spcPct val="0"/>
-              </a:spcAft>
-              <a:buClrTx/>
-              <a:buFontTx/>
-              <a:buNone/>
-              <a:defRPr lang="ko-KR" altLang="en-US"/>
-            </a:pPr>
-            <a:endParaRPr kumimoji="0" lang="ko-KR" altLang="en-US" sz="1800" b="0" i="0" u="none" strike="noStrike" cap="none" normalizeH="0">
-              <a:solidFill>
-                <a:schemeClr val="tx1"/>
-              </a:solidFill>
-              <a:effectLst/>
-              <a:latin typeface="Arial"/>
-            </a:endParaRPr>
-          </a:p>
-        </p:txBody>
-      </p:sp>
-      <p:sp>
-        <p:nvSpPr>
-          <p:cNvPr id="6" name="모서리가 둥근 직사각형 5"/>
-          <p:cNvSpPr/>
-          <p:nvPr/>
-        </p:nvSpPr>
-        <p:spPr>
-          <a:xfrm>
-            <a:off x="5929322" y="3857628"/>
-            <a:ext cx="2714644" cy="285752"/>
-          </a:xfrm>
-          <a:prstGeom prst="roundRect">
-            <a:avLst>
-              <a:gd name="adj" fmla="val 16667"/>
-            </a:avLst>
-          </a:prstGeom>
-          <a:noFill/>
-          <a:ln w="28575" cap="flat" cmpd="sng" algn="ctr">
-            <a:solidFill>
-              <a:srgbClr val="ff0000"/>
-            </a:solidFill>
-            <a:prstDash val="solid"/>
-            <a:round/>
-          </a:ln>
-          <a:effectLst/>
-        </p:spPr>
-        <p:txBody>
-          <a:bodyPr vert="horz" wrap="square" lIns="91440" tIns="45720" rIns="91440" bIns="45720" anchor="t" anchorCtr="0">
-            <a:prstTxWarp prst="textNoShape">
-              <a:avLst/>
-            </a:prstTxWarp>
-          </a:bodyPr>
-          <a:lstStyle/>
-          <a:p>
-            <a:pPr marL="0" indent="0" algn="l" defTabSz="900000" rtl="0" eaLnBrk="1" latinLnBrk="0" hangingPunct="1">
-              <a:lnSpc>
-                <a:spcPct val="100000"/>
-              </a:lnSpc>
-              <a:spcBef>
-                <a:spcPct val="0"/>
-              </a:spcBef>
-              <a:spcAft>
-                <a:spcPct val="0"/>
-              </a:spcAft>
-              <a:buClrTx/>
-              <a:buFontTx/>
-              <a:buNone/>
-              <a:defRPr lang="ko-KR" altLang="en-US"/>
-            </a:pPr>
-            <a:endParaRPr kumimoji="0" lang="ko-KR" altLang="en-US" sz="1800" b="0" i="0" u="none" strike="noStrike" cap="none" normalizeH="0">
-              <a:solidFill>
-                <a:schemeClr val="tx1"/>
-              </a:solidFill>
-              <a:effectLst/>
-              <a:latin typeface="Arial"/>
-            </a:endParaRPr>
-          </a:p>
-        </p:txBody>
-      </p:sp>
-    </p:spTree>
-  </p:cSld>
-  <p:clrMapOvr>
-    <a:masterClrMapping/>
-  </p:clrMapOvr>
-  <mc:AlternateContent xmlns:mc="http://schemas.openxmlformats.org/markup-compatibility/2006">
-    <mc:Choice xmlns:p14="http://schemas.microsoft.com/office/powerpoint/2010/main" Requires="p14">
-      <p:transition xmlns:mc="http://schemas.openxmlformats.org/markup-compatibility/2006" xmlns:p14="http://schemas.microsoft.com/office/powerpoint/2010/main" mc:Ignorable="p14" p14:dur="500"/>
-    </mc:Choice>
-    <mc:Fallback>
-      <p:transition/>
-    </mc:Fallback>
-  </mc:AlternateContent>
-  <p:timing>
-    <p:tnLst>
-      <p:par>
-        <p:cTn id="1" dur="indefinite" restart="never" nodeType="tmRoot"/>
-      </p:par>
-    </p:tnLst>
-  </p:timing>
-</p:sld>
-</file>
-
-<file path=ppt/slides/slide22.xml><?xml version="1.0" encoding="utf-8"?>
-<p:sld xmlns:r="http://schemas.openxmlformats.org/officeDocument/2006/relationships" xmlns:c="http://schemas.openxmlformats.org/drawingml/2006/chart" xmlns:a="http://schemas.openxmlformats.org/drawingml/2006/main" xmlns:dgm="http://schemas.openxmlformats.org/drawingml/2006/diagram" xmlns:dsp="http://schemas.microsoft.com/office/drawing/2008/diagram" xmlns:p="http://schemas.openxmlformats.org/presentationml/2006/main">
-  <p:cSld>
-    <p:spTree>
-      <p:nvGrpSpPr>
-        <p:cNvPr id="1" name=""/>
-        <p:cNvGrpSpPr/>
-        <p:nvPr/>
-      </p:nvGrpSpPr>
-      <p:grpSpPr>
-        <a:xfrm>
-          <a:off x="0" y="0"/>
-          <a:ext cx="0" cy="0"/>
-          <a:chOff x="0" y="0"/>
-          <a:chExt cx="0" cy="0"/>
-        </a:xfrm>
-      </p:grpSpPr>
-      <p:pic>
-        <p:nvPicPr>
-          <p:cNvPr id="8193" name="Picture 1"/>
-          <p:cNvPicPr>
-            <a:picLocks noChangeAspect="1" noChangeArrowheads="1"/>
-          </p:cNvPicPr>
-          <p:nvPr/>
-        </p:nvPicPr>
-        <p:blipFill rotWithShape="1">
-          <a:blip r:embed="rId2"/>
-          <a:srcRect/>
-          <a:stretch>
-            <a:fillRect/>
-          </a:stretch>
-        </p:blipFill>
-        <p:spPr>
-          <a:xfrm>
-            <a:off x="428596" y="714356"/>
-            <a:ext cx="6400800" cy="5610225"/>
-          </a:xfrm>
-          <a:prstGeom prst="rect">
-            <a:avLst/>
-          </a:prstGeom>
-          <a:noFill/>
-          <a:ln w="9525">
-            <a:solidFill>
-              <a:srgbClr val="002060"/>
-            </a:solidFill>
-            <a:miter/>
-          </a:ln>
-          <a:effectLst/>
-        </p:spPr>
-      </p:pic>
-      <p:sp>
-        <p:nvSpPr>
-          <p:cNvPr id="3" name="직사각형 2"/>
-          <p:cNvSpPr/>
-          <p:nvPr/>
-        </p:nvSpPr>
-        <p:spPr>
-          <a:xfrm>
-            <a:off x="5286380" y="1714488"/>
-            <a:ext cx="3643338" cy="1285884"/>
-          </a:xfrm>
-          <a:prstGeom prst="rect">
-            <a:avLst/>
-          </a:prstGeom>
-          <a:gradFill flip="none" rotWithShape="1">
-            <a:gsLst>
-              <a:gs pos="0">
-                <a:srgbClr val="ff00ff">
-                  <a:tint val="66000"/>
-                  <a:satMod val="160000"/>
-                </a:srgbClr>
-              </a:gs>
-              <a:gs pos="50000">
-                <a:srgbClr val="ff00ff">
-                  <a:tint val="44500"/>
-                  <a:satMod val="160000"/>
-                </a:srgbClr>
-              </a:gs>
-              <a:gs pos="100000">
-                <a:srgbClr val="ff00ff">
-                  <a:tint val="23500"/>
-                  <a:satMod val="160000"/>
-                </a:srgbClr>
-              </a:gs>
-            </a:gsLst>
-            <a:path path="circle">
-              <a:fillToRect l="50000" t="50000" r="50000" b="50000"/>
-            </a:path>
-            <a:tileRect/>
-          </a:gradFill>
-          <a:ln w="9525" cap="flat" cmpd="sng" algn="ctr">
-            <a:noFill/>
-            <a:prstDash val="solid"/>
-            <a:round/>
-          </a:ln>
-          <a:effectLst/>
-        </p:spPr>
-        <p:txBody>
-          <a:bodyPr vert="horz" wrap="square" lIns="91440" tIns="45720" rIns="91440" bIns="45720" anchor="ctr" anchorCtr="0">
-            <a:prstTxWarp prst="textNoShape">
-              <a:avLst/>
-            </a:prstTxWarp>
-          </a:bodyPr>
-          <a:lstStyle/>
-          <a:p>
-            <a:pPr algn="ctr">
-              <a:defRPr lang="ko-KR" altLang="en-US"/>
-            </a:pPr>
-            <a:r>
-              <a:rPr kumimoji="0" lang="ko-KR" altLang="en-US" sz="1600" b="0" i="0" u="none" strike="noStrike" cap="none" normalizeH="0">
-                <a:solidFill>
-                  <a:schemeClr val="tx1"/>
-                </a:solidFill>
-                <a:effectLst/>
-                <a:latin typeface="HY강B"/>
-                <a:ea typeface="HY강B"/>
-              </a:rPr>
-              <a:t>실행창에 결과값이 출력된 것을 확인할 수 있다</a:t>
-            </a:r>
-            <a:r>
-              <a:rPr kumimoji="0" lang="en-US" altLang="ko-KR" sz="1600" b="0" i="0" u="none" strike="noStrike" cap="none" normalizeH="0">
-                <a:solidFill>
-                  <a:schemeClr val="tx1"/>
-                </a:solidFill>
-                <a:effectLst/>
-                <a:latin typeface="HY강B"/>
-                <a:ea typeface="HY강B"/>
-              </a:rPr>
-              <a:t>.</a:t>
-            </a:r>
-            <a:endParaRPr kumimoji="0" lang="ko-KR" altLang="en-US" sz="1600" b="0" i="0" u="none" strike="noStrike" cap="none" normalizeH="0">
-              <a:solidFill>
-                <a:schemeClr val="tx1"/>
-              </a:solidFill>
-              <a:effectLst/>
-              <a:latin typeface="HY강B"/>
-              <a:ea typeface="HY강B"/>
-            </a:endParaRPr>
-          </a:p>
-        </p:txBody>
-      </p:sp>
-      <p:sp>
-        <p:nvSpPr>
-          <p:cNvPr id="4" name="모서리가 둥근 직사각형 3"/>
-          <p:cNvSpPr/>
-          <p:nvPr/>
-        </p:nvSpPr>
-        <p:spPr>
-          <a:xfrm>
-            <a:off x="571472" y="4857760"/>
-            <a:ext cx="1214446" cy="1285884"/>
-          </a:xfrm>
-          <a:prstGeom prst="roundRect">
-            <a:avLst>
-              <a:gd name="adj" fmla="val 16667"/>
-            </a:avLst>
-          </a:prstGeom>
-          <a:noFill/>
-          <a:ln w="38100" cap="flat" cmpd="sng" algn="ctr">
-            <a:solidFill>
-              <a:srgbClr val="ff0000"/>
-            </a:solidFill>
-            <a:prstDash val="solid"/>
-            <a:round/>
-          </a:ln>
-          <a:effectLst/>
-        </p:spPr>
-        <p:txBody>
-          <a:bodyPr vert="horz" wrap="square" lIns="91440" tIns="45720" rIns="91440" bIns="45720" anchor="t" anchorCtr="0">
-            <a:prstTxWarp prst="textNoShape">
-              <a:avLst/>
-            </a:prstTxWarp>
-          </a:bodyPr>
-          <a:lstStyle/>
-          <a:p>
-            <a:pPr marL="0" indent="0" algn="l" defTabSz="900000" rtl="0" eaLnBrk="1" latinLnBrk="0" hangingPunct="1">
-              <a:lnSpc>
-                <a:spcPct val="100000"/>
-              </a:lnSpc>
-              <a:spcBef>
-                <a:spcPct val="0"/>
-              </a:spcBef>
-              <a:spcAft>
-                <a:spcPct val="0"/>
-              </a:spcAft>
-              <a:buClrTx/>
-              <a:buFontTx/>
-              <a:buNone/>
-              <a:defRPr lang="ko-KR" altLang="en-US"/>
-            </a:pPr>
-            <a:endParaRPr kumimoji="0" lang="ko-KR" altLang="en-US" sz="1800" b="0" i="0" u="none" strike="noStrike" cap="none" normalizeH="0">
-              <a:solidFill>
-                <a:schemeClr val="tx1"/>
-              </a:solidFill>
-              <a:effectLst/>
-              <a:latin typeface="Arial"/>
-            </a:endParaRPr>
-          </a:p>
-        </p:txBody>
-      </p:sp>
-    </p:spTree>
-  </p:cSld>
-  <p:clrMapOvr>
-    <a:masterClrMapping/>
-  </p:clrMapOvr>
-  <mc:AlternateContent xmlns:mc="http://schemas.openxmlformats.org/markup-compatibility/2006">
-    <mc:Choice xmlns:p14="http://schemas.microsoft.com/office/powerpoint/2010/main" Requires="p14">
-      <p:transition xmlns:mc="http://schemas.openxmlformats.org/markup-compatibility/2006" xmlns:p14="http://schemas.microsoft.com/office/powerpoint/2010/main" mc:Ignorable="p14" p14:dur="500"/>
-    </mc:Choice>
-    <mc:Fallback>
-      <p:transition/>
-    </mc:Fallback>
-  </mc:AlternateContent>
-  <p:timing>
-    <p:tnLst>
-      <p:par>
-        <p:cTn id="1" dur="indefinite" restart="never" nodeType="tmRoot"/>
-      </p:par>
-    </p:tnLst>
-  </p:timing>
-</p:sld>
-</file>
-
-<file path=ppt/slides/slide23.xml><?xml version="1.0" encoding="utf-8"?>
-<p:sld xmlns:r="http://schemas.openxmlformats.org/officeDocument/2006/relationships" xmlns:c="http://schemas.openxmlformats.org/drawingml/2006/chart" xmlns:a="http://schemas.openxmlformats.org/drawingml/2006/main" xmlns:dgm="http://schemas.openxmlformats.org/drawingml/2006/diagram" xmlns:dsp="http://schemas.microsoft.com/office/drawing/2008/diagram" xmlns:p="http://schemas.openxmlformats.org/presentationml/2006/main">
+<p:sld xmlns:a="http://schemas.openxmlformats.org/drawingml/2006/main" xmlns:r="http://schemas.openxmlformats.org/officeDocument/2006/relationships" xmlns:p="http://schemas.openxmlformats.org/presentationml/2006/main">
   <p:cSld>
     <p:spTree>
       <p:nvGrpSpPr>
@@ -9736,7 +6392,7 @@
             <a:spLocks noGrp="1" noChangeArrowheads="1"/>
           </p:cNvSpPr>
           <p:nvPr>
-            <p:ph type="title" idx="0"/>
+            <p:ph type="title"/>
           </p:nvPr>
         </p:nvSpPr>
         <p:spPr>
@@ -9764,585 +6420,9 @@
               <a:rPr lang="ko-KR" altLang="en-US" sz="4800"/>
               <a:t>리</a:t>
             </a:r>
-            <a:endParaRPr lang="ko-KR" altLang="en-US" sz="4800"/>
           </a:p>
         </p:txBody>
       </p:sp>
-      <p:sp>
-        <p:nvSpPr>
-          <p:cNvPr id="61" name="Line 2"/>
-          <p:cNvSpPr>
-            <a:spLocks noChangeShapeType="1"/>
-          </p:cNvSpPr>
-          <p:nvPr/>
-        </p:nvSpPr>
-        <p:spPr>
-          <a:xfrm>
-            <a:off x="2336800" y="3595113"/>
-            <a:ext cx="5094288" cy="1588"/>
-          </a:xfrm>
-          <a:prstGeom prst="line">
-            <a:avLst/>
-          </a:prstGeom>
-          <a:noFill/>
-          <a:ln w="25400">
-            <a:solidFill>
-              <a:schemeClr val="tx1"/>
-            </a:solidFill>
-            <a:prstDash val="sysDot"/>
-            <a:round/>
-            <a:tailEnd type="oval" w="med" len="med"/>
-          </a:ln>
-          <a:effectLst/>
-        </p:spPr>
-        <p:txBody>
-          <a:bodyPr wrap="none" anchor="ctr"/>
-          <a:lstStyle/>
-          <a:p>
-            <a:pPr lvl="0">
-              <a:defRPr lang="ko-KR" altLang="en-US"/>
-            </a:pPr>
-            <a:endParaRPr lang="ko-KR" altLang="en-US"/>
-          </a:p>
-        </p:txBody>
-      </p:sp>
-      <p:grpSp>
-        <p:nvGrpSpPr>
-          <p:cNvPr id="2" name="그룹 58"/>
-          <p:cNvGrpSpPr/>
-          <p:nvPr/>
-        </p:nvGrpSpPr>
-        <p:grpSpPr>
-          <a:xfrm rot="0">
-            <a:off x="2120900" y="3011204"/>
-            <a:ext cx="609600" cy="609600"/>
-            <a:chOff x="2120900" y="2762250"/>
-            <a:chExt cx="609600" cy="609600"/>
-          </a:xfrm>
-        </p:grpSpPr>
-        <p:grpSp>
-          <p:nvGrpSpPr>
-            <p:cNvPr id="3" name="Group 5"/>
-            <p:cNvGrpSpPr/>
-            <p:nvPr/>
-          </p:nvGrpSpPr>
-          <p:grpSpPr>
-            <a:xfrm rot="0">
-              <a:off x="2120900" y="2762250"/>
-              <a:ext cx="609600" cy="609600"/>
-              <a:chOff x="816" y="1872"/>
-              <a:chExt cx="384" cy="384"/>
-            </a:xfrm>
-          </p:grpSpPr>
-          <p:sp>
-            <p:nvSpPr>
-              <p:cNvPr id="66" name="Oval 6"/>
-              <p:cNvSpPr>
-                <a:spLocks noChangeArrowheads="1"/>
-              </p:cNvSpPr>
-              <p:nvPr/>
-            </p:nvSpPr>
-            <p:spPr bwMode="gray">
-              <a:xfrm>
-                <a:off x="816" y="1872"/>
-                <a:ext cx="384" cy="384"/>
-              </a:xfrm>
-              <a:prstGeom prst="ellipse">
-                <a:avLst/>
-              </a:prstGeom>
-              <a:gradFill rotWithShape="1">
-                <a:gsLst>
-                  <a:gs pos="0">
-                    <a:schemeClr val="accent2">
-                      <a:gamma/>
-                      <a:tint val="0"/>
-                      <a:invGamma/>
-                    </a:schemeClr>
-                  </a:gs>
-                  <a:gs pos="50000">
-                    <a:schemeClr val="accent2"/>
-                  </a:gs>
-                  <a:gs pos="100000">
-                    <a:schemeClr val="accent2">
-                      <a:gamma/>
-                      <a:tint val="0"/>
-                      <a:invGamma/>
-                    </a:schemeClr>
-                  </a:gs>
-                </a:gsLst>
-                <a:lin ang="2700000" scaled="1"/>
-              </a:gradFill>
-              <a:ln w="38100" algn="ctr">
-                <a:noFill/>
-                <a:round/>
-              </a:ln>
-              <a:effectLst/>
-            </p:spPr>
-            <p:txBody>
-              <a:bodyPr wrap="none" anchor="ctr">
-                <a:spAutoFit/>
-              </a:bodyPr>
-              <a:lstStyle/>
-              <a:p>
-                <a:pPr lvl="0">
-                  <a:defRPr lang="ko-KR" altLang="en-US"/>
-                </a:pPr>
-                <a:endParaRPr lang="ko-KR" altLang="en-US"/>
-              </a:p>
-            </p:txBody>
-          </p:sp>
-          <p:sp>
-            <p:nvSpPr>
-              <p:cNvPr id="67" name="Oval 7"/>
-              <p:cNvSpPr>
-                <a:spLocks noChangeArrowheads="1"/>
-              </p:cNvSpPr>
-              <p:nvPr/>
-            </p:nvSpPr>
-            <p:spPr bwMode="gray">
-              <a:xfrm>
-                <a:off x="816" y="1872"/>
-                <a:ext cx="384" cy="384"/>
-              </a:xfrm>
-              <a:prstGeom prst="ellipse">
-                <a:avLst/>
-              </a:prstGeom>
-              <a:gradFill rotWithShape="1">
-                <a:gsLst>
-                  <a:gs pos="0">
-                    <a:schemeClr val="accent2">
-                      <a:alpha val="32000"/>
-                    </a:schemeClr>
-                  </a:gs>
-                  <a:gs pos="100000">
-                    <a:schemeClr val="accent2">
-                      <a:gamma/>
-                      <a:shade val="0"/>
-                      <a:invGamma/>
-                      <a:alpha val="90000"/>
-                    </a:schemeClr>
-                  </a:gs>
-                </a:gsLst>
-                <a:lin ang="2700000" scaled="1"/>
-              </a:gradFill>
-              <a:ln w="38100" algn="ctr">
-                <a:noFill/>
-                <a:round/>
-              </a:ln>
-              <a:effectLst/>
-            </p:spPr>
-            <p:txBody>
-              <a:bodyPr wrap="none" anchor="ctr">
-                <a:spAutoFit/>
-              </a:bodyPr>
-              <a:lstStyle/>
-              <a:p>
-                <a:pPr lvl="0">
-                  <a:defRPr lang="ko-KR" altLang="en-US"/>
-                </a:pPr>
-                <a:endParaRPr lang="ko-KR" altLang="en-US"/>
-              </a:p>
-            </p:txBody>
-          </p:sp>
-          <p:sp>
-            <p:nvSpPr>
-              <p:cNvPr id="68" name="Oval 8"/>
-              <p:cNvSpPr>
-                <a:spLocks noChangeArrowheads="1"/>
-              </p:cNvSpPr>
-              <p:nvPr/>
-            </p:nvSpPr>
-            <p:spPr bwMode="gray">
-              <a:xfrm>
-                <a:off x="841" y="1897"/>
-                <a:ext cx="334" cy="334"/>
-              </a:xfrm>
-              <a:prstGeom prst="ellipse">
-                <a:avLst/>
-              </a:prstGeom>
-              <a:gradFill rotWithShape="1">
-                <a:gsLst>
-                  <a:gs pos="0">
-                    <a:schemeClr val="accent2">
-                      <a:gamma/>
-                      <a:shade val="54120"/>
-                      <a:invGamma/>
-                    </a:schemeClr>
-                  </a:gs>
-                  <a:gs pos="50000">
-                    <a:schemeClr val="accent2"/>
-                  </a:gs>
-                  <a:gs pos="100000">
-                    <a:schemeClr val="accent2">
-                      <a:gamma/>
-                      <a:shade val="54120"/>
-                      <a:invGamma/>
-                    </a:schemeClr>
-                  </a:gs>
-                </a:gsLst>
-                <a:lin ang="18900000" scaled="1"/>
-              </a:gradFill>
-              <a:ln w="38100" algn="ctr">
-                <a:noFill/>
-                <a:round/>
-              </a:ln>
-              <a:effectLst/>
-            </p:spPr>
-            <p:txBody>
-              <a:bodyPr anchor="ctr">
-                <a:spAutoFit/>
-              </a:bodyPr>
-              <a:lstStyle/>
-              <a:p>
-                <a:pPr lvl="0">
-                  <a:defRPr lang="ko-KR" altLang="en-US"/>
-                </a:pPr>
-                <a:endParaRPr lang="ko-KR" altLang="en-US"/>
-              </a:p>
-            </p:txBody>
-          </p:sp>
-          <p:sp>
-            <p:nvSpPr>
-              <p:cNvPr id="69" name="Oval 9"/>
-              <p:cNvSpPr>
-                <a:spLocks noChangeArrowheads="1"/>
-              </p:cNvSpPr>
-              <p:nvPr/>
-            </p:nvSpPr>
-            <p:spPr bwMode="gray">
-              <a:xfrm>
-                <a:off x="866" y="1922"/>
-                <a:ext cx="334" cy="334"/>
-              </a:xfrm>
-              <a:prstGeom prst="ellipse">
-                <a:avLst/>
-              </a:prstGeom>
-              <a:gradFill rotWithShape="1">
-                <a:gsLst>
-                  <a:gs pos="0">
-                    <a:schemeClr val="accent2">
-                      <a:gamma/>
-                      <a:shade val="63530"/>
-                      <a:invGamma/>
-                    </a:schemeClr>
-                  </a:gs>
-                  <a:gs pos="100000">
-                    <a:schemeClr val="accent2">
-                      <a:alpha val="0"/>
-                    </a:schemeClr>
-                  </a:gs>
-                </a:gsLst>
-                <a:lin ang="2700000" scaled="1"/>
-              </a:gradFill>
-              <a:ln w="38100" algn="ctr">
-                <a:noFill/>
-                <a:round/>
-              </a:ln>
-              <a:effectLst/>
-            </p:spPr>
-            <p:txBody>
-              <a:bodyPr anchor="ctr">
-                <a:spAutoFit/>
-              </a:bodyPr>
-              <a:lstStyle/>
-              <a:p>
-                <a:pPr lvl="0">
-                  <a:defRPr lang="ko-KR" altLang="en-US"/>
-                </a:pPr>
-                <a:endParaRPr lang="ko-KR" altLang="en-US"/>
-              </a:p>
-            </p:txBody>
-          </p:sp>
-          <p:sp>
-            <p:nvSpPr>
-              <p:cNvPr id="70" name="Oval 10"/>
-              <p:cNvSpPr>
-                <a:spLocks noChangeArrowheads="1"/>
-              </p:cNvSpPr>
-              <p:nvPr/>
-            </p:nvSpPr>
-            <p:spPr bwMode="gray">
-              <a:xfrm>
-                <a:off x="859" y="1914"/>
-                <a:ext cx="300" cy="300"/>
-              </a:xfrm>
-              <a:prstGeom prst="ellipse">
-                <a:avLst/>
-              </a:prstGeom>
-              <a:solidFill>
-                <a:srgbClr val="333333"/>
-              </a:solidFill>
-              <a:ln w="38100" algn="ctr">
-                <a:noFill/>
-                <a:round/>
-              </a:ln>
-              <a:effectLst/>
-            </p:spPr>
-            <p:txBody>
-              <a:bodyPr anchor="ctr">
-                <a:spAutoFit/>
-              </a:bodyPr>
-              <a:lstStyle/>
-              <a:p>
-                <a:pPr lvl="0">
-                  <a:defRPr lang="ko-KR" altLang="en-US"/>
-                </a:pPr>
-                <a:endParaRPr lang="ko-KR" altLang="en-US"/>
-              </a:p>
-            </p:txBody>
-          </p:sp>
-          <p:sp>
-            <p:nvSpPr>
-              <p:cNvPr id="71" name="Oval 11"/>
-              <p:cNvSpPr>
-                <a:spLocks noChangeArrowheads="1"/>
-              </p:cNvSpPr>
-              <p:nvPr/>
-            </p:nvSpPr>
-            <p:spPr bwMode="gray">
-              <a:xfrm>
-                <a:off x="864" y="1919"/>
-                <a:ext cx="291" cy="291"/>
-              </a:xfrm>
-              <a:prstGeom prst="ellipse">
-                <a:avLst/>
-              </a:prstGeom>
-              <a:gradFill rotWithShape="1">
-                <a:gsLst>
-                  <a:gs pos="0">
-                    <a:srgbClr val="c0c0c0">
-                      <a:gamma/>
-                      <a:shade val="46280"/>
-                      <a:invGamma/>
-                    </a:srgbClr>
-                  </a:gs>
-                  <a:gs pos="100000">
-                    <a:srgbClr val="c0c0c0"/>
-                  </a:gs>
-                </a:gsLst>
-                <a:lin ang="5400000" scaled="1"/>
-              </a:gradFill>
-              <a:ln w="9525" algn="ctr">
-                <a:noFill/>
-                <a:round/>
-              </a:ln>
-              <a:effectLst/>
-            </p:spPr>
-            <p:txBody>
-              <a:bodyPr vert="eaVert" wrap="none" anchor="ctr"/>
-              <a:lstStyle/>
-              <a:p>
-                <a:pPr lvl="0">
-                  <a:defRPr lang="ko-KR" altLang="en-US"/>
-                </a:pPr>
-                <a:endParaRPr lang="ko-KR" altLang="en-US"/>
-              </a:p>
-            </p:txBody>
-          </p:sp>
-          <p:sp>
-            <p:nvSpPr>
-              <p:cNvPr id="72" name="Oval 12"/>
-              <p:cNvSpPr>
-                <a:spLocks noChangeArrowheads="1"/>
-              </p:cNvSpPr>
-              <p:nvPr/>
-            </p:nvSpPr>
-            <p:spPr bwMode="gray">
-              <a:xfrm>
-                <a:off x="868" y="1921"/>
-                <a:ext cx="283" cy="283"/>
-              </a:xfrm>
-              <a:prstGeom prst="ellipse">
-                <a:avLst/>
-              </a:prstGeom>
-              <a:gradFill rotWithShape="1">
-                <a:gsLst>
-                  <a:gs pos="0">
-                    <a:srgbClr val="c0c0c0">
-                      <a:alpha val="0"/>
-                    </a:srgbClr>
-                  </a:gs>
-                  <a:gs pos="100000">
-                    <a:srgbClr val="c0c0c0">
-                      <a:gamma/>
-                      <a:tint val="34900"/>
-                      <a:invGamma/>
-                    </a:srgbClr>
-                  </a:gs>
-                </a:gsLst>
-                <a:lin ang="5400000" scaled="1"/>
-              </a:gradFill>
-              <a:ln w="9525" algn="ctr">
-                <a:noFill/>
-                <a:round/>
-              </a:ln>
-              <a:effectLst/>
-            </p:spPr>
-            <p:txBody>
-              <a:bodyPr vert="eaVert" wrap="none" anchor="ctr"/>
-              <a:lstStyle/>
-              <a:p>
-                <a:pPr lvl="0">
-                  <a:defRPr lang="ko-KR" altLang="en-US"/>
-                </a:pPr>
-                <a:endParaRPr lang="ko-KR" altLang="en-US"/>
-              </a:p>
-            </p:txBody>
-          </p:sp>
-          <p:sp>
-            <p:nvSpPr>
-              <p:cNvPr id="73" name="Oval 13"/>
-              <p:cNvSpPr>
-                <a:spLocks noChangeArrowheads="1"/>
-              </p:cNvSpPr>
-              <p:nvPr/>
-            </p:nvSpPr>
-            <p:spPr bwMode="gray">
-              <a:xfrm>
-                <a:off x="871" y="1923"/>
-                <a:ext cx="270" cy="265"/>
-              </a:xfrm>
-              <a:prstGeom prst="ellipse">
-                <a:avLst/>
-              </a:prstGeom>
-              <a:gradFill rotWithShape="1">
-                <a:gsLst>
-                  <a:gs pos="0">
-                    <a:srgbClr val="c0c0c0">
-                      <a:gamma/>
-                      <a:shade val="79220"/>
-                      <a:invGamma/>
-                    </a:srgbClr>
-                  </a:gs>
-                  <a:gs pos="100000">
-                    <a:srgbClr val="c0c0c0">
-                      <a:alpha val="48000"/>
-                    </a:srgbClr>
-                  </a:gs>
-                </a:gsLst>
-                <a:lin ang="5400000" scaled="1"/>
-              </a:gradFill>
-              <a:ln w="9525" algn="ctr">
-                <a:noFill/>
-                <a:round/>
-              </a:ln>
-              <a:effectLst/>
-            </p:spPr>
-            <p:txBody>
-              <a:bodyPr vert="eaVert" wrap="none" anchor="ctr"/>
-              <a:lstStyle/>
-              <a:p>
-                <a:pPr lvl="0">
-                  <a:defRPr lang="ko-KR" altLang="en-US"/>
-                </a:pPr>
-                <a:endParaRPr lang="ko-KR" altLang="en-US"/>
-              </a:p>
-            </p:txBody>
-          </p:sp>
-          <p:sp>
-            <p:nvSpPr>
-              <p:cNvPr id="74" name="Oval 14"/>
-              <p:cNvSpPr>
-                <a:spLocks noChangeArrowheads="1"/>
-              </p:cNvSpPr>
-              <p:nvPr/>
-            </p:nvSpPr>
-            <p:spPr bwMode="gray">
-              <a:xfrm>
-                <a:off x="886" y="1931"/>
-                <a:ext cx="240" cy="215"/>
-              </a:xfrm>
-              <a:prstGeom prst="ellipse">
-                <a:avLst/>
-              </a:prstGeom>
-              <a:gradFill rotWithShape="1">
-                <a:gsLst>
-                  <a:gs pos="0">
-                    <a:srgbClr val="c0c0c0">
-                      <a:gamma/>
-                      <a:tint val="0"/>
-                      <a:invGamma/>
-                    </a:srgbClr>
-                  </a:gs>
-                  <a:gs pos="100000">
-                    <a:srgbClr val="c0c0c0">
-                      <a:alpha val="38000"/>
-                    </a:srgbClr>
-                  </a:gs>
-                </a:gsLst>
-                <a:lin ang="5400000" scaled="1"/>
-              </a:gradFill>
-              <a:ln w="9525" algn="ctr">
-                <a:noFill/>
-                <a:round/>
-              </a:ln>
-              <a:effectLst/>
-            </p:spPr>
-            <p:txBody>
-              <a:bodyPr vert="eaVert" wrap="none" anchor="ctr"/>
-              <a:lstStyle/>
-              <a:p>
-                <a:pPr lvl="0">
-                  <a:defRPr lang="ko-KR" altLang="en-US"/>
-                </a:pPr>
-                <a:endParaRPr lang="ko-KR" altLang="en-US"/>
-              </a:p>
-            </p:txBody>
-          </p:sp>
-        </p:grpSp>
-        <p:sp>
-          <p:nvSpPr>
-            <p:cNvPr id="65" name="Text Box 15"/>
-            <p:cNvSpPr txBox="1">
-              <a:spLocks noChangeArrowheads="1"/>
-            </p:cNvSpPr>
-            <p:nvPr/>
-          </p:nvSpPr>
-          <p:spPr bwMode="gray">
-            <a:xfrm>
-              <a:off x="2249488" y="2827338"/>
-              <a:ext cx="356552" cy="446053"/>
-            </a:xfrm>
-            <a:prstGeom prst="rect">
-              <a:avLst/>
-            </a:prstGeom>
-            <a:noFill/>
-            <a:ln w="9525" algn="ctr">
-              <a:noFill/>
-              <a:miter/>
-            </a:ln>
-            <a:effectLst/>
-          </p:spPr>
-          <p:txBody>
-            <a:bodyPr wrap="none">
-              <a:spAutoFit/>
-            </a:bodyPr>
-            <a:lstStyle/>
-            <a:p>
-              <a:pPr algn="ctr" eaLnBrk="0" hangingPunct="0">
-                <a:defRPr lang="ko-KR" altLang="en-US"/>
-              </a:pPr>
-              <a:r>
-                <a:rPr lang="en-US" altLang="ko-KR" sz="2400" b="1">
-                  <a:solidFill>
-                    <a:srgbClr val="000000"/>
-                  </a:solidFill>
-                  <a:latin typeface="굴림"/>
-                  <a:ea typeface="굴림"/>
-                </a:rPr>
-                <a:t>2</a:t>
-              </a:r>
-              <a:endParaRPr lang="en-US" altLang="ko-KR" sz="2400" b="1">
-                <a:solidFill>
-                  <a:srgbClr val="000000"/>
-                </a:solidFill>
-                <a:latin typeface="굴림"/>
-                <a:ea typeface="굴림"/>
-              </a:endParaRPr>
-            </a:p>
-          </p:txBody>
-        </p:sp>
-      </p:grpSp>
       <p:sp>
         <p:nvSpPr>
           <p:cNvPr id="87" name="Line 27"/>
@@ -10420,10 +6500,6 @@
               </a:rPr>
               <a:t>while Loop</a:t>
             </a:r>
-            <a:endParaRPr lang="en-US" altLang="ko-KR" sz="3200" b="1">
-              <a:latin typeface="HY강B"/>
-              <a:ea typeface="HY강B"/>
-            </a:endParaRPr>
           </a:p>
         </p:txBody>
       </p:sp>
@@ -10434,7 +6510,7 @@
           <p:nvPr/>
         </p:nvGrpSpPr>
         <p:grpSpPr>
-          <a:xfrm rot="0">
+          <a:xfrm>
             <a:off x="2120900" y="1924050"/>
             <a:ext cx="609600" cy="609600"/>
             <a:chOff x="1248" y="1200"/>
@@ -10448,7 +6524,7 @@
             <p:nvPr/>
           </p:nvGrpSpPr>
           <p:grpSpPr>
-            <a:xfrm rot="0">
+            <a:xfrm>
               <a:off x="1248" y="1200"/>
               <a:ext cx="384" cy="384"/>
               <a:chOff x="2016" y="912"/>
@@ -10499,15 +6575,6 @@
                   </a:rPr>
                   <a:t>3</a:t>
                 </a:r>
-                <a:endParaRPr lang="en-US" altLang="ko-KR" sz="2400" b="1">
-                  <a:solidFill>
-                    <a:srgbClr val="000000"/>
-                  </a:solidFill>
-                  <a:latin typeface="Arial"/>
-                  <a:ea typeface="Arial"/>
-                  <a:cs typeface="Arial"/>
-                  <a:sym typeface="Arial"/>
-                </a:endParaRPr>
               </a:p>
             </p:txBody>
           </p:sp>
@@ -10780,14 +6847,14 @@
               <a:gradFill rotWithShape="1">
                 <a:gsLst>
                   <a:gs pos="0">
-                    <a:srgbClr val="c0c0c0">
+                    <a:srgbClr val="C0C0C0">
                       <a:gamma/>
                       <a:shade val="46280"/>
                       <a:invGamma/>
                     </a:srgbClr>
                   </a:gs>
                   <a:gs pos="100000">
-                    <a:srgbClr val="c0c0c0"/>
+                    <a:srgbClr val="C0C0C0"/>
                   </a:gs>
                 </a:gsLst>
                 <a:lin ang="5400000" scaled="1"/>
@@ -10828,12 +6895,12 @@
               <a:gradFill rotWithShape="1">
                 <a:gsLst>
                   <a:gs pos="0">
-                    <a:srgbClr val="c0c0c0">
+                    <a:srgbClr val="C0C0C0">
                       <a:alpha val="0"/>
                     </a:srgbClr>
                   </a:gs>
                   <a:gs pos="100000">
-                    <a:srgbClr val="c0c0c0">
+                    <a:srgbClr val="C0C0C0">
                       <a:gamma/>
                       <a:tint val="34900"/>
                       <a:invGamma/>
@@ -10878,14 +6945,14 @@
               <a:gradFill rotWithShape="1">
                 <a:gsLst>
                   <a:gs pos="0">
-                    <a:srgbClr val="c0c0c0">
+                    <a:srgbClr val="C0C0C0">
                       <a:gamma/>
                       <a:shade val="79220"/>
                       <a:invGamma/>
                     </a:srgbClr>
                   </a:gs>
                   <a:gs pos="100000">
-                    <a:srgbClr val="c0c0c0">
+                    <a:srgbClr val="C0C0C0">
                       <a:alpha val="48000"/>
                     </a:srgbClr>
                   </a:gs>
@@ -10928,14 +6995,14 @@
               <a:gradFill rotWithShape="1">
                 <a:gsLst>
                   <a:gs pos="0">
-                    <a:srgbClr val="c0c0c0">
+                    <a:srgbClr val="C0C0C0">
                       <a:gamma/>
                       <a:tint val="0"/>
                       <a:invGamma/>
                     </a:srgbClr>
                   </a:gs>
                   <a:gs pos="100000">
-                    <a:srgbClr val="c0c0c0">
+                    <a:srgbClr val="C0C0C0">
                       <a:alpha val="38000"/>
                     </a:srgbClr>
                   </a:gs>
@@ -11002,13 +7069,6 @@
                 </a:rPr>
                 <a:t>1</a:t>
               </a:r>
-              <a:endParaRPr lang="en-US" altLang="ko-KR" sz="2400" b="1">
-                <a:solidFill>
-                  <a:srgbClr val="000000"/>
-                </a:solidFill>
-                <a:latin typeface="굴림"/>
-                <a:ea typeface="굴림"/>
-              </a:endParaRPr>
             </a:p>
           </p:txBody>
         </p:sp>
@@ -11023,7 +7083,7 @@
         </p:nvSpPr>
         <p:spPr>
           <a:xfrm>
-            <a:off x="2360613" y="4641284"/>
+            <a:off x="2360613" y="3251845"/>
             <a:ext cx="5094287" cy="1588"/>
           </a:xfrm>
           <a:prstGeom prst="line">
@@ -11058,8 +7118,8 @@
           <p:nvPr/>
         </p:nvGrpSpPr>
         <p:grpSpPr>
-          <a:xfrm rot="0">
-            <a:off x="2120900" y="4098359"/>
+          <a:xfrm>
+            <a:off x="2120900" y="2708920"/>
             <a:ext cx="609600" cy="609600"/>
             <a:chOff x="1248" y="1200"/>
             <a:chExt cx="384" cy="384"/>
@@ -11072,7 +7132,7 @@
             <p:nvPr/>
           </p:nvGrpSpPr>
           <p:grpSpPr>
-            <a:xfrm rot="0">
+            <a:xfrm>
               <a:off x="1248" y="1200"/>
               <a:ext cx="384" cy="384"/>
               <a:chOff x="2016" y="912"/>
@@ -11123,15 +7183,6 @@
                   </a:rPr>
                   <a:t>3</a:t>
                 </a:r>
-                <a:endParaRPr lang="en-US" altLang="ko-KR" sz="2400" b="1">
-                  <a:solidFill>
-                    <a:srgbClr val="000000"/>
-                  </a:solidFill>
-                  <a:latin typeface="Arial"/>
-                  <a:ea typeface="Arial"/>
-                  <a:cs typeface="Arial"/>
-                  <a:sym typeface="Arial"/>
-                </a:endParaRPr>
               </a:p>
             </p:txBody>
           </p:sp>
@@ -11404,14 +7455,14 @@
               <a:gradFill rotWithShape="1">
                 <a:gsLst>
                   <a:gs pos="0">
-                    <a:srgbClr val="c0c0c0">
+                    <a:srgbClr val="C0C0C0">
                       <a:gamma/>
                       <a:shade val="46280"/>
                       <a:invGamma/>
                     </a:srgbClr>
                   </a:gs>
                   <a:gs pos="100000">
-                    <a:srgbClr val="c0c0c0"/>
+                    <a:srgbClr val="C0C0C0"/>
                   </a:gs>
                 </a:gsLst>
                 <a:lin ang="5400000" scaled="1"/>
@@ -11452,12 +7503,12 @@
               <a:gradFill rotWithShape="1">
                 <a:gsLst>
                   <a:gs pos="0">
-                    <a:srgbClr val="c0c0c0">
+                    <a:srgbClr val="C0C0C0">
                       <a:alpha val="0"/>
                     </a:srgbClr>
                   </a:gs>
                   <a:gs pos="100000">
-                    <a:srgbClr val="c0c0c0">
+                    <a:srgbClr val="C0C0C0">
                       <a:gamma/>
                       <a:tint val="34900"/>
                       <a:invGamma/>
@@ -11502,14 +7553,14 @@
               <a:gradFill rotWithShape="1">
                 <a:gsLst>
                   <a:gs pos="0">
-                    <a:srgbClr val="c0c0c0">
+                    <a:srgbClr val="C0C0C0">
                       <a:gamma/>
                       <a:shade val="79220"/>
                       <a:invGamma/>
                     </a:srgbClr>
                   </a:gs>
                   <a:gs pos="100000">
-                    <a:srgbClr val="c0c0c0">
+                    <a:srgbClr val="C0C0C0">
                       <a:alpha val="48000"/>
                     </a:srgbClr>
                   </a:gs>
@@ -11552,14 +7603,14 @@
               <a:gradFill rotWithShape="1">
                 <a:gsLst>
                   <a:gs pos="0">
-                    <a:srgbClr val="c0c0c0">
+                    <a:srgbClr val="C0C0C0">
                       <a:gamma/>
                       <a:tint val="0"/>
                       <a:invGamma/>
                     </a:srgbClr>
                   </a:gs>
                   <a:gs pos="100000">
-                    <a:srgbClr val="c0c0c0">
+                    <a:srgbClr val="C0C0C0">
                       <a:alpha val="38000"/>
                     </a:srgbClr>
                   </a:gs>
@@ -11595,7 +7646,7 @@
           <p:spPr bwMode="gray">
             <a:xfrm>
               <a:off x="1325" y="1236"/>
-              <a:ext cx="227" cy="288"/>
+              <a:ext cx="225" cy="291"/>
             </a:xfrm>
             <a:prstGeom prst="rect">
               <a:avLst/>
@@ -11617,16 +7668,16 @@
                 <a:defRPr lang="ko-KR" altLang="en-US"/>
               </a:pPr>
               <a:r>
-                <a:rPr lang="en-US" altLang="ko-KR" sz="2400" b="1">
+                <a:rPr lang="en-US" altLang="ko-KR" sz="2400" b="1" dirty="0">
                   <a:solidFill>
                     <a:srgbClr val="000000"/>
                   </a:solidFill>
                   <a:latin typeface="굴림"/>
                   <a:ea typeface="굴림"/>
                 </a:rPr>
-                <a:t>3</a:t>
+                <a:t>2</a:t>
               </a:r>
-              <a:endParaRPr lang="en-US" altLang="ko-KR" sz="2400" b="1">
+              <a:endParaRPr lang="en-US" altLang="ko-KR" sz="2400" b="1" dirty="0">
                 <a:solidFill>
                   <a:srgbClr val="000000"/>
                 </a:solidFill>
@@ -11639,52 +7690,6 @@
       </p:grpSp>
       <p:sp>
         <p:nvSpPr>
-          <p:cNvPr id="116" name="Text Box 56"/>
-          <p:cNvSpPr txBox="1">
-            <a:spLocks noChangeArrowheads="1"/>
-          </p:cNvSpPr>
-          <p:nvPr/>
-        </p:nvSpPr>
-        <p:spPr>
-          <a:xfrm>
-            <a:off x="2821008" y="3058539"/>
-            <a:ext cx="4679950" cy="568581"/>
-          </a:xfrm>
-          <a:prstGeom prst="rect">
-            <a:avLst/>
-          </a:prstGeom>
-          <a:noFill/>
-          <a:ln w="9525" algn="ctr">
-            <a:noFill/>
-            <a:miter/>
-          </a:ln>
-          <a:effectLst/>
-        </p:spPr>
-        <p:txBody>
-          <a:bodyPr wrap="square">
-            <a:spAutoFit/>
-          </a:bodyPr>
-          <a:lstStyle/>
-          <a:p>
-            <a:pPr eaLnBrk="0" hangingPunct="0">
-              <a:defRPr lang="ko-KR" altLang="en-US"/>
-            </a:pPr>
-            <a:r>
-              <a:rPr lang="en-US" altLang="ko-KR" sz="3200" b="1">
-                <a:latin typeface="HY강B"/>
-                <a:ea typeface="HY강B"/>
-              </a:rPr>
-              <a:t>do~while Loop</a:t>
-            </a:r>
-            <a:endParaRPr lang="en-US" altLang="ko-KR" sz="3200" b="1">
-              <a:latin typeface="HY강B"/>
-              <a:ea typeface="HY강B"/>
-            </a:endParaRPr>
-          </a:p>
-        </p:txBody>
-      </p:sp>
-      <p:sp>
-        <p:nvSpPr>
           <p:cNvPr id="117" name="Text Box 57"/>
           <p:cNvSpPr txBox="1">
             <a:spLocks noChangeArrowheads="1"/>
@@ -11693,7 +7698,7 @@
         </p:nvSpPr>
         <p:spPr>
           <a:xfrm>
-            <a:off x="2811483" y="4130109"/>
+            <a:off x="2811483" y="2740670"/>
             <a:ext cx="4608512" cy="573336"/>
           </a:xfrm>
           <a:prstGeom prst="rect">
@@ -11729,10 +7734,6 @@
               </a:rPr>
               <a:t>(Examples)</a:t>
             </a:r>
-            <a:endParaRPr lang="en-US" altLang="ko-KR" sz="3200" b="1">
-              <a:latin typeface="HY강B"/>
-              <a:ea typeface="HY강B"/>
-            </a:endParaRPr>
           </a:p>
         </p:txBody>
       </p:sp>
@@ -11741,11 +7742,11 @@
   <p:clrMapOvr>
     <a:masterClrMapping/>
   </p:clrMapOvr>
-  <mc:AlternateContent xmlns:mc="http://schemas.openxmlformats.org/markup-compatibility/2006">
-    <mc:Choice xmlns:p14="http://schemas.microsoft.com/office/powerpoint/2010/main" Requires="p14">
-      <p:transition xmlns:mc="http://schemas.openxmlformats.org/markup-compatibility/2006" xmlns:p14="http://schemas.microsoft.com/office/powerpoint/2010/main" mc:Ignorable="p14" p14:dur="500"/>
+  <mc:AlternateContent xmlns:mc="http://schemas.openxmlformats.org/markup-compatibility/2006" xmlns:p14="http://schemas.microsoft.com/office/powerpoint/2010/main">
+    <mc:Choice Requires="p14">
+      <p:transition/>
     </mc:Choice>
-    <mc:Fallback>
+    <mc:Fallback xmlns:dsp="http://schemas.microsoft.com/office/drawing/2008/diagram" xmlns:dgm="http://schemas.openxmlformats.org/drawingml/2006/diagram" xmlns:c="http://schemas.openxmlformats.org/drawingml/2006/chart" xmlns="">
       <p:transition/>
     </mc:Fallback>
   </mc:AlternateContent>
@@ -11918,7 +7919,7 @@
                                           </p:stCondLst>
                                         </p:cTn>
                                         <p:tgtEl>
-                                          <p:spTgt spid="2"/>
+                                          <p:spTgt spid="6"/>
                                         </p:tgtEl>
                                         <p:attrNameLst>
                                           <p:attrName>style.visibility</p:attrName>
@@ -11932,7 +7933,7 @@
                                       <p:cBhvr>
                                         <p:cTn id="19" dur="500"/>
                                         <p:tgtEl>
-                                          <p:spTgt spid="2"/>
+                                          <p:spTgt spid="6"/>
                                         </p:tgtEl>
                                       </p:cBhvr>
                                     </p:animEffect>
@@ -11949,7 +7950,7 @@
                             </p:stCondLst>
                             <p:childTnLst>
                               <p:par>
-                                <p:cTn id="21" presetID="14" presetClass="entr" presetSubtype="10" fill="hold" grpId="2" nodeType="afterEffect">
+                                <p:cTn id="21" presetID="14" presetClass="entr" presetSubtype="10" fill="hold" grpId="3" nodeType="afterEffect">
                                   <p:stCondLst>
                                     <p:cond delay="0"/>
                                   </p:stCondLst>
@@ -11957,94 +7958,6 @@
                                     <p:set>
                                       <p:cBhvr>
                                         <p:cTn id="22" dur="1" fill="hold">
-                                          <p:stCondLst>
-                                            <p:cond delay="0"/>
-                                          </p:stCondLst>
-                                        </p:cTn>
-                                        <p:tgtEl>
-                                          <p:spTgt spid="116"/>
-                                        </p:tgtEl>
-                                        <p:attrNameLst>
-                                          <p:attrName>style.visibility</p:attrName>
-                                        </p:attrNameLst>
-                                      </p:cBhvr>
-                                      <p:to>
-                                        <p:strVal val="visible"/>
-                                      </p:to>
-                                    </p:set>
-                                    <p:animEffect transition="in" filter="randombar(horizontal)">
-                                      <p:cBhvr>
-                                        <p:cTn id="23" dur="500"/>
-                                        <p:tgtEl>
-                                          <p:spTgt spid="116"/>
-                                        </p:tgtEl>
-                                      </p:cBhvr>
-                                    </p:animEffect>
-                                  </p:childTnLst>
-                                </p:cTn>
-                              </p:par>
-                            </p:childTnLst>
-                          </p:cTn>
-                        </p:par>
-                        <p:par>
-                          <p:cTn id="24" fill="hold">
-                            <p:stCondLst>
-                              <p:cond delay="2500"/>
-                            </p:stCondLst>
-                            <p:childTnLst>
-                              <p:par>
-                                <p:cTn id="25" presetID="14" presetClass="entr" presetSubtype="10" fill="hold" nodeType="afterEffect">
-                                  <p:stCondLst>
-                                    <p:cond delay="0"/>
-                                  </p:stCondLst>
-                                  <p:childTnLst>
-                                    <p:set>
-                                      <p:cBhvr>
-                                        <p:cTn id="26" dur="1" fill="hold">
-                                          <p:stCondLst>
-                                            <p:cond delay="0"/>
-                                          </p:stCondLst>
-                                        </p:cTn>
-                                        <p:tgtEl>
-                                          <p:spTgt spid="6"/>
-                                        </p:tgtEl>
-                                        <p:attrNameLst>
-                                          <p:attrName>style.visibility</p:attrName>
-                                        </p:attrNameLst>
-                                      </p:cBhvr>
-                                      <p:to>
-                                        <p:strVal val="visible"/>
-                                      </p:to>
-                                    </p:set>
-                                    <p:animEffect transition="in" filter="randombar(horizontal)">
-                                      <p:cBhvr>
-                                        <p:cTn id="27" dur="500"/>
-                                        <p:tgtEl>
-                                          <p:spTgt spid="6"/>
-                                        </p:tgtEl>
-                                      </p:cBhvr>
-                                    </p:animEffect>
-                                  </p:childTnLst>
-                                </p:cTn>
-                              </p:par>
-                            </p:childTnLst>
-                          </p:cTn>
-                        </p:par>
-                        <p:par>
-                          <p:cTn id="28" fill="hold">
-                            <p:stCondLst>
-                              <p:cond delay="3000"/>
-                            </p:stCondLst>
-                            <p:childTnLst>
-                              <p:par>
-                                <p:cTn id="29" presetID="14" presetClass="entr" presetSubtype="10" fill="hold" grpId="3" nodeType="afterEffect">
-                                  <p:stCondLst>
-                                    <p:cond delay="0"/>
-                                  </p:stCondLst>
-                                  <p:childTnLst>
-                                    <p:set>
-                                      <p:cBhvr>
-                                        <p:cTn id="30" dur="1" fill="hold">
                                           <p:stCondLst>
                                             <p:cond delay="0"/>
                                           </p:stCondLst>
@@ -12062,7 +7975,7 @@
                                     </p:set>
                                     <p:animEffect transition="in" filter="randombar(horizontal)">
                                       <p:cBhvr>
-                                        <p:cTn id="31" dur="500"/>
+                                        <p:cTn id="23" dur="500"/>
                                         <p:tgtEl>
                                           <p:spTgt spid="117"/>
                                         </p:tgtEl>
@@ -12101,15 +8014,14 @@
     <p:bldLst>
       <p:bldP spid="68612" grpId="0"/>
       <p:bldP spid="88" grpId="1"/>
-      <p:bldP spid="116" grpId="2"/>
       <p:bldP spid="117" grpId="3"/>
     </p:bldLst>
   </p:timing>
 </p:sld>
 </file>
 
-<file path=ppt/slides/slide24.xml><?xml version="1.0" encoding="utf-8"?>
-<p:sld xmlns:r="http://schemas.openxmlformats.org/officeDocument/2006/relationships" xmlns:c="http://schemas.openxmlformats.org/drawingml/2006/chart" xmlns:a="http://schemas.openxmlformats.org/drawingml/2006/main" xmlns:dgm="http://schemas.openxmlformats.org/drawingml/2006/diagram" xmlns:dsp="http://schemas.microsoft.com/office/drawing/2008/diagram" xmlns:p="http://schemas.openxmlformats.org/presentationml/2006/main">
+<file path=ppt/slides/slide15.xml><?xml version="1.0" encoding="utf-8"?>
+<p:sld xmlns:a="http://schemas.openxmlformats.org/drawingml/2006/main" xmlns:r="http://schemas.openxmlformats.org/officeDocument/2006/relationships" xmlns:p="http://schemas.openxmlformats.org/presentationml/2006/main">
   <p:cSld>
     <p:spTree>
       <p:nvGrpSpPr>
@@ -12127,219 +8039,269 @@
       </p:grpSpPr>
       <p:sp>
         <p:nvSpPr>
-          <p:cNvPr id="2" name="WordArt 3"/>
+          <p:cNvPr id="2" name="제목 1"/>
           <p:cNvSpPr>
-            <a:spLocks noChangeArrowheads="1" noChangeShapeType="1"/>
+            <a:spLocks noGrp="1"/>
           </p:cNvSpPr>
+          <p:nvPr>
+            <p:ph type="title"/>
+          </p:nvPr>
+        </p:nvSpPr>
+        <p:spPr/>
+        <p:txBody>
+          <a:bodyPr/>
+          <a:lstStyle/>
+          <a:p>
+            <a:r>
+              <a:rPr lang="ko-KR" altLang="en-US" dirty="0" smtClean="0"/>
+              <a:t>예제</a:t>
+            </a:r>
+            <a:endParaRPr lang="ko-KR" altLang="en-US" dirty="0"/>
+          </a:p>
+        </p:txBody>
+      </p:sp>
+      <p:sp>
+        <p:nvSpPr>
+          <p:cNvPr id="3" name="내용 개체 틀 2"/>
+          <p:cNvSpPr>
+            <a:spLocks noGrp="1"/>
+          </p:cNvSpPr>
+          <p:nvPr>
+            <p:ph idx="1"/>
+          </p:nvPr>
+        </p:nvSpPr>
+        <p:spPr>
+          <a:xfrm>
+            <a:off x="457198" y="1259913"/>
+            <a:ext cx="8229599" cy="1449007"/>
+          </a:xfrm>
+        </p:spPr>
+        <p:txBody>
+          <a:bodyPr/>
+          <a:lstStyle/>
+          <a:p>
+            <a:r>
+              <a:rPr lang="ko-KR" altLang="en-US" dirty="0" smtClean="0"/>
+              <a:t>키보드로 시험 점수를 </a:t>
+            </a:r>
+            <a:r>
+              <a:rPr lang="ko-KR" altLang="en-US" dirty="0" err="1" smtClean="0"/>
+              <a:t>입력받은</a:t>
+            </a:r>
+            <a:r>
+              <a:rPr lang="ko-KR" altLang="en-US" dirty="0" smtClean="0"/>
+              <a:t> 후</a:t>
+            </a:r>
+            <a:r>
+              <a:rPr lang="en-US" altLang="ko-KR" dirty="0" smtClean="0"/>
+              <a:t>, </a:t>
+            </a:r>
+            <a:r>
+              <a:rPr lang="ko-KR" altLang="en-US" dirty="0" smtClean="0"/>
+              <a:t>그 합계를 출력하는 코드를 작성하십시오</a:t>
+            </a:r>
+            <a:r>
+              <a:rPr lang="en-US" altLang="ko-KR" dirty="0" smtClean="0"/>
+              <a:t>. (0 </a:t>
+            </a:r>
+            <a:r>
+              <a:rPr lang="ko-KR" altLang="en-US" dirty="0" smtClean="0"/>
+              <a:t>을</a:t>
+            </a:r>
+            <a:r>
+              <a:rPr lang="en-US" altLang="ko-KR" dirty="0" smtClean="0"/>
+              <a:t> </a:t>
+            </a:r>
+            <a:r>
+              <a:rPr lang="ko-KR" altLang="en-US" dirty="0" err="1" smtClean="0"/>
+              <a:t>입력받으면</a:t>
+            </a:r>
+            <a:r>
+              <a:rPr lang="ko-KR" altLang="en-US" dirty="0" smtClean="0"/>
+              <a:t> 합계를 출력하고 프로그램을 종료합니다</a:t>
+            </a:r>
+            <a:r>
+              <a:rPr lang="en-US" altLang="ko-KR" dirty="0" smtClean="0"/>
+              <a:t>.)</a:t>
+            </a:r>
+          </a:p>
+          <a:p>
+            <a:endParaRPr lang="ko-KR" altLang="en-US" dirty="0"/>
+          </a:p>
+        </p:txBody>
+      </p:sp>
+      <p:sp>
+        <p:nvSpPr>
+          <p:cNvPr id="4" name="TextBox 3"/>
+          <p:cNvSpPr txBox="1"/>
           <p:nvPr/>
         </p:nvSpPr>
-        <p:spPr bwMode="gray">
+        <p:spPr>
           <a:xfrm>
-            <a:off x="1571604" y="2000240"/>
-            <a:ext cx="6456780" cy="1644784"/>
+            <a:off x="611560" y="2780928"/>
+            <a:ext cx="7920880" cy="2308324"/>
           </a:xfrm>
           <a:prstGeom prst="rect">
             <a:avLst/>
           </a:prstGeom>
+          <a:noFill/>
         </p:spPr>
         <p:txBody>
-          <a:bodyPr wrap="none">
-            <a:prstTxWarp prst="textDeflate">
-              <a:avLst>
-                <a:gd name="adj" fmla="val 0"/>
-              </a:avLst>
-            </a:prstTxWarp>
+          <a:bodyPr wrap="square" rtlCol="0">
+            <a:spAutoFit/>
           </a:bodyPr>
           <a:lstStyle/>
           <a:p>
-            <a:pPr algn="ctr">
-              <a:defRPr lang="ko-KR" altLang="en-US"/>
-            </a:pPr>
-            <a:r>
-              <a:rPr xmlns:mc="http://schemas.openxmlformats.org/markup-compatibility/2006" xmlns:hp="http://schemas.haansoft.com/office/presentation/8.0" lang="en-US" altLang="ko-KR" sz="5400" kern="0" mc:Ignorable="hp" hp:hslEmbossed="0">
-                <a:ln w="19050">
-                  <a:solidFill>
-                    <a:schemeClr val="bg1"/>
-                  </a:solidFill>
-                  <a:round/>
-                </a:ln>
-                <a:gradFill rotWithShape="1">
-                  <a:gsLst>
-                    <a:gs pos="0">
-                      <a:schemeClr val="hlink"/>
-                    </a:gs>
-                    <a:gs pos="100000">
-                      <a:schemeClr val="accent2"/>
-                    </a:gs>
-                  </a:gsLst>
-                  <a:lin ang="5400000" scaled="1"/>
-                </a:gradFill>
-                <a:effectLst>
-                  <a:outerShdw dist="107763" dir="2700000" algn="ctr" rotWithShape="0">
-                    <a:srgbClr val="000000">
-                      <a:alpha val="50000"/>
-                    </a:srgbClr>
-                  </a:outerShdw>
-                </a:effectLst>
-                <a:latin typeface="HY헤드라인M"/>
-                <a:ea typeface="HY헤드라인M"/>
-              </a:rPr>
-              <a:t>Lesson6 </a:t>
-            </a:r>
-            <a:r>
-              <a:rPr xmlns:mc="http://schemas.openxmlformats.org/markup-compatibility/2006" xmlns:hp="http://schemas.haansoft.com/office/presentation/8.0" lang="ko-KR" altLang="en-US" sz="5400" kern="0" mc:Ignorable="hp" hp:hslEmbossed="0">
-                <a:ln w="19050">
-                  <a:solidFill>
-                    <a:schemeClr val="bg1"/>
-                  </a:solidFill>
-                  <a:round/>
-                </a:ln>
-                <a:gradFill rotWithShape="1">
-                  <a:gsLst>
-                    <a:gs pos="0">
-                      <a:schemeClr val="hlink"/>
-                    </a:gs>
-                    <a:gs pos="100000">
-                      <a:schemeClr val="accent2"/>
-                    </a:gs>
-                  </a:gsLst>
-                  <a:lin ang="5400000" scaled="1"/>
-                </a:gradFill>
-                <a:effectLst>
-                  <a:outerShdw dist="107763" dir="2700000" algn="ctr" rotWithShape="0">
-                    <a:srgbClr val="000000">
-                      <a:alpha val="50000"/>
-                    </a:srgbClr>
-                  </a:outerShdw>
-                </a:effectLst>
-                <a:latin typeface="HY헤드라인M"/>
-                <a:ea typeface="HY헤드라인M"/>
-              </a:rPr>
-              <a:t>연습문제</a:t>
-            </a:r>
-            <a:endParaRPr xmlns:mc="http://schemas.openxmlformats.org/markup-compatibility/2006" xmlns:hp="http://schemas.haansoft.com/office/presentation/8.0" lang="ko-KR" altLang="en-US" sz="5400" kern="0" mc:Ignorable="hp" hp:hslEmbossed="0">
-              <a:ln w="19050">
-                <a:solidFill>
-                  <a:schemeClr val="bg1"/>
-                </a:solidFill>
-                <a:round/>
-              </a:ln>
-              <a:gradFill rotWithShape="1">
-                <a:gsLst>
-                  <a:gs pos="0">
-                    <a:schemeClr val="hlink"/>
-                  </a:gs>
-                  <a:gs pos="100000">
-                    <a:schemeClr val="accent2"/>
-                  </a:gs>
-                </a:gsLst>
-                <a:lin ang="5400000" scaled="1"/>
-              </a:gradFill>
-              <a:effectLst>
-                <a:outerShdw dist="107763" dir="2700000" algn="ctr" rotWithShape="0">
-                  <a:srgbClr val="000000">
-                    <a:alpha val="50000"/>
-                  </a:srgbClr>
-                </a:outerShdw>
-              </a:effectLst>
-              <a:latin typeface="HY헤드라인M"/>
-              <a:ea typeface="HY헤드라인M"/>
-            </a:endParaRPr>
-          </a:p>
-          <a:p>
-            <a:pPr algn="ctr">
-              <a:defRPr lang="ko-KR" altLang="en-US"/>
-            </a:pPr>
-            <a:r>
-              <a:rPr xmlns:mc="http://schemas.openxmlformats.org/markup-compatibility/2006" xmlns:hp="http://schemas.haansoft.com/office/presentation/8.0" lang="en-US" altLang="ko-KR" sz="5400" kern="0" mc:Ignorable="hp" hp:hslEmbossed="0">
-                <a:ln w="19050">
-                  <a:solidFill>
-                    <a:schemeClr val="bg1"/>
-                  </a:solidFill>
-                  <a:round/>
-                </a:ln>
-                <a:gradFill rotWithShape="1">
-                  <a:gsLst>
-                    <a:gs pos="0">
-                      <a:schemeClr val="hlink"/>
-                    </a:gs>
-                    <a:gs pos="100000">
-                      <a:schemeClr val="accent2"/>
-                    </a:gs>
-                  </a:gsLst>
-                  <a:lin ang="5400000" scaled="1"/>
-                </a:gradFill>
-                <a:effectLst>
-                  <a:outerShdw dist="107763" dir="2700000" algn="ctr" rotWithShape="0">
-                    <a:srgbClr val="000000">
-                      <a:alpha val="50000"/>
-                    </a:srgbClr>
-                  </a:outerShdw>
-                </a:effectLst>
-                <a:latin typeface="HY헤드라인M"/>
-                <a:ea typeface="HY헤드라인M"/>
-              </a:rPr>
-              <a:t>2 </a:t>
-            </a:r>
-            <a:r>
-              <a:rPr xmlns:mc="http://schemas.openxmlformats.org/markup-compatibility/2006" xmlns:hp="http://schemas.haansoft.com/office/presentation/8.0" lang="ko-KR" altLang="en-US" sz="5400" kern="0" mc:Ignorable="hp" hp:hslEmbossed="0">
-                <a:ln w="19050">
-                  <a:solidFill>
-                    <a:schemeClr val="bg1"/>
-                  </a:solidFill>
-                  <a:round/>
-                </a:ln>
-                <a:gradFill rotWithShape="1">
-                  <a:gsLst>
-                    <a:gs pos="0">
-                      <a:schemeClr val="hlink"/>
-                    </a:gs>
-                    <a:gs pos="100000">
-                      <a:schemeClr val="accent2"/>
-                    </a:gs>
-                  </a:gsLst>
-                  <a:lin ang="5400000" scaled="1"/>
-                </a:gradFill>
-                <a:effectLst>
-                  <a:outerShdw dist="107763" dir="2700000" algn="ctr" rotWithShape="0">
-                    <a:srgbClr val="000000">
-                      <a:alpha val="50000"/>
-                    </a:srgbClr>
-                  </a:outerShdw>
-                </a:effectLst>
-                <a:latin typeface="HY헤드라인M"/>
-                <a:ea typeface="HY헤드라인M"/>
-              </a:rPr>
-              <a:t>번 실습하기</a:t>
-            </a:r>
-            <a:endParaRPr xmlns:mc="http://schemas.openxmlformats.org/markup-compatibility/2006" xmlns:hp="http://schemas.haansoft.com/office/presentation/8.0" lang="ko-KR" altLang="en-US" sz="5400" kern="0" mc:Ignorable="hp" hp:hslEmbossed="0">
-              <a:ln w="19050">
-                <a:solidFill>
-                  <a:schemeClr val="bg1"/>
-                </a:solidFill>
-                <a:round/>
-              </a:ln>
-              <a:gradFill rotWithShape="1">
-                <a:gsLst>
-                  <a:gs pos="0">
-                    <a:schemeClr val="hlink"/>
-                  </a:gs>
-                  <a:gs pos="100000">
-                    <a:schemeClr val="accent2"/>
-                  </a:gs>
-                </a:gsLst>
-                <a:lin ang="5400000" scaled="1"/>
-              </a:gradFill>
-              <a:effectLst>
-                <a:outerShdw dist="107763" dir="2700000" algn="ctr" rotWithShape="0">
-                  <a:srgbClr val="000000">
-                    <a:alpha val="50000"/>
-                  </a:srgbClr>
-                </a:outerShdw>
-              </a:effectLst>
-              <a:latin typeface="HY헤드라인M"/>
-              <a:ea typeface="HY헤드라인M"/>
-            </a:endParaRPr>
+            <a:r>
+              <a:rPr lang="ko-KR" altLang="en-US" dirty="0" smtClean="0"/>
+              <a:t>시험 점수를 입력하십시오</a:t>
+            </a:r>
+            <a:r>
+              <a:rPr lang="en-US" altLang="ko-KR" dirty="0" smtClean="0"/>
+              <a:t>. (0</a:t>
+            </a:r>
+            <a:r>
+              <a:rPr lang="ko-KR" altLang="en-US" dirty="0" smtClean="0"/>
+              <a:t>으로 종료</a:t>
+            </a:r>
+            <a:r>
+              <a:rPr lang="en-US" altLang="ko-KR" dirty="0" smtClean="0"/>
+              <a:t>)</a:t>
+            </a:r>
+          </a:p>
+          <a:p>
+            <a:r>
+              <a:rPr lang="en-US" altLang="ko-KR" dirty="0" smtClean="0"/>
+              <a:t>52</a:t>
+            </a:r>
+          </a:p>
+          <a:p>
+            <a:r>
+              <a:rPr lang="en-US" altLang="ko-KR" dirty="0" smtClean="0"/>
+              <a:t>68</a:t>
+            </a:r>
+          </a:p>
+          <a:p>
+            <a:r>
+              <a:rPr lang="en-US" altLang="ko-KR" dirty="0" smtClean="0"/>
+              <a:t>75</a:t>
+            </a:r>
+          </a:p>
+          <a:p>
+            <a:r>
+              <a:rPr lang="en-US" altLang="ko-KR" dirty="0" smtClean="0"/>
+              <a:t>83</a:t>
+            </a:r>
+          </a:p>
+          <a:p>
+            <a:r>
+              <a:rPr lang="en-US" altLang="ko-KR" dirty="0" smtClean="0"/>
+              <a:t>36</a:t>
+            </a:r>
+          </a:p>
+          <a:p>
+            <a:r>
+              <a:rPr lang="en-US" altLang="ko-KR" dirty="0" smtClean="0"/>
+              <a:t>0</a:t>
+            </a:r>
+          </a:p>
+          <a:p>
+            <a:r>
+              <a:rPr lang="ko-KR" altLang="en-US" dirty="0" smtClean="0"/>
+              <a:t>시험 점수의 합계는 </a:t>
+            </a:r>
+            <a:r>
+              <a:rPr lang="en-US" altLang="ko-KR" dirty="0" smtClean="0"/>
+              <a:t>314</a:t>
+            </a:r>
+            <a:r>
+              <a:rPr lang="ko-KR" altLang="en-US" dirty="0" smtClean="0"/>
+              <a:t>점 입니다</a:t>
+            </a:r>
+            <a:r>
+              <a:rPr lang="en-US" altLang="ko-KR" smtClean="0"/>
+              <a:t>.</a:t>
+            </a:r>
+            <a:endParaRPr lang="ko-KR" altLang="en-US"/>
+          </a:p>
+        </p:txBody>
+      </p:sp>
+    </p:spTree>
+    <p:extLst>
+      <p:ext uri="{BB962C8B-B14F-4D97-AF65-F5344CB8AC3E}">
+        <p14:creationId xmlns:p14="http://schemas.microsoft.com/office/powerpoint/2010/main" val="1991088342"/>
+      </p:ext>
+    </p:extLst>
+  </p:cSld>
+  <p:clrMapOvr>
+    <a:masterClrMapping/>
+  </p:clrMapOvr>
+  <p:transition/>
+  <p:timing>
+    <p:tnLst>
+      <p:par>
+        <p:cTn id="1" dur="indefinite" restart="never" nodeType="tmRoot"/>
+      </p:par>
+    </p:tnLst>
+  </p:timing>
+</p:sld>
+</file>
+
+<file path=ppt/slides/slide2.xml><?xml version="1.0" encoding="utf-8"?>
+<p:sld xmlns:a="http://schemas.openxmlformats.org/drawingml/2006/main" xmlns:r="http://schemas.openxmlformats.org/officeDocument/2006/relationships" xmlns:p="http://schemas.openxmlformats.org/presentationml/2006/main">
+  <p:cSld>
+    <p:spTree>
+      <p:nvGrpSpPr>
+        <p:cNvPr id="1" name=""/>
+        <p:cNvGrpSpPr/>
+        <p:nvPr/>
+      </p:nvGrpSpPr>
+      <p:grpSpPr>
+        <a:xfrm>
+          <a:off x="0" y="0"/>
+          <a:ext cx="0" cy="0"/>
+          <a:chOff x="0" y="0"/>
+          <a:chExt cx="0" cy="0"/>
+        </a:xfrm>
+      </p:grpSpPr>
+      <p:sp>
+        <p:nvSpPr>
+          <p:cNvPr id="4" name="제목 3"/>
+          <p:cNvSpPr>
+            <a:spLocks noGrp="1"/>
+          </p:cNvSpPr>
+          <p:nvPr>
+            <p:ph type="title"/>
+          </p:nvPr>
+        </p:nvSpPr>
+        <p:spPr/>
+        <p:txBody>
+          <a:bodyPr/>
+          <a:lstStyle/>
+          <a:p>
+            <a:pPr lvl="0">
+              <a:defRPr lang="ko-KR" altLang="en-US"/>
+            </a:pPr>
+            <a:r>
+              <a:rPr lang="en-US" altLang="ko-KR" sz="4400"/>
+              <a:t>11</a:t>
+            </a:r>
+            <a:r>
+              <a:rPr lang="ko-KR" altLang="en-US" sz="4400"/>
+              <a:t>장</a:t>
+            </a:r>
+            <a:r>
+              <a:rPr lang="en-US" altLang="ko-KR" sz="4400"/>
+              <a:t>. </a:t>
+            </a:r>
+            <a:r>
+              <a:rPr lang="ko-KR" altLang="en-US" sz="4400"/>
+              <a:t>자바의 순환문</a:t>
+            </a:r>
+            <a:r>
+              <a:rPr lang="en-US" altLang="ko-KR" sz="4400"/>
+              <a:t>2</a:t>
+            </a:r>
           </a:p>
         </p:txBody>
       </p:sp>
@@ -12348,11 +8310,11 @@
   <p:clrMapOvr>
     <a:masterClrMapping/>
   </p:clrMapOvr>
-  <mc:AlternateContent xmlns:mc="http://schemas.openxmlformats.org/markup-compatibility/2006">
-    <mc:Choice xmlns:p14="http://schemas.microsoft.com/office/powerpoint/2010/main" Requires="p14">
-      <p:transition xmlns:mc="http://schemas.openxmlformats.org/markup-compatibility/2006" xmlns:p14="http://schemas.microsoft.com/office/powerpoint/2010/main" mc:Ignorable="p14" p14:dur="500"/>
+  <mc:AlternateContent xmlns:mc="http://schemas.openxmlformats.org/markup-compatibility/2006" xmlns:p14="http://schemas.microsoft.com/office/powerpoint/2010/main">
+    <mc:Choice Requires="p14">
+      <p:transition/>
     </mc:Choice>
-    <mc:Fallback>
+    <mc:Fallback xmlns:dsp="http://schemas.microsoft.com/office/drawing/2008/diagram" xmlns:dgm="http://schemas.openxmlformats.org/drawingml/2006/diagram" xmlns:c="http://schemas.openxmlformats.org/drawingml/2006/chart" xmlns="">
       <p:transition/>
     </mc:Fallback>
   </mc:AlternateContent>
@@ -12380,13 +8342,10 @@
                             </p:stCondLst>
                             <p:childTnLst>
                               <p:par>
-                                <p:cTn id="5" presetID="2" presetClass="entr" presetSubtype="4" fill="hold" grpId="0" nodeType="afterEffect">
+                                <p:cTn id="5" presetID="5" presetClass="entr" presetSubtype="10" fill="hold" grpId="0" nodeType="afterEffect">
                                   <p:stCondLst>
                                     <p:cond delay="0"/>
                                   </p:stCondLst>
-                                  <p:iterate type="lt">
-                                    <p:tmPct val="0"/>
-                                  </p:iterate>
                                   <p:childTnLst>
                                     <p:set>
                                       <p:cBhvr>
@@ -12396,7 +8355,7 @@
                                           </p:stCondLst>
                                         </p:cTn>
                                         <p:tgtEl>
-                                          <p:spTgt spid="2"/>
+                                          <p:spTgt spid="4"/>
                                         </p:tgtEl>
                                         <p:attrNameLst>
                                           <p:attrName>style.visibility</p:attrName>
@@ -12406,159 +8365,14 @@
                                         <p:strVal val="visible"/>
                                       </p:to>
                                     </p:set>
-                                    <p:anim calcmode="lin" valueType="num">
-                                      <p:cBhvr additive="base">
-                                        <p:cTn id="7" dur="500" fill="hold"/>
+                                    <p:animEffect transition="in" filter="checkerboard(across)">
+                                      <p:cBhvr>
+                                        <p:cTn id="7" dur="500"/>
                                         <p:tgtEl>
-                                          <p:spTgt spid="2"/>
+                                          <p:spTgt spid="4"/>
                                         </p:tgtEl>
-                                        <p:attrNameLst>
-                                          <p:attrName>ppt_x</p:attrName>
-                                        </p:attrNameLst>
                                       </p:cBhvr>
-                                      <p:tavLst>
-                                        <p:tav tm="0">
-                                          <p:val>
-                                            <p:strVal val="#ppt_x"/>
-                                          </p:val>
-                                        </p:tav>
-                                        <p:tav tm="100000">
-                                          <p:val>
-                                            <p:strVal val="#ppt_x"/>
-                                          </p:val>
-                                        </p:tav>
-                                      </p:tavLst>
-                                    </p:anim>
-                                    <p:anim calcmode="lin" valueType="num">
-                                      <p:cBhvr additive="base">
-                                        <p:cTn id="8" dur="500" fill="hold"/>
-                                        <p:tgtEl>
-                                          <p:spTgt spid="2"/>
-                                        </p:tgtEl>
-                                        <p:attrNameLst>
-                                          <p:attrName>ppt_y</p:attrName>
-                                        </p:attrNameLst>
-                                      </p:cBhvr>
-                                      <p:tavLst>
-                                        <p:tav tm="0">
-                                          <p:val>
-                                            <p:strVal val="1+#ppt_h/2"/>
-                                          </p:val>
-                                        </p:tav>
-                                        <p:tav tm="100000">
-                                          <p:val>
-                                            <p:strVal val="#ppt_y"/>
-                                          </p:val>
-                                        </p:tav>
-                                      </p:tavLst>
-                                    </p:anim>
-                                  </p:childTnLst>
-                                </p:cTn>
-                              </p:par>
-                            </p:childTnLst>
-                          </p:cTn>
-                        </p:par>
-                        <p:par>
-                          <p:cTn id="9" fill="hold">
-                            <p:stCondLst>
-                              <p:cond delay="0"/>
-                            </p:stCondLst>
-                            <p:childTnLst>
-                              <p:par>
-                                <p:cTn id="10" presetID="27" presetClass="entr" presetSubtype="0" fill="hold" grpId="1" nodeType="afterEffect">
-                                  <p:stCondLst>
-                                    <p:cond delay="0"/>
-                                  </p:stCondLst>
-                                  <p:iterate type="lt">
-                                    <p:tmPct val="50000"/>
-                                  </p:iterate>
-                                  <p:childTnLst>
-                                    <p:set>
-                                      <p:cBhvr>
-                                        <p:cTn id="11" dur="1" fill="hold">
-                                          <p:stCondLst>
-                                            <p:cond delay="0"/>
-                                          </p:stCondLst>
-                                        </p:cTn>
-                                        <p:tgtEl>
-                                          <p:spTgt spid="2"/>
-                                        </p:tgtEl>
-                                        <p:attrNameLst>
-                                          <p:attrName>style.visibility</p:attrName>
-                                        </p:attrNameLst>
-                                      </p:cBhvr>
-                                      <p:to>
-                                        <p:strVal val="visible"/>
-                                      </p:to>
-                                    </p:set>
-                                    <p:anim calcmode="discrete" valueType="clr">
-                                      <p:cBhvr>
-                                        <p:cTn id="12" dur="500"/>
-                                        <p:tgtEl>
-                                          <p:spTgt spid="2"/>
-                                        </p:tgtEl>
-                                        <p:attrNameLst>
-                                          <p:attrName>style.color</p:attrName>
-                                        </p:attrNameLst>
-                                      </p:cBhvr>
-                                      <p:tavLst>
-                                        <p:tav tm="0">
-                                          <p:val>
-                                            <p:clrVal>
-                                              <a:schemeClr val="accent2"/>
-                                            </p:clrVal>
-                                          </p:val>
-                                        </p:tav>
-                                        <p:tav tm="50000">
-                                          <p:val>
-                                            <p:clrVal>
-                                              <a:schemeClr val="hlink"/>
-                                            </p:clrVal>
-                                          </p:val>
-                                        </p:tav>
-                                      </p:tavLst>
-                                    </p:anim>
-                                    <p:anim calcmode="discrete" valueType="clr">
-                                      <p:cBhvr>
-                                        <p:cTn id="13" dur="500"/>
-                                        <p:tgtEl>
-                                          <p:spTgt spid="2"/>
-                                        </p:tgtEl>
-                                        <p:attrNameLst>
-                                          <p:attrName>fillcolor</p:attrName>
-                                        </p:attrNameLst>
-                                      </p:cBhvr>
-                                      <p:tavLst>
-                                        <p:tav tm="0">
-                                          <p:val>
-                                            <p:clrVal>
-                                              <a:schemeClr val="accent2"/>
-                                            </p:clrVal>
-                                          </p:val>
-                                        </p:tav>
-                                        <p:tav tm="50000">
-                                          <p:val>
-                                            <p:clrVal>
-                                              <a:schemeClr val="hlink"/>
-                                            </p:clrVal>
-                                          </p:val>
-                                        </p:tav>
-                                      </p:tavLst>
-                                    </p:anim>
-                                    <p:set>
-                                      <p:cBhvr>
-                                        <p:cTn id="14" dur="500"/>
-                                        <p:tgtEl>
-                                          <p:spTgt spid="2"/>
-                                        </p:tgtEl>
-                                        <p:attrNameLst>
-                                          <p:attrName>fill.type</p:attrName>
-                                        </p:attrNameLst>
-                                      </p:cBhvr>
-                                      <p:to>
-                                        <p:strVal val="solid"/>
-                                      </p:to>
-                                    </p:set>
+                                    </p:animEffect>
                                   </p:childTnLst>
                                 </p:cTn>
                               </p:par>
@@ -12590,15 +8404,14 @@
       </p:par>
     </p:tnLst>
     <p:bldLst>
-      <p:bldP spid="2" grpId="0"/>
-      <p:bldP spid="2" grpId="1"/>
+      <p:bldP spid="4" grpId="0"/>
     </p:bldLst>
   </p:timing>
 </p:sld>
 </file>
 
 <file path=ppt/slides/slide3.xml><?xml version="1.0" encoding="utf-8"?>
-<p:sld xmlns:r="http://schemas.openxmlformats.org/officeDocument/2006/relationships" xmlns:c="http://schemas.openxmlformats.org/drawingml/2006/chart" xmlns:a="http://schemas.openxmlformats.org/drawingml/2006/main" xmlns:dgm="http://schemas.openxmlformats.org/drawingml/2006/diagram" xmlns:dsp="http://schemas.microsoft.com/office/drawing/2008/diagram" xmlns:p="http://schemas.openxmlformats.org/presentationml/2006/main">
+<p:sld xmlns:a="http://schemas.openxmlformats.org/drawingml/2006/main" xmlns:r="http://schemas.openxmlformats.org/officeDocument/2006/relationships" xmlns:p="http://schemas.openxmlformats.org/presentationml/2006/main">
   <p:cSld>
     <p:spTree>
       <p:nvGrpSpPr>
@@ -12621,7 +8434,7 @@
             <a:spLocks noGrp="1" noChangeArrowheads="1"/>
           </p:cNvSpPr>
           <p:nvPr>
-            <p:ph type="title" idx="0"/>
+            <p:ph type="title"/>
           </p:nvPr>
         </p:nvSpPr>
         <p:spPr>
@@ -12641,585 +8454,9 @@
               <a:rPr lang="ko-KR" altLang="en-US" sz="4800"/>
               <a:t>목  차</a:t>
             </a:r>
-            <a:endParaRPr lang="ko-KR" altLang="en-US" sz="4800"/>
           </a:p>
         </p:txBody>
       </p:sp>
-      <p:sp>
-        <p:nvSpPr>
-          <p:cNvPr id="61" name="Line 2"/>
-          <p:cNvSpPr>
-            <a:spLocks noChangeShapeType="1"/>
-          </p:cNvSpPr>
-          <p:nvPr/>
-        </p:nvSpPr>
-        <p:spPr>
-          <a:xfrm>
-            <a:off x="2336800" y="3595113"/>
-            <a:ext cx="5094288" cy="1588"/>
-          </a:xfrm>
-          <a:prstGeom prst="line">
-            <a:avLst/>
-          </a:prstGeom>
-          <a:noFill/>
-          <a:ln w="25400">
-            <a:solidFill>
-              <a:schemeClr val="tx1"/>
-            </a:solidFill>
-            <a:prstDash val="sysDot"/>
-            <a:round/>
-            <a:tailEnd type="oval" w="med" len="med"/>
-          </a:ln>
-          <a:effectLst/>
-        </p:spPr>
-        <p:txBody>
-          <a:bodyPr wrap="none" anchor="ctr"/>
-          <a:lstStyle/>
-          <a:p>
-            <a:pPr lvl="0">
-              <a:defRPr lang="ko-KR" altLang="en-US"/>
-            </a:pPr>
-            <a:endParaRPr lang="ko-KR" altLang="en-US"/>
-          </a:p>
-        </p:txBody>
-      </p:sp>
-      <p:grpSp>
-        <p:nvGrpSpPr>
-          <p:cNvPr id="63" name="그룹 58"/>
-          <p:cNvGrpSpPr/>
-          <p:nvPr/>
-        </p:nvGrpSpPr>
-        <p:grpSpPr>
-          <a:xfrm rot="0">
-            <a:off x="2120900" y="3011204"/>
-            <a:ext cx="609600" cy="609600"/>
-            <a:chOff x="2120900" y="2762250"/>
-            <a:chExt cx="609600" cy="609600"/>
-          </a:xfrm>
-        </p:grpSpPr>
-        <p:grpSp>
-          <p:nvGrpSpPr>
-            <p:cNvPr id="64" name="Group 5"/>
-            <p:cNvGrpSpPr/>
-            <p:nvPr/>
-          </p:nvGrpSpPr>
-          <p:grpSpPr>
-            <a:xfrm rot="0">
-              <a:off x="2120900" y="2762250"/>
-              <a:ext cx="609600" cy="609600"/>
-              <a:chOff x="816" y="1872"/>
-              <a:chExt cx="384" cy="384"/>
-            </a:xfrm>
-          </p:grpSpPr>
-          <p:sp>
-            <p:nvSpPr>
-              <p:cNvPr id="66" name="Oval 6"/>
-              <p:cNvSpPr>
-                <a:spLocks noChangeArrowheads="1"/>
-              </p:cNvSpPr>
-              <p:nvPr/>
-            </p:nvSpPr>
-            <p:spPr bwMode="gray">
-              <a:xfrm>
-                <a:off x="816" y="1872"/>
-                <a:ext cx="384" cy="384"/>
-              </a:xfrm>
-              <a:prstGeom prst="ellipse">
-                <a:avLst/>
-              </a:prstGeom>
-              <a:gradFill rotWithShape="1">
-                <a:gsLst>
-                  <a:gs pos="0">
-                    <a:schemeClr val="accent2">
-                      <a:gamma/>
-                      <a:tint val="0"/>
-                      <a:invGamma/>
-                    </a:schemeClr>
-                  </a:gs>
-                  <a:gs pos="50000">
-                    <a:schemeClr val="accent2"/>
-                  </a:gs>
-                  <a:gs pos="100000">
-                    <a:schemeClr val="accent2">
-                      <a:gamma/>
-                      <a:tint val="0"/>
-                      <a:invGamma/>
-                    </a:schemeClr>
-                  </a:gs>
-                </a:gsLst>
-                <a:lin ang="2700000" scaled="1"/>
-              </a:gradFill>
-              <a:ln w="38100" algn="ctr">
-                <a:noFill/>
-                <a:round/>
-              </a:ln>
-              <a:effectLst/>
-            </p:spPr>
-            <p:txBody>
-              <a:bodyPr wrap="none" anchor="ctr">
-                <a:spAutoFit/>
-              </a:bodyPr>
-              <a:lstStyle/>
-              <a:p>
-                <a:pPr lvl="0">
-                  <a:defRPr lang="ko-KR" altLang="en-US"/>
-                </a:pPr>
-                <a:endParaRPr lang="ko-KR" altLang="en-US"/>
-              </a:p>
-            </p:txBody>
-          </p:sp>
-          <p:sp>
-            <p:nvSpPr>
-              <p:cNvPr id="67" name="Oval 7"/>
-              <p:cNvSpPr>
-                <a:spLocks noChangeArrowheads="1"/>
-              </p:cNvSpPr>
-              <p:nvPr/>
-            </p:nvSpPr>
-            <p:spPr bwMode="gray">
-              <a:xfrm>
-                <a:off x="816" y="1872"/>
-                <a:ext cx="384" cy="384"/>
-              </a:xfrm>
-              <a:prstGeom prst="ellipse">
-                <a:avLst/>
-              </a:prstGeom>
-              <a:gradFill rotWithShape="1">
-                <a:gsLst>
-                  <a:gs pos="0">
-                    <a:schemeClr val="accent2">
-                      <a:alpha val="32000"/>
-                    </a:schemeClr>
-                  </a:gs>
-                  <a:gs pos="100000">
-                    <a:schemeClr val="accent2">
-                      <a:gamma/>
-                      <a:shade val="0"/>
-                      <a:invGamma/>
-                      <a:alpha val="90000"/>
-                    </a:schemeClr>
-                  </a:gs>
-                </a:gsLst>
-                <a:lin ang="2700000" scaled="1"/>
-              </a:gradFill>
-              <a:ln w="38100" algn="ctr">
-                <a:noFill/>
-                <a:round/>
-              </a:ln>
-              <a:effectLst/>
-            </p:spPr>
-            <p:txBody>
-              <a:bodyPr wrap="none" anchor="ctr">
-                <a:spAutoFit/>
-              </a:bodyPr>
-              <a:lstStyle/>
-              <a:p>
-                <a:pPr lvl="0">
-                  <a:defRPr lang="ko-KR" altLang="en-US"/>
-                </a:pPr>
-                <a:endParaRPr lang="ko-KR" altLang="en-US"/>
-              </a:p>
-            </p:txBody>
-          </p:sp>
-          <p:sp>
-            <p:nvSpPr>
-              <p:cNvPr id="68" name="Oval 8"/>
-              <p:cNvSpPr>
-                <a:spLocks noChangeArrowheads="1"/>
-              </p:cNvSpPr>
-              <p:nvPr/>
-            </p:nvSpPr>
-            <p:spPr bwMode="gray">
-              <a:xfrm>
-                <a:off x="841" y="1897"/>
-                <a:ext cx="334" cy="334"/>
-              </a:xfrm>
-              <a:prstGeom prst="ellipse">
-                <a:avLst/>
-              </a:prstGeom>
-              <a:gradFill rotWithShape="1">
-                <a:gsLst>
-                  <a:gs pos="0">
-                    <a:schemeClr val="accent2">
-                      <a:gamma/>
-                      <a:shade val="54120"/>
-                      <a:invGamma/>
-                    </a:schemeClr>
-                  </a:gs>
-                  <a:gs pos="50000">
-                    <a:schemeClr val="accent2"/>
-                  </a:gs>
-                  <a:gs pos="100000">
-                    <a:schemeClr val="accent2">
-                      <a:gamma/>
-                      <a:shade val="54120"/>
-                      <a:invGamma/>
-                    </a:schemeClr>
-                  </a:gs>
-                </a:gsLst>
-                <a:lin ang="18900000" scaled="1"/>
-              </a:gradFill>
-              <a:ln w="38100" algn="ctr">
-                <a:noFill/>
-                <a:round/>
-              </a:ln>
-              <a:effectLst/>
-            </p:spPr>
-            <p:txBody>
-              <a:bodyPr anchor="ctr">
-                <a:spAutoFit/>
-              </a:bodyPr>
-              <a:lstStyle/>
-              <a:p>
-                <a:pPr lvl="0">
-                  <a:defRPr lang="ko-KR" altLang="en-US"/>
-                </a:pPr>
-                <a:endParaRPr lang="ko-KR" altLang="en-US"/>
-              </a:p>
-            </p:txBody>
-          </p:sp>
-          <p:sp>
-            <p:nvSpPr>
-              <p:cNvPr id="69" name="Oval 9"/>
-              <p:cNvSpPr>
-                <a:spLocks noChangeArrowheads="1"/>
-              </p:cNvSpPr>
-              <p:nvPr/>
-            </p:nvSpPr>
-            <p:spPr bwMode="gray">
-              <a:xfrm>
-                <a:off x="866" y="1922"/>
-                <a:ext cx="334" cy="334"/>
-              </a:xfrm>
-              <a:prstGeom prst="ellipse">
-                <a:avLst/>
-              </a:prstGeom>
-              <a:gradFill rotWithShape="1">
-                <a:gsLst>
-                  <a:gs pos="0">
-                    <a:schemeClr val="accent2">
-                      <a:gamma/>
-                      <a:shade val="63530"/>
-                      <a:invGamma/>
-                    </a:schemeClr>
-                  </a:gs>
-                  <a:gs pos="100000">
-                    <a:schemeClr val="accent2">
-                      <a:alpha val="0"/>
-                    </a:schemeClr>
-                  </a:gs>
-                </a:gsLst>
-                <a:lin ang="2700000" scaled="1"/>
-              </a:gradFill>
-              <a:ln w="38100" algn="ctr">
-                <a:noFill/>
-                <a:round/>
-              </a:ln>
-              <a:effectLst/>
-            </p:spPr>
-            <p:txBody>
-              <a:bodyPr anchor="ctr">
-                <a:spAutoFit/>
-              </a:bodyPr>
-              <a:lstStyle/>
-              <a:p>
-                <a:pPr lvl="0">
-                  <a:defRPr lang="ko-KR" altLang="en-US"/>
-                </a:pPr>
-                <a:endParaRPr lang="ko-KR" altLang="en-US"/>
-              </a:p>
-            </p:txBody>
-          </p:sp>
-          <p:sp>
-            <p:nvSpPr>
-              <p:cNvPr id="70" name="Oval 10"/>
-              <p:cNvSpPr>
-                <a:spLocks noChangeArrowheads="1"/>
-              </p:cNvSpPr>
-              <p:nvPr/>
-            </p:nvSpPr>
-            <p:spPr bwMode="gray">
-              <a:xfrm>
-                <a:off x="859" y="1914"/>
-                <a:ext cx="300" cy="300"/>
-              </a:xfrm>
-              <a:prstGeom prst="ellipse">
-                <a:avLst/>
-              </a:prstGeom>
-              <a:solidFill>
-                <a:srgbClr val="333333"/>
-              </a:solidFill>
-              <a:ln w="38100" algn="ctr">
-                <a:noFill/>
-                <a:round/>
-              </a:ln>
-              <a:effectLst/>
-            </p:spPr>
-            <p:txBody>
-              <a:bodyPr anchor="ctr">
-                <a:spAutoFit/>
-              </a:bodyPr>
-              <a:lstStyle/>
-              <a:p>
-                <a:pPr lvl="0">
-                  <a:defRPr lang="ko-KR" altLang="en-US"/>
-                </a:pPr>
-                <a:endParaRPr lang="ko-KR" altLang="en-US"/>
-              </a:p>
-            </p:txBody>
-          </p:sp>
-          <p:sp>
-            <p:nvSpPr>
-              <p:cNvPr id="71" name="Oval 11"/>
-              <p:cNvSpPr>
-                <a:spLocks noChangeArrowheads="1"/>
-              </p:cNvSpPr>
-              <p:nvPr/>
-            </p:nvSpPr>
-            <p:spPr bwMode="gray">
-              <a:xfrm>
-                <a:off x="864" y="1919"/>
-                <a:ext cx="291" cy="291"/>
-              </a:xfrm>
-              <a:prstGeom prst="ellipse">
-                <a:avLst/>
-              </a:prstGeom>
-              <a:gradFill rotWithShape="1">
-                <a:gsLst>
-                  <a:gs pos="0">
-                    <a:srgbClr val="c0c0c0">
-                      <a:gamma/>
-                      <a:shade val="46280"/>
-                      <a:invGamma/>
-                    </a:srgbClr>
-                  </a:gs>
-                  <a:gs pos="100000">
-                    <a:srgbClr val="c0c0c0"/>
-                  </a:gs>
-                </a:gsLst>
-                <a:lin ang="5400000" scaled="1"/>
-              </a:gradFill>
-              <a:ln w="9525" algn="ctr">
-                <a:noFill/>
-                <a:round/>
-              </a:ln>
-              <a:effectLst/>
-            </p:spPr>
-            <p:txBody>
-              <a:bodyPr vert="eaVert" wrap="none" anchor="ctr"/>
-              <a:lstStyle/>
-              <a:p>
-                <a:pPr lvl="0">
-                  <a:defRPr lang="ko-KR" altLang="en-US"/>
-                </a:pPr>
-                <a:endParaRPr lang="ko-KR" altLang="en-US"/>
-              </a:p>
-            </p:txBody>
-          </p:sp>
-          <p:sp>
-            <p:nvSpPr>
-              <p:cNvPr id="72" name="Oval 12"/>
-              <p:cNvSpPr>
-                <a:spLocks noChangeArrowheads="1"/>
-              </p:cNvSpPr>
-              <p:nvPr/>
-            </p:nvSpPr>
-            <p:spPr bwMode="gray">
-              <a:xfrm>
-                <a:off x="868" y="1921"/>
-                <a:ext cx="283" cy="283"/>
-              </a:xfrm>
-              <a:prstGeom prst="ellipse">
-                <a:avLst/>
-              </a:prstGeom>
-              <a:gradFill rotWithShape="1">
-                <a:gsLst>
-                  <a:gs pos="0">
-                    <a:srgbClr val="c0c0c0">
-                      <a:alpha val="0"/>
-                    </a:srgbClr>
-                  </a:gs>
-                  <a:gs pos="100000">
-                    <a:srgbClr val="c0c0c0">
-                      <a:gamma/>
-                      <a:tint val="34900"/>
-                      <a:invGamma/>
-                    </a:srgbClr>
-                  </a:gs>
-                </a:gsLst>
-                <a:lin ang="5400000" scaled="1"/>
-              </a:gradFill>
-              <a:ln w="9525" algn="ctr">
-                <a:noFill/>
-                <a:round/>
-              </a:ln>
-              <a:effectLst/>
-            </p:spPr>
-            <p:txBody>
-              <a:bodyPr vert="eaVert" wrap="none" anchor="ctr"/>
-              <a:lstStyle/>
-              <a:p>
-                <a:pPr lvl="0">
-                  <a:defRPr lang="ko-KR" altLang="en-US"/>
-                </a:pPr>
-                <a:endParaRPr lang="ko-KR" altLang="en-US"/>
-              </a:p>
-            </p:txBody>
-          </p:sp>
-          <p:sp>
-            <p:nvSpPr>
-              <p:cNvPr id="73" name="Oval 13"/>
-              <p:cNvSpPr>
-                <a:spLocks noChangeArrowheads="1"/>
-              </p:cNvSpPr>
-              <p:nvPr/>
-            </p:nvSpPr>
-            <p:spPr bwMode="gray">
-              <a:xfrm>
-                <a:off x="871" y="1923"/>
-                <a:ext cx="270" cy="265"/>
-              </a:xfrm>
-              <a:prstGeom prst="ellipse">
-                <a:avLst/>
-              </a:prstGeom>
-              <a:gradFill rotWithShape="1">
-                <a:gsLst>
-                  <a:gs pos="0">
-                    <a:srgbClr val="c0c0c0">
-                      <a:gamma/>
-                      <a:shade val="79220"/>
-                      <a:invGamma/>
-                    </a:srgbClr>
-                  </a:gs>
-                  <a:gs pos="100000">
-                    <a:srgbClr val="c0c0c0">
-                      <a:alpha val="48000"/>
-                    </a:srgbClr>
-                  </a:gs>
-                </a:gsLst>
-                <a:lin ang="5400000" scaled="1"/>
-              </a:gradFill>
-              <a:ln w="9525" algn="ctr">
-                <a:noFill/>
-                <a:round/>
-              </a:ln>
-              <a:effectLst/>
-            </p:spPr>
-            <p:txBody>
-              <a:bodyPr vert="eaVert" wrap="none" anchor="ctr"/>
-              <a:lstStyle/>
-              <a:p>
-                <a:pPr lvl="0">
-                  <a:defRPr lang="ko-KR" altLang="en-US"/>
-                </a:pPr>
-                <a:endParaRPr lang="ko-KR" altLang="en-US"/>
-              </a:p>
-            </p:txBody>
-          </p:sp>
-          <p:sp>
-            <p:nvSpPr>
-              <p:cNvPr id="74" name="Oval 14"/>
-              <p:cNvSpPr>
-                <a:spLocks noChangeArrowheads="1"/>
-              </p:cNvSpPr>
-              <p:nvPr/>
-            </p:nvSpPr>
-            <p:spPr bwMode="gray">
-              <a:xfrm>
-                <a:off x="886" y="1931"/>
-                <a:ext cx="240" cy="215"/>
-              </a:xfrm>
-              <a:prstGeom prst="ellipse">
-                <a:avLst/>
-              </a:prstGeom>
-              <a:gradFill rotWithShape="1">
-                <a:gsLst>
-                  <a:gs pos="0">
-                    <a:srgbClr val="c0c0c0">
-                      <a:gamma/>
-                      <a:tint val="0"/>
-                      <a:invGamma/>
-                    </a:srgbClr>
-                  </a:gs>
-                  <a:gs pos="100000">
-                    <a:srgbClr val="c0c0c0">
-                      <a:alpha val="38000"/>
-                    </a:srgbClr>
-                  </a:gs>
-                </a:gsLst>
-                <a:lin ang="5400000" scaled="1"/>
-              </a:gradFill>
-              <a:ln w="9525" algn="ctr">
-                <a:noFill/>
-                <a:round/>
-              </a:ln>
-              <a:effectLst/>
-            </p:spPr>
-            <p:txBody>
-              <a:bodyPr vert="eaVert" wrap="none" anchor="ctr"/>
-              <a:lstStyle/>
-              <a:p>
-                <a:pPr lvl="0">
-                  <a:defRPr lang="ko-KR" altLang="en-US"/>
-                </a:pPr>
-                <a:endParaRPr lang="ko-KR" altLang="en-US"/>
-              </a:p>
-            </p:txBody>
-          </p:sp>
-        </p:grpSp>
-        <p:sp>
-          <p:nvSpPr>
-            <p:cNvPr id="65" name="Text Box 15"/>
-            <p:cNvSpPr txBox="1">
-              <a:spLocks noChangeArrowheads="1"/>
-            </p:cNvSpPr>
-            <p:nvPr/>
-          </p:nvSpPr>
-          <p:spPr bwMode="gray">
-            <a:xfrm>
-              <a:off x="2249488" y="2827338"/>
-              <a:ext cx="356552" cy="446053"/>
-            </a:xfrm>
-            <a:prstGeom prst="rect">
-              <a:avLst/>
-            </a:prstGeom>
-            <a:noFill/>
-            <a:ln w="9525" algn="ctr">
-              <a:noFill/>
-              <a:miter/>
-            </a:ln>
-            <a:effectLst/>
-          </p:spPr>
-          <p:txBody>
-            <a:bodyPr wrap="none">
-              <a:spAutoFit/>
-            </a:bodyPr>
-            <a:lstStyle/>
-            <a:p>
-              <a:pPr algn="ctr" eaLnBrk="0" hangingPunct="0">
-                <a:defRPr lang="ko-KR" altLang="en-US"/>
-              </a:pPr>
-              <a:r>
-                <a:rPr lang="en-US" altLang="ko-KR" sz="2400" b="1">
-                  <a:solidFill>
-                    <a:srgbClr val="000000"/>
-                  </a:solidFill>
-                  <a:latin typeface="굴림"/>
-                  <a:ea typeface="굴림"/>
-                </a:rPr>
-                <a:t>2</a:t>
-              </a:r>
-              <a:endParaRPr lang="en-US" altLang="ko-KR" sz="2400" b="1">
-                <a:solidFill>
-                  <a:srgbClr val="000000"/>
-                </a:solidFill>
-                <a:latin typeface="굴림"/>
-                <a:ea typeface="굴림"/>
-              </a:endParaRPr>
-            </a:p>
-          </p:txBody>
-        </p:sp>
-      </p:grpSp>
       <p:sp>
         <p:nvSpPr>
           <p:cNvPr id="87" name="Line 27"/>
@@ -13297,10 +8534,6 @@
               </a:rPr>
               <a:t>while Loop</a:t>
             </a:r>
-            <a:endParaRPr lang="en-US" altLang="ko-KR" sz="3200" b="1">
-              <a:latin typeface="HY강B"/>
-              <a:ea typeface="HY강B"/>
-            </a:endParaRPr>
           </a:p>
         </p:txBody>
       </p:sp>
@@ -13311,7 +8544,7 @@
           <p:nvPr/>
         </p:nvGrpSpPr>
         <p:grpSpPr>
-          <a:xfrm rot="0">
+          <a:xfrm>
             <a:off x="2120900" y="1924050"/>
             <a:ext cx="609600" cy="609600"/>
             <a:chOff x="1248" y="1200"/>
@@ -13325,7 +8558,7 @@
             <p:nvPr/>
           </p:nvGrpSpPr>
           <p:grpSpPr>
-            <a:xfrm rot="0">
+            <a:xfrm>
               <a:off x="1248" y="1200"/>
               <a:ext cx="384" cy="384"/>
               <a:chOff x="2016" y="912"/>
@@ -13376,15 +8609,6 @@
                   </a:rPr>
                   <a:t>3</a:t>
                 </a:r>
-                <a:endParaRPr lang="en-US" altLang="ko-KR" sz="2400" b="1">
-                  <a:solidFill>
-                    <a:srgbClr val="000000"/>
-                  </a:solidFill>
-                  <a:latin typeface="Arial"/>
-                  <a:ea typeface="Arial"/>
-                  <a:cs typeface="Arial"/>
-                  <a:sym typeface="Arial"/>
-                </a:endParaRPr>
               </a:p>
             </p:txBody>
           </p:sp>
@@ -13657,14 +8881,14 @@
               <a:gradFill rotWithShape="1">
                 <a:gsLst>
                   <a:gs pos="0">
-                    <a:srgbClr val="c0c0c0">
+                    <a:srgbClr val="C0C0C0">
                       <a:gamma/>
                       <a:shade val="46280"/>
                       <a:invGamma/>
                     </a:srgbClr>
                   </a:gs>
                   <a:gs pos="100000">
-                    <a:srgbClr val="c0c0c0"/>
+                    <a:srgbClr val="C0C0C0"/>
                   </a:gs>
                 </a:gsLst>
                 <a:lin ang="5400000" scaled="1"/>
@@ -13705,12 +8929,12 @@
               <a:gradFill rotWithShape="1">
                 <a:gsLst>
                   <a:gs pos="0">
-                    <a:srgbClr val="c0c0c0">
+                    <a:srgbClr val="C0C0C0">
                       <a:alpha val="0"/>
                     </a:srgbClr>
                   </a:gs>
                   <a:gs pos="100000">
-                    <a:srgbClr val="c0c0c0">
+                    <a:srgbClr val="C0C0C0">
                       <a:gamma/>
                       <a:tint val="34900"/>
                       <a:invGamma/>
@@ -13755,14 +8979,14 @@
               <a:gradFill rotWithShape="1">
                 <a:gsLst>
                   <a:gs pos="0">
-                    <a:srgbClr val="c0c0c0">
+                    <a:srgbClr val="C0C0C0">
                       <a:gamma/>
                       <a:shade val="79220"/>
                       <a:invGamma/>
                     </a:srgbClr>
                   </a:gs>
                   <a:gs pos="100000">
-                    <a:srgbClr val="c0c0c0">
+                    <a:srgbClr val="C0C0C0">
                       <a:alpha val="48000"/>
                     </a:srgbClr>
                   </a:gs>
@@ -13805,14 +9029,14 @@
               <a:gradFill rotWithShape="1">
                 <a:gsLst>
                   <a:gs pos="0">
-                    <a:srgbClr val="c0c0c0">
+                    <a:srgbClr val="C0C0C0">
                       <a:gamma/>
                       <a:tint val="0"/>
                       <a:invGamma/>
                     </a:srgbClr>
                   </a:gs>
                   <a:gs pos="100000">
-                    <a:srgbClr val="c0c0c0">
+                    <a:srgbClr val="C0C0C0">
                       <a:alpha val="38000"/>
                     </a:srgbClr>
                   </a:gs>
@@ -13879,13 +9103,6 @@
                 </a:rPr>
                 <a:t>1</a:t>
               </a:r>
-              <a:endParaRPr lang="en-US" altLang="ko-KR" sz="2400" b="1">
-                <a:solidFill>
-                  <a:srgbClr val="000000"/>
-                </a:solidFill>
-                <a:latin typeface="굴림"/>
-                <a:ea typeface="굴림"/>
-              </a:endParaRPr>
             </a:p>
           </p:txBody>
         </p:sp>
@@ -13900,7 +9117,7 @@
         </p:nvSpPr>
         <p:spPr>
           <a:xfrm>
-            <a:off x="2360613" y="4641284"/>
+            <a:off x="2360613" y="3251845"/>
             <a:ext cx="5094287" cy="1588"/>
           </a:xfrm>
           <a:prstGeom prst="line">
@@ -13935,8 +9152,8 @@
           <p:nvPr/>
         </p:nvGrpSpPr>
         <p:grpSpPr>
-          <a:xfrm rot="0">
-            <a:off x="2120900" y="4098359"/>
+          <a:xfrm>
+            <a:off x="2120900" y="2708920"/>
             <a:ext cx="609600" cy="609600"/>
             <a:chOff x="1248" y="1200"/>
             <a:chExt cx="384" cy="384"/>
@@ -13949,7 +9166,7 @@
             <p:nvPr/>
           </p:nvGrpSpPr>
           <p:grpSpPr>
-            <a:xfrm rot="0">
+            <a:xfrm>
               <a:off x="1248" y="1200"/>
               <a:ext cx="384" cy="384"/>
               <a:chOff x="2016" y="912"/>
@@ -14000,15 +9217,6 @@
                   </a:rPr>
                   <a:t>3</a:t>
                 </a:r>
-                <a:endParaRPr lang="en-US" altLang="ko-KR" sz="2400" b="1">
-                  <a:solidFill>
-                    <a:srgbClr val="000000"/>
-                  </a:solidFill>
-                  <a:latin typeface="Arial"/>
-                  <a:ea typeface="Arial"/>
-                  <a:cs typeface="Arial"/>
-                  <a:sym typeface="Arial"/>
-                </a:endParaRPr>
               </a:p>
             </p:txBody>
           </p:sp>
@@ -14281,14 +9489,14 @@
               <a:gradFill rotWithShape="1">
                 <a:gsLst>
                   <a:gs pos="0">
-                    <a:srgbClr val="c0c0c0">
+                    <a:srgbClr val="C0C0C0">
                       <a:gamma/>
                       <a:shade val="46280"/>
                       <a:invGamma/>
                     </a:srgbClr>
                   </a:gs>
                   <a:gs pos="100000">
-                    <a:srgbClr val="c0c0c0"/>
+                    <a:srgbClr val="C0C0C0"/>
                   </a:gs>
                 </a:gsLst>
                 <a:lin ang="5400000" scaled="1"/>
@@ -14329,12 +9537,12 @@
               <a:gradFill rotWithShape="1">
                 <a:gsLst>
                   <a:gs pos="0">
-                    <a:srgbClr val="c0c0c0">
+                    <a:srgbClr val="C0C0C0">
                       <a:alpha val="0"/>
                     </a:srgbClr>
                   </a:gs>
                   <a:gs pos="100000">
-                    <a:srgbClr val="c0c0c0">
+                    <a:srgbClr val="C0C0C0">
                       <a:gamma/>
                       <a:tint val="34900"/>
                       <a:invGamma/>
@@ -14379,14 +9587,14 @@
               <a:gradFill rotWithShape="1">
                 <a:gsLst>
                   <a:gs pos="0">
-                    <a:srgbClr val="c0c0c0">
+                    <a:srgbClr val="C0C0C0">
                       <a:gamma/>
                       <a:shade val="79220"/>
                       <a:invGamma/>
                     </a:srgbClr>
                   </a:gs>
                   <a:gs pos="100000">
-                    <a:srgbClr val="c0c0c0">
+                    <a:srgbClr val="C0C0C0">
                       <a:alpha val="48000"/>
                     </a:srgbClr>
                   </a:gs>
@@ -14429,14 +9637,14 @@
               <a:gradFill rotWithShape="1">
                 <a:gsLst>
                   <a:gs pos="0">
-                    <a:srgbClr val="c0c0c0">
+                    <a:srgbClr val="C0C0C0">
                       <a:gamma/>
                       <a:tint val="0"/>
                       <a:invGamma/>
                     </a:srgbClr>
                   </a:gs>
                   <a:gs pos="100000">
-                    <a:srgbClr val="c0c0c0">
+                    <a:srgbClr val="C0C0C0">
                       <a:alpha val="38000"/>
                     </a:srgbClr>
                   </a:gs>
@@ -14472,7 +9680,7 @@
           <p:spPr bwMode="gray">
             <a:xfrm>
               <a:off x="1325" y="1236"/>
-              <a:ext cx="227" cy="288"/>
+              <a:ext cx="225" cy="291"/>
             </a:xfrm>
             <a:prstGeom prst="rect">
               <a:avLst/>
@@ -14494,16 +9702,16 @@
                 <a:defRPr lang="ko-KR" altLang="en-US"/>
               </a:pPr>
               <a:r>
-                <a:rPr lang="en-US" altLang="ko-KR" sz="2400" b="1">
+                <a:rPr lang="en-US" altLang="ko-KR" sz="2400" b="1" dirty="0" smtClean="0">
                   <a:solidFill>
                     <a:srgbClr val="000000"/>
                   </a:solidFill>
                   <a:latin typeface="굴림"/>
                   <a:ea typeface="굴림"/>
                 </a:rPr>
-                <a:t>3</a:t>
+                <a:t>2</a:t>
               </a:r>
-              <a:endParaRPr lang="en-US" altLang="ko-KR" sz="2400" b="1">
+              <a:endParaRPr lang="en-US" altLang="ko-KR" sz="2400" b="1" dirty="0">
                 <a:solidFill>
                   <a:srgbClr val="000000"/>
                 </a:solidFill>
@@ -14516,52 +9724,6 @@
       </p:grpSp>
       <p:sp>
         <p:nvSpPr>
-          <p:cNvPr id="116" name="Text Box 56"/>
-          <p:cNvSpPr txBox="1">
-            <a:spLocks noChangeArrowheads="1"/>
-          </p:cNvSpPr>
-          <p:nvPr/>
-        </p:nvSpPr>
-        <p:spPr>
-          <a:xfrm>
-            <a:off x="2821008" y="3058539"/>
-            <a:ext cx="4679950" cy="568581"/>
-          </a:xfrm>
-          <a:prstGeom prst="rect">
-            <a:avLst/>
-          </a:prstGeom>
-          <a:noFill/>
-          <a:ln w="9525" algn="ctr">
-            <a:noFill/>
-            <a:miter/>
-          </a:ln>
-          <a:effectLst/>
-        </p:spPr>
-        <p:txBody>
-          <a:bodyPr wrap="square">
-            <a:spAutoFit/>
-          </a:bodyPr>
-          <a:lstStyle/>
-          <a:p>
-            <a:pPr eaLnBrk="0" hangingPunct="0">
-              <a:defRPr lang="ko-KR" altLang="en-US"/>
-            </a:pPr>
-            <a:r>
-              <a:rPr lang="en-US" altLang="ko-KR" sz="3200" b="1">
-                <a:latin typeface="HY강B"/>
-                <a:ea typeface="HY강B"/>
-              </a:rPr>
-              <a:t>do~while Loop</a:t>
-            </a:r>
-            <a:endParaRPr lang="en-US" altLang="ko-KR" sz="3200" b="1">
-              <a:latin typeface="HY강B"/>
-              <a:ea typeface="HY강B"/>
-            </a:endParaRPr>
-          </a:p>
-        </p:txBody>
-      </p:sp>
-      <p:sp>
-        <p:nvSpPr>
           <p:cNvPr id="117" name="Text Box 57"/>
           <p:cNvSpPr txBox="1">
             <a:spLocks noChangeArrowheads="1"/>
@@ -14570,7 +9732,7 @@
         </p:nvSpPr>
         <p:spPr>
           <a:xfrm>
-            <a:off x="2811483" y="4130109"/>
+            <a:off x="2811483" y="2740670"/>
             <a:ext cx="4608512" cy="573336"/>
           </a:xfrm>
           <a:prstGeom prst="rect">
@@ -14606,10 +9768,6 @@
               </a:rPr>
               <a:t>(Examples)</a:t>
             </a:r>
-            <a:endParaRPr lang="en-US" altLang="ko-KR" sz="3200" b="1">
-              <a:latin typeface="HY강B"/>
-              <a:ea typeface="HY강B"/>
-            </a:endParaRPr>
           </a:p>
         </p:txBody>
       </p:sp>
@@ -14618,11 +9776,11 @@
   <p:clrMapOvr>
     <a:masterClrMapping/>
   </p:clrMapOvr>
-  <mc:AlternateContent xmlns:mc="http://schemas.openxmlformats.org/markup-compatibility/2006">
-    <mc:Choice xmlns:p14="http://schemas.microsoft.com/office/powerpoint/2010/main" Requires="p14">
-      <p:transition xmlns:mc="http://schemas.openxmlformats.org/markup-compatibility/2006" xmlns:p14="http://schemas.microsoft.com/office/powerpoint/2010/main" mc:Ignorable="p14" p14:dur="500"/>
+  <mc:AlternateContent xmlns:mc="http://schemas.openxmlformats.org/markup-compatibility/2006" xmlns:p14="http://schemas.microsoft.com/office/powerpoint/2010/main">
+    <mc:Choice Requires="p14">
+      <p:transition/>
     </mc:Choice>
-    <mc:Fallback>
+    <mc:Fallback xmlns:dsp="http://schemas.microsoft.com/office/drawing/2008/diagram" xmlns:dgm="http://schemas.openxmlformats.org/drawingml/2006/diagram" xmlns:c="http://schemas.openxmlformats.org/drawingml/2006/chart" xmlns="">
       <p:transition/>
     </mc:Fallback>
   </mc:AlternateContent>
@@ -14795,7 +9953,7 @@
                                           </p:stCondLst>
                                         </p:cTn>
                                         <p:tgtEl>
-                                          <p:spTgt spid="63"/>
+                                          <p:spTgt spid="103"/>
                                         </p:tgtEl>
                                         <p:attrNameLst>
                                           <p:attrName>style.visibility</p:attrName>
@@ -14809,7 +9967,7 @@
                                       <p:cBhvr>
                                         <p:cTn id="19" dur="500"/>
                                         <p:tgtEl>
-                                          <p:spTgt spid="63"/>
+                                          <p:spTgt spid="103"/>
                                         </p:tgtEl>
                                       </p:cBhvr>
                                     </p:animEffect>
@@ -14826,7 +9984,7 @@
                             </p:stCondLst>
                             <p:childTnLst>
                               <p:par>
-                                <p:cTn id="21" presetID="14" presetClass="entr" presetSubtype="10" fill="hold" grpId="2" nodeType="afterEffect">
+                                <p:cTn id="21" presetID="14" presetClass="entr" presetSubtype="10" fill="hold" grpId="3" nodeType="afterEffect">
                                   <p:stCondLst>
                                     <p:cond delay="0"/>
                                   </p:stCondLst>
@@ -14834,94 +9992,6 @@
                                     <p:set>
                                       <p:cBhvr>
                                         <p:cTn id="22" dur="1" fill="hold">
-                                          <p:stCondLst>
-                                            <p:cond delay="0"/>
-                                          </p:stCondLst>
-                                        </p:cTn>
-                                        <p:tgtEl>
-                                          <p:spTgt spid="116"/>
-                                        </p:tgtEl>
-                                        <p:attrNameLst>
-                                          <p:attrName>style.visibility</p:attrName>
-                                        </p:attrNameLst>
-                                      </p:cBhvr>
-                                      <p:to>
-                                        <p:strVal val="visible"/>
-                                      </p:to>
-                                    </p:set>
-                                    <p:animEffect transition="in" filter="randombar(horizontal)">
-                                      <p:cBhvr>
-                                        <p:cTn id="23" dur="500"/>
-                                        <p:tgtEl>
-                                          <p:spTgt spid="116"/>
-                                        </p:tgtEl>
-                                      </p:cBhvr>
-                                    </p:animEffect>
-                                  </p:childTnLst>
-                                </p:cTn>
-                              </p:par>
-                            </p:childTnLst>
-                          </p:cTn>
-                        </p:par>
-                        <p:par>
-                          <p:cTn id="24" fill="hold">
-                            <p:stCondLst>
-                              <p:cond delay="2500"/>
-                            </p:stCondLst>
-                            <p:childTnLst>
-                              <p:par>
-                                <p:cTn id="25" presetID="14" presetClass="entr" presetSubtype="10" fill="hold" nodeType="afterEffect">
-                                  <p:stCondLst>
-                                    <p:cond delay="0"/>
-                                  </p:stCondLst>
-                                  <p:childTnLst>
-                                    <p:set>
-                                      <p:cBhvr>
-                                        <p:cTn id="26" dur="1" fill="hold">
-                                          <p:stCondLst>
-                                            <p:cond delay="0"/>
-                                          </p:stCondLst>
-                                        </p:cTn>
-                                        <p:tgtEl>
-                                          <p:spTgt spid="103"/>
-                                        </p:tgtEl>
-                                        <p:attrNameLst>
-                                          <p:attrName>style.visibility</p:attrName>
-                                        </p:attrNameLst>
-                                      </p:cBhvr>
-                                      <p:to>
-                                        <p:strVal val="visible"/>
-                                      </p:to>
-                                    </p:set>
-                                    <p:animEffect transition="in" filter="randombar(horizontal)">
-                                      <p:cBhvr>
-                                        <p:cTn id="27" dur="500"/>
-                                        <p:tgtEl>
-                                          <p:spTgt spid="103"/>
-                                        </p:tgtEl>
-                                      </p:cBhvr>
-                                    </p:animEffect>
-                                  </p:childTnLst>
-                                </p:cTn>
-                              </p:par>
-                            </p:childTnLst>
-                          </p:cTn>
-                        </p:par>
-                        <p:par>
-                          <p:cTn id="28" fill="hold">
-                            <p:stCondLst>
-                              <p:cond delay="3000"/>
-                            </p:stCondLst>
-                            <p:childTnLst>
-                              <p:par>
-                                <p:cTn id="29" presetID="14" presetClass="entr" presetSubtype="10" fill="hold" grpId="3" nodeType="afterEffect">
-                                  <p:stCondLst>
-                                    <p:cond delay="0"/>
-                                  </p:stCondLst>
-                                  <p:childTnLst>
-                                    <p:set>
-                                      <p:cBhvr>
-                                        <p:cTn id="30" dur="1" fill="hold">
                                           <p:stCondLst>
                                             <p:cond delay="0"/>
                                           </p:stCondLst>
@@ -14939,7 +10009,7 @@
                                     </p:set>
                                     <p:animEffect transition="in" filter="randombar(horizontal)">
                                       <p:cBhvr>
-                                        <p:cTn id="31" dur="500"/>
+                                        <p:cTn id="23" dur="500"/>
                                         <p:tgtEl>
                                           <p:spTgt spid="117"/>
                                         </p:tgtEl>
@@ -14978,7 +10048,6 @@
     <p:bldLst>
       <p:bldP spid="68612" grpId="0"/>
       <p:bldP spid="88" grpId="1"/>
-      <p:bldP spid="116" grpId="2"/>
       <p:bldP spid="117" grpId="3"/>
     </p:bldLst>
   </p:timing>
@@ -14986,7 +10055,7 @@
 </file>
 
 <file path=ppt/slides/slide4.xml><?xml version="1.0" encoding="utf-8"?>
-<p:sld xmlns:r="http://schemas.openxmlformats.org/officeDocument/2006/relationships" xmlns:c="http://schemas.openxmlformats.org/drawingml/2006/chart" xmlns:a="http://schemas.openxmlformats.org/drawingml/2006/main" xmlns:dgm="http://schemas.openxmlformats.org/drawingml/2006/diagram" xmlns:dsp="http://schemas.microsoft.com/office/drawing/2008/diagram" xmlns:p="http://schemas.openxmlformats.org/presentationml/2006/main">
+<p:sld xmlns:a="http://schemas.openxmlformats.org/drawingml/2006/main" xmlns:r="http://schemas.openxmlformats.org/officeDocument/2006/relationships" xmlns:p="http://schemas.openxmlformats.org/presentationml/2006/main">
   <p:cSld>
     <p:spTree>
       <p:nvGrpSpPr>
@@ -15009,7 +10078,7 @@
             <a:spLocks noGrp="1"/>
           </p:cNvSpPr>
           <p:nvPr>
-            <p:ph type="title" idx="0"/>
+            <p:ph type="title"/>
           </p:nvPr>
         </p:nvSpPr>
         <p:spPr/>
@@ -15024,7 +10093,6 @@
               <a:rPr lang="en-US" altLang="ko-KR"/>
               <a:t>1. while Loop</a:t>
             </a:r>
-            <a:endParaRPr lang="en-US" altLang="ko-KR"/>
           </a:p>
         </p:txBody>
       </p:sp>
@@ -15075,7 +10143,6 @@
               <a:rPr lang="en-US" altLang="ko-KR" sz="2800"/>
               <a:t>. </a:t>
             </a:r>
-            <a:endParaRPr lang="en-US" altLang="ko-KR" sz="2800"/>
           </a:p>
           <a:p>
             <a:pPr lvl="0">
@@ -15113,7 +10180,6 @@
               <a:rPr lang="en-US" altLang="ko-KR" sz="2800"/>
               <a:t>. </a:t>
             </a:r>
-            <a:endParaRPr lang="en-US" altLang="ko-KR" sz="2800"/>
           </a:p>
           <a:p>
             <a:pPr lvl="0">
@@ -15155,7 +10221,6 @@
               <a:rPr lang="en-US" altLang="ko-KR" sz="2800"/>
               <a:t>. </a:t>
             </a:r>
-            <a:endParaRPr lang="en-US" altLang="ko-KR" sz="2800"/>
           </a:p>
           <a:p>
             <a:pPr lvl="0">
@@ -15193,7 +10258,6 @@
               <a:rPr lang="en-US" altLang="ko-KR" sz="2800"/>
               <a:t>.</a:t>
             </a:r>
-            <a:endParaRPr lang="en-US" altLang="ko-KR" sz="2800"/>
           </a:p>
           <a:p>
             <a:pPr lvl="0">
@@ -15214,11 +10278,11 @@
   <p:clrMapOvr>
     <a:masterClrMapping/>
   </p:clrMapOvr>
-  <mc:AlternateContent xmlns:mc="http://schemas.openxmlformats.org/markup-compatibility/2006">
-    <mc:Choice xmlns:p14="http://schemas.microsoft.com/office/powerpoint/2010/main" Requires="p14">
-      <p:transition xmlns:mc="http://schemas.openxmlformats.org/markup-compatibility/2006" xmlns:p14="http://schemas.microsoft.com/office/powerpoint/2010/main" mc:Ignorable="p14" p14:dur="500"/>
+  <mc:AlternateContent xmlns:mc="http://schemas.openxmlformats.org/markup-compatibility/2006" xmlns:p14="http://schemas.microsoft.com/office/powerpoint/2010/main">
+    <mc:Choice Requires="p14">
+      <p:transition/>
     </mc:Choice>
-    <mc:Fallback>
+    <mc:Fallback xmlns:dsp="http://schemas.microsoft.com/office/drawing/2008/diagram" xmlns:dgm="http://schemas.openxmlformats.org/drawingml/2006/diagram" xmlns:c="http://schemas.openxmlformats.org/drawingml/2006/chart" xmlns="">
       <p:transition/>
     </mc:Fallback>
   </mc:AlternateContent>
@@ -15315,7 +10379,7 @@
 </file>
 
 <file path=ppt/slides/slide5.xml><?xml version="1.0" encoding="utf-8"?>
-<p:sld xmlns:r="http://schemas.openxmlformats.org/officeDocument/2006/relationships" xmlns:c="http://schemas.openxmlformats.org/drawingml/2006/chart" xmlns:a="http://schemas.openxmlformats.org/drawingml/2006/main" xmlns:dgm="http://schemas.openxmlformats.org/drawingml/2006/diagram" xmlns:dsp="http://schemas.microsoft.com/office/drawing/2008/diagram" xmlns:p="http://schemas.openxmlformats.org/presentationml/2006/main">
+<p:sld xmlns:a="http://schemas.openxmlformats.org/drawingml/2006/main" xmlns:r="http://schemas.openxmlformats.org/officeDocument/2006/relationships" xmlns:p="http://schemas.openxmlformats.org/presentationml/2006/main">
   <p:cSld>
     <p:spTree>
       <p:nvGrpSpPr>
@@ -15678,10 +10742,6 @@
               </a:rPr>
               <a:t>.</a:t>
             </a:r>
-            <a:endParaRPr lang="en-US" altLang="ko-KR">
-              <a:latin typeface="HY강B"/>
-              <a:ea typeface="HY강B"/>
-            </a:endParaRPr>
           </a:p>
         </p:txBody>
       </p:sp>
@@ -15690,11 +10750,11 @@
   <p:clrMapOvr>
     <a:masterClrMapping/>
   </p:clrMapOvr>
-  <mc:AlternateContent xmlns:mc="http://schemas.openxmlformats.org/markup-compatibility/2006">
-    <mc:Choice xmlns:p14="http://schemas.microsoft.com/office/powerpoint/2010/main" Requires="p14">
-      <p:transition xmlns:mc="http://schemas.openxmlformats.org/markup-compatibility/2006" xmlns:p14="http://schemas.microsoft.com/office/powerpoint/2010/main" mc:Ignorable="p14" p14:dur="500"/>
+  <mc:AlternateContent xmlns:mc="http://schemas.openxmlformats.org/markup-compatibility/2006" xmlns:p14="http://schemas.microsoft.com/office/powerpoint/2010/main">
+    <mc:Choice Requires="p14">
+      <p:transition/>
     </mc:Choice>
-    <mc:Fallback>
+    <mc:Fallback xmlns:dsp="http://schemas.microsoft.com/office/drawing/2008/diagram" xmlns:dgm="http://schemas.openxmlformats.org/drawingml/2006/diagram" xmlns:c="http://schemas.openxmlformats.org/drawingml/2006/chart" xmlns="">
       <p:transition/>
     </mc:Fallback>
   </mc:AlternateContent>
@@ -15709,7 +10769,7 @@
 </file>
 
 <file path=ppt/slides/slide6.xml><?xml version="1.0" encoding="utf-8"?>
-<p:sld xmlns:r="http://schemas.openxmlformats.org/officeDocument/2006/relationships" xmlns:c="http://schemas.openxmlformats.org/drawingml/2006/chart" xmlns:a="http://schemas.openxmlformats.org/drawingml/2006/main" xmlns:dgm="http://schemas.openxmlformats.org/drawingml/2006/diagram" xmlns:dsp="http://schemas.microsoft.com/office/drawing/2008/diagram" xmlns:p="http://schemas.openxmlformats.org/presentationml/2006/main">
+<p:sld xmlns:a="http://schemas.openxmlformats.org/drawingml/2006/main" xmlns:r="http://schemas.openxmlformats.org/officeDocument/2006/relationships" xmlns:p="http://schemas.openxmlformats.org/presentationml/2006/main">
   <p:cSld>
     <p:spTree>
       <p:nvGrpSpPr>
@@ -15742,19 +10802,19 @@
           <a:gradFill flip="none" rotWithShape="1">
             <a:gsLst>
               <a:gs pos="0">
-                <a:srgbClr val="ffff00">
+                <a:srgbClr val="FFFF00">
                   <a:tint val="66000"/>
                   <a:satMod val="160000"/>
                 </a:srgbClr>
               </a:gs>
               <a:gs pos="50000">
-                <a:srgbClr val="ffff00">
+                <a:srgbClr val="FFFF00">
                   <a:tint val="44500"/>
                   <a:satMod val="160000"/>
                 </a:srgbClr>
               </a:gs>
               <a:gs pos="100000">
-                <a:srgbClr val="ffff00">
+                <a:srgbClr val="FFFF00">
                   <a:tint val="23500"/>
                   <a:satMod val="160000"/>
                 </a:srgbClr>
@@ -15790,7 +10850,6 @@
               <a:rPr lang="en-US" altLang="ko-KR"/>
               <a:t>package pk11;</a:t>
             </a:r>
-            <a:endParaRPr lang="en-US" altLang="ko-KR"/>
           </a:p>
           <a:p>
             <a:pPr>
@@ -15803,7 +10862,6 @@
               <a:rPr lang="en-US" altLang="ko-KR"/>
               <a:t>public class WhilleTest {</a:t>
             </a:r>
-            <a:endParaRPr lang="en-US" altLang="ko-KR"/>
           </a:p>
           <a:p>
             <a:pPr>
@@ -15816,7 +10874,6 @@
               <a:rPr lang="en-US" altLang="ko-KR"/>
               <a:t>	public static void main(String[] args) {</a:t>
             </a:r>
-            <a:endParaRPr lang="en-US" altLang="ko-KR"/>
           </a:p>
           <a:p>
             <a:pPr>
@@ -15829,7 +10886,6 @@
               <a:rPr lang="en-US" altLang="ko-KR"/>
               <a:t>		// TODO Auto-generated method stub</a:t>
             </a:r>
-            <a:endParaRPr lang="en-US" altLang="ko-KR"/>
           </a:p>
           <a:p>
             <a:pPr>
@@ -15850,7 +10906,6 @@
               <a:rPr lang="en-US" altLang="ko-KR"/>
               <a:t>/</a:t>
             </a:r>
-            <a:endParaRPr lang="en-US" altLang="ko-KR"/>
           </a:p>
           <a:p>
             <a:pPr>
@@ -15871,7 +10926,6 @@
               <a:rPr lang="en-US" altLang="ko-KR"/>
               <a:t>/</a:t>
             </a:r>
-            <a:endParaRPr lang="en-US" altLang="ko-KR"/>
           </a:p>
           <a:p>
             <a:pPr>
@@ -15892,7 +10946,6 @@
               <a:rPr lang="en-US" altLang="ko-KR"/>
               <a:t>/</a:t>
             </a:r>
-            <a:endParaRPr lang="en-US" altLang="ko-KR"/>
           </a:p>
           <a:p>
             <a:pPr>
@@ -15921,7 +10974,6 @@
               <a:rPr lang="en-US" altLang="ko-KR"/>
               <a:t>/</a:t>
             </a:r>
-            <a:endParaRPr lang="en-US" altLang="ko-KR"/>
           </a:p>
           <a:p>
             <a:pPr>
@@ -15942,7 +10994,6 @@
               <a:rPr lang="en-US" altLang="ko-KR"/>
               <a:t>/</a:t>
             </a:r>
-            <a:endParaRPr lang="en-US" altLang="ko-KR"/>
           </a:p>
           <a:p>
             <a:pPr>
@@ -15963,7 +11014,6 @@
               <a:rPr lang="en-US" altLang="ko-KR"/>
               <a:t>/</a:t>
             </a:r>
-            <a:endParaRPr lang="en-US" altLang="ko-KR"/>
           </a:p>
           <a:p>
             <a:pPr>
@@ -15984,7 +11034,6 @@
               <a:rPr lang="en-US" altLang="ko-KR"/>
               <a:t>/ </a:t>
             </a:r>
-            <a:endParaRPr lang="en-US" altLang="ko-KR"/>
           </a:p>
           <a:p>
             <a:pPr>
@@ -15997,7 +11046,6 @@
               <a:rPr lang="en-US" altLang="ko-KR"/>
               <a:t>}//of class</a:t>
             </a:r>
-            <a:endParaRPr lang="en-US" altLang="ko-KR"/>
           </a:p>
         </p:txBody>
       </p:sp>
@@ -16127,7 +11175,7 @@
             <a:r>
               <a:rPr lang="ko-KR" altLang="en-US" sz="1400">
                 <a:solidFill>
-                  <a:srgbClr val="0000ff"/>
+                  <a:srgbClr val="0000FF"/>
                 </a:solidFill>
                 <a:latin typeface="HY강B"/>
                 <a:ea typeface="HY강B"/>
@@ -16137,7 +11185,7 @@
             <a:r>
               <a:rPr lang="en-US" altLang="ko-KR" sz="1400">
                 <a:solidFill>
-                  <a:srgbClr val="0000ff"/>
+                  <a:srgbClr val="0000FF"/>
                 </a:solidFill>
                 <a:latin typeface="HY강B"/>
                 <a:ea typeface="HY강B"/>
@@ -16147,7 +11195,7 @@
             <a:r>
               <a:rPr lang="ko-KR" altLang="en-US" sz="1400">
                 <a:solidFill>
-                  <a:srgbClr val="0000ff"/>
+                  <a:srgbClr val="0000FF"/>
                 </a:solidFill>
                 <a:latin typeface="HY강B"/>
                 <a:ea typeface="HY강B"/>
@@ -16157,7 +11205,7 @@
             <a:r>
               <a:rPr lang="en-US" altLang="ko-KR" sz="1400">
                 <a:solidFill>
-                  <a:srgbClr val="0000ff"/>
+                  <a:srgbClr val="0000FF"/>
                 </a:solidFill>
                 <a:latin typeface="HY강B"/>
                 <a:ea typeface="HY강B"/>
@@ -16167,7 +11215,7 @@
             <a:r>
               <a:rPr lang="ko-KR" altLang="en-US" sz="1400">
                 <a:solidFill>
-                  <a:srgbClr val="0000ff"/>
+                  <a:srgbClr val="0000FF"/>
                 </a:solidFill>
                 <a:latin typeface="HY강B"/>
                 <a:ea typeface="HY강B"/>
@@ -16177,7 +11225,7 @@
             <a:r>
               <a:rPr lang="en-US" altLang="ko-KR" sz="1400">
                 <a:solidFill>
-                  <a:srgbClr val="0000ff"/>
+                  <a:srgbClr val="0000FF"/>
                 </a:solidFill>
                 <a:latin typeface="HY강B"/>
                 <a:ea typeface="HY강B"/>
@@ -16187,7 +11235,7 @@
             <a:r>
               <a:rPr lang="ko-KR" altLang="en-US" sz="1400">
                 <a:solidFill>
-                  <a:srgbClr val="0000ff"/>
+                  <a:srgbClr val="0000FF"/>
                 </a:solidFill>
                 <a:latin typeface="HY강B"/>
                 <a:ea typeface="HY강B"/>
@@ -16197,7 +11245,7 @@
             <a:r>
               <a:rPr lang="en-US" altLang="ko-KR" sz="1400">
                 <a:solidFill>
-                  <a:srgbClr val="0000ff"/>
+                  <a:srgbClr val="0000FF"/>
                 </a:solidFill>
                 <a:latin typeface="HY강B"/>
                 <a:ea typeface="HY강B"/>
@@ -16207,7 +11255,7 @@
             <a:r>
               <a:rPr lang="ko-KR" altLang="en-US" sz="1400">
                 <a:solidFill>
-                  <a:srgbClr val="0000ff"/>
+                  <a:srgbClr val="0000FF"/>
                 </a:solidFill>
                 <a:latin typeface="HY강B"/>
                 <a:ea typeface="HY강B"/>
@@ -16217,7 +11265,7 @@
             <a:r>
               <a:rPr lang="en-US" altLang="ko-KR" sz="1400">
                 <a:solidFill>
-                  <a:srgbClr val="0000ff"/>
+                  <a:srgbClr val="0000FF"/>
                 </a:solidFill>
                 <a:latin typeface="HY강B"/>
                 <a:ea typeface="HY강B"/>
@@ -16227,7 +11275,7 @@
             <a:r>
               <a:rPr lang="ko-KR" altLang="en-US" sz="1400">
                 <a:solidFill>
-                  <a:srgbClr val="0000ff"/>
+                  <a:srgbClr val="0000FF"/>
                 </a:solidFill>
                 <a:latin typeface="HY강B"/>
                 <a:ea typeface="HY강B"/>
@@ -16237,7 +11285,7 @@
             <a:r>
               <a:rPr lang="en-US" altLang="ko-KR" sz="1400">
                 <a:solidFill>
-                  <a:srgbClr val="0000ff"/>
+                  <a:srgbClr val="0000FF"/>
                 </a:solidFill>
                 <a:latin typeface="HY강B"/>
                 <a:ea typeface="HY강B"/>
@@ -16247,7 +11295,7 @@
             <a:r>
               <a:rPr lang="ko-KR" altLang="en-US" sz="1400">
                 <a:solidFill>
-                  <a:srgbClr val="0000ff"/>
+                  <a:srgbClr val="0000FF"/>
                 </a:solidFill>
                 <a:latin typeface="HY강B"/>
                 <a:ea typeface="HY강B"/>
@@ -16257,7 +11305,7 @@
             <a:r>
               <a:rPr lang="en-US" altLang="ko-KR" sz="1400">
                 <a:solidFill>
-                  <a:srgbClr val="0000ff"/>
+                  <a:srgbClr val="0000FF"/>
                 </a:solidFill>
                 <a:latin typeface="HY강B"/>
                 <a:ea typeface="HY강B"/>
@@ -16267,7 +11315,7 @@
             <a:r>
               <a:rPr lang="ko-KR" altLang="en-US" sz="1400">
                 <a:solidFill>
-                  <a:srgbClr val="0000ff"/>
+                  <a:srgbClr val="0000FF"/>
                 </a:solidFill>
                 <a:latin typeface="HY강B"/>
                 <a:ea typeface="HY강B"/>
@@ -16277,7 +11325,7 @@
             <a:r>
               <a:rPr lang="en-US" altLang="ko-KR" sz="1400">
                 <a:solidFill>
-                  <a:srgbClr val="0000ff"/>
+                  <a:srgbClr val="0000FF"/>
                 </a:solidFill>
                 <a:latin typeface="HY강B"/>
                 <a:ea typeface="HY강B"/>
@@ -16287,7 +11335,7 @@
             <a:r>
               <a:rPr lang="ko-KR" altLang="en-US" sz="1400">
                 <a:solidFill>
-                  <a:srgbClr val="0000ff"/>
+                  <a:srgbClr val="0000FF"/>
                 </a:solidFill>
                 <a:latin typeface="HY강B"/>
                 <a:ea typeface="HY강B"/>
@@ -16297,20 +11345,13 @@
             <a:r>
               <a:rPr lang="en-US" altLang="ko-KR" sz="1400">
                 <a:solidFill>
-                  <a:srgbClr val="0000ff"/>
+                  <a:srgbClr val="0000FF"/>
                 </a:solidFill>
                 <a:latin typeface="HY강B"/>
                 <a:ea typeface="HY강B"/>
               </a:rPr>
               <a:t>.</a:t>
             </a:r>
-            <a:endParaRPr lang="en-US" altLang="ko-KR" sz="1400">
-              <a:solidFill>
-                <a:srgbClr val="0000ff"/>
-              </a:solidFill>
-              <a:latin typeface="HY강B"/>
-              <a:ea typeface="HY강B"/>
-            </a:endParaRPr>
           </a:p>
         </p:txBody>
       </p:sp>
@@ -16319,11 +11360,11 @@
   <p:clrMapOvr>
     <a:masterClrMapping/>
   </p:clrMapOvr>
-  <mc:AlternateContent xmlns:mc="http://schemas.openxmlformats.org/markup-compatibility/2006">
-    <mc:Choice xmlns:p14="http://schemas.microsoft.com/office/powerpoint/2010/main" Requires="p14">
-      <p:transition xmlns:mc="http://schemas.openxmlformats.org/markup-compatibility/2006" xmlns:p14="http://schemas.microsoft.com/office/powerpoint/2010/main" mc:Ignorable="p14" p14:dur="500"/>
+  <mc:AlternateContent xmlns:mc="http://schemas.openxmlformats.org/markup-compatibility/2006" xmlns:p14="http://schemas.microsoft.com/office/powerpoint/2010/main">
+    <mc:Choice Requires="p14">
+      <p:transition/>
     </mc:Choice>
-    <mc:Fallback>
+    <mc:Fallback xmlns:dsp="http://schemas.microsoft.com/office/drawing/2008/diagram" xmlns:dgm="http://schemas.openxmlformats.org/drawingml/2006/diagram" xmlns:c="http://schemas.openxmlformats.org/drawingml/2006/chart" xmlns="">
       <p:transition/>
     </mc:Fallback>
   </mc:AlternateContent>
@@ -16338,7 +11379,7 @@
 </file>
 
 <file path=ppt/slides/slide7.xml><?xml version="1.0" encoding="utf-8"?>
-<p:sld xmlns:r="http://schemas.openxmlformats.org/officeDocument/2006/relationships" xmlns:c="http://schemas.openxmlformats.org/drawingml/2006/chart" xmlns:a="http://schemas.openxmlformats.org/drawingml/2006/main" xmlns:dgm="http://schemas.openxmlformats.org/drawingml/2006/diagram" xmlns:dsp="http://schemas.microsoft.com/office/drawing/2008/diagram" xmlns:p="http://schemas.openxmlformats.org/presentationml/2006/main">
+<p:sld xmlns:a="http://schemas.openxmlformats.org/drawingml/2006/main" xmlns:r="http://schemas.openxmlformats.org/officeDocument/2006/relationships" xmlns:p="http://schemas.openxmlformats.org/presentationml/2006/main">
   <p:cSld>
     <p:spTree>
       <p:nvGrpSpPr>
@@ -16369,17 +11410,49 @@
         <a:graphic>
           <a:graphicData uri="http://schemas.openxmlformats.org/drawingml/2006/table">
             <a:tbl>
+              <a:tblPr/>
               <a:tblGrid>
-                <a:gridCol w="972528"/>
-                <a:gridCol w="1599595"/>
-                <a:gridCol w="1426764"/>
-                <a:gridCol w="1769002"/>
-                <a:gridCol w="2090290"/>
+                <a:gridCol w="972528">
+                  <a:extLst>
+                    <a:ext uri="{9D8B030D-6E8A-4147-A177-3AD203B41FA5}">
+                      <a16:colId xmlns:a16="http://schemas.microsoft.com/office/drawing/2014/main" val="20000"/>
+                    </a:ext>
+                  </a:extLst>
+                </a:gridCol>
+                <a:gridCol w="1599595">
+                  <a:extLst>
+                    <a:ext uri="{9D8B030D-6E8A-4147-A177-3AD203B41FA5}">
+                      <a16:colId xmlns:a16="http://schemas.microsoft.com/office/drawing/2014/main" val="20001"/>
+                    </a:ext>
+                  </a:extLst>
+                </a:gridCol>
+                <a:gridCol w="1426764">
+                  <a:extLst>
+                    <a:ext uri="{9D8B030D-6E8A-4147-A177-3AD203B41FA5}">
+                      <a16:colId xmlns:a16="http://schemas.microsoft.com/office/drawing/2014/main" val="20002"/>
+                    </a:ext>
+                  </a:extLst>
+                </a:gridCol>
+                <a:gridCol w="1769002">
+                  <a:extLst>
+                    <a:ext uri="{9D8B030D-6E8A-4147-A177-3AD203B41FA5}">
+                      <a16:colId xmlns:a16="http://schemas.microsoft.com/office/drawing/2014/main" val="20003"/>
+                    </a:ext>
+                  </a:extLst>
+                </a:gridCol>
+                <a:gridCol w="2090290">
+                  <a:extLst>
+                    <a:ext uri="{9D8B030D-6E8A-4147-A177-3AD203B41FA5}">
+                      <a16:colId xmlns:a16="http://schemas.microsoft.com/office/drawing/2014/main" val="20004"/>
+                    </a:ext>
+                  </a:extLst>
+                </a:gridCol>
               </a:tblGrid>
               <a:tr h="963738">
                 <a:tc>
                   <a:txBody>
-                    <a:bodyPr vert="horz" lIns="91440" tIns="45720" rIns="91440" bIns="45720" anchor="ctr" anchorCtr="0"/>
+                    <a:bodyPr/>
+                    <a:lstStyle/>
                     <a:p>
                       <a:pPr marL="0" algn="ctr">
                         <a:lnSpc>
@@ -16412,7 +11485,7 @@
                       </a:endParaRPr>
                     </a:p>
                   </a:txBody>
-                  <a:tcPr marL="91440" marR="91440" anchor="ctr">
+                  <a:tcPr anchor="ctr">
                     <a:lnL w="3556" cap="flat" cmpd="sng" algn="ctr">
                       <a:solidFill>
                         <a:srgbClr val="000000"/>
@@ -16451,7 +11524,8 @@
                 </a:tc>
                 <a:tc>
                   <a:txBody>
-                    <a:bodyPr vert="horz" lIns="91440" tIns="45720" rIns="91440" bIns="45720" anchor="ctr" anchorCtr="0"/>
+                    <a:bodyPr/>
+                    <a:lstStyle/>
                     <a:p>
                       <a:pPr marL="0" algn="ctr">
                         <a:lnSpc>
@@ -16494,7 +11568,7 @@
                       </a:endParaRPr>
                     </a:p>
                   </a:txBody>
-                  <a:tcPr marL="91440" marR="91440" anchor="ctr">
+                  <a:tcPr anchor="ctr">
                     <a:lnL w="3556" cap="flat" cmpd="sng" algn="ctr">
                       <a:solidFill>
                         <a:srgbClr val="000000"/>
@@ -16533,7 +11607,8 @@
                 </a:tc>
                 <a:tc gridSpan="2">
                   <a:txBody>
-                    <a:bodyPr vert="horz" lIns="91440" tIns="45720" rIns="91440" bIns="45720" anchor="ctr" anchorCtr="0"/>
+                    <a:bodyPr/>
+                    <a:lstStyle/>
                     <a:p>
                       <a:pPr marL="0" algn="ctr">
                         <a:lnSpc>
@@ -16587,13 +11662,6 @@
                         </a:rPr>
                         <a:t>의 </a:t>
                       </a:r>
-                      <a:endParaRPr lang="ko-KR" altLang="en-US" sz="1400" b="1">
-                        <a:solidFill>
-                          <a:srgbClr val="000000"/>
-                        </a:solidFill>
-                        <a:latin typeface="HY강B"/>
-                        <a:ea typeface="HY강B"/>
-                      </a:endParaRPr>
                     </a:p>
                     <a:p>
                       <a:pPr marL="0" algn="ctr">
@@ -16637,7 +11705,7 @@
                       </a:endParaRPr>
                     </a:p>
                   </a:txBody>
-                  <a:tcPr marL="91440" marR="91440" anchor="ctr">
+                  <a:tcPr anchor="ctr">
                     <a:lnL w="3556" cap="flat" cmpd="sng" algn="ctr">
                       <a:solidFill>
                         <a:srgbClr val="000000"/>
@@ -16677,6 +11745,7 @@
                 <a:tc hMerge="1">
                   <a:txBody>
                     <a:bodyPr/>
+                    <a:lstStyle/>
                     <a:p>
                       <a:pPr latinLnBrk="1">
                         <a:defRPr lang="ko-KR" altLang="en-US"/>
@@ -16684,11 +11753,12 @@
                       <a:endParaRPr lang="ko-KR" altLang="en-US"/>
                     </a:p>
                   </a:txBody>
-                  <a:tcPr marL="91440" marR="91440"/>
+                  <a:tcPr/>
                 </a:tc>
                 <a:tc>
                   <a:txBody>
-                    <a:bodyPr vert="horz" lIns="91440" tIns="45720" rIns="91440" bIns="45720" anchor="ctr" anchorCtr="0"/>
+                    <a:bodyPr/>
+                    <a:lstStyle/>
                     <a:p>
                       <a:pPr marL="0" algn="ctr">
                         <a:lnSpc>
@@ -16721,7 +11791,7 @@
                       </a:endParaRPr>
                     </a:p>
                   </a:txBody>
-                  <a:tcPr marL="91440" marR="91440" anchor="ctr">
+                  <a:tcPr anchor="ctr">
                     <a:lnL w="3556" cap="flat" cmpd="sng" algn="ctr">
                       <a:solidFill>
                         <a:srgbClr val="000000"/>
@@ -16758,11 +11828,17 @@
                     </a:solidFill>
                   </a:tcPr>
                 </a:tc>
+                <a:extLst>
+                  <a:ext uri="{0D108BD9-81ED-4DB2-BD59-A6C34878D82A}">
+                    <a16:rowId xmlns:a16="http://schemas.microsoft.com/office/drawing/2014/main" val="10000"/>
+                  </a:ext>
+                </a:extLst>
               </a:tr>
               <a:tr h="535411">
                 <a:tc>
                   <a:txBody>
-                    <a:bodyPr vert="horz" lIns="91440" tIns="45720" rIns="91440" bIns="45720" anchor="ctr" anchorCtr="0"/>
+                    <a:bodyPr/>
+                    <a:lstStyle/>
                     <a:p>
                       <a:pPr marL="0" algn="ctr">
                         <a:lnSpc>
@@ -16795,7 +11871,7 @@
                       </a:endParaRPr>
                     </a:p>
                   </a:txBody>
-                  <a:tcPr marL="91440" marR="91440" anchor="ctr">
+                  <a:tcPr anchor="ctr">
                     <a:lnL w="3556" cap="flat" cmpd="sng" algn="ctr">
                       <a:solidFill>
                         <a:srgbClr val="000000"/>
@@ -16828,7 +11904,8 @@
                 </a:tc>
                 <a:tc>
                   <a:txBody>
-                    <a:bodyPr vert="horz" lIns="91440" tIns="45720" rIns="91440" bIns="45720" anchor="ctr" anchorCtr="0"/>
+                    <a:bodyPr/>
+                    <a:lstStyle/>
                     <a:p>
                       <a:pPr marL="0" algn="ctr">
                         <a:lnSpc>
@@ -16861,7 +11938,7 @@
                       </a:endParaRPr>
                     </a:p>
                   </a:txBody>
-                  <a:tcPr marL="91440" marR="91440" anchor="ctr">
+                  <a:tcPr anchor="ctr">
                     <a:lnL w="3556" cap="flat" cmpd="sng" algn="ctr">
                       <a:solidFill>
                         <a:srgbClr val="000000"/>
@@ -16894,7 +11971,8 @@
                 </a:tc>
                 <a:tc>
                   <a:txBody>
-                    <a:bodyPr vert="horz" lIns="91440" tIns="45720" rIns="91440" bIns="45720" anchor="ctr" anchorCtr="0"/>
+                    <a:bodyPr/>
+                    <a:lstStyle/>
                     <a:p>
                       <a:pPr marL="0" algn="ctr">
                         <a:lnSpc>
@@ -16927,7 +12005,7 @@
                       </a:endParaRPr>
                     </a:p>
                   </a:txBody>
-                  <a:tcPr marL="91440" marR="91440" anchor="ctr">
+                  <a:tcPr anchor="ctr">
                     <a:lnL w="3556" cap="flat" cmpd="sng" algn="ctr">
                       <a:solidFill>
                         <a:srgbClr val="000000"/>
@@ -16960,7 +12038,8 @@
                 </a:tc>
                 <a:tc>
                   <a:txBody>
-                    <a:bodyPr vert="horz" lIns="91440" tIns="45720" rIns="91440" bIns="45720" anchor="ctr" anchorCtr="0"/>
+                    <a:bodyPr/>
+                    <a:lstStyle/>
                     <a:p>
                       <a:pPr marL="0" algn="ctr">
                         <a:lnSpc>
@@ -16993,7 +12072,7 @@
                       </a:endParaRPr>
                     </a:p>
                   </a:txBody>
-                  <a:tcPr marL="91440" marR="91440" anchor="ctr">
+                  <a:tcPr anchor="ctr">
                     <a:lnL w="3556" cap="flat" cmpd="sng" algn="ctr">
                       <a:solidFill>
                         <a:srgbClr val="000000"/>
@@ -17026,7 +12105,8 @@
                 </a:tc>
                 <a:tc>
                   <a:txBody>
-                    <a:bodyPr vert="horz" lIns="91440" tIns="45720" rIns="91440" bIns="45720" anchor="ctr" anchorCtr="0"/>
+                    <a:bodyPr/>
+                    <a:lstStyle/>
                     <a:p>
                       <a:pPr marL="0" algn="just">
                         <a:lnSpc>
@@ -17059,7 +12139,7 @@
                       </a:endParaRPr>
                     </a:p>
                   </a:txBody>
-                  <a:tcPr marL="91440" marR="91440" anchor="ctr">
+                  <a:tcPr anchor="ctr">
                     <a:lnL w="3556" cap="flat" cmpd="sng" algn="ctr">
                       <a:solidFill>
                         <a:srgbClr val="000000"/>
@@ -17090,11 +12170,17 @@
                     </a:lnB>
                   </a:tcPr>
                 </a:tc>
+                <a:extLst>
+                  <a:ext uri="{0D108BD9-81ED-4DB2-BD59-A6C34878D82A}">
+                    <a16:rowId xmlns:a16="http://schemas.microsoft.com/office/drawing/2014/main" val="10001"/>
+                  </a:ext>
+                </a:extLst>
               </a:tr>
               <a:tr h="535411">
                 <a:tc>
                   <a:txBody>
-                    <a:bodyPr vert="horz" lIns="91440" tIns="45720" rIns="91440" bIns="45720" anchor="ctr" anchorCtr="0"/>
+                    <a:bodyPr/>
+                    <a:lstStyle/>
                     <a:p>
                       <a:pPr marL="0" algn="ctr">
                         <a:lnSpc>
@@ -17127,7 +12213,7 @@
                       </a:endParaRPr>
                     </a:p>
                   </a:txBody>
-                  <a:tcPr marL="91440" marR="91440" anchor="ctr">
+                  <a:tcPr anchor="ctr">
                     <a:lnL w="3556" cap="flat" cmpd="sng" algn="ctr">
                       <a:solidFill>
                         <a:srgbClr val="000000"/>
@@ -17160,7 +12246,8 @@
                 </a:tc>
                 <a:tc>
                   <a:txBody>
-                    <a:bodyPr vert="horz" lIns="91440" tIns="45720" rIns="91440" bIns="45720" anchor="ctr" anchorCtr="0"/>
+                    <a:bodyPr/>
+                    <a:lstStyle/>
                     <a:p>
                       <a:pPr marL="0" algn="ctr">
                         <a:lnSpc>
@@ -17193,7 +12280,7 @@
                       </a:endParaRPr>
                     </a:p>
                   </a:txBody>
-                  <a:tcPr marL="91440" marR="91440" anchor="ctr">
+                  <a:tcPr anchor="ctr">
                     <a:lnL w="3556" cap="flat" cmpd="sng" algn="ctr">
                       <a:solidFill>
                         <a:srgbClr val="000000"/>
@@ -17226,7 +12313,8 @@
                 </a:tc>
                 <a:tc>
                   <a:txBody>
-                    <a:bodyPr vert="horz" lIns="91440" tIns="45720" rIns="91440" bIns="45720" anchor="ctr" anchorCtr="0"/>
+                    <a:bodyPr/>
+                    <a:lstStyle/>
                     <a:p>
                       <a:pPr marL="0" algn="ctr">
                         <a:lnSpc>
@@ -17259,7 +12347,7 @@
                       </a:endParaRPr>
                     </a:p>
                   </a:txBody>
-                  <a:tcPr marL="91440" marR="91440" anchor="ctr">
+                  <a:tcPr anchor="ctr">
                     <a:lnL w="3556" cap="flat" cmpd="sng" algn="ctr">
                       <a:solidFill>
                         <a:srgbClr val="000000"/>
@@ -17292,7 +12380,8 @@
                 </a:tc>
                 <a:tc>
                   <a:txBody>
-                    <a:bodyPr vert="horz" lIns="91440" tIns="45720" rIns="91440" bIns="45720" anchor="ctr" anchorCtr="0"/>
+                    <a:bodyPr/>
+                    <a:lstStyle/>
                     <a:p>
                       <a:pPr marL="0" algn="ctr">
                         <a:lnSpc>
@@ -17325,7 +12414,7 @@
                       </a:endParaRPr>
                     </a:p>
                   </a:txBody>
-                  <a:tcPr marL="91440" marR="91440" anchor="ctr">
+                  <a:tcPr anchor="ctr">
                     <a:lnL w="3556" cap="flat" cmpd="sng" algn="ctr">
                       <a:solidFill>
                         <a:srgbClr val="000000"/>
@@ -17358,7 +12447,8 @@
                 </a:tc>
                 <a:tc>
                   <a:txBody>
-                    <a:bodyPr vert="horz" lIns="91440" tIns="45720" rIns="91440" bIns="45720" anchor="ctr" anchorCtr="0"/>
+                    <a:bodyPr/>
+                    <a:lstStyle/>
                     <a:p>
                       <a:pPr marL="0" algn="just">
                         <a:lnSpc>
@@ -17391,7 +12481,7 @@
                       </a:endParaRPr>
                     </a:p>
                   </a:txBody>
-                  <a:tcPr marL="91440" marR="91440" anchor="ctr">
+                  <a:tcPr anchor="ctr">
                     <a:lnL w="3556" cap="flat" cmpd="sng" algn="ctr">
                       <a:solidFill>
                         <a:srgbClr val="000000"/>
@@ -17422,11 +12512,17 @@
                     </a:lnB>
                   </a:tcPr>
                 </a:tc>
+                <a:extLst>
+                  <a:ext uri="{0D108BD9-81ED-4DB2-BD59-A6C34878D82A}">
+                    <a16:rowId xmlns:a16="http://schemas.microsoft.com/office/drawing/2014/main" val="10002"/>
+                  </a:ext>
+                </a:extLst>
               </a:tr>
               <a:tr h="535411">
                 <a:tc>
                   <a:txBody>
-                    <a:bodyPr vert="horz" lIns="91440" tIns="45720" rIns="91440" bIns="45720" anchor="ctr" anchorCtr="0"/>
+                    <a:bodyPr/>
+                    <a:lstStyle/>
                     <a:p>
                       <a:pPr marL="0" algn="ctr">
                         <a:lnSpc>
@@ -17459,7 +12555,7 @@
                       </a:endParaRPr>
                     </a:p>
                   </a:txBody>
-                  <a:tcPr marL="91440" marR="91440" anchor="ctr">
+                  <a:tcPr anchor="ctr">
                     <a:lnL w="3556" cap="flat" cmpd="sng" algn="ctr">
                       <a:solidFill>
                         <a:srgbClr val="000000"/>
@@ -17492,7 +12588,8 @@
                 </a:tc>
                 <a:tc>
                   <a:txBody>
-                    <a:bodyPr vert="horz" lIns="91440" tIns="45720" rIns="91440" bIns="45720" anchor="ctr" anchorCtr="0"/>
+                    <a:bodyPr/>
+                    <a:lstStyle/>
                     <a:p>
                       <a:pPr marL="0" algn="ctr">
                         <a:lnSpc>
@@ -17525,7 +12622,7 @@
                       </a:endParaRPr>
                     </a:p>
                   </a:txBody>
-                  <a:tcPr marL="91440" marR="91440" anchor="ctr">
+                  <a:tcPr anchor="ctr">
                     <a:lnL w="3556" cap="flat" cmpd="sng" algn="ctr">
                       <a:solidFill>
                         <a:srgbClr val="000000"/>
@@ -17558,7 +12655,8 @@
                 </a:tc>
                 <a:tc>
                   <a:txBody>
-                    <a:bodyPr vert="horz" lIns="91440" tIns="45720" rIns="91440" bIns="45720" anchor="ctr" anchorCtr="0"/>
+                    <a:bodyPr/>
+                    <a:lstStyle/>
                     <a:p>
                       <a:pPr marL="0" algn="ctr">
                         <a:lnSpc>
@@ -17591,7 +12689,7 @@
                       </a:endParaRPr>
                     </a:p>
                   </a:txBody>
-                  <a:tcPr marL="91440" marR="91440" anchor="ctr">
+                  <a:tcPr anchor="ctr">
                     <a:lnL w="3556" cap="flat" cmpd="sng" algn="ctr">
                       <a:solidFill>
                         <a:srgbClr val="000000"/>
@@ -17624,7 +12722,8 @@
                 </a:tc>
                 <a:tc>
                   <a:txBody>
-                    <a:bodyPr vert="horz" lIns="91440" tIns="45720" rIns="91440" bIns="45720" anchor="ctr" anchorCtr="0"/>
+                    <a:bodyPr/>
+                    <a:lstStyle/>
                     <a:p>
                       <a:pPr marL="0" algn="ctr">
                         <a:lnSpc>
@@ -17657,7 +12756,7 @@
                       </a:endParaRPr>
                     </a:p>
                   </a:txBody>
-                  <a:tcPr marL="91440" marR="91440" anchor="ctr">
+                  <a:tcPr anchor="ctr">
                     <a:lnL w="3556" cap="flat" cmpd="sng" algn="ctr">
                       <a:solidFill>
                         <a:srgbClr val="000000"/>
@@ -17690,7 +12789,8 @@
                 </a:tc>
                 <a:tc>
                   <a:txBody>
-                    <a:bodyPr vert="horz" lIns="91440" tIns="45720" rIns="91440" bIns="45720" anchor="ctr" anchorCtr="0"/>
+                    <a:bodyPr/>
+                    <a:lstStyle/>
                     <a:p>
                       <a:pPr marL="0" algn="just">
                         <a:lnSpc>
@@ -17723,7 +12823,7 @@
                       </a:endParaRPr>
                     </a:p>
                   </a:txBody>
-                  <a:tcPr marL="91440" marR="91440" anchor="ctr">
+                  <a:tcPr anchor="ctr">
                     <a:lnL w="3556" cap="flat" cmpd="sng" algn="ctr">
                       <a:solidFill>
                         <a:srgbClr val="000000"/>
@@ -17754,11 +12854,17 @@
                     </a:lnB>
                   </a:tcPr>
                 </a:tc>
+                <a:extLst>
+                  <a:ext uri="{0D108BD9-81ED-4DB2-BD59-A6C34878D82A}">
+                    <a16:rowId xmlns:a16="http://schemas.microsoft.com/office/drawing/2014/main" val="10003"/>
+                  </a:ext>
+                </a:extLst>
               </a:tr>
               <a:tr h="535411">
                 <a:tc>
                   <a:txBody>
-                    <a:bodyPr vert="horz" lIns="91440" tIns="45720" rIns="91440" bIns="45720" anchor="ctr" anchorCtr="0"/>
+                    <a:bodyPr/>
+                    <a:lstStyle/>
                     <a:p>
                       <a:pPr marL="0" algn="ctr">
                         <a:lnSpc>
@@ -17791,7 +12897,7 @@
                       </a:endParaRPr>
                     </a:p>
                   </a:txBody>
-                  <a:tcPr marL="91440" marR="91440" anchor="ctr">
+                  <a:tcPr anchor="ctr">
                     <a:lnL w="3556" cap="flat" cmpd="sng" algn="ctr">
                       <a:solidFill>
                         <a:srgbClr val="000000"/>
@@ -17824,7 +12930,8 @@
                 </a:tc>
                 <a:tc>
                   <a:txBody>
-                    <a:bodyPr vert="horz" lIns="91440" tIns="45720" rIns="91440" bIns="45720" anchor="ctr" anchorCtr="0"/>
+                    <a:bodyPr/>
+                    <a:lstStyle/>
                     <a:p>
                       <a:pPr marL="0" algn="ctr">
                         <a:lnSpc>
@@ -17857,7 +12964,7 @@
                       </a:endParaRPr>
                     </a:p>
                   </a:txBody>
-                  <a:tcPr marL="91440" marR="91440" anchor="ctr">
+                  <a:tcPr anchor="ctr">
                     <a:lnL w="3556" cap="flat" cmpd="sng" algn="ctr">
                       <a:solidFill>
                         <a:srgbClr val="000000"/>
@@ -17890,7 +12997,8 @@
                 </a:tc>
                 <a:tc>
                   <a:txBody>
-                    <a:bodyPr vert="horz" lIns="91440" tIns="45720" rIns="91440" bIns="45720" anchor="ctr" anchorCtr="0"/>
+                    <a:bodyPr/>
+                    <a:lstStyle/>
                     <a:p>
                       <a:pPr marL="0" algn="ctr">
                         <a:lnSpc>
@@ -17923,7 +13031,7 @@
                       </a:endParaRPr>
                     </a:p>
                   </a:txBody>
-                  <a:tcPr marL="91440" marR="91440" anchor="ctr">
+                  <a:tcPr anchor="ctr">
                     <a:lnL w="3556" cap="flat" cmpd="sng" algn="ctr">
                       <a:solidFill>
                         <a:srgbClr val="000000"/>
@@ -17956,7 +13064,8 @@
                 </a:tc>
                 <a:tc>
                   <a:txBody>
-                    <a:bodyPr vert="horz" lIns="91440" tIns="45720" rIns="91440" bIns="45720" anchor="ctr" anchorCtr="0"/>
+                    <a:bodyPr/>
+                    <a:lstStyle/>
                     <a:p>
                       <a:pPr marL="0" algn="ctr">
                         <a:lnSpc>
@@ -17989,7 +13098,7 @@
                       </a:endParaRPr>
                     </a:p>
                   </a:txBody>
-                  <a:tcPr marL="91440" marR="91440" anchor="ctr">
+                  <a:tcPr anchor="ctr">
                     <a:lnL w="3556" cap="flat" cmpd="sng" algn="ctr">
                       <a:solidFill>
                         <a:srgbClr val="000000"/>
@@ -18022,7 +13131,8 @@
                 </a:tc>
                 <a:tc>
                   <a:txBody>
-                    <a:bodyPr vert="horz" lIns="91440" tIns="45720" rIns="91440" bIns="45720" anchor="ctr" anchorCtr="0"/>
+                    <a:bodyPr/>
+                    <a:lstStyle/>
                     <a:p>
                       <a:pPr marL="0" algn="just">
                         <a:lnSpc>
@@ -18055,7 +13165,7 @@
                       </a:endParaRPr>
                     </a:p>
                   </a:txBody>
-                  <a:tcPr marL="91440" marR="91440" anchor="ctr">
+                  <a:tcPr anchor="ctr">
                     <a:lnL w="3556" cap="flat" cmpd="sng" algn="ctr">
                       <a:solidFill>
                         <a:srgbClr val="000000"/>
@@ -18086,11 +13196,17 @@
                     </a:lnB>
                   </a:tcPr>
                 </a:tc>
+                <a:extLst>
+                  <a:ext uri="{0D108BD9-81ED-4DB2-BD59-A6C34878D82A}">
+                    <a16:rowId xmlns:a16="http://schemas.microsoft.com/office/drawing/2014/main" val="10004"/>
+                  </a:ext>
+                </a:extLst>
               </a:tr>
               <a:tr h="535411">
                 <a:tc>
                   <a:txBody>
-                    <a:bodyPr vert="horz" lIns="91440" tIns="45720" rIns="91440" bIns="45720" anchor="ctr" anchorCtr="0"/>
+                    <a:bodyPr/>
+                    <a:lstStyle/>
                     <a:p>
                       <a:pPr marL="0" algn="ctr">
                         <a:lnSpc>
@@ -18123,7 +13239,7 @@
                       </a:endParaRPr>
                     </a:p>
                   </a:txBody>
-                  <a:tcPr marL="91440" marR="91440" anchor="ctr">
+                  <a:tcPr anchor="ctr">
                     <a:lnL w="3556" cap="flat" cmpd="sng" algn="ctr">
                       <a:solidFill>
                         <a:srgbClr val="000000"/>
@@ -18156,7 +13272,8 @@
                 </a:tc>
                 <a:tc>
                   <a:txBody>
-                    <a:bodyPr vert="horz" lIns="91440" tIns="45720" rIns="91440" bIns="45720" anchor="ctr" anchorCtr="0"/>
+                    <a:bodyPr/>
+                    <a:lstStyle/>
                     <a:p>
                       <a:pPr marL="0" algn="ctr">
                         <a:lnSpc>
@@ -18189,7 +13306,7 @@
                       </a:endParaRPr>
                     </a:p>
                   </a:txBody>
-                  <a:tcPr marL="91440" marR="91440" anchor="ctr">
+                  <a:tcPr anchor="ctr">
                     <a:lnL w="3556" cap="flat" cmpd="sng" algn="ctr">
                       <a:solidFill>
                         <a:srgbClr val="000000"/>
@@ -18222,7 +13339,8 @@
                 </a:tc>
                 <a:tc>
                   <a:txBody>
-                    <a:bodyPr vert="horz" lIns="91440" tIns="45720" rIns="91440" bIns="45720" anchor="ctr" anchorCtr="0"/>
+                    <a:bodyPr/>
+                    <a:lstStyle/>
                     <a:p>
                       <a:pPr marL="0" algn="ctr">
                         <a:lnSpc>
@@ -18255,7 +13373,7 @@
                       </a:endParaRPr>
                     </a:p>
                   </a:txBody>
-                  <a:tcPr marL="91440" marR="91440" anchor="ctr">
+                  <a:tcPr anchor="ctr">
                     <a:lnL w="3556" cap="flat" cmpd="sng" algn="ctr">
                       <a:solidFill>
                         <a:srgbClr val="000000"/>
@@ -18288,7 +13406,8 @@
                 </a:tc>
                 <a:tc>
                   <a:txBody>
-                    <a:bodyPr vert="horz" lIns="91440" tIns="45720" rIns="91440" bIns="45720" anchor="ctr" anchorCtr="0"/>
+                    <a:bodyPr/>
+                    <a:lstStyle/>
                     <a:p>
                       <a:pPr marL="0" algn="ctr">
                         <a:lnSpc>
@@ -18321,7 +13440,7 @@
                       </a:endParaRPr>
                     </a:p>
                   </a:txBody>
-                  <a:tcPr marL="91440" marR="91440" anchor="ctr">
+                  <a:tcPr anchor="ctr">
                     <a:lnL w="3556" cap="flat" cmpd="sng" algn="ctr">
                       <a:solidFill>
                         <a:srgbClr val="000000"/>
@@ -18354,7 +13473,8 @@
                 </a:tc>
                 <a:tc>
                   <a:txBody>
-                    <a:bodyPr vert="horz" lIns="91440" tIns="45720" rIns="91440" bIns="45720" anchor="ctr" anchorCtr="0"/>
+                    <a:bodyPr/>
+                    <a:lstStyle/>
                     <a:p>
                       <a:pPr marL="0" algn="just">
                         <a:lnSpc>
@@ -18387,7 +13507,7 @@
                       </a:endParaRPr>
                     </a:p>
                   </a:txBody>
-                  <a:tcPr marL="91440" marR="91440" anchor="ctr">
+                  <a:tcPr anchor="ctr">
                     <a:lnL w="3556" cap="flat" cmpd="sng" algn="ctr">
                       <a:solidFill>
                         <a:srgbClr val="000000"/>
@@ -18418,11 +13538,17 @@
                     </a:lnB>
                   </a:tcPr>
                 </a:tc>
+                <a:extLst>
+                  <a:ext uri="{0D108BD9-81ED-4DB2-BD59-A6C34878D82A}">
+                    <a16:rowId xmlns:a16="http://schemas.microsoft.com/office/drawing/2014/main" val="10005"/>
+                  </a:ext>
+                </a:extLst>
               </a:tr>
               <a:tr h="1002678">
                 <a:tc>
                   <a:txBody>
-                    <a:bodyPr vert="horz" lIns="91440" tIns="45720" rIns="91440" bIns="45720" anchor="ctr" anchorCtr="0"/>
+                    <a:bodyPr/>
+                    <a:lstStyle/>
                     <a:p>
                       <a:pPr marL="0" algn="ctr">
                         <a:lnSpc>
@@ -18445,7 +13571,7 @@
                       </a:endParaRPr>
                     </a:p>
                   </a:txBody>
-                  <a:tcPr marL="91440" marR="91440" anchor="ctr">
+                  <a:tcPr anchor="ctr">
                     <a:lnL w="3556" cap="flat" cmpd="sng" algn="ctr">
                       <a:solidFill>
                         <a:srgbClr val="000000"/>
@@ -18478,7 +13604,8 @@
                 </a:tc>
                 <a:tc>
                   <a:txBody>
-                    <a:bodyPr vert="horz" lIns="91440" tIns="45720" rIns="91440" bIns="45720" anchor="ctr" anchorCtr="0"/>
+                    <a:bodyPr/>
+                    <a:lstStyle/>
                     <a:p>
                       <a:pPr marL="0" algn="ctr">
                         <a:lnSpc>
@@ -18511,7 +13638,7 @@
                       </a:endParaRPr>
                     </a:p>
                   </a:txBody>
-                  <a:tcPr marL="91440" marR="91440" anchor="ctr">
+                  <a:tcPr anchor="ctr">
                     <a:lnL w="3556" cap="flat" cmpd="sng" algn="ctr">
                       <a:solidFill>
                         <a:srgbClr val="000000"/>
@@ -18544,7 +13671,8 @@
                 </a:tc>
                 <a:tc>
                   <a:txBody>
-                    <a:bodyPr vert="horz" lIns="91440" tIns="45720" rIns="91440" bIns="45720" anchor="ctr" anchorCtr="0"/>
+                    <a:bodyPr/>
+                    <a:lstStyle/>
                     <a:p>
                       <a:pPr marL="0" algn="ctr">
                         <a:lnSpc>
@@ -18577,7 +13705,7 @@
                       </a:endParaRPr>
                     </a:p>
                   </a:txBody>
-                  <a:tcPr marL="91440" marR="91440" anchor="ctr">
+                  <a:tcPr anchor="ctr">
                     <a:lnL w="3556" cap="flat" cmpd="sng" algn="ctr">
                       <a:solidFill>
                         <a:srgbClr val="000000"/>
@@ -18610,7 +13738,8 @@
                 </a:tc>
                 <a:tc gridSpan="2">
                   <a:txBody>
-                    <a:bodyPr vert="horz" lIns="91440" tIns="45720" rIns="91440" bIns="45720" anchor="ctr" anchorCtr="0"/>
+                    <a:bodyPr/>
+                    <a:lstStyle/>
                     <a:p>
                       <a:pPr marL="0" algn="l">
                         <a:lnSpc>
@@ -18627,20 +13756,13 @@
                       <a:r>
                         <a:rPr lang="en-US" altLang="ko-KR" sz="1400" b="1">
                           <a:solidFill>
-                            <a:srgbClr val="ff0000"/>
+                            <a:srgbClr val="FF0000"/>
                           </a:solidFill>
                           <a:latin typeface="HY강B"/>
                           <a:ea typeface="HY강B"/>
                         </a:rPr>
                         <a:t>false</a:t>
                       </a:r>
-                      <a:endParaRPr lang="en-US" altLang="ko-KR" sz="1400" b="1">
-                        <a:solidFill>
-                          <a:srgbClr val="ff0000"/>
-                        </a:solidFill>
-                        <a:latin typeface="HY강B"/>
-                        <a:ea typeface="HY강B"/>
-                      </a:endParaRPr>
                     </a:p>
                     <a:p>
                       <a:pPr marL="0" algn="just">
@@ -18714,7 +13836,7 @@
                       </a:endParaRPr>
                     </a:p>
                   </a:txBody>
-                  <a:tcPr marL="91440" marR="91440" anchor="ctr">
+                  <a:tcPr anchor="ctr">
                     <a:lnL w="3556" cap="flat" cmpd="sng" algn="ctr">
                       <a:solidFill>
                         <a:srgbClr val="000000"/>
@@ -18748,6 +13870,7 @@
                 <a:tc hMerge="1">
                   <a:txBody>
                     <a:bodyPr/>
+                    <a:lstStyle/>
                     <a:p>
                       <a:pPr latinLnBrk="1">
                         <a:defRPr lang="ko-KR" altLang="en-US"/>
@@ -18755,8 +13878,13 @@
                       <a:endParaRPr lang="ko-KR" altLang="en-US"/>
                     </a:p>
                   </a:txBody>
-                  <a:tcPr marL="91440" marR="91440"/>
+                  <a:tcPr/>
                 </a:tc>
+                <a:extLst>
+                  <a:ext uri="{0D108BD9-81ED-4DB2-BD59-A6C34878D82A}">
+                    <a16:rowId xmlns:a16="http://schemas.microsoft.com/office/drawing/2014/main" val="10006"/>
+                  </a:ext>
+                </a:extLst>
               </a:tr>
             </a:tbl>
           </a:graphicData>
@@ -18826,11 +13954,11 @@
   <p:clrMapOvr>
     <a:masterClrMapping/>
   </p:clrMapOvr>
-  <mc:AlternateContent xmlns:mc="http://schemas.openxmlformats.org/markup-compatibility/2006">
-    <mc:Choice xmlns:p14="http://schemas.microsoft.com/office/powerpoint/2010/main" Requires="p14">
-      <p:transition xmlns:mc="http://schemas.openxmlformats.org/markup-compatibility/2006" xmlns:p14="http://schemas.microsoft.com/office/powerpoint/2010/main" mc:Ignorable="p14" p14:dur="500"/>
+  <mc:AlternateContent xmlns:mc="http://schemas.openxmlformats.org/markup-compatibility/2006" xmlns:p14="http://schemas.microsoft.com/office/powerpoint/2010/main">
+    <mc:Choice Requires="p14">
+      <p:transition/>
     </mc:Choice>
-    <mc:Fallback>
+    <mc:Fallback xmlns:dsp="http://schemas.microsoft.com/office/drawing/2008/diagram" xmlns:dgm="http://schemas.openxmlformats.org/drawingml/2006/diagram" xmlns:c="http://schemas.openxmlformats.org/drawingml/2006/chart" xmlns="">
       <p:transition/>
     </mc:Fallback>
   </mc:AlternateContent>
@@ -18845,7 +13973,7 @@
 </file>
 
 <file path=ppt/slides/slide8.xml><?xml version="1.0" encoding="utf-8"?>
-<p:sld xmlns:r="http://schemas.openxmlformats.org/officeDocument/2006/relationships" xmlns:c="http://schemas.openxmlformats.org/drawingml/2006/chart" xmlns:a="http://schemas.openxmlformats.org/drawingml/2006/main" xmlns:dgm="http://schemas.openxmlformats.org/drawingml/2006/diagram" xmlns:dsp="http://schemas.microsoft.com/office/drawing/2008/diagram" xmlns:p="http://schemas.openxmlformats.org/presentationml/2006/main">
+<p:sld xmlns:a="http://schemas.openxmlformats.org/drawingml/2006/main" xmlns:r="http://schemas.openxmlformats.org/officeDocument/2006/relationships" xmlns:p="http://schemas.openxmlformats.org/presentationml/2006/main">
   <p:cSld>
     <p:spTree>
       <p:nvGrpSpPr>
@@ -18868,7 +13996,7 @@
             <a:spLocks noGrp="1"/>
           </p:cNvSpPr>
           <p:nvPr>
-            <p:ph type="title" idx="0"/>
+            <p:ph type="title"/>
           </p:nvPr>
         </p:nvSpPr>
         <p:spPr/>
@@ -18968,7 +14096,7 @@
             <a:r>
               <a:rPr lang="ko-KR" altLang="en-US">
                 <a:solidFill>
-                  <a:srgbClr val="ff00ff"/>
+                  <a:srgbClr val="FF00FF"/>
                 </a:solidFill>
               </a:rPr>
               <a:t>비정상상태</a:t>
@@ -18981,7 +14109,6 @@
               <a:rPr lang="en-US" altLang="ko-KR"/>
               <a:t>.</a:t>
             </a:r>
-            <a:endParaRPr lang="en-US" altLang="ko-KR"/>
           </a:p>
         </p:txBody>
       </p:sp>
@@ -18990,11 +14117,11 @@
   <p:clrMapOvr>
     <a:masterClrMapping/>
   </p:clrMapOvr>
-  <mc:AlternateContent xmlns:mc="http://schemas.openxmlformats.org/markup-compatibility/2006">
-    <mc:Choice xmlns:p14="http://schemas.microsoft.com/office/powerpoint/2010/main" Requires="p14">
-      <p:transition xmlns:mc="http://schemas.openxmlformats.org/markup-compatibility/2006" xmlns:p14="http://schemas.microsoft.com/office/powerpoint/2010/main" mc:Ignorable="p14" p14:dur="500"/>
+  <mc:AlternateContent xmlns:mc="http://schemas.openxmlformats.org/markup-compatibility/2006" xmlns:p14="http://schemas.microsoft.com/office/powerpoint/2010/main">
+    <mc:Choice Requires="p14">
+      <p:transition/>
     </mc:Choice>
-    <mc:Fallback>
+    <mc:Fallback xmlns:dsp="http://schemas.microsoft.com/office/drawing/2008/diagram" xmlns:dgm="http://schemas.openxmlformats.org/drawingml/2006/diagram" xmlns:c="http://schemas.openxmlformats.org/drawingml/2006/chart" xmlns="">
       <p:transition/>
     </mc:Fallback>
   </mc:AlternateContent>
@@ -19091,7 +14218,7 @@
 </file>
 
 <file path=ppt/slides/slide9.xml><?xml version="1.0" encoding="utf-8"?>
-<p:sld xmlns:r="http://schemas.openxmlformats.org/officeDocument/2006/relationships" xmlns:c="http://schemas.openxmlformats.org/drawingml/2006/chart" xmlns:a="http://schemas.openxmlformats.org/drawingml/2006/main" xmlns:dgm="http://schemas.openxmlformats.org/drawingml/2006/diagram" xmlns:dsp="http://schemas.microsoft.com/office/drawing/2008/diagram" xmlns:p="http://schemas.openxmlformats.org/presentationml/2006/main">
+<p:sld xmlns:a="http://schemas.openxmlformats.org/drawingml/2006/main" xmlns:r="http://schemas.openxmlformats.org/officeDocument/2006/relationships" xmlns:p="http://schemas.openxmlformats.org/presentationml/2006/main">
   <p:cSld>
     <p:spTree>
       <p:nvGrpSpPr>
@@ -19124,19 +14251,19 @@
           <a:gradFill flip="none" rotWithShape="1">
             <a:gsLst>
               <a:gs pos="0">
-                <a:srgbClr val="ff00ff">
+                <a:srgbClr val="FF00FF">
                   <a:tint val="66000"/>
                   <a:satMod val="160000"/>
                 </a:srgbClr>
               </a:gs>
               <a:gs pos="50000">
-                <a:srgbClr val="ff00ff">
+                <a:srgbClr val="FF00FF">
                   <a:tint val="44500"/>
                   <a:satMod val="160000"/>
                 </a:srgbClr>
               </a:gs>
               <a:gs pos="100000">
-                <a:srgbClr val="ff00ff">
+                <a:srgbClr val="FF00FF">
                   <a:tint val="23500"/>
                   <a:satMod val="160000"/>
                 </a:srgbClr>
@@ -19214,7 +14341,7 @@
           <p:nvPr/>
         </p:nvGrpSpPr>
         <p:grpSpPr>
-          <a:xfrm rot="0">
+          <a:xfrm>
             <a:off x="500034" y="1714488"/>
             <a:ext cx="8240713" cy="4673600"/>
             <a:chOff x="500034" y="1714488"/>
@@ -19273,7 +14400,7 @@
             <a:noFill/>
             <a:ln w="28575" cap="flat" cmpd="sng" algn="ctr">
               <a:solidFill>
-                <a:srgbClr val="ff0000"/>
+                <a:srgbClr val="FF0000"/>
               </a:solidFill>
               <a:prstDash val="solid"/>
               <a:round/>
@@ -19332,7 +14459,7 @@
             <a:noFill/>
             <a:ln w="28575" cap="flat" cmpd="sng" algn="ctr">
               <a:solidFill>
-                <a:srgbClr val="ff0000"/>
+                <a:srgbClr val="FF0000"/>
               </a:solidFill>
               <a:prstDash val="solid"/>
               <a:round/>
@@ -19391,7 +14518,7 @@
             <a:noFill/>
             <a:ln w="28575" cap="flat" cmpd="sng" algn="ctr">
               <a:solidFill>
-                <a:srgbClr val="ff0000"/>
+                <a:srgbClr val="FF0000"/>
               </a:solidFill>
               <a:prstDash val="solid"/>
               <a:round/>
@@ -19437,11 +14564,11 @@
   <p:clrMapOvr>
     <a:masterClrMapping/>
   </p:clrMapOvr>
-  <mc:AlternateContent xmlns:mc="http://schemas.openxmlformats.org/markup-compatibility/2006">
-    <mc:Choice xmlns:p14="http://schemas.microsoft.com/office/powerpoint/2010/main" Requires="p14">
-      <p:transition xmlns:mc="http://schemas.openxmlformats.org/markup-compatibility/2006" xmlns:p14="http://schemas.microsoft.com/office/powerpoint/2010/main" mc:Ignorable="p14" p14:dur="500"/>
+  <mc:AlternateContent xmlns:mc="http://schemas.openxmlformats.org/markup-compatibility/2006" xmlns:p14="http://schemas.microsoft.com/office/powerpoint/2010/main">
+    <mc:Choice Requires="p14">
+      <p:transition/>
     </mc:Choice>
-    <mc:Fallback>
+    <mc:Fallback xmlns:dsp="http://schemas.microsoft.com/office/drawing/2008/diagram" xmlns:dgm="http://schemas.openxmlformats.org/drawingml/2006/diagram" xmlns:c="http://schemas.openxmlformats.org/drawingml/2006/chart" xmlns="">
       <p:transition/>
     </mc:Fallback>
   </mc:AlternateContent>
@@ -19456,44 +14583,44 @@
 </file>
 
 <file path=ppt/theme/theme1.xml><?xml version="1.0" encoding="utf-8"?>
-<a:theme xmlns:r="http://schemas.openxmlformats.org/officeDocument/2006/relationships" xmlns:c="http://schemas.openxmlformats.org/drawingml/2006/chart" xmlns:dgm="http://schemas.openxmlformats.org/drawingml/2006/diagram" xmlns:dsp="http://schemas.microsoft.com/office/drawing/2008/diagram" xmlns:a="http://schemas.openxmlformats.org/drawingml/2006/main" xmlns:pic="http://schemas.openxmlformats.org/drawingml/2006/picture" xmlns:wp="http://schemas.openxmlformats.org/drawingml/2006/wordprocessingDrawing" xmlns:xdr="http://schemas.openxmlformats.org/drawingml/2006/spreadsheetDrawing" name="미래">
+<a:theme xmlns:a="http://schemas.openxmlformats.org/drawingml/2006/main" name="미래">
   <a:themeElements>
     <a:clrScheme name="미래">
       <a:dk1>
         <a:srgbClr val="777777"/>
       </a:dk1>
       <a:lt1>
-        <a:srgbClr val="ffffff"/>
+        <a:srgbClr val="FFFFFF"/>
       </a:lt1>
       <a:dk2>
-        <a:srgbClr val="af0948"/>
+        <a:srgbClr val="AF0948"/>
       </a:dk2>
       <a:lt2>
-        <a:srgbClr val="c9c9c9"/>
+        <a:srgbClr val="C9C9C9"/>
       </a:lt2>
       <a:accent1>
-        <a:srgbClr val="3b3b3b"/>
+        <a:srgbClr val="3B3B3B"/>
       </a:accent1>
       <a:accent2>
-        <a:srgbClr val="00b0f0"/>
+        <a:srgbClr val="00B0F0"/>
       </a:accent2>
       <a:accent3>
-        <a:srgbClr val="fbc0d7"/>
+        <a:srgbClr val="FBC0D7"/>
       </a:accent3>
       <a:accent4>
-        <a:srgbClr val="6e426e"/>
+        <a:srgbClr val="6E426E"/>
       </a:accent4>
       <a:accent5>
-        <a:srgbClr val="42d0d0"/>
+        <a:srgbClr val="42D0D0"/>
       </a:accent5>
       <a:accent6>
         <a:srgbClr val="800000"/>
       </a:accent6>
       <a:hlink>
-        <a:srgbClr val="ffcc00"/>
+        <a:srgbClr val="FFCC00"/>
       </a:hlink>
       <a:folHlink>
-        <a:srgbClr val="ff3300"/>
+        <a:srgbClr val="FF3300"/>
       </a:folHlink>
     </a:clrScheme>
     <a:fontScheme name="미래">
@@ -19722,5 +14849,7 @@
       </a:bgFillStyleLst>
     </a:fmtScheme>
   </a:themeElements>
+  <a:objectDefaults/>
+  <a:extraClrSchemeLst/>
 </a:theme>
 </file>